--- a/Cheatsheet/MLExpResso-cheatsheet.pptx
+++ b/Cheatsheet/MLExpResso-cheatsheet.pptx
@@ -1566,7 +1566,7 @@
           </a:ln>
           <a:extLst>
             <a:ext uri="{C572A759-6A51-4108-AA02-DFA0A04FC94B}">
-              <ma14:wrappingTextBoxFlag xmlns="" xmlns:ma14="http://schemas.microsoft.com/office/mac/drawingml/2011/main" val="1"/>
+              <ma14:wrappingTextBoxFlag xmlns:ma14="http://schemas.microsoft.com/office/mac/drawingml/2011/main" xmlns="" val="1"/>
             </a:ext>
           </a:extLst>
         </p:spPr>
@@ -1609,7 +1609,7 @@
           </a:ln>
           <a:extLst>
             <a:ext uri="{C572A759-6A51-4108-AA02-DFA0A04FC94B}">
-              <ma14:wrappingTextBoxFlag xmlns="" xmlns:ma14="http://schemas.microsoft.com/office/mac/drawingml/2011/main" val="1"/>
+              <ma14:wrappingTextBoxFlag xmlns:ma14="http://schemas.microsoft.com/office/mac/drawingml/2011/main" xmlns="" val="1"/>
             </a:ext>
           </a:extLst>
         </p:spPr>
@@ -2090,7 +2090,7 @@
         <p:spPr>
           <a:xfrm>
             <a:off x="275431" y="4173990"/>
-            <a:ext cx="6475492" cy="2160853"/>
+            <a:ext cx="6475492" cy="3434316"/>
           </a:xfrm>
           <a:prstGeom prst="roundRect">
             <a:avLst>
@@ -2098,9 +2098,7 @@
             </a:avLst>
           </a:prstGeom>
           <a:solidFill>
-            <a:srgbClr val="4A3C89">
-              <a:alpha val="20000"/>
-            </a:srgbClr>
+            <a:srgbClr val="FFFFFF"/>
           </a:solidFill>
           <a:ln w="12700">
             <a:miter lim="400000"/>
@@ -2110,15 +2108,12 @@
           <a:bodyPr lIns="0" tIns="0" rIns="0" bIns="0" anchor="ctr"/>
           <a:lstStyle/>
           <a:p>
-            <a:pPr lvl="0" algn="l">
-              <a:defRPr sz="1000">
-                <a:latin typeface="Menlo"/>
-                <a:ea typeface="Menlo"/>
-                <a:cs typeface="Menlo"/>
-                <a:sym typeface="Menlo"/>
-              </a:defRPr>
-            </a:pPr>
-            <a:endParaRPr/>
+            <a:pPr algn="l"/>
+            <a:endParaRPr sz="1000">
+              <a:latin typeface="Menlo"/>
+              <a:ea typeface="Menlo"/>
+              <a:cs typeface="Menlo"/>
+            </a:endParaRPr>
           </a:p>
         </p:txBody>
       </p:sp>
@@ -2259,7 +2254,7 @@
           </a:ln>
           <a:extLst>
             <a:ext uri="{C572A759-6A51-4108-AA02-DFA0A04FC94B}">
-              <ma14:wrappingTextBoxFlag xmlns:ma14="http://schemas.microsoft.com/office/mac/drawingml/2011/main" xmlns="" val="1"/>
+              <ma14:wrappingTextBoxFlag xmlns="" xmlns:ma14="http://schemas.microsoft.com/office/mac/drawingml/2011/main" val="1"/>
             </a:ext>
           </a:extLst>
         </p:spPr>
@@ -2313,7 +2308,7 @@
           </a:ln>
           <a:extLst>
             <a:ext uri="{C572A759-6A51-4108-AA02-DFA0A04FC94B}">
-              <ma14:wrappingTextBoxFlag xmlns:ma14="http://schemas.microsoft.com/office/mac/drawingml/2011/main" xmlns="" val="1"/>
+              <ma14:wrappingTextBoxFlag xmlns="" xmlns:ma14="http://schemas.microsoft.com/office/mac/drawingml/2011/main" val="1"/>
             </a:ext>
           </a:extLst>
         </p:spPr>
@@ -2401,7 +2396,7 @@
           </a:ln>
           <a:extLst>
             <a:ext uri="{C572A759-6A51-4108-AA02-DFA0A04FC94B}">
-              <ma14:wrappingTextBoxFlag xmlns:ma14="http://schemas.microsoft.com/office/mac/drawingml/2011/main" xmlns="" val="1"/>
+              <ma14:wrappingTextBoxFlag xmlns="" xmlns:ma14="http://schemas.microsoft.com/office/mac/drawingml/2011/main" val="1"/>
             </a:ext>
           </a:extLst>
         </p:spPr>
@@ -2471,7 +2466,7 @@
           </a:ln>
           <a:extLst>
             <a:ext uri="{C572A759-6A51-4108-AA02-DFA0A04FC94B}">
-              <ma14:wrappingTextBoxFlag xmlns:ma14="http://schemas.microsoft.com/office/mac/drawingml/2011/main" xmlns="" val="1"/>
+              <ma14:wrappingTextBoxFlag xmlns="" xmlns:ma14="http://schemas.microsoft.com/office/mac/drawingml/2011/main" val="1"/>
             </a:ext>
           </a:extLst>
         </p:spPr>
@@ -2523,7 +2518,9 @@
             </a:avLst>
           </a:prstGeom>
           <a:solidFill>
-            <a:srgbClr val="FFFFFF"/>
+            <a:srgbClr val="4A3C89">
+              <a:alpha val="20000"/>
+            </a:srgbClr>
           </a:solidFill>
           <a:ln w="12700">
             <a:miter lim="400000"/>
@@ -2533,15 +2530,12 @@
           <a:bodyPr lIns="0" tIns="0" rIns="0" bIns="0" anchor="ctr"/>
           <a:lstStyle/>
           <a:p>
-            <a:pPr lvl="0" algn="l">
-              <a:defRPr sz="1000">
-                <a:latin typeface="Menlo"/>
-                <a:ea typeface="Menlo"/>
-                <a:cs typeface="Menlo"/>
-                <a:sym typeface="Menlo"/>
-              </a:defRPr>
-            </a:pPr>
-            <a:endParaRPr/>
+            <a:pPr algn="l"/>
+            <a:endParaRPr sz="1000">
+              <a:latin typeface="Menlo"/>
+              <a:ea typeface="Menlo"/>
+              <a:cs typeface="Menlo"/>
+            </a:endParaRPr>
           </a:p>
         </p:txBody>
       </p:sp>
@@ -2569,7 +2563,7 @@
           </a:ln>
           <a:extLst>
             <a:ext uri="{C572A759-6A51-4108-AA02-DFA0A04FC94B}">
-              <ma14:wrappingTextBoxFlag xmlns:ma14="http://schemas.microsoft.com/office/mac/drawingml/2011/main" xmlns="" val="1"/>
+              <ma14:wrappingTextBoxFlag xmlns="" xmlns:ma14="http://schemas.microsoft.com/office/mac/drawingml/2011/main" val="1"/>
             </a:ext>
           </a:extLst>
         </p:spPr>
@@ -2621,7 +2615,9 @@
             </a:avLst>
           </a:prstGeom>
           <a:solidFill>
-            <a:srgbClr val="FFFFFF"/>
+            <a:srgbClr val="4A3C89">
+              <a:alpha val="20000"/>
+            </a:srgbClr>
           </a:solidFill>
           <a:ln w="12700">
             <a:miter lim="400000"/>
@@ -2631,15 +2627,12 @@
           <a:bodyPr lIns="0" tIns="0" rIns="0" bIns="0" anchor="ctr"/>
           <a:lstStyle/>
           <a:p>
-            <a:pPr lvl="0" algn="l">
-              <a:defRPr sz="1000">
-                <a:latin typeface="Menlo"/>
-                <a:ea typeface="Menlo"/>
-                <a:cs typeface="Menlo"/>
-                <a:sym typeface="Menlo"/>
-              </a:defRPr>
-            </a:pPr>
-            <a:endParaRPr/>
+            <a:pPr algn="l"/>
+            <a:endParaRPr sz="1000">
+              <a:latin typeface="Menlo"/>
+              <a:ea typeface="Menlo"/>
+              <a:cs typeface="Menlo"/>
+            </a:endParaRPr>
           </a:p>
         </p:txBody>
       </p:sp>
@@ -2667,7 +2660,7 @@
           </a:ln>
           <a:extLst>
             <a:ext uri="{C572A759-6A51-4108-AA02-DFA0A04FC94B}">
-              <ma14:wrappingTextBoxFlag xmlns:ma14="http://schemas.microsoft.com/office/mac/drawingml/2011/main" xmlns="" val="1"/>
+              <ma14:wrappingTextBoxFlag xmlns="" xmlns:ma14="http://schemas.microsoft.com/office/mac/drawingml/2011/main" val="1"/>
             </a:ext>
           </a:extLst>
         </p:spPr>
@@ -2709,14 +2702,14 @@
           <p:nvPr>
             <p:extLst>
               <p:ext uri="{D42A27DB-BD31-4B8C-83A1-F6EECF244321}">
-                <p14:modId xmlns:p14="http://schemas.microsoft.com/office/powerpoint/2010/main" val="579530281"/>
+                <p14:modId xmlns:p14="http://schemas.microsoft.com/office/powerpoint/2010/main" val="3547682048"/>
               </p:ext>
             </p:extLst>
           </p:nvPr>
         </p:nvGraphicFramePr>
         <p:xfrm>
-          <a:off x="3521518" y="4464201"/>
-          <a:ext cx="3058218" cy="990600"/>
+          <a:off x="4317161" y="6668733"/>
+          <a:ext cx="2124550" cy="762000"/>
         </p:xfrm>
         <a:graphic>
           <a:graphicData uri="http://schemas.openxmlformats.org/drawingml/2006/table">
@@ -2725,8 +2718,8 @@
                 <a:tableStyleId>{4C3C2611-4C71-4FC5-86AE-919BDF0F9419}</a:tableStyleId>
               </a:tblPr>
               <a:tblGrid>
-                <a:gridCol w="1144233"/>
-                <a:gridCol w="1913985"/>
+                <a:gridCol w="724259"/>
+                <a:gridCol w="1400291"/>
               </a:tblGrid>
               <a:tr h="190500">
                 <a:tc>
@@ -2736,16 +2729,22 @@
                     <a:p>
                       <a:pPr lvl="0" algn="l" defTabSz="914400"/>
                       <a:r>
-                        <a:rPr sz="1000" dirty="0" err="1" smtClean="0">
+                        <a:rPr lang="pl-PL" sz="1000" dirty="0" smtClean="0">
                           <a:sym typeface="Source Sans Pro"/>
                         </a:rPr>
-                        <a:t>expect_equal</a:t>
+                        <a:t> '</a:t>
                       </a:r>
                       <a:r>
-                        <a:rPr sz="1000" dirty="0" smtClean="0">
+                        <a:rPr lang="pl-PL" sz="1000" dirty="0" err="1" smtClean="0">
                           <a:sym typeface="Source Sans Pro"/>
                         </a:rPr>
-                        <a:t>()</a:t>
+                        <a:t>ttest</a:t>
+                      </a:r>
+                      <a:r>
+                        <a:rPr lang="pl-PL" sz="1000" dirty="0" smtClean="0">
+                          <a:sym typeface="Source Sans Pro"/>
+                        </a:rPr>
+                        <a:t>'</a:t>
                       </a:r>
                       <a:endParaRPr sz="1000" dirty="0">
                         <a:latin typeface="Source Sans Pro"/>
@@ -2764,10 +2763,16 @@
                     <a:p>
                       <a:pPr lvl="0" algn="l" defTabSz="914400"/>
                       <a:r>
-                        <a:rPr sz="1000" dirty="0">
+                        <a:rPr lang="pl-PL" sz="1000" dirty="0" err="1" smtClean="0">
                           <a:sym typeface="Source Sans Pro"/>
                         </a:rPr>
-                        <a:t>is equal within small numerical tolerance?</a:t>
+                        <a:t>student's</a:t>
+                      </a:r>
+                      <a:r>
+                        <a:rPr lang="pl-PL" sz="1000" dirty="0" smtClean="0">
+                          <a:sym typeface="Source Sans Pro"/>
+                        </a:rPr>
+                        <a:t> t-test</a:t>
                       </a:r>
                       <a:endParaRPr sz="1000" dirty="0">
                         <a:latin typeface="Source Sans Pro"/>
@@ -2788,12 +2793,12 @@
                     <a:p>
                       <a:pPr lvl="0" algn="l" defTabSz="914400"/>
                       <a:r>
-                        <a:rPr sz="1000" smtClean="0">
+                        <a:rPr lang="pl-PL" sz="1000" dirty="0" smtClean="0">
                           <a:sym typeface="Source Sans Pro"/>
                         </a:rPr>
-                        <a:t>expect_identical()</a:t>
+                        <a:t> 'nbinom2'</a:t>
                       </a:r>
-                      <a:endParaRPr sz="1000">
+                      <a:endParaRPr sz="1000" dirty="0">
                         <a:latin typeface="Source Sans Pro"/>
                         <a:ea typeface="Source Sans Pro"/>
                         <a:cs typeface="Source Sans Pro"/>
@@ -2810,12 +2815,30 @@
                     <a:p>
                       <a:pPr lvl="0" algn="l" defTabSz="914400"/>
                       <a:r>
-                        <a:rPr sz="1000">
+                        <a:rPr lang="pl-PL" sz="1000" dirty="0" err="1" smtClean="0">
                           <a:sym typeface="Source Sans Pro"/>
                         </a:rPr>
-                        <a:t>is exactly equal?</a:t>
+                        <a:t>negative</a:t>
                       </a:r>
-                      <a:endParaRPr sz="1000">
+                      <a:r>
+                        <a:rPr lang="pl-PL" sz="1000" baseline="0" dirty="0" smtClean="0">
+                          <a:sym typeface="Source Sans Pro"/>
+                        </a:rPr>
+                        <a:t> </a:t>
+                      </a:r>
+                      <a:r>
+                        <a:rPr lang="pl-PL" sz="1000" baseline="0" dirty="0" err="1" smtClean="0">
+                          <a:sym typeface="Source Sans Pro"/>
+                        </a:rPr>
+                        <a:t>binomial</a:t>
+                      </a:r>
+                      <a:r>
+                        <a:rPr lang="pl-PL" sz="1000" baseline="0" dirty="0" smtClean="0">
+                          <a:sym typeface="Source Sans Pro"/>
+                        </a:rPr>
+                        <a:t> test</a:t>
+                      </a:r>
+                      <a:endParaRPr sz="1000" dirty="0">
                         <a:latin typeface="Source Sans Pro"/>
                         <a:ea typeface="Source Sans Pro"/>
                         <a:cs typeface="Source Sans Pro"/>
@@ -2834,12 +2857,24 @@
                     <a:p>
                       <a:pPr lvl="0" algn="l" defTabSz="914400"/>
                       <a:r>
-                        <a:rPr sz="1000" smtClean="0">
+                        <a:rPr lang="pl-PL" sz="1000" dirty="0" smtClean="0">
                           <a:sym typeface="Source Sans Pro"/>
                         </a:rPr>
-                        <a:t>expect_match()</a:t>
+                        <a:t> '</a:t>
                       </a:r>
-                      <a:endParaRPr sz="1000">
+                      <a:r>
+                        <a:rPr lang="pl-PL" sz="1000" dirty="0" err="1" smtClean="0">
+                          <a:sym typeface="Source Sans Pro"/>
+                        </a:rPr>
+                        <a:t>lrt</a:t>
+                      </a:r>
+                      <a:r>
+                        <a:rPr lang="pl-PL" sz="1000" dirty="0" smtClean="0">
+                          <a:sym typeface="Source Sans Pro"/>
+                        </a:rPr>
+                        <a:t>'</a:t>
+                      </a:r>
+                      <a:endParaRPr sz="1000" dirty="0">
                         <a:latin typeface="Source Sans Pro"/>
                         <a:ea typeface="Source Sans Pro"/>
                         <a:cs typeface="Source Sans Pro"/>
@@ -2856,12 +2891,18 @@
                     <a:p>
                       <a:pPr lvl="0" algn="l" defTabSz="914400"/>
                       <a:r>
-                        <a:rPr sz="1000">
+                        <a:rPr lang="pl-PL" sz="1000" dirty="0" err="1" smtClean="0">
                           <a:sym typeface="Source Sans Pro"/>
                         </a:rPr>
-                        <a:t>matches specified string or regular expression?</a:t>
+                        <a:t>likelihood</a:t>
                       </a:r>
-                      <a:endParaRPr sz="1000">
+                      <a:r>
+                        <a:rPr lang="pl-PL" sz="1000" dirty="0" smtClean="0">
+                          <a:sym typeface="Source Sans Pro"/>
+                        </a:rPr>
+                        <a:t>-ratio test</a:t>
+                      </a:r>
+                      <a:endParaRPr sz="1000" dirty="0">
                         <a:latin typeface="Source Sans Pro"/>
                         <a:ea typeface="Source Sans Pro"/>
                         <a:cs typeface="Source Sans Pro"/>
@@ -2880,16 +2921,22 @@
                     <a:p>
                       <a:pPr lvl="0" algn="l" defTabSz="914400"/>
                       <a:r>
-                        <a:rPr sz="1000" dirty="0" err="1" smtClean="0">
+                        <a:rPr lang="pl-PL" sz="1000" dirty="0" smtClean="0">
                           <a:sym typeface="Source Sans Pro"/>
                         </a:rPr>
-                        <a:t>expect_output</a:t>
+                        <a:t> '</a:t>
                       </a:r>
                       <a:r>
-                        <a:rPr sz="1000" dirty="0" smtClean="0">
+                        <a:rPr lang="pl-PL" sz="1000" dirty="0" err="1" smtClean="0">
                           <a:sym typeface="Source Sans Pro"/>
                         </a:rPr>
-                        <a:t>()</a:t>
+                        <a:t>qlf</a:t>
+                      </a:r>
+                      <a:r>
+                        <a:rPr lang="pl-PL" sz="1000" dirty="0" smtClean="0">
+                          <a:sym typeface="Source Sans Pro"/>
+                        </a:rPr>
+                        <a:t>'</a:t>
                       </a:r>
                       <a:endParaRPr sz="1000" dirty="0">
                         <a:latin typeface="Source Sans Pro"/>
@@ -2908,10 +2955,22 @@
                     <a:p>
                       <a:pPr lvl="0" algn="l" defTabSz="914400"/>
                       <a:r>
-                        <a:rPr sz="1000" dirty="0">
+                        <a:rPr lang="pl-PL" sz="1000" dirty="0" smtClean="0">
                           <a:sym typeface="Source Sans Pro"/>
                         </a:rPr>
-                        <a:t>prints specified output?</a:t>
+                        <a:t>quasi-</a:t>
+                      </a:r>
+                      <a:r>
+                        <a:rPr lang="pl-PL" sz="1000" dirty="0" err="1" smtClean="0">
+                          <a:sym typeface="Source Sans Pro"/>
+                        </a:rPr>
+                        <a:t>likelihood</a:t>
+                      </a:r>
+                      <a:r>
+                        <a:rPr lang="pl-PL" sz="1000" dirty="0" smtClean="0">
+                          <a:sym typeface="Source Sans Pro"/>
+                        </a:rPr>
+                        <a:t> F-test</a:t>
                       </a:r>
                       <a:endParaRPr sz="1000" dirty="0">
                         <a:latin typeface="Source Sans Pro"/>
@@ -2982,7 +3041,7 @@
           </a:ln>
           <a:extLst>
             <a:ext uri="{C572A759-6A51-4108-AA02-DFA0A04FC94B}">
-              <ma14:wrappingTextBoxFlag xmlns:ma14="http://schemas.microsoft.com/office/mac/drawingml/2011/main" xmlns="" val="1"/>
+              <ma14:wrappingTextBoxFlag xmlns="" xmlns:ma14="http://schemas.microsoft.com/office/mac/drawingml/2011/main" val="1"/>
             </a:ext>
           </a:extLst>
         </p:spPr>
@@ -3025,8 +3084,8 @@
         </p:nvSpPr>
         <p:spPr>
           <a:xfrm>
-            <a:off x="275431" y="6575423"/>
-            <a:ext cx="6475492" cy="3675387"/>
+            <a:off x="275431" y="7919001"/>
+            <a:ext cx="6475492" cy="2331809"/>
           </a:xfrm>
           <a:prstGeom prst="roundRect">
             <a:avLst>
@@ -3064,8 +3123,8 @@
         </p:nvSpPr>
         <p:spPr>
           <a:xfrm>
-            <a:off x="275431" y="6437709"/>
-            <a:ext cx="6475492" cy="246840"/>
+            <a:off x="275431" y="7732590"/>
+            <a:ext cx="6475492" cy="249294"/>
           </a:xfrm>
           <a:prstGeom prst="roundRect">
             <a:avLst>
@@ -3080,7 +3139,7 @@
           </a:ln>
           <a:extLst>
             <a:ext uri="{C572A759-6A51-4108-AA02-DFA0A04FC94B}">
-              <ma14:wrappingTextBoxFlag xmlns:ma14="http://schemas.microsoft.com/office/mac/drawingml/2011/main" xmlns="" val="1"/>
+              <ma14:wrappingTextBoxFlag xmlns="" xmlns:ma14="http://schemas.microsoft.com/office/mac/drawingml/2011/main" val="1"/>
             </a:ext>
           </a:extLst>
         </p:spPr>
@@ -3101,7 +3160,7 @@
                 <a:cs typeface="Source Sans Pro"/>
                 <a:sym typeface="Source Sans Pro"/>
               </a:rPr>
-              <a:t>Visuzalization</a:t>
+              <a:t>Plots</a:t>
             </a:r>
             <a:endParaRPr sz="1400" dirty="0">
               <a:solidFill>
@@ -3124,7 +3183,7 @@
         <p:spPr>
           <a:xfrm>
             <a:off x="7094220" y="4153968"/>
-            <a:ext cx="6507480" cy="2180875"/>
+            <a:ext cx="6507480" cy="3454338"/>
           </a:xfrm>
           <a:prstGeom prst="roundRect">
             <a:avLst>
@@ -3132,9 +3191,7 @@
             </a:avLst>
           </a:prstGeom>
           <a:solidFill>
-            <a:srgbClr val="4A3C89">
-              <a:alpha val="20000"/>
-            </a:srgbClr>
+            <a:srgbClr val="FFFFFF"/>
           </a:solidFill>
           <a:ln w="12700">
             <a:miter lim="400000"/>
@@ -3177,7 +3234,7 @@
           </a:ln>
           <a:extLst>
             <a:ext uri="{C572A759-6A51-4108-AA02-DFA0A04FC94B}">
-              <ma14:wrappingTextBoxFlag xmlns:ma14="http://schemas.microsoft.com/office/mac/drawingml/2011/main" xmlns="" val="1"/>
+              <ma14:wrappingTextBoxFlag xmlns="" xmlns:ma14="http://schemas.microsoft.com/office/mac/drawingml/2011/main" val="1"/>
             </a:ext>
           </a:extLst>
         </p:spPr>
@@ -3189,7 +3246,7 @@
               <a:defRPr sz="1800"/>
             </a:pPr>
             <a:r>
-              <a:rPr sz="1400">
+              <a:rPr lang="pl-PL" sz="1400" dirty="0" err="1" smtClean="0">
                 <a:solidFill>
                   <a:srgbClr val="FFFFFF"/>
                 </a:solidFill>
@@ -3198,8 +3255,17 @@
                 <a:cs typeface="Source Sans Pro"/>
                 <a:sym typeface="Source Sans Pro"/>
               </a:rPr>
-              <a:t>Fonts</a:t>
-            </a:r>
+              <a:t>Tests</a:t>
+            </a:r>
+            <a:endParaRPr sz="1400" dirty="0">
+              <a:solidFill>
+                <a:srgbClr val="FFFFFF"/>
+              </a:solidFill>
+              <a:latin typeface="Source Sans Pro"/>
+              <a:ea typeface="Source Sans Pro"/>
+              <a:cs typeface="Source Sans Pro"/>
+              <a:sym typeface="Source Sans Pro"/>
+            </a:endParaRPr>
           </a:p>
         </p:txBody>
       </p:sp>
@@ -3211,8 +3277,8 @@
         </p:nvSpPr>
         <p:spPr>
           <a:xfrm>
-            <a:off x="7094220" y="6575423"/>
-            <a:ext cx="6507480" cy="3675387"/>
+            <a:off x="7094220" y="7919001"/>
+            <a:ext cx="6507480" cy="2331809"/>
           </a:xfrm>
           <a:prstGeom prst="roundRect">
             <a:avLst>
@@ -3250,7 +3316,7 @@
         </p:nvSpPr>
         <p:spPr>
           <a:xfrm>
-            <a:off x="7094226" y="6435256"/>
+            <a:off x="7096588" y="7732590"/>
             <a:ext cx="6506378" cy="249294"/>
           </a:xfrm>
           <a:prstGeom prst="roundRect">
@@ -3266,7 +3332,7 @@
           </a:ln>
           <a:extLst>
             <a:ext uri="{C572A759-6A51-4108-AA02-DFA0A04FC94B}">
-              <ma14:wrappingTextBoxFlag xmlns:ma14="http://schemas.microsoft.com/office/mac/drawingml/2011/main" xmlns="" val="1"/>
+              <ma14:wrappingTextBoxFlag xmlns="" xmlns:ma14="http://schemas.microsoft.com/office/mac/drawingml/2011/main" val="1"/>
             </a:ext>
           </a:extLst>
         </p:spPr>
@@ -3278,7 +3344,7 @@
               <a:defRPr sz="1800"/>
             </a:pPr>
             <a:r>
-              <a:rPr sz="1400">
+              <a:rPr lang="pl-PL" sz="1400" dirty="0" err="1" smtClean="0">
                 <a:solidFill>
                   <a:srgbClr val="FFFFFF"/>
                 </a:solidFill>
@@ -3287,11 +3353,1455 @@
                 <a:cs typeface="Source Sans Pro"/>
                 <a:sym typeface="Source Sans Pro"/>
               </a:rPr>
-              <a:t>Fonts</a:t>
-            </a:r>
+              <a:t>Plots</a:t>
+            </a:r>
+            <a:endParaRPr sz="1400" dirty="0">
+              <a:solidFill>
+                <a:srgbClr val="FFFFFF"/>
+              </a:solidFill>
+              <a:latin typeface="Source Sans Pro"/>
+              <a:ea typeface="Source Sans Pro"/>
+              <a:cs typeface="Source Sans Pro"/>
+              <a:sym typeface="Source Sans Pro"/>
+            </a:endParaRPr>
           </a:p>
         </p:txBody>
       </p:sp>
+      <p:sp>
+        <p:nvSpPr>
+          <p:cNvPr id="23" name="Shape 294"/>
+          <p:cNvSpPr/>
+          <p:nvPr/>
+        </p:nvSpPr>
+        <p:spPr>
+          <a:xfrm>
+            <a:off x="3420598" y="2259101"/>
+            <a:ext cx="3260058" cy="886397"/>
+          </a:xfrm>
+          <a:prstGeom prst="rect">
+            <a:avLst/>
+          </a:prstGeom>
+          <a:solidFill>
+            <a:srgbClr val="FFFFFF"/>
+          </a:solidFill>
+          <a:ln w="12700">
+            <a:solidFill>
+              <a:srgbClr val="A6AAA9"/>
+            </a:solidFill>
+            <a:miter lim="400000"/>
+          </a:ln>
+          <a:extLst>
+            <a:ext uri="{C572A759-6A51-4108-AA02-DFA0A04FC94B}">
+              <ma14:wrappingTextBoxFlag xmlns="" xmlns:ma14="http://schemas.microsoft.com/office/mac/drawingml/2011/main" val="1"/>
+            </a:ext>
+          </a:extLst>
+        </p:spPr>
+        <p:txBody>
+          <a:bodyPr wrap="square" lIns="0" tIns="0" rIns="0" bIns="0" anchor="ctr">
+            <a:spAutoFit/>
+          </a:bodyPr>
+          <a:lstStyle/>
+          <a:p>
+            <a:pPr lvl="0" algn="l">
+              <a:lnSpc>
+                <a:spcPct val="120000"/>
+              </a:lnSpc>
+              <a:defRPr sz="1800"/>
+            </a:pPr>
+            <a:r>
+              <a:rPr lang="pl-PL" sz="1200" dirty="0" smtClean="0">
+                <a:latin typeface="Menlo"/>
+                <a:ea typeface="Menlo"/>
+                <a:cs typeface="Menlo"/>
+                <a:sym typeface="Menlo"/>
+              </a:rPr>
+              <a:t> </a:t>
+            </a:r>
+            <a:r>
+              <a:rPr lang="pl-PL" sz="1200" dirty="0" err="1" smtClean="0">
+                <a:latin typeface="Menlo"/>
+                <a:ea typeface="Menlo"/>
+                <a:cs typeface="Menlo"/>
+                <a:sym typeface="Menlo"/>
+              </a:rPr>
+              <a:t>l</a:t>
+            </a:r>
+            <a:r>
+              <a:rPr lang="pl-PL" sz="1200" dirty="0" err="1" smtClean="0">
+                <a:latin typeface="Menlo"/>
+                <a:ea typeface="Menlo"/>
+                <a:cs typeface="Menlo"/>
+                <a:sym typeface="Menlo"/>
+              </a:rPr>
+              <a:t>ibrary</a:t>
+            </a:r>
+            <a:r>
+              <a:rPr lang="pl-PL" sz="1200" dirty="0" smtClean="0">
+                <a:latin typeface="Menlo"/>
+                <a:ea typeface="Menlo"/>
+                <a:cs typeface="Menlo"/>
+                <a:sym typeface="Menlo"/>
+              </a:rPr>
+              <a:t>(</a:t>
+            </a:r>
+            <a:r>
+              <a:rPr lang="pl-PL" sz="1200" dirty="0" err="1" smtClean="0">
+                <a:latin typeface="Menlo"/>
+                <a:ea typeface="Menlo"/>
+                <a:cs typeface="Menlo"/>
+                <a:sym typeface="Menlo"/>
+              </a:rPr>
+              <a:t>MLExpRessodata</a:t>
+            </a:r>
+            <a:r>
+              <a:rPr lang="pl-PL" sz="1200" dirty="0" smtClean="0">
+                <a:latin typeface="Menlo"/>
+                <a:ea typeface="Menlo"/>
+                <a:cs typeface="Menlo"/>
+                <a:sym typeface="Menlo"/>
+              </a:rPr>
+              <a:t>)</a:t>
+            </a:r>
+          </a:p>
+          <a:p>
+            <a:pPr lvl="0" algn="l">
+              <a:lnSpc>
+                <a:spcPct val="120000"/>
+              </a:lnSpc>
+              <a:defRPr sz="1800"/>
+            </a:pPr>
+            <a:r>
+              <a:rPr lang="pl-PL" sz="1200" dirty="0" smtClean="0">
+                <a:latin typeface="Menlo"/>
+                <a:ea typeface="Menlo"/>
+                <a:cs typeface="Menlo"/>
+                <a:sym typeface="Menlo"/>
+              </a:rPr>
+              <a:t> </a:t>
+            </a:r>
+            <a:r>
+              <a:rPr lang="pl-PL" sz="1200" dirty="0" err="1" smtClean="0">
+                <a:latin typeface="Menlo"/>
+                <a:ea typeface="Menlo"/>
+                <a:cs typeface="Menlo"/>
+                <a:sym typeface="Menlo"/>
+              </a:rPr>
+              <a:t>exp</a:t>
+            </a:r>
+            <a:r>
+              <a:rPr lang="pl-PL" sz="1200" dirty="0" smtClean="0">
+                <a:latin typeface="Menlo"/>
+                <a:ea typeface="Menlo"/>
+                <a:cs typeface="Menlo"/>
+                <a:sym typeface="Menlo"/>
+              </a:rPr>
+              <a:t> &lt;- BRCA_mRNAseq_chr17[ ,-1]</a:t>
+            </a:r>
+          </a:p>
+          <a:p>
+            <a:pPr lvl="0" algn="l">
+              <a:lnSpc>
+                <a:spcPct val="120000"/>
+              </a:lnSpc>
+              <a:defRPr sz="1800"/>
+            </a:pPr>
+            <a:r>
+              <a:rPr lang="pl-PL" sz="1200" dirty="0" smtClean="0">
+                <a:latin typeface="Menlo"/>
+                <a:ea typeface="Menlo"/>
+                <a:cs typeface="Menlo"/>
+                <a:sym typeface="Menlo"/>
+              </a:rPr>
+              <a:t> </a:t>
+            </a:r>
+            <a:r>
+              <a:rPr lang="pl-PL" sz="1200" dirty="0" err="1" smtClean="0">
+                <a:latin typeface="Menlo"/>
+                <a:ea typeface="Menlo"/>
+                <a:cs typeface="Menlo"/>
+                <a:sym typeface="Menlo"/>
+              </a:rPr>
+              <a:t>g_exp</a:t>
+            </a:r>
+            <a:r>
+              <a:rPr lang="pl-PL" sz="1200" dirty="0" smtClean="0">
+                <a:latin typeface="Menlo"/>
+                <a:ea typeface="Menlo"/>
+                <a:cs typeface="Menlo"/>
+                <a:sym typeface="Menlo"/>
+              </a:rPr>
+              <a:t> &lt;- </a:t>
+            </a:r>
+            <a:r>
+              <a:rPr lang="pl-PL" sz="1200" dirty="0">
+                <a:latin typeface="Menlo"/>
+                <a:ea typeface="Menlo"/>
+                <a:cs typeface="Menlo"/>
+                <a:sym typeface="Menlo"/>
+              </a:rPr>
+              <a:t>BRCA_mRNAseq_chr17[ ,-1</a:t>
+            </a:r>
+            <a:r>
+              <a:rPr lang="pl-PL" sz="1200" dirty="0" smtClean="0">
+                <a:latin typeface="Menlo"/>
+                <a:ea typeface="Menlo"/>
+                <a:cs typeface="Menlo"/>
+                <a:sym typeface="Menlo"/>
+              </a:rPr>
+              <a:t>]</a:t>
+            </a:r>
+          </a:p>
+          <a:p>
+            <a:pPr lvl="0" algn="l">
+              <a:lnSpc>
+                <a:spcPct val="120000"/>
+              </a:lnSpc>
+              <a:defRPr sz="1800"/>
+            </a:pPr>
+            <a:r>
+              <a:rPr lang="pl-PL" sz="1200" dirty="0" smtClean="0">
+                <a:latin typeface="Menlo"/>
+                <a:ea typeface="Menlo"/>
+                <a:cs typeface="Menlo"/>
+                <a:sym typeface="Menlo"/>
+              </a:rPr>
+              <a:t> </a:t>
+            </a:r>
+            <a:r>
+              <a:rPr lang="pl-PL" sz="1200" dirty="0" err="1" smtClean="0">
+                <a:latin typeface="Menlo"/>
+                <a:ea typeface="Menlo"/>
+                <a:cs typeface="Menlo"/>
+                <a:sym typeface="Menlo"/>
+              </a:rPr>
+              <a:t>g_exp</a:t>
+            </a:r>
+            <a:r>
+              <a:rPr lang="pl-PL" sz="1200" dirty="0" smtClean="0">
+                <a:latin typeface="Menlo"/>
+                <a:ea typeface="Menlo"/>
+                <a:cs typeface="Menlo"/>
+                <a:sym typeface="Menlo"/>
+              </a:rPr>
+              <a:t> &lt;- </a:t>
+            </a:r>
+            <a:r>
+              <a:rPr lang="pl-PL" sz="1200" dirty="0" err="1" smtClean="0">
+                <a:latin typeface="Menlo"/>
+                <a:ea typeface="Menlo"/>
+                <a:cs typeface="Menlo"/>
+                <a:sym typeface="Menlo"/>
+              </a:rPr>
+              <a:t>ifelse</a:t>
+            </a:r>
+            <a:r>
+              <a:rPr lang="pl-PL" sz="1200" dirty="0" smtClean="0">
+                <a:latin typeface="Menlo"/>
+                <a:ea typeface="Menlo"/>
+                <a:cs typeface="Menlo"/>
+                <a:sym typeface="Menlo"/>
+              </a:rPr>
+              <a:t>(</a:t>
+            </a:r>
+            <a:r>
+              <a:rPr lang="pl-PL" sz="1200" dirty="0" err="1" smtClean="0">
+                <a:latin typeface="Menlo"/>
+                <a:ea typeface="Menlo"/>
+                <a:cs typeface="Menlo"/>
+                <a:sym typeface="Menlo"/>
+              </a:rPr>
+              <a:t>group</a:t>
+            </a:r>
+            <a:r>
+              <a:rPr lang="pl-PL" sz="1200" dirty="0" smtClean="0">
+                <a:latin typeface="Menlo"/>
+                <a:ea typeface="Menlo"/>
+                <a:cs typeface="Menlo"/>
+                <a:sym typeface="Menlo"/>
+              </a:rPr>
+              <a:t>=='</a:t>
+            </a:r>
+            <a:r>
+              <a:rPr lang="pl-PL" sz="1200" dirty="0" err="1" smtClean="0">
+                <a:latin typeface="Menlo"/>
+                <a:ea typeface="Menlo"/>
+                <a:cs typeface="Menlo"/>
+                <a:sym typeface="Menlo"/>
+              </a:rPr>
+              <a:t>LumA</a:t>
+            </a:r>
+            <a:r>
+              <a:rPr lang="pl-PL" sz="1200" dirty="0">
+                <a:latin typeface="Menlo"/>
+                <a:ea typeface="Menlo"/>
+                <a:cs typeface="Menlo"/>
+                <a:sym typeface="Menlo"/>
+              </a:rPr>
+              <a:t>'</a:t>
+            </a:r>
+            <a:r>
+              <a:rPr lang="pl-PL" sz="1200" dirty="0" smtClean="0">
+                <a:latin typeface="Menlo"/>
+                <a:ea typeface="Menlo"/>
+                <a:cs typeface="Menlo"/>
+                <a:sym typeface="Menlo"/>
+              </a:rPr>
+              <a:t>, '</a:t>
+            </a:r>
+            <a:r>
+              <a:rPr lang="pl-PL" sz="1200" dirty="0" err="1" smtClean="0">
+                <a:latin typeface="Menlo"/>
+                <a:ea typeface="Menlo"/>
+                <a:cs typeface="Menlo"/>
+                <a:sym typeface="Menlo"/>
+              </a:rPr>
+              <a:t>LumA</a:t>
+            </a:r>
+            <a:r>
+              <a:rPr lang="pl-PL" sz="1200" dirty="0">
+                <a:latin typeface="Menlo"/>
+                <a:ea typeface="Menlo"/>
+                <a:cs typeface="Menlo"/>
+                <a:sym typeface="Menlo"/>
+              </a:rPr>
+              <a:t>'</a:t>
+            </a:r>
+            <a:r>
+              <a:rPr lang="pl-PL" sz="1200" dirty="0" smtClean="0">
+                <a:latin typeface="Menlo"/>
+                <a:ea typeface="Menlo"/>
+                <a:cs typeface="Menlo"/>
+                <a:sym typeface="Menlo"/>
+              </a:rPr>
+              <a:t>, '</a:t>
+            </a:r>
+            <a:r>
+              <a:rPr lang="pl-PL" sz="1200" dirty="0" err="1" smtClean="0">
+                <a:latin typeface="Menlo"/>
+                <a:ea typeface="Menlo"/>
+                <a:cs typeface="Menlo"/>
+                <a:sym typeface="Menlo"/>
+              </a:rPr>
+              <a:t>other</a:t>
+            </a:r>
+            <a:r>
+              <a:rPr lang="pl-PL" sz="1200" dirty="0" smtClean="0">
+                <a:latin typeface="Menlo"/>
+                <a:ea typeface="Menlo"/>
+                <a:cs typeface="Menlo"/>
+                <a:sym typeface="Menlo"/>
+              </a:rPr>
+              <a:t>')</a:t>
+            </a:r>
+            <a:endParaRPr lang="pl-PL" sz="1200" dirty="0">
+              <a:latin typeface="Menlo"/>
+              <a:ea typeface="Menlo"/>
+              <a:cs typeface="Menlo"/>
+              <a:sym typeface="Menlo"/>
+            </a:endParaRPr>
+          </a:p>
+        </p:txBody>
+      </p:sp>
+      <p:sp>
+        <p:nvSpPr>
+          <p:cNvPr id="27" name="Shape 292"/>
+          <p:cNvSpPr/>
+          <p:nvPr/>
+        </p:nvSpPr>
+        <p:spPr>
+          <a:xfrm>
+            <a:off x="377422" y="4262640"/>
+            <a:ext cx="6202314" cy="644361"/>
+          </a:xfrm>
+          <a:prstGeom prst="rect">
+            <a:avLst/>
+          </a:prstGeom>
+          <a:ln w="12700">
+            <a:miter lim="400000"/>
+          </a:ln>
+          <a:extLst>
+            <a:ext uri="{C572A759-6A51-4108-AA02-DFA0A04FC94B}">
+              <ma14:wrappingTextBoxFlag xmlns="" xmlns:ma14="http://schemas.microsoft.com/office/mac/drawingml/2011/main" val="1"/>
+            </a:ext>
+          </a:extLst>
+        </p:spPr>
+        <p:txBody>
+          <a:bodyPr lIns="0" tIns="0" rIns="0" bIns="0" anchor="ctr">
+            <a:normAutofit/>
+          </a:bodyPr>
+          <a:lstStyle/>
+          <a:p>
+            <a:pPr algn="l">
+              <a:lnSpc>
+                <a:spcPct val="90000"/>
+              </a:lnSpc>
+              <a:spcBef>
+                <a:spcPts val="300"/>
+              </a:spcBef>
+              <a:defRPr sz="1800"/>
+            </a:pPr>
+            <a:r>
+              <a:rPr lang="pl-PL" sz="1400" dirty="0" err="1" smtClean="0">
+                <a:latin typeface="Source Sans Pro Light"/>
+                <a:ea typeface="Source Sans Pro Light"/>
+                <a:cs typeface="Source Sans Pro Light"/>
+                <a:sym typeface="Source Sans Pro Light"/>
+              </a:rPr>
+              <a:t>Testing</a:t>
+            </a:r>
+            <a:r>
+              <a:rPr lang="pl-PL" sz="1400" dirty="0" smtClean="0">
+                <a:latin typeface="Source Sans Pro Light"/>
+                <a:ea typeface="Source Sans Pro Light"/>
+                <a:cs typeface="Source Sans Pro Light"/>
+                <a:sym typeface="Source Sans Pro Light"/>
+              </a:rPr>
+              <a:t> for </a:t>
+            </a:r>
+            <a:r>
+              <a:rPr lang="pl-PL" sz="1400" dirty="0" err="1" smtClean="0">
+                <a:latin typeface="Source Sans Pro Light"/>
+                <a:ea typeface="Source Sans Pro Light"/>
+                <a:cs typeface="Source Sans Pro Light"/>
+                <a:sym typeface="Source Sans Pro Light"/>
+              </a:rPr>
+              <a:t>differences</a:t>
+            </a:r>
+            <a:r>
+              <a:rPr lang="en-US" sz="1400" dirty="0" smtClean="0">
+                <a:latin typeface="Source Sans Pro Light"/>
+                <a:ea typeface="Source Sans Pro Light"/>
+                <a:cs typeface="Source Sans Pro Light"/>
+                <a:sym typeface="Source Sans Pro Light"/>
+              </a:rPr>
+              <a:t>.</a:t>
+            </a:r>
+            <a:endParaRPr lang="pl-PL" sz="1400" dirty="0" smtClean="0">
+              <a:solidFill>
+                <a:srgbClr val="4A3C89"/>
+              </a:solidFill>
+              <a:latin typeface="Source Sans Pro"/>
+              <a:ea typeface="Source Sans Pro"/>
+              <a:cs typeface="Source Sans Pro"/>
+              <a:sym typeface="Source Sans Pro"/>
+            </a:endParaRPr>
+          </a:p>
+          <a:p>
+            <a:pPr lvl="0" algn="l">
+              <a:lnSpc>
+                <a:spcPct val="90000"/>
+              </a:lnSpc>
+              <a:spcBef>
+                <a:spcPts val="300"/>
+              </a:spcBef>
+              <a:defRPr sz="1800"/>
+            </a:pPr>
+            <a:r>
+              <a:rPr lang="pl-PL" sz="1400" dirty="0" err="1" smtClean="0">
+                <a:solidFill>
+                  <a:srgbClr val="4A3C89"/>
+                </a:solidFill>
+                <a:latin typeface="Source Sans Pro"/>
+                <a:ea typeface="Source Sans Pro"/>
+                <a:cs typeface="Source Sans Pro"/>
+                <a:sym typeface="Source Sans Pro"/>
+              </a:rPr>
+              <a:t>MLExpResso</a:t>
+            </a:r>
+            <a:r>
+              <a:rPr lang="pl-PL" sz="1400" dirty="0" smtClean="0">
+                <a:solidFill>
+                  <a:srgbClr val="4A3C89"/>
+                </a:solidFill>
+                <a:latin typeface="Source Sans Pro"/>
+                <a:ea typeface="Source Sans Pro"/>
+                <a:cs typeface="Source Sans Pro"/>
+                <a:sym typeface="Source Sans Pro"/>
+              </a:rPr>
+              <a:t>::</a:t>
+            </a:r>
+            <a:r>
+              <a:rPr lang="pl-PL" sz="1400" dirty="0" err="1" smtClean="0">
+                <a:latin typeface="Menlo"/>
+                <a:ea typeface="Menlo"/>
+                <a:cs typeface="Menlo"/>
+                <a:sym typeface="Menlo"/>
+              </a:rPr>
+              <a:t>calculate_test</a:t>
+            </a:r>
+            <a:r>
+              <a:rPr lang="pl-PL" sz="1400" dirty="0" smtClean="0">
+                <a:latin typeface="Menlo"/>
+                <a:ea typeface="Menlo"/>
+                <a:cs typeface="Menlo"/>
+                <a:sym typeface="Menlo"/>
+              </a:rPr>
+              <a:t>(data=</a:t>
+            </a:r>
+            <a:r>
+              <a:rPr lang="pl-PL" sz="1400" dirty="0" err="1" smtClean="0">
+                <a:latin typeface="Menlo"/>
+                <a:ea typeface="Menlo"/>
+                <a:cs typeface="Menlo"/>
+                <a:sym typeface="Menlo"/>
+              </a:rPr>
+              <a:t>exp</a:t>
+            </a:r>
+            <a:r>
+              <a:rPr lang="pl-PL" sz="1400" dirty="0" smtClean="0">
+                <a:latin typeface="Menlo"/>
+                <a:ea typeface="Menlo"/>
+                <a:cs typeface="Menlo"/>
+                <a:sym typeface="Menlo"/>
+              </a:rPr>
+              <a:t>, </a:t>
+            </a:r>
+            <a:r>
+              <a:rPr lang="pl-PL" sz="1400" dirty="0" err="1" smtClean="0">
+                <a:latin typeface="Menlo"/>
+                <a:ea typeface="Menlo"/>
+                <a:cs typeface="Menlo"/>
+                <a:sym typeface="Menlo"/>
+              </a:rPr>
+              <a:t>condition</a:t>
+            </a:r>
+            <a:r>
+              <a:rPr lang="pl-PL" sz="1400" dirty="0" smtClean="0">
+                <a:latin typeface="Menlo"/>
+                <a:ea typeface="Menlo"/>
+                <a:cs typeface="Menlo"/>
+                <a:sym typeface="Menlo"/>
+              </a:rPr>
+              <a:t>=</a:t>
+            </a:r>
+            <a:r>
+              <a:rPr lang="pl-PL" sz="1400" dirty="0" err="1" smtClean="0">
+                <a:latin typeface="Menlo"/>
+                <a:ea typeface="Menlo"/>
+                <a:cs typeface="Menlo"/>
+                <a:sym typeface="Menlo"/>
+              </a:rPr>
+              <a:t>g_exp</a:t>
+            </a:r>
+            <a:r>
+              <a:rPr lang="pl-PL" sz="1400" dirty="0" smtClean="0">
+                <a:latin typeface="Menlo"/>
+                <a:ea typeface="Menlo"/>
+                <a:cs typeface="Menlo"/>
+                <a:sym typeface="Menlo"/>
+              </a:rPr>
+              <a:t>, test='</a:t>
+            </a:r>
+            <a:r>
+              <a:rPr lang="pl-PL" sz="1400" dirty="0" err="1" smtClean="0">
+                <a:latin typeface="Menlo"/>
+                <a:ea typeface="Menlo"/>
+                <a:cs typeface="Menlo"/>
+                <a:sym typeface="Menlo"/>
+              </a:rPr>
+              <a:t>lrt</a:t>
+            </a:r>
+            <a:r>
+              <a:rPr lang="pl-PL" sz="1400" dirty="0" smtClean="0">
+                <a:latin typeface="Menlo"/>
+                <a:ea typeface="Menlo"/>
+                <a:cs typeface="Menlo"/>
+                <a:sym typeface="Menlo"/>
+              </a:rPr>
+              <a:t>')</a:t>
+            </a:r>
+            <a:endParaRPr sz="1400" dirty="0">
+              <a:latin typeface="Source Sans Pro"/>
+              <a:ea typeface="Source Sans Pro"/>
+              <a:cs typeface="Source Sans Pro"/>
+              <a:sym typeface="Source Sans Pro"/>
+            </a:endParaRPr>
+          </a:p>
+        </p:txBody>
+      </p:sp>
+      <p:sp>
+        <p:nvSpPr>
+          <p:cNvPr id="30" name="Shape 292"/>
+          <p:cNvSpPr/>
+          <p:nvPr/>
+        </p:nvSpPr>
+        <p:spPr>
+          <a:xfrm>
+            <a:off x="377422" y="7856783"/>
+            <a:ext cx="6373501" cy="644361"/>
+          </a:xfrm>
+          <a:prstGeom prst="rect">
+            <a:avLst/>
+          </a:prstGeom>
+          <a:ln w="12700">
+            <a:miter lim="400000"/>
+          </a:ln>
+          <a:extLst>
+            <a:ext uri="{C572A759-6A51-4108-AA02-DFA0A04FC94B}">
+              <ma14:wrappingTextBoxFlag xmlns="" xmlns:ma14="http://schemas.microsoft.com/office/mac/drawingml/2011/main" val="1"/>
+            </a:ext>
+          </a:extLst>
+        </p:spPr>
+        <p:txBody>
+          <a:bodyPr lIns="0" tIns="0" rIns="0" bIns="0" anchor="ctr">
+            <a:normAutofit/>
+          </a:bodyPr>
+          <a:lstStyle/>
+          <a:p>
+            <a:pPr lvl="0" algn="l">
+              <a:lnSpc>
+                <a:spcPct val="90000"/>
+              </a:lnSpc>
+              <a:spcBef>
+                <a:spcPts val="300"/>
+              </a:spcBef>
+              <a:defRPr sz="1800"/>
+            </a:pPr>
+            <a:r>
+              <a:rPr lang="pl-PL" sz="1400" dirty="0" err="1" smtClean="0">
+                <a:solidFill>
+                  <a:srgbClr val="4A3C89"/>
+                </a:solidFill>
+                <a:latin typeface="Source Sans Pro"/>
+                <a:ea typeface="Source Sans Pro"/>
+                <a:cs typeface="Source Sans Pro"/>
+                <a:sym typeface="Source Sans Pro"/>
+              </a:rPr>
+              <a:t>MLExpResso</a:t>
+            </a:r>
+            <a:r>
+              <a:rPr lang="pl-PL" sz="1400" dirty="0" smtClean="0">
+                <a:solidFill>
+                  <a:srgbClr val="4A3C89"/>
+                </a:solidFill>
+                <a:latin typeface="Source Sans Pro"/>
+                <a:ea typeface="Source Sans Pro"/>
+                <a:cs typeface="Source Sans Pro"/>
+                <a:sym typeface="Source Sans Pro"/>
+              </a:rPr>
+              <a:t>::</a:t>
+            </a:r>
+            <a:r>
+              <a:rPr lang="pl-PL" sz="1400" dirty="0" err="1" smtClean="0">
+                <a:latin typeface="Menlo"/>
+                <a:ea typeface="Menlo"/>
+                <a:cs typeface="Menlo"/>
+                <a:sym typeface="Menlo"/>
+              </a:rPr>
+              <a:t>plot_diff_boxplot</a:t>
+            </a:r>
+            <a:r>
+              <a:rPr lang="pl-PL" sz="1400" dirty="0" smtClean="0">
+                <a:latin typeface="Menlo"/>
+                <a:ea typeface="Menlo"/>
+                <a:cs typeface="Menlo"/>
+                <a:sym typeface="Menlo"/>
+              </a:rPr>
+              <a:t>(data=</a:t>
+            </a:r>
+            <a:r>
+              <a:rPr lang="pl-PL" sz="1400" dirty="0" err="1" smtClean="0">
+                <a:latin typeface="Menlo"/>
+                <a:ea typeface="Menlo"/>
+                <a:cs typeface="Menlo"/>
+                <a:sym typeface="Menlo"/>
+              </a:rPr>
+              <a:t>expr</a:t>
+            </a:r>
+            <a:r>
+              <a:rPr lang="pl-PL" sz="1400" dirty="0">
+                <a:latin typeface="Menlo"/>
+                <a:ea typeface="Menlo"/>
+                <a:cs typeface="Menlo"/>
+                <a:sym typeface="Menlo"/>
+              </a:rPr>
+              <a:t>, </a:t>
+            </a:r>
+            <a:r>
+              <a:rPr lang="pl-PL" sz="1400" dirty="0" err="1" smtClean="0">
+                <a:latin typeface="Menlo"/>
+                <a:ea typeface="Menlo"/>
+                <a:cs typeface="Menlo"/>
+                <a:sym typeface="Menlo"/>
+              </a:rPr>
+              <a:t>condition</a:t>
+            </a:r>
+            <a:r>
+              <a:rPr lang="pl-PL" sz="1400" dirty="0" smtClean="0">
+                <a:latin typeface="Menlo"/>
+                <a:ea typeface="Menlo"/>
+                <a:cs typeface="Menlo"/>
+                <a:sym typeface="Menlo"/>
+              </a:rPr>
+              <a:t>=</a:t>
+            </a:r>
+            <a:r>
+              <a:rPr lang="pl-PL" sz="1400" dirty="0" err="1" smtClean="0">
+                <a:latin typeface="Menlo"/>
+                <a:ea typeface="Menlo"/>
+                <a:cs typeface="Menlo"/>
+                <a:sym typeface="Menlo"/>
+              </a:rPr>
+              <a:t>g_expr</a:t>
+            </a:r>
+            <a:r>
+              <a:rPr lang="pl-PL" sz="1400" dirty="0" smtClean="0">
+                <a:latin typeface="Menlo"/>
+                <a:ea typeface="Menlo"/>
+                <a:cs typeface="Menlo"/>
+                <a:sym typeface="Menlo"/>
+              </a:rPr>
+              <a:t>, </a:t>
+            </a:r>
+            <a:r>
+              <a:rPr lang="pl-PL" sz="1400" dirty="0" err="1" smtClean="0">
+                <a:latin typeface="Menlo"/>
+                <a:ea typeface="Menlo"/>
+                <a:cs typeface="Menlo"/>
+                <a:sym typeface="Menlo"/>
+              </a:rPr>
+              <a:t>gene</a:t>
+            </a:r>
+            <a:r>
+              <a:rPr lang="pl-PL" sz="1400" dirty="0" smtClean="0">
+                <a:latin typeface="Menlo"/>
+                <a:ea typeface="Menlo"/>
+                <a:cs typeface="Menlo"/>
+                <a:sym typeface="Menlo"/>
+              </a:rPr>
+              <a:t>='CACNA1G')</a:t>
+            </a:r>
+            <a:endParaRPr sz="1400" dirty="0">
+              <a:latin typeface="Source Sans Pro"/>
+              <a:ea typeface="Source Sans Pro"/>
+              <a:cs typeface="Source Sans Pro"/>
+              <a:sym typeface="Source Sans Pro"/>
+            </a:endParaRPr>
+          </a:p>
+        </p:txBody>
+      </p:sp>
+      <p:sp>
+        <p:nvSpPr>
+          <p:cNvPr id="31" name="Shape 294"/>
+          <p:cNvSpPr/>
+          <p:nvPr/>
+        </p:nvSpPr>
+        <p:spPr>
+          <a:xfrm>
+            <a:off x="10187599" y="957156"/>
+            <a:ext cx="3260058" cy="886397"/>
+          </a:xfrm>
+          <a:prstGeom prst="rect">
+            <a:avLst/>
+          </a:prstGeom>
+          <a:solidFill>
+            <a:srgbClr val="FFFFFF"/>
+          </a:solidFill>
+          <a:ln w="12700">
+            <a:solidFill>
+              <a:srgbClr val="A6AAA9"/>
+            </a:solidFill>
+            <a:miter lim="400000"/>
+          </a:ln>
+          <a:extLst>
+            <a:ext uri="{C572A759-6A51-4108-AA02-DFA0A04FC94B}">
+              <ma14:wrappingTextBoxFlag xmlns="" xmlns:ma14="http://schemas.microsoft.com/office/mac/drawingml/2011/main" val="1"/>
+            </a:ext>
+          </a:extLst>
+        </p:spPr>
+        <p:txBody>
+          <a:bodyPr wrap="square" lIns="0" tIns="0" rIns="0" bIns="0" anchor="ctr">
+            <a:spAutoFit/>
+          </a:bodyPr>
+          <a:lstStyle/>
+          <a:p>
+            <a:pPr lvl="0" algn="l">
+              <a:lnSpc>
+                <a:spcPct val="120000"/>
+              </a:lnSpc>
+              <a:defRPr sz="1800"/>
+            </a:pPr>
+            <a:r>
+              <a:rPr lang="pl-PL" sz="1200" dirty="0" smtClean="0">
+                <a:latin typeface="Menlo"/>
+                <a:ea typeface="Menlo"/>
+                <a:cs typeface="Menlo"/>
+                <a:sym typeface="Menlo"/>
+              </a:rPr>
+              <a:t> </a:t>
+            </a:r>
+            <a:r>
+              <a:rPr lang="pl-PL" sz="1200" dirty="0" err="1" smtClean="0">
+                <a:latin typeface="Menlo"/>
+                <a:ea typeface="Menlo"/>
+                <a:cs typeface="Menlo"/>
+                <a:sym typeface="Menlo"/>
+              </a:rPr>
+              <a:t>l</a:t>
+            </a:r>
+            <a:r>
+              <a:rPr lang="pl-PL" sz="1200" dirty="0" err="1" smtClean="0">
+                <a:latin typeface="Menlo"/>
+                <a:ea typeface="Menlo"/>
+                <a:cs typeface="Menlo"/>
+                <a:sym typeface="Menlo"/>
+              </a:rPr>
+              <a:t>ibrary</a:t>
+            </a:r>
+            <a:r>
+              <a:rPr lang="pl-PL" sz="1200" dirty="0" smtClean="0">
+                <a:latin typeface="Menlo"/>
+                <a:ea typeface="Menlo"/>
+                <a:cs typeface="Menlo"/>
+                <a:sym typeface="Menlo"/>
+              </a:rPr>
+              <a:t>(</a:t>
+            </a:r>
+            <a:r>
+              <a:rPr lang="pl-PL" sz="1200" dirty="0" err="1" smtClean="0">
+                <a:latin typeface="Menlo"/>
+                <a:ea typeface="Menlo"/>
+                <a:cs typeface="Menlo"/>
+                <a:sym typeface="Menlo"/>
+              </a:rPr>
+              <a:t>MLExpRessodata</a:t>
+            </a:r>
+            <a:r>
+              <a:rPr lang="pl-PL" sz="1200" dirty="0" smtClean="0">
+                <a:latin typeface="Menlo"/>
+                <a:ea typeface="Menlo"/>
+                <a:cs typeface="Menlo"/>
+                <a:sym typeface="Menlo"/>
+              </a:rPr>
+              <a:t>)</a:t>
+            </a:r>
+          </a:p>
+          <a:p>
+            <a:pPr lvl="0" algn="l">
+              <a:lnSpc>
+                <a:spcPct val="120000"/>
+              </a:lnSpc>
+              <a:defRPr sz="1800"/>
+            </a:pPr>
+            <a:r>
+              <a:rPr lang="pl-PL" sz="1200" dirty="0" smtClean="0">
+                <a:latin typeface="Menlo"/>
+                <a:ea typeface="Menlo"/>
+                <a:cs typeface="Menlo"/>
+                <a:sym typeface="Menlo"/>
+              </a:rPr>
+              <a:t> met &lt;- BRCA_meyhulation_chr17[ ,-1]</a:t>
+            </a:r>
+          </a:p>
+          <a:p>
+            <a:pPr lvl="0" algn="l">
+              <a:lnSpc>
+                <a:spcPct val="120000"/>
+              </a:lnSpc>
+              <a:defRPr sz="1800"/>
+            </a:pPr>
+            <a:r>
+              <a:rPr lang="pl-PL" sz="1200" dirty="0" smtClean="0">
+                <a:latin typeface="Menlo"/>
+                <a:ea typeface="Menlo"/>
+                <a:cs typeface="Menlo"/>
+                <a:sym typeface="Menlo"/>
+              </a:rPr>
+              <a:t> </a:t>
+            </a:r>
+            <a:r>
+              <a:rPr lang="pl-PL" sz="1200" dirty="0" err="1" smtClean="0">
+                <a:latin typeface="Menlo"/>
+                <a:ea typeface="Menlo"/>
+                <a:cs typeface="Menlo"/>
+                <a:sym typeface="Menlo"/>
+              </a:rPr>
+              <a:t>gr_met</a:t>
+            </a:r>
+            <a:r>
+              <a:rPr lang="pl-PL" sz="1200" dirty="0" smtClean="0">
+                <a:latin typeface="Menlo"/>
+                <a:ea typeface="Menlo"/>
+                <a:cs typeface="Menlo"/>
+                <a:sym typeface="Menlo"/>
+              </a:rPr>
+              <a:t> &lt;- BRCA_mrthylation_chr17</a:t>
+            </a:r>
+            <a:r>
+              <a:rPr lang="pl-PL" sz="1200" dirty="0">
+                <a:latin typeface="Menlo"/>
+                <a:ea typeface="Menlo"/>
+                <a:cs typeface="Menlo"/>
+                <a:sym typeface="Menlo"/>
+              </a:rPr>
+              <a:t>[ ,-1</a:t>
+            </a:r>
+            <a:r>
+              <a:rPr lang="pl-PL" sz="1200" dirty="0" smtClean="0">
+                <a:latin typeface="Menlo"/>
+                <a:ea typeface="Menlo"/>
+                <a:cs typeface="Menlo"/>
+                <a:sym typeface="Menlo"/>
+              </a:rPr>
+              <a:t>]</a:t>
+            </a:r>
+          </a:p>
+          <a:p>
+            <a:pPr lvl="0" algn="l">
+              <a:lnSpc>
+                <a:spcPct val="120000"/>
+              </a:lnSpc>
+              <a:defRPr sz="1800"/>
+            </a:pPr>
+            <a:r>
+              <a:rPr lang="pl-PL" sz="1200" dirty="0" smtClean="0">
+                <a:latin typeface="Menlo"/>
+                <a:ea typeface="Menlo"/>
+                <a:cs typeface="Menlo"/>
+                <a:sym typeface="Menlo"/>
+              </a:rPr>
+              <a:t> </a:t>
+            </a:r>
+            <a:r>
+              <a:rPr lang="pl-PL" sz="1200" dirty="0" err="1" smtClean="0">
+                <a:latin typeface="Menlo"/>
+                <a:ea typeface="Menlo"/>
+                <a:cs typeface="Menlo"/>
+                <a:sym typeface="Menlo"/>
+              </a:rPr>
+              <a:t>gr_met</a:t>
+            </a:r>
+            <a:r>
+              <a:rPr lang="pl-PL" sz="1200" dirty="0" smtClean="0">
+                <a:latin typeface="Menlo"/>
+                <a:ea typeface="Menlo"/>
+                <a:cs typeface="Menlo"/>
+                <a:sym typeface="Menlo"/>
+              </a:rPr>
+              <a:t> &lt;- </a:t>
+            </a:r>
+            <a:r>
+              <a:rPr lang="pl-PL" sz="1200" dirty="0" err="1" smtClean="0">
+                <a:latin typeface="Menlo"/>
+                <a:ea typeface="Menlo"/>
+                <a:cs typeface="Menlo"/>
+                <a:sym typeface="Menlo"/>
+              </a:rPr>
+              <a:t>ifelse</a:t>
+            </a:r>
+            <a:r>
+              <a:rPr lang="pl-PL" sz="1200" dirty="0" smtClean="0">
+                <a:latin typeface="Menlo"/>
+                <a:ea typeface="Menlo"/>
+                <a:cs typeface="Menlo"/>
+                <a:sym typeface="Menlo"/>
+              </a:rPr>
+              <a:t>(</a:t>
+            </a:r>
+            <a:r>
+              <a:rPr lang="pl-PL" sz="1200" dirty="0" err="1" smtClean="0">
+                <a:latin typeface="Menlo"/>
+                <a:ea typeface="Menlo"/>
+                <a:cs typeface="Menlo"/>
+                <a:sym typeface="Menlo"/>
+              </a:rPr>
+              <a:t>group</a:t>
+            </a:r>
+            <a:r>
+              <a:rPr lang="pl-PL" sz="1200" dirty="0" smtClean="0">
+                <a:latin typeface="Menlo"/>
+                <a:ea typeface="Menlo"/>
+                <a:cs typeface="Menlo"/>
+                <a:sym typeface="Menlo"/>
+              </a:rPr>
+              <a:t>=='</a:t>
+            </a:r>
+            <a:r>
+              <a:rPr lang="pl-PL" sz="1200" dirty="0" err="1" smtClean="0">
+                <a:latin typeface="Menlo"/>
+                <a:ea typeface="Menlo"/>
+                <a:cs typeface="Menlo"/>
+                <a:sym typeface="Menlo"/>
+              </a:rPr>
+              <a:t>LumA</a:t>
+            </a:r>
+            <a:r>
+              <a:rPr lang="pl-PL" sz="1200" dirty="0">
+                <a:latin typeface="Menlo"/>
+                <a:ea typeface="Menlo"/>
+                <a:cs typeface="Menlo"/>
+                <a:sym typeface="Menlo"/>
+              </a:rPr>
+              <a:t>'</a:t>
+            </a:r>
+            <a:r>
+              <a:rPr lang="pl-PL" sz="1200" dirty="0" smtClean="0">
+                <a:latin typeface="Menlo"/>
+                <a:ea typeface="Menlo"/>
+                <a:cs typeface="Menlo"/>
+                <a:sym typeface="Menlo"/>
+              </a:rPr>
+              <a:t>, '</a:t>
+            </a:r>
+            <a:r>
+              <a:rPr lang="pl-PL" sz="1200" dirty="0" err="1" smtClean="0">
+                <a:latin typeface="Menlo"/>
+                <a:ea typeface="Menlo"/>
+                <a:cs typeface="Menlo"/>
+                <a:sym typeface="Menlo"/>
+              </a:rPr>
+              <a:t>LumA</a:t>
+            </a:r>
+            <a:r>
+              <a:rPr lang="pl-PL" sz="1200" dirty="0">
+                <a:latin typeface="Menlo"/>
+                <a:ea typeface="Menlo"/>
+                <a:cs typeface="Menlo"/>
+                <a:sym typeface="Menlo"/>
+              </a:rPr>
+              <a:t>'</a:t>
+            </a:r>
+            <a:r>
+              <a:rPr lang="pl-PL" sz="1200" dirty="0" smtClean="0">
+                <a:latin typeface="Menlo"/>
+                <a:ea typeface="Menlo"/>
+                <a:cs typeface="Menlo"/>
+                <a:sym typeface="Menlo"/>
+              </a:rPr>
+              <a:t>, '</a:t>
+            </a:r>
+            <a:r>
+              <a:rPr lang="pl-PL" sz="1200" dirty="0" err="1" smtClean="0">
+                <a:latin typeface="Menlo"/>
+                <a:ea typeface="Menlo"/>
+                <a:cs typeface="Menlo"/>
+                <a:sym typeface="Menlo"/>
+              </a:rPr>
+              <a:t>other</a:t>
+            </a:r>
+            <a:r>
+              <a:rPr lang="pl-PL" sz="1200" dirty="0" smtClean="0">
+                <a:latin typeface="Menlo"/>
+                <a:ea typeface="Menlo"/>
+                <a:cs typeface="Menlo"/>
+                <a:sym typeface="Menlo"/>
+              </a:rPr>
+              <a:t>')</a:t>
+            </a:r>
+            <a:endParaRPr lang="pl-PL" sz="1200" dirty="0">
+              <a:latin typeface="Menlo"/>
+              <a:ea typeface="Menlo"/>
+              <a:cs typeface="Menlo"/>
+              <a:sym typeface="Menlo"/>
+            </a:endParaRPr>
+          </a:p>
+        </p:txBody>
+      </p:sp>
+      <p:pic>
+        <p:nvPicPr>
+          <p:cNvPr id="6" name="Obraz 5"/>
+          <p:cNvPicPr>
+            <a:picLocks noChangeAspect="1"/>
+          </p:cNvPicPr>
+          <p:nvPr/>
+        </p:nvPicPr>
+        <p:blipFill>
+          <a:blip r:embed="rId6"/>
+          <a:stretch>
+            <a:fillRect/>
+          </a:stretch>
+        </p:blipFill>
+        <p:spPr>
+          <a:xfrm>
+            <a:off x="4486275" y="8476224"/>
+            <a:ext cx="2245040" cy="1696694"/>
+          </a:xfrm>
+          <a:prstGeom prst="rect">
+            <a:avLst/>
+          </a:prstGeom>
+        </p:spPr>
+      </p:pic>
+      <p:sp>
+        <p:nvSpPr>
+          <p:cNvPr id="35" name="Shape 292"/>
+          <p:cNvSpPr/>
+          <p:nvPr/>
+        </p:nvSpPr>
+        <p:spPr>
+          <a:xfrm>
+            <a:off x="7245343" y="4346343"/>
+            <a:ext cx="6202314" cy="644361"/>
+          </a:xfrm>
+          <a:prstGeom prst="rect">
+            <a:avLst/>
+          </a:prstGeom>
+          <a:ln w="12700">
+            <a:miter lim="400000"/>
+          </a:ln>
+          <a:extLst>
+            <a:ext uri="{C572A759-6A51-4108-AA02-DFA0A04FC94B}">
+              <ma14:wrappingTextBoxFlag xmlns="" xmlns:ma14="http://schemas.microsoft.com/office/mac/drawingml/2011/main" val="1"/>
+            </a:ext>
+          </a:extLst>
+        </p:spPr>
+        <p:txBody>
+          <a:bodyPr lIns="0" tIns="0" rIns="0" bIns="0" anchor="ctr">
+            <a:normAutofit/>
+          </a:bodyPr>
+          <a:lstStyle/>
+          <a:p>
+            <a:pPr algn="l">
+              <a:lnSpc>
+                <a:spcPct val="90000"/>
+              </a:lnSpc>
+              <a:spcBef>
+                <a:spcPts val="300"/>
+              </a:spcBef>
+              <a:defRPr sz="1800"/>
+            </a:pPr>
+            <a:r>
+              <a:rPr lang="pl-PL" sz="1400" dirty="0" err="1" smtClean="0">
+                <a:latin typeface="Source Sans Pro Light"/>
+                <a:ea typeface="Source Sans Pro Light"/>
+                <a:cs typeface="Source Sans Pro Light"/>
+                <a:sym typeface="Source Sans Pro Light"/>
+              </a:rPr>
+              <a:t>Testing</a:t>
+            </a:r>
+            <a:r>
+              <a:rPr lang="pl-PL" sz="1400" dirty="0" smtClean="0">
+                <a:latin typeface="Source Sans Pro Light"/>
+                <a:ea typeface="Source Sans Pro Light"/>
+                <a:cs typeface="Source Sans Pro Light"/>
+                <a:sym typeface="Source Sans Pro Light"/>
+              </a:rPr>
+              <a:t> for </a:t>
+            </a:r>
+            <a:r>
+              <a:rPr lang="pl-PL" sz="1400" dirty="0" err="1" smtClean="0">
+                <a:latin typeface="Source Sans Pro Light"/>
+                <a:ea typeface="Source Sans Pro Light"/>
+                <a:cs typeface="Source Sans Pro Light"/>
+                <a:sym typeface="Source Sans Pro Light"/>
+              </a:rPr>
+              <a:t>differences</a:t>
+            </a:r>
+            <a:r>
+              <a:rPr lang="en-US" sz="1400" dirty="0" smtClean="0">
+                <a:latin typeface="Source Sans Pro Light"/>
+                <a:ea typeface="Source Sans Pro Light"/>
+                <a:cs typeface="Source Sans Pro Light"/>
+                <a:sym typeface="Source Sans Pro Light"/>
+              </a:rPr>
+              <a:t>.</a:t>
+            </a:r>
+            <a:endParaRPr lang="pl-PL" sz="1400" dirty="0" smtClean="0">
+              <a:solidFill>
+                <a:srgbClr val="4A3C89"/>
+              </a:solidFill>
+              <a:latin typeface="Source Sans Pro"/>
+              <a:ea typeface="Source Sans Pro"/>
+              <a:cs typeface="Source Sans Pro"/>
+              <a:sym typeface="Source Sans Pro"/>
+            </a:endParaRPr>
+          </a:p>
+          <a:p>
+            <a:pPr lvl="0" algn="l">
+              <a:lnSpc>
+                <a:spcPct val="90000"/>
+              </a:lnSpc>
+              <a:spcBef>
+                <a:spcPts val="300"/>
+              </a:spcBef>
+              <a:defRPr sz="1800"/>
+            </a:pPr>
+            <a:r>
+              <a:rPr lang="pl-PL" sz="1400" dirty="0" err="1" smtClean="0">
+                <a:solidFill>
+                  <a:srgbClr val="4A3C89"/>
+                </a:solidFill>
+                <a:latin typeface="Source Sans Pro"/>
+                <a:ea typeface="Source Sans Pro"/>
+                <a:cs typeface="Source Sans Pro"/>
+                <a:sym typeface="Source Sans Pro"/>
+              </a:rPr>
+              <a:t>MLExpResso</a:t>
+            </a:r>
+            <a:r>
+              <a:rPr lang="pl-PL" sz="1400" dirty="0" smtClean="0">
+                <a:solidFill>
+                  <a:srgbClr val="4A3C89"/>
+                </a:solidFill>
+                <a:latin typeface="Source Sans Pro"/>
+                <a:ea typeface="Source Sans Pro"/>
+                <a:cs typeface="Source Sans Pro"/>
+                <a:sym typeface="Source Sans Pro"/>
+              </a:rPr>
+              <a:t>::</a:t>
+            </a:r>
+            <a:r>
+              <a:rPr lang="pl-PL" sz="1400" dirty="0" err="1" smtClean="0">
+                <a:latin typeface="Menlo"/>
+                <a:ea typeface="Menlo"/>
+                <a:cs typeface="Menlo"/>
+                <a:sym typeface="Menlo"/>
+              </a:rPr>
+              <a:t>calculate_test</a:t>
+            </a:r>
+            <a:r>
+              <a:rPr lang="pl-PL" sz="1400" dirty="0" smtClean="0">
+                <a:latin typeface="Menlo"/>
+                <a:ea typeface="Menlo"/>
+                <a:cs typeface="Menlo"/>
+                <a:sym typeface="Menlo"/>
+              </a:rPr>
+              <a:t>(data=</a:t>
+            </a:r>
+            <a:r>
+              <a:rPr lang="pl-PL" sz="1400" dirty="0" err="1" smtClean="0">
+                <a:latin typeface="Menlo"/>
+                <a:ea typeface="Menlo"/>
+                <a:cs typeface="Menlo"/>
+                <a:sym typeface="Menlo"/>
+              </a:rPr>
+              <a:t>meth</a:t>
+            </a:r>
+            <a:r>
+              <a:rPr lang="pl-PL" sz="1400" dirty="0" smtClean="0">
+                <a:latin typeface="Menlo"/>
+                <a:ea typeface="Menlo"/>
+                <a:cs typeface="Menlo"/>
+                <a:sym typeface="Menlo"/>
+              </a:rPr>
+              <a:t>, </a:t>
+            </a:r>
+            <a:r>
+              <a:rPr lang="pl-PL" sz="1400" dirty="0" err="1" smtClean="0">
+                <a:latin typeface="Menlo"/>
+                <a:ea typeface="Menlo"/>
+                <a:cs typeface="Menlo"/>
+                <a:sym typeface="Menlo"/>
+              </a:rPr>
+              <a:t>condition</a:t>
+            </a:r>
+            <a:r>
+              <a:rPr lang="pl-PL" sz="1400" dirty="0" smtClean="0">
+                <a:latin typeface="Menlo"/>
+                <a:ea typeface="Menlo"/>
+                <a:cs typeface="Menlo"/>
+                <a:sym typeface="Menlo"/>
+              </a:rPr>
+              <a:t>=</a:t>
+            </a:r>
+            <a:r>
+              <a:rPr lang="pl-PL" sz="1400" dirty="0" err="1" smtClean="0">
+                <a:latin typeface="Menlo"/>
+                <a:ea typeface="Menlo"/>
+                <a:cs typeface="Menlo"/>
+                <a:sym typeface="Menlo"/>
+              </a:rPr>
+              <a:t>g_met</a:t>
+            </a:r>
+            <a:r>
+              <a:rPr lang="pl-PL" sz="1400" dirty="0" smtClean="0">
+                <a:latin typeface="Menlo"/>
+                <a:ea typeface="Menlo"/>
+                <a:cs typeface="Menlo"/>
+                <a:sym typeface="Menlo"/>
+              </a:rPr>
+              <a:t>, test='</a:t>
+            </a:r>
+            <a:r>
+              <a:rPr lang="pl-PL" sz="1400" dirty="0" err="1" smtClean="0">
+                <a:latin typeface="Menlo"/>
+                <a:ea typeface="Menlo"/>
+                <a:cs typeface="Menlo"/>
+                <a:sym typeface="Menlo"/>
+              </a:rPr>
+              <a:t>ttest</a:t>
+            </a:r>
+            <a:r>
+              <a:rPr lang="pl-PL" sz="1400" dirty="0" smtClean="0">
+                <a:latin typeface="Menlo"/>
+                <a:ea typeface="Menlo"/>
+                <a:cs typeface="Menlo"/>
+                <a:sym typeface="Menlo"/>
+              </a:rPr>
+              <a:t>')</a:t>
+            </a:r>
+            <a:endParaRPr sz="1400" dirty="0">
+              <a:latin typeface="Source Sans Pro"/>
+              <a:ea typeface="Source Sans Pro"/>
+              <a:cs typeface="Source Sans Pro"/>
+              <a:sym typeface="Source Sans Pro"/>
+            </a:endParaRPr>
+          </a:p>
+        </p:txBody>
+      </p:sp>
+      <p:graphicFrame>
+        <p:nvGraphicFramePr>
+          <p:cNvPr id="36" name="Table 267"/>
+          <p:cNvGraphicFramePr/>
+          <p:nvPr>
+            <p:extLst>
+              <p:ext uri="{D42A27DB-BD31-4B8C-83A1-F6EECF244321}">
+                <p14:modId xmlns:p14="http://schemas.microsoft.com/office/powerpoint/2010/main" val="3253765325"/>
+              </p:ext>
+            </p:extLst>
+          </p:nvPr>
+        </p:nvGraphicFramePr>
+        <p:xfrm>
+          <a:off x="10930821" y="6668733"/>
+          <a:ext cx="2277811" cy="381000"/>
+        </p:xfrm>
+        <a:graphic>
+          <a:graphicData uri="http://schemas.openxmlformats.org/drawingml/2006/table">
+            <a:tbl>
+              <a:tblPr bandRow="1">
+                <a:tableStyleId>{4C3C2611-4C71-4FC5-86AE-919BDF0F9419}</a:tableStyleId>
+              </a:tblPr>
+              <a:tblGrid>
+                <a:gridCol w="1047415"/>
+                <a:gridCol w="1230396"/>
+              </a:tblGrid>
+              <a:tr h="190500">
+                <a:tc>
+                  <a:txBody>
+                    <a:bodyPr/>
+                    <a:lstStyle/>
+                    <a:p>
+                      <a:pPr lvl="0" algn="l" defTabSz="914400"/>
+                      <a:r>
+                        <a:rPr lang="pl-PL" sz="1000" dirty="0" smtClean="0">
+                          <a:sym typeface="Source Sans Pro"/>
+                        </a:rPr>
+                        <a:t> '</a:t>
+                      </a:r>
+                      <a:r>
+                        <a:rPr lang="pl-PL" sz="1000" dirty="0" err="1" smtClean="0">
+                          <a:sym typeface="Source Sans Pro"/>
+                        </a:rPr>
+                        <a:t>ttest</a:t>
+                      </a:r>
+                      <a:r>
+                        <a:rPr lang="pl-PL" sz="1000" dirty="0" smtClean="0">
+                          <a:sym typeface="Source Sans Pro"/>
+                        </a:rPr>
+                        <a:t>'</a:t>
+                      </a:r>
+                      <a:endParaRPr sz="1000" dirty="0">
+                        <a:latin typeface="Source Sans Pro"/>
+                        <a:ea typeface="Source Sans Pro"/>
+                        <a:cs typeface="Source Sans Pro"/>
+                        <a:sym typeface="Source Sans Pro"/>
+                      </a:endParaRPr>
+                    </a:p>
+                  </a:txBody>
+                  <a:tcPr marL="0" marR="0" marT="0" marB="0" horzOverflow="overflow"/>
+                </a:tc>
+                <a:tc>
+                  <a:txBody>
+                    <a:bodyPr/>
+                    <a:lstStyle/>
+                    <a:p>
+                      <a:pPr lvl="0" algn="l" defTabSz="914400"/>
+                      <a:r>
+                        <a:rPr lang="pl-PL" sz="1000" dirty="0" err="1" smtClean="0">
+                          <a:sym typeface="Source Sans Pro"/>
+                        </a:rPr>
+                        <a:t>student's</a:t>
+                      </a:r>
+                      <a:r>
+                        <a:rPr lang="pl-PL" sz="1000" dirty="0" smtClean="0">
+                          <a:sym typeface="Source Sans Pro"/>
+                        </a:rPr>
+                        <a:t> t-test</a:t>
+                      </a:r>
+                      <a:endParaRPr sz="1000" dirty="0">
+                        <a:latin typeface="Source Sans Pro"/>
+                        <a:ea typeface="Source Sans Pro"/>
+                        <a:cs typeface="Source Sans Pro"/>
+                        <a:sym typeface="Source Sans Pro"/>
+                      </a:endParaRPr>
+                    </a:p>
+                  </a:txBody>
+                  <a:tcPr marL="0" marR="0" marT="0" marB="0" horzOverflow="overflow"/>
+                </a:tc>
+              </a:tr>
+              <a:tr h="190500">
+                <a:tc>
+                  <a:txBody>
+                    <a:bodyPr/>
+                    <a:lstStyle/>
+                    <a:p>
+                      <a:pPr lvl="0" algn="l" defTabSz="914400"/>
+                      <a:r>
+                        <a:rPr lang="pl-PL" sz="1000" dirty="0" smtClean="0">
+                          <a:sym typeface="Source Sans Pro"/>
+                        </a:rPr>
+                        <a:t> '</a:t>
+                      </a:r>
+                      <a:r>
+                        <a:rPr lang="pl-PL" sz="1000" dirty="0" err="1" smtClean="0">
+                          <a:sym typeface="Source Sans Pro"/>
+                        </a:rPr>
+                        <a:t>methyanalysis</a:t>
+                      </a:r>
+                      <a:r>
+                        <a:rPr lang="pl-PL" sz="1000" dirty="0" smtClean="0">
+                          <a:sym typeface="Source Sans Pro"/>
+                        </a:rPr>
+                        <a:t>'</a:t>
+                      </a:r>
+                      <a:endParaRPr sz="1000" dirty="0">
+                        <a:latin typeface="Source Sans Pro"/>
+                        <a:ea typeface="Source Sans Pro"/>
+                        <a:cs typeface="Source Sans Pro"/>
+                        <a:sym typeface="Source Sans Pro"/>
+                      </a:endParaRPr>
+                    </a:p>
+                  </a:txBody>
+                  <a:tcPr marL="0" marR="0" marT="0" marB="0" horzOverflow="overflow"/>
+                </a:tc>
+                <a:tc>
+                  <a:txBody>
+                    <a:bodyPr/>
+                    <a:lstStyle/>
+                    <a:p>
+                      <a:pPr lvl="0" algn="l" defTabSz="914400"/>
+                      <a:r>
+                        <a:rPr lang="pl-PL" sz="1000" dirty="0" smtClean="0">
+                          <a:sym typeface="Source Sans Pro"/>
+                        </a:rPr>
+                        <a:t>quasi-</a:t>
+                      </a:r>
+                      <a:r>
+                        <a:rPr lang="pl-PL" sz="1000" dirty="0" err="1" smtClean="0">
+                          <a:sym typeface="Source Sans Pro"/>
+                        </a:rPr>
+                        <a:t>likelihood</a:t>
+                      </a:r>
+                      <a:r>
+                        <a:rPr lang="pl-PL" sz="1000" dirty="0" smtClean="0">
+                          <a:sym typeface="Source Sans Pro"/>
+                        </a:rPr>
+                        <a:t> F-test</a:t>
+                      </a:r>
+                      <a:endParaRPr sz="1000" dirty="0">
+                        <a:latin typeface="Source Sans Pro"/>
+                        <a:ea typeface="Source Sans Pro"/>
+                        <a:cs typeface="Source Sans Pro"/>
+                        <a:sym typeface="Source Sans Pro"/>
+                      </a:endParaRPr>
+                    </a:p>
+                  </a:txBody>
+                  <a:tcPr marL="0" marR="0" marT="0" marB="0" horzOverflow="overflow"/>
+                </a:tc>
+              </a:tr>
+            </a:tbl>
+          </a:graphicData>
+        </a:graphic>
+      </p:graphicFrame>
     </p:spTree>
     <p:extLst>
       <p:ext uri="{BB962C8B-B14F-4D97-AF65-F5344CB8AC3E}">
@@ -3419,7 +4929,7 @@
           </a:ln>
           <a:extLst>
             <a:ext uri="{C572A759-6A51-4108-AA02-DFA0A04FC94B}">
-              <ma14:wrappingTextBoxFlag xmlns:ma14="http://schemas.microsoft.com/office/mac/drawingml/2011/main" xmlns="" val="1"/>
+              <ma14:wrappingTextBoxFlag xmlns="" xmlns:ma14="http://schemas.microsoft.com/office/mac/drawingml/2011/main" val="1"/>
             </a:ext>
           </a:extLst>
         </p:spPr>
@@ -3507,7 +5017,7 @@
           </a:ln>
           <a:extLst>
             <a:ext uri="{C572A759-6A51-4108-AA02-DFA0A04FC94B}">
-              <ma14:wrappingTextBoxFlag xmlns:ma14="http://schemas.microsoft.com/office/mac/drawingml/2011/main" xmlns="" val="1"/>
+              <ma14:wrappingTextBoxFlag xmlns="" xmlns:ma14="http://schemas.microsoft.com/office/mac/drawingml/2011/main" val="1"/>
             </a:ext>
           </a:extLst>
         </p:spPr>
@@ -3577,7 +5087,7 @@
           </a:ln>
           <a:extLst>
             <a:ext uri="{C572A759-6A51-4108-AA02-DFA0A04FC94B}">
-              <ma14:wrappingTextBoxFlag xmlns:ma14="http://schemas.microsoft.com/office/mac/drawingml/2011/main" xmlns="" val="1"/>
+              <ma14:wrappingTextBoxFlag xmlns="" xmlns:ma14="http://schemas.microsoft.com/office/mac/drawingml/2011/main" val="1"/>
             </a:ext>
           </a:extLst>
         </p:spPr>
@@ -3675,7 +5185,7 @@
           </a:ln>
           <a:extLst>
             <a:ext uri="{C572A759-6A51-4108-AA02-DFA0A04FC94B}">
-              <ma14:wrappingTextBoxFlag xmlns:ma14="http://schemas.microsoft.com/office/mac/drawingml/2011/main" xmlns="" val="1"/>
+              <ma14:wrappingTextBoxFlag xmlns="" xmlns:ma14="http://schemas.microsoft.com/office/mac/drawingml/2011/main" val="1"/>
             </a:ext>
           </a:extLst>
         </p:spPr>
@@ -3785,7 +5295,7 @@
           </a:ln>
           <a:extLst>
             <a:ext uri="{C572A759-6A51-4108-AA02-DFA0A04FC94B}">
-              <ma14:wrappingTextBoxFlag xmlns:ma14="http://schemas.microsoft.com/office/mac/drawingml/2011/main" xmlns="" val="1"/>
+              <ma14:wrappingTextBoxFlag xmlns="" xmlns:ma14="http://schemas.microsoft.com/office/mac/drawingml/2011/main" val="1"/>
             </a:ext>
           </a:extLst>
         </p:spPr>
@@ -3832,6 +5342,66 @@
           </a:p>
         </p:txBody>
       </p:sp>
+      <p:pic>
+        <p:nvPicPr>
+          <p:cNvPr id="2" name="Obraz 1"/>
+          <p:cNvPicPr>
+            <a:picLocks noChangeAspect="1"/>
+          </p:cNvPicPr>
+          <p:nvPr/>
+        </p:nvPicPr>
+        <p:blipFill>
+          <a:blip r:embed="rId5">
+            <a:extLst>
+              <a:ext uri="{28A0092B-C50C-407E-A947-70E740481C1C}">
+                <a14:useLocalDpi xmlns:a14="http://schemas.microsoft.com/office/drawing/2010/main" val="0"/>
+              </a:ext>
+            </a:extLst>
+          </a:blip>
+          <a:stretch>
+            <a:fillRect/>
+          </a:stretch>
+        </p:blipFill>
+        <p:spPr>
+          <a:xfrm>
+            <a:off x="5852942" y="1084238"/>
+            <a:ext cx="7588948" cy="2859112"/>
+          </a:xfrm>
+          <a:prstGeom prst="rect">
+            <a:avLst/>
+          </a:prstGeom>
+        </p:spPr>
+      </p:pic>
+      <p:pic>
+        <p:nvPicPr>
+          <p:cNvPr id="3" name="Obraz 2"/>
+          <p:cNvPicPr>
+            <a:picLocks noChangeAspect="1"/>
+          </p:cNvPicPr>
+          <p:nvPr/>
+        </p:nvPicPr>
+        <p:blipFill>
+          <a:blip r:embed="rId6">
+            <a:extLst>
+              <a:ext uri="{28A0092B-C50C-407E-A947-70E740481C1C}">
+                <a14:useLocalDpi xmlns:a14="http://schemas.microsoft.com/office/drawing/2010/main" val="0"/>
+              </a:ext>
+            </a:extLst>
+          </a:blip>
+          <a:stretch>
+            <a:fillRect/>
+          </a:stretch>
+        </p:blipFill>
+        <p:spPr>
+          <a:xfrm>
+            <a:off x="5687463" y="6100969"/>
+            <a:ext cx="7754426" cy="2185781"/>
+          </a:xfrm>
+          <a:prstGeom prst="rect">
+            <a:avLst/>
+          </a:prstGeom>
+        </p:spPr>
+      </p:pic>
     </p:spTree>
     <p:extLst>
       <p:ext uri="{BB962C8B-B14F-4D97-AF65-F5344CB8AC3E}">
@@ -3928,7 +5498,7 @@
           </a:ln>
           <a:extLst>
             <a:ext uri="{C572A759-6A51-4108-AA02-DFA0A04FC94B}">
-              <ma14:wrappingTextBoxFlag xmlns:ma14="http://schemas.microsoft.com/office/mac/drawingml/2011/main" xmlns="" val="1"/>
+              <ma14:wrappingTextBoxFlag xmlns="" xmlns:ma14="http://schemas.microsoft.com/office/mac/drawingml/2011/main" val="1"/>
             </a:ext>
           </a:extLst>
         </p:spPr>
@@ -4076,7 +5646,7 @@
           </a:ln>
           <a:extLst>
             <a:ext uri="{C572A759-6A51-4108-AA02-DFA0A04FC94B}">
-              <ma14:wrappingTextBoxFlag xmlns:ma14="http://schemas.microsoft.com/office/mac/drawingml/2011/main" xmlns="" val="1"/>
+              <ma14:wrappingTextBoxFlag xmlns="" xmlns:ma14="http://schemas.microsoft.com/office/mac/drawingml/2011/main" val="1"/>
             </a:ext>
           </a:extLst>
         </p:spPr>
@@ -4911,7 +6481,7 @@
           </a:ln>
           <a:extLst>
             <a:ext uri="{C572A759-6A51-4108-AA02-DFA0A04FC94B}">
-              <ma14:wrappingTextBoxFlag xmlns:ma14="http://schemas.microsoft.com/office/mac/drawingml/2011/main" xmlns="" val="1"/>
+              <ma14:wrappingTextBoxFlag xmlns="" xmlns:ma14="http://schemas.microsoft.com/office/mac/drawingml/2011/main" val="1"/>
             </a:ext>
           </a:extLst>
         </p:spPr>
@@ -4956,7 +6526,7 @@
           </a:ln>
           <a:extLst>
             <a:ext uri="{C572A759-6A51-4108-AA02-DFA0A04FC94B}">
-              <ma14:wrappingTextBoxFlag xmlns:ma14="http://schemas.microsoft.com/office/mac/drawingml/2011/main" xmlns="" val="1"/>
+              <ma14:wrappingTextBoxFlag xmlns="" xmlns:ma14="http://schemas.microsoft.com/office/mac/drawingml/2011/main" val="1"/>
             </a:ext>
           </a:extLst>
         </p:spPr>
@@ -5044,7 +6614,7 @@
           </a:ln>
           <a:extLst>
             <a:ext uri="{C572A759-6A51-4108-AA02-DFA0A04FC94B}">
-              <ma14:wrappingTextBoxFlag xmlns:ma14="http://schemas.microsoft.com/office/mac/drawingml/2011/main" xmlns="" val="1"/>
+              <ma14:wrappingTextBoxFlag xmlns="" xmlns:ma14="http://schemas.microsoft.com/office/mac/drawingml/2011/main" val="1"/>
             </a:ext>
           </a:extLst>
         </p:spPr>
@@ -5114,7 +6684,7 @@
           </a:ln>
           <a:extLst>
             <a:ext uri="{C572A759-6A51-4108-AA02-DFA0A04FC94B}">
-              <ma14:wrappingTextBoxFlag xmlns:ma14="http://schemas.microsoft.com/office/mac/drawingml/2011/main" xmlns="" val="1"/>
+              <ma14:wrappingTextBoxFlag xmlns="" xmlns:ma14="http://schemas.microsoft.com/office/mac/drawingml/2011/main" val="1"/>
             </a:ext>
           </a:extLst>
         </p:spPr>
@@ -5238,7 +6808,7 @@
           </a:ln>
           <a:extLst>
             <a:ext uri="{C572A759-6A51-4108-AA02-DFA0A04FC94B}">
-              <ma14:wrappingTextBoxFlag xmlns:ma14="http://schemas.microsoft.com/office/mac/drawingml/2011/main" xmlns="" val="1"/>
+              <ma14:wrappingTextBoxFlag xmlns="" xmlns:ma14="http://schemas.microsoft.com/office/mac/drawingml/2011/main" val="1"/>
             </a:ext>
           </a:extLst>
         </p:spPr>
@@ -5288,7 +6858,7 @@
           </a:ln>
           <a:extLst>
             <a:ext uri="{C572A759-6A51-4108-AA02-DFA0A04FC94B}">
-              <ma14:wrappingTextBoxFlag xmlns:ma14="http://schemas.microsoft.com/office/mac/drawingml/2011/main" xmlns="" val="1"/>
+              <ma14:wrappingTextBoxFlag xmlns="" xmlns:ma14="http://schemas.microsoft.com/office/mac/drawingml/2011/main" val="1"/>
             </a:ext>
           </a:extLst>
         </p:spPr>
@@ -5413,7 +6983,7 @@
           </a:ln>
           <a:extLst>
             <a:ext uri="{C572A759-6A51-4108-AA02-DFA0A04FC94B}">
-              <ma14:wrappingTextBoxFlag xmlns:ma14="http://schemas.microsoft.com/office/mac/drawingml/2011/main" xmlns="" val="1"/>
+              <ma14:wrappingTextBoxFlag xmlns="" xmlns:ma14="http://schemas.microsoft.com/office/mac/drawingml/2011/main" val="1"/>
             </a:ext>
           </a:extLst>
         </p:spPr>
@@ -5502,7 +7072,7 @@
           </a:ln>
           <a:extLst>
             <a:ext uri="{C572A759-6A51-4108-AA02-DFA0A04FC94B}">
-              <ma14:wrappingTextBoxFlag xmlns:ma14="http://schemas.microsoft.com/office/mac/drawingml/2011/main" xmlns="" val="1"/>
+              <ma14:wrappingTextBoxFlag xmlns="" xmlns:ma14="http://schemas.microsoft.com/office/mac/drawingml/2011/main" val="1"/>
             </a:ext>
           </a:extLst>
         </p:spPr>
@@ -5591,7 +7161,7 @@
           </a:ln>
           <a:extLst>
             <a:ext uri="{C572A759-6A51-4108-AA02-DFA0A04FC94B}">
-              <ma14:wrappingTextBoxFlag xmlns:ma14="http://schemas.microsoft.com/office/mac/drawingml/2011/main" xmlns="" val="1"/>
+              <ma14:wrappingTextBoxFlag xmlns="" xmlns:ma14="http://schemas.microsoft.com/office/mac/drawingml/2011/main" val="1"/>
             </a:ext>
           </a:extLst>
         </p:spPr>
@@ -5675,7 +7245,7 @@
           </a:ln>
           <a:extLst>
             <a:ext uri="{C572A759-6A51-4108-AA02-DFA0A04FC94B}">
-              <ma14:wrappingTextBoxFlag xmlns:ma14="http://schemas.microsoft.com/office/mac/drawingml/2011/main" xmlns="" val="1"/>
+              <ma14:wrappingTextBoxFlag xmlns="" xmlns:ma14="http://schemas.microsoft.com/office/mac/drawingml/2011/main" val="1"/>
             </a:ext>
           </a:extLst>
         </p:spPr>
@@ -5734,7 +7304,7 @@
           </a:ln>
           <a:extLst>
             <a:ext uri="{C572A759-6A51-4108-AA02-DFA0A04FC94B}">
-              <ma14:wrappingTextBoxFlag xmlns:ma14="http://schemas.microsoft.com/office/mac/drawingml/2011/main" xmlns="" val="1"/>
+              <ma14:wrappingTextBoxFlag xmlns="" xmlns:ma14="http://schemas.microsoft.com/office/mac/drawingml/2011/main" val="1"/>
             </a:ext>
           </a:extLst>
         </p:spPr>
@@ -5793,7 +7363,7 @@
           </a:ln>
           <a:extLst>
             <a:ext uri="{C572A759-6A51-4108-AA02-DFA0A04FC94B}">
-              <ma14:wrappingTextBoxFlag xmlns:ma14="http://schemas.microsoft.com/office/mac/drawingml/2011/main" xmlns="" val="1"/>
+              <ma14:wrappingTextBoxFlag xmlns="" xmlns:ma14="http://schemas.microsoft.com/office/mac/drawingml/2011/main" val="1"/>
             </a:ext>
           </a:extLst>
         </p:spPr>
@@ -6190,7 +7760,7 @@
             <a:effectLst/>
             <a:extLst>
               <a:ext uri="{C572A759-6A51-4108-AA02-DFA0A04FC94B}">
-                <ma14:wrappingTextBoxFlag xmlns:ma14="http://schemas.microsoft.com/office/mac/drawingml/2011/main" xmlns="" val="1"/>
+                <ma14:wrappingTextBoxFlag xmlns="" xmlns:ma14="http://schemas.microsoft.com/office/mac/drawingml/2011/main" val="1"/>
               </a:ext>
             </a:extLst>
           </p:spPr>
@@ -6267,7 +7837,7 @@
           </a:ln>
           <a:extLst>
             <a:ext uri="{C572A759-6A51-4108-AA02-DFA0A04FC94B}">
-              <ma14:wrappingTextBoxFlag xmlns:ma14="http://schemas.microsoft.com/office/mac/drawingml/2011/main" xmlns="" val="1"/>
+              <ma14:wrappingTextBoxFlag xmlns="" xmlns:ma14="http://schemas.microsoft.com/office/mac/drawingml/2011/main" val="1"/>
             </a:ext>
           </a:extLst>
         </p:spPr>
@@ -6355,7 +7925,7 @@
           </a:ln>
           <a:extLst>
             <a:ext uri="{C572A759-6A51-4108-AA02-DFA0A04FC94B}">
-              <ma14:wrappingTextBoxFlag xmlns:ma14="http://schemas.microsoft.com/office/mac/drawingml/2011/main" xmlns="" val="1"/>
+              <ma14:wrappingTextBoxFlag xmlns="" xmlns:ma14="http://schemas.microsoft.com/office/mac/drawingml/2011/main" val="1"/>
             </a:ext>
           </a:extLst>
         </p:spPr>
@@ -8952,7 +10522,7 @@
           </a:ln>
           <a:extLst>
             <a:ext uri="{C572A759-6A51-4108-AA02-DFA0A04FC94B}">
-              <ma14:wrappingTextBoxFlag xmlns:ma14="http://schemas.microsoft.com/office/mac/drawingml/2011/main" xmlns="" val="1"/>
+              <ma14:wrappingTextBoxFlag xmlns="" xmlns:ma14="http://schemas.microsoft.com/office/mac/drawingml/2011/main" val="1"/>
             </a:ext>
           </a:extLst>
         </p:spPr>
@@ -9023,7 +10593,7 @@
           </a:ln>
           <a:extLst>
             <a:ext uri="{C572A759-6A51-4108-AA02-DFA0A04FC94B}">
-              <ma14:wrappingTextBoxFlag xmlns:ma14="http://schemas.microsoft.com/office/mac/drawingml/2011/main" xmlns="" val="1"/>
+              <ma14:wrappingTextBoxFlag xmlns="" xmlns:ma14="http://schemas.microsoft.com/office/mac/drawingml/2011/main" val="1"/>
             </a:ext>
           </a:extLst>
         </p:spPr>
@@ -9082,7 +10652,7 @@
           </a:ln>
           <a:extLst>
             <a:ext uri="{C572A759-6A51-4108-AA02-DFA0A04FC94B}">
-              <ma14:wrappingTextBoxFlag xmlns:ma14="http://schemas.microsoft.com/office/mac/drawingml/2011/main" xmlns="" val="1"/>
+              <ma14:wrappingTextBoxFlag xmlns="" xmlns:ma14="http://schemas.microsoft.com/office/mac/drawingml/2011/main" val="1"/>
             </a:ext>
           </a:extLst>
         </p:spPr>
@@ -9236,7 +10806,7 @@
           </a:ln>
           <a:extLst>
             <a:ext uri="{C572A759-6A51-4108-AA02-DFA0A04FC94B}">
-              <ma14:wrappingTextBoxFlag xmlns:ma14="http://schemas.microsoft.com/office/mac/drawingml/2011/main" xmlns="" val="1"/>
+              <ma14:wrappingTextBoxFlag xmlns="" xmlns:ma14="http://schemas.microsoft.com/office/mac/drawingml/2011/main" val="1"/>
             </a:ext>
           </a:extLst>
         </p:spPr>
@@ -9295,7 +10865,7 @@
           </a:ln>
           <a:extLst>
             <a:ext uri="{C572A759-6A51-4108-AA02-DFA0A04FC94B}">
-              <ma14:wrappingTextBoxFlag xmlns:ma14="http://schemas.microsoft.com/office/mac/drawingml/2011/main" xmlns="" val="1"/>
+              <ma14:wrappingTextBoxFlag xmlns="" xmlns:ma14="http://schemas.microsoft.com/office/mac/drawingml/2011/main" val="1"/>
             </a:ext>
           </a:extLst>
         </p:spPr>
@@ -9354,7 +10924,7 @@
           </a:ln>
           <a:extLst>
             <a:ext uri="{C572A759-6A51-4108-AA02-DFA0A04FC94B}">
-              <ma14:wrappingTextBoxFlag xmlns:ma14="http://schemas.microsoft.com/office/mac/drawingml/2011/main" xmlns="" val="1"/>
+              <ma14:wrappingTextBoxFlag xmlns="" xmlns:ma14="http://schemas.microsoft.com/office/mac/drawingml/2011/main" val="1"/>
             </a:ext>
           </a:extLst>
         </p:spPr>
@@ -9413,7 +10983,7 @@
           </a:ln>
           <a:extLst>
             <a:ext uri="{C572A759-6A51-4108-AA02-DFA0A04FC94B}">
-              <ma14:wrappingTextBoxFlag xmlns:ma14="http://schemas.microsoft.com/office/mac/drawingml/2011/main" xmlns="" val="1"/>
+              <ma14:wrappingTextBoxFlag xmlns="" xmlns:ma14="http://schemas.microsoft.com/office/mac/drawingml/2011/main" val="1"/>
             </a:ext>
           </a:extLst>
         </p:spPr>
@@ -9472,7 +11042,7 @@
           </a:ln>
           <a:extLst>
             <a:ext uri="{C572A759-6A51-4108-AA02-DFA0A04FC94B}">
-              <ma14:wrappingTextBoxFlag xmlns:ma14="http://schemas.microsoft.com/office/mac/drawingml/2011/main" xmlns="" val="1"/>
+              <ma14:wrappingTextBoxFlag xmlns="" xmlns:ma14="http://schemas.microsoft.com/office/mac/drawingml/2011/main" val="1"/>
             </a:ext>
           </a:extLst>
         </p:spPr>
@@ -9531,7 +11101,7 @@
           </a:ln>
           <a:extLst>
             <a:ext uri="{C572A759-6A51-4108-AA02-DFA0A04FC94B}">
-              <ma14:wrappingTextBoxFlag xmlns:ma14="http://schemas.microsoft.com/office/mac/drawingml/2011/main" xmlns="" val="1"/>
+              <ma14:wrappingTextBoxFlag xmlns="" xmlns:ma14="http://schemas.microsoft.com/office/mac/drawingml/2011/main" val="1"/>
             </a:ext>
           </a:extLst>
         </p:spPr>
@@ -9901,7 +11471,7 @@
           </a:ln>
           <a:extLst>
             <a:ext uri="{C572A759-6A51-4108-AA02-DFA0A04FC94B}">
-              <ma14:wrappingTextBoxFlag xmlns:ma14="http://schemas.microsoft.com/office/mac/drawingml/2011/main" xmlns="" val="1"/>
+              <ma14:wrappingTextBoxFlag xmlns="" xmlns:ma14="http://schemas.microsoft.com/office/mac/drawingml/2011/main" val="1"/>
             </a:ext>
           </a:extLst>
         </p:spPr>
@@ -9993,7 +11563,7 @@
           </a:ln>
           <a:extLst>
             <a:ext uri="{C572A759-6A51-4108-AA02-DFA0A04FC94B}">
-              <ma14:wrappingTextBoxFlag xmlns:ma14="http://schemas.microsoft.com/office/mac/drawingml/2011/main" xmlns="" val="1"/>
+              <ma14:wrappingTextBoxFlag xmlns="" xmlns:ma14="http://schemas.microsoft.com/office/mac/drawingml/2011/main" val="1"/>
             </a:ext>
           </a:extLst>
         </p:spPr>
@@ -10087,7 +11657,7 @@
           </a:ln>
           <a:extLst>
             <a:ext uri="{C572A759-6A51-4108-AA02-DFA0A04FC94B}">
-              <ma14:wrappingTextBoxFlag xmlns:ma14="http://schemas.microsoft.com/office/mac/drawingml/2011/main" xmlns="" val="1"/>
+              <ma14:wrappingTextBoxFlag xmlns="" xmlns:ma14="http://schemas.microsoft.com/office/mac/drawingml/2011/main" val="1"/>
             </a:ext>
           </a:extLst>
         </p:spPr>
@@ -10137,7 +11707,7 @@
           </a:ln>
           <a:extLst>
             <a:ext uri="{C572A759-6A51-4108-AA02-DFA0A04FC94B}">
-              <ma14:wrappingTextBoxFlag xmlns:ma14="http://schemas.microsoft.com/office/mac/drawingml/2011/main" xmlns="" val="1"/>
+              <ma14:wrappingTextBoxFlag xmlns="" xmlns:ma14="http://schemas.microsoft.com/office/mac/drawingml/2011/main" val="1"/>
             </a:ext>
           </a:extLst>
         </p:spPr>
@@ -10187,7 +11757,7 @@
           </a:ln>
           <a:extLst>
             <a:ext uri="{C572A759-6A51-4108-AA02-DFA0A04FC94B}">
-              <ma14:wrappingTextBoxFlag xmlns:ma14="http://schemas.microsoft.com/office/mac/drawingml/2011/main" xmlns="" val="1"/>
+              <ma14:wrappingTextBoxFlag xmlns="" xmlns:ma14="http://schemas.microsoft.com/office/mac/drawingml/2011/main" val="1"/>
             </a:ext>
           </a:extLst>
         </p:spPr>
@@ -10232,7 +11802,7 @@
           </a:ln>
           <a:extLst>
             <a:ext uri="{C572A759-6A51-4108-AA02-DFA0A04FC94B}">
-              <ma14:wrappingTextBoxFlag xmlns:ma14="http://schemas.microsoft.com/office/mac/drawingml/2011/main" xmlns="" val="1"/>
+              <ma14:wrappingTextBoxFlag xmlns="" xmlns:ma14="http://schemas.microsoft.com/office/mac/drawingml/2011/main" val="1"/>
             </a:ext>
           </a:extLst>
         </p:spPr>
@@ -10291,7 +11861,7 @@
           </a:ln>
           <a:extLst>
             <a:ext uri="{C572A759-6A51-4108-AA02-DFA0A04FC94B}">
-              <ma14:wrappingTextBoxFlag xmlns:ma14="http://schemas.microsoft.com/office/mac/drawingml/2011/main" xmlns="" val="1"/>
+              <ma14:wrappingTextBoxFlag xmlns="" xmlns:ma14="http://schemas.microsoft.com/office/mac/drawingml/2011/main" val="1"/>
             </a:ext>
           </a:extLst>
         </p:spPr>
@@ -10381,7 +11951,7 @@
           </a:ln>
           <a:extLst>
             <a:ext uri="{C572A759-6A51-4108-AA02-DFA0A04FC94B}">
-              <ma14:wrappingTextBoxFlag xmlns:ma14="http://schemas.microsoft.com/office/mac/drawingml/2011/main" xmlns="" val="1"/>
+              <ma14:wrappingTextBoxFlag xmlns="" xmlns:ma14="http://schemas.microsoft.com/office/mac/drawingml/2011/main" val="1"/>
             </a:ext>
           </a:extLst>
         </p:spPr>
@@ -16965,7 +18535,7 @@
           </a:ln>
           <a:extLst>
             <a:ext uri="{C572A759-6A51-4108-AA02-DFA0A04FC94B}">
-              <ma14:wrappingTextBoxFlag xmlns:ma14="http://schemas.microsoft.com/office/mac/drawingml/2011/main" xmlns="" val="1"/>
+              <ma14:wrappingTextBoxFlag xmlns="" xmlns:ma14="http://schemas.microsoft.com/office/mac/drawingml/2011/main" val="1"/>
             </a:ext>
           </a:extLst>
         </p:spPr>
@@ -17469,7 +19039,7 @@
           </a:ln>
           <a:extLst>
             <a:ext uri="{C572A759-6A51-4108-AA02-DFA0A04FC94B}">
-              <ma14:wrappingTextBoxFlag xmlns:ma14="http://schemas.microsoft.com/office/mac/drawingml/2011/main" xmlns="" val="1"/>
+              <ma14:wrappingTextBoxFlag xmlns="" xmlns:ma14="http://schemas.microsoft.com/office/mac/drawingml/2011/main" val="1"/>
             </a:ext>
           </a:extLst>
         </p:spPr>
@@ -17567,7 +19137,7 @@
             <a:effectLst/>
             <a:extLst>
               <a:ext uri="{C572A759-6A51-4108-AA02-DFA0A04FC94B}">
-                <ma14:wrappingTextBoxFlag xmlns:ma14="http://schemas.microsoft.com/office/mac/drawingml/2011/main" xmlns="" val="1"/>
+                <ma14:wrappingTextBoxFlag xmlns="" xmlns:ma14="http://schemas.microsoft.com/office/mac/drawingml/2011/main" val="1"/>
               </a:ext>
             </a:extLst>
           </p:spPr>
@@ -17632,7 +19202,7 @@
             <a:effectLst/>
             <a:extLst>
               <a:ext uri="{C572A759-6A51-4108-AA02-DFA0A04FC94B}">
-                <ma14:wrappingTextBoxFlag xmlns:ma14="http://schemas.microsoft.com/office/mac/drawingml/2011/main" xmlns="" val="1"/>
+                <ma14:wrappingTextBoxFlag xmlns="" xmlns:ma14="http://schemas.microsoft.com/office/mac/drawingml/2011/main" val="1"/>
               </a:ext>
             </a:extLst>
           </p:spPr>
@@ -17694,7 +19264,7 @@
             <a:effectLst/>
             <a:extLst>
               <a:ext uri="{C572A759-6A51-4108-AA02-DFA0A04FC94B}">
-                <ma14:wrappingTextBoxFlag xmlns:ma14="http://schemas.microsoft.com/office/mac/drawingml/2011/main" xmlns="" val="1"/>
+                <ma14:wrappingTextBoxFlag xmlns="" xmlns:ma14="http://schemas.microsoft.com/office/mac/drawingml/2011/main" val="1"/>
               </a:ext>
             </a:extLst>
           </p:spPr>
@@ -17756,7 +19326,7 @@
             <a:effectLst/>
             <a:extLst>
               <a:ext uri="{C572A759-6A51-4108-AA02-DFA0A04FC94B}">
-                <ma14:wrappingTextBoxFlag xmlns:ma14="http://schemas.microsoft.com/office/mac/drawingml/2011/main" xmlns="" val="1"/>
+                <ma14:wrappingTextBoxFlag xmlns="" xmlns:ma14="http://schemas.microsoft.com/office/mac/drawingml/2011/main" val="1"/>
               </a:ext>
             </a:extLst>
           </p:spPr>
@@ -17818,7 +19388,7 @@
             <a:effectLst/>
             <a:extLst>
               <a:ext uri="{C572A759-6A51-4108-AA02-DFA0A04FC94B}">
-                <ma14:wrappingTextBoxFlag xmlns:ma14="http://schemas.microsoft.com/office/mac/drawingml/2011/main" xmlns="" val="1"/>
+                <ma14:wrappingTextBoxFlag xmlns="" xmlns:ma14="http://schemas.microsoft.com/office/mac/drawingml/2011/main" val="1"/>
               </a:ext>
             </a:extLst>
           </p:spPr>
@@ -17878,7 +19448,7 @@
           </a:ln>
           <a:extLst>
             <a:ext uri="{C572A759-6A51-4108-AA02-DFA0A04FC94B}">
-              <ma14:wrappingTextBoxFlag xmlns:ma14="http://schemas.microsoft.com/office/mac/drawingml/2011/main" xmlns="" val="1"/>
+              <ma14:wrappingTextBoxFlag xmlns="" xmlns:ma14="http://schemas.microsoft.com/office/mac/drawingml/2011/main" val="1"/>
             </a:ext>
           </a:extLst>
         </p:spPr>
@@ -17898,7 +19468,7 @@
               <a:defRPr sz="1800"/>
             </a:pPr>
             <a:r>
-              <a:rPr sz="1400">
+              <a:rPr sz="1400" dirty="0" err="1">
                 <a:solidFill>
                   <a:srgbClr val="F39019"/>
                 </a:solidFill>
@@ -17907,10 +19477,22 @@
                 <a:cs typeface="Source Sans Pro"/>
                 <a:sym typeface="Source Sans Pro"/>
               </a:rPr>
-              <a:t>dplyr::</a:t>
-            </a:r>
-            <a:r>
-              <a:rPr sz="1400">
+              <a:t>dplyr</a:t>
+            </a:r>
+            <a:r>
+              <a:rPr sz="1400" dirty="0">
+                <a:solidFill>
+                  <a:srgbClr val="F39019"/>
+                </a:solidFill>
+                <a:latin typeface="Source Sans Pro"/>
+                <a:ea typeface="Source Sans Pro"/>
+                <a:cs typeface="Source Sans Pro"/>
+                <a:sym typeface="Source Sans Pro"/>
+              </a:rPr>
+              <a:t>::</a:t>
+            </a:r>
+            <a:r>
+              <a:rPr sz="1400" dirty="0">
                 <a:latin typeface="Source Sans Pro Semibold"/>
                 <a:ea typeface="Source Sans Pro Semibold"/>
                 <a:cs typeface="Source Sans Pro Semibold"/>
@@ -17918,7 +19500,7 @@
               </a:rPr>
               <a:t>lead</a:t>
             </a:r>
-            <a:endParaRPr sz="1400">
+            <a:endParaRPr sz="1400" dirty="0">
               <a:latin typeface="Source Sans Pro"/>
               <a:ea typeface="Source Sans Pro"/>
               <a:cs typeface="Source Sans Pro"/>
@@ -17936,7 +19518,7 @@
               <a:defRPr sz="1800"/>
             </a:pPr>
             <a:r>
-              <a:rPr sz="1400">
+              <a:rPr sz="1400" dirty="0">
                 <a:latin typeface="Source Sans Pro Light"/>
                 <a:ea typeface="Source Sans Pro Light"/>
                 <a:cs typeface="Source Sans Pro Light"/>
@@ -17956,7 +19538,7 @@
               <a:defRPr sz="1800"/>
             </a:pPr>
             <a:r>
-              <a:rPr sz="1400">
+              <a:rPr sz="1400" dirty="0" err="1">
                 <a:solidFill>
                   <a:srgbClr val="F39019"/>
                 </a:solidFill>
@@ -17965,10 +19547,22 @@
                 <a:cs typeface="Source Sans Pro"/>
                 <a:sym typeface="Source Sans Pro"/>
               </a:rPr>
-              <a:t>dplyr::</a:t>
-            </a:r>
-            <a:r>
-              <a:rPr sz="1400">
+              <a:t>dplyr</a:t>
+            </a:r>
+            <a:r>
+              <a:rPr sz="1400" dirty="0">
+                <a:solidFill>
+                  <a:srgbClr val="F39019"/>
+                </a:solidFill>
+                <a:latin typeface="Source Sans Pro"/>
+                <a:ea typeface="Source Sans Pro"/>
+                <a:cs typeface="Source Sans Pro"/>
+                <a:sym typeface="Source Sans Pro"/>
+              </a:rPr>
+              <a:t>::</a:t>
+            </a:r>
+            <a:r>
+              <a:rPr sz="1400" dirty="0">
                 <a:latin typeface="Source Sans Pro Semibold"/>
                 <a:ea typeface="Source Sans Pro Semibold"/>
                 <a:cs typeface="Source Sans Pro Semibold"/>
@@ -17976,7 +19570,7 @@
               </a:rPr>
               <a:t>lag</a:t>
             </a:r>
-            <a:endParaRPr sz="1400">
+            <a:endParaRPr sz="1400" dirty="0">
               <a:latin typeface="Source Sans Pro"/>
               <a:ea typeface="Source Sans Pro"/>
               <a:cs typeface="Source Sans Pro"/>
@@ -17994,7 +19588,7 @@
               <a:defRPr sz="1800"/>
             </a:pPr>
             <a:r>
-              <a:rPr sz="1400">
+              <a:rPr sz="1400" dirty="0">
                 <a:latin typeface="Source Sans Pro Light"/>
                 <a:ea typeface="Source Sans Pro Light"/>
                 <a:cs typeface="Source Sans Pro Light"/>
@@ -18014,7 +19608,7 @@
               <a:defRPr sz="1800"/>
             </a:pPr>
             <a:r>
-              <a:rPr sz="1400">
+              <a:rPr sz="1400" dirty="0" err="1">
                 <a:solidFill>
                   <a:srgbClr val="F39019"/>
                 </a:solidFill>
@@ -18023,10 +19617,22 @@
                 <a:cs typeface="Source Sans Pro"/>
                 <a:sym typeface="Source Sans Pro"/>
               </a:rPr>
-              <a:t>dplyr::</a:t>
-            </a:r>
-            <a:r>
-              <a:rPr sz="1400">
+              <a:t>dplyr</a:t>
+            </a:r>
+            <a:r>
+              <a:rPr sz="1400" dirty="0">
+                <a:solidFill>
+                  <a:srgbClr val="F39019"/>
+                </a:solidFill>
+                <a:latin typeface="Source Sans Pro"/>
+                <a:ea typeface="Source Sans Pro"/>
+                <a:cs typeface="Source Sans Pro"/>
+                <a:sym typeface="Source Sans Pro"/>
+              </a:rPr>
+              <a:t>::</a:t>
+            </a:r>
+            <a:r>
+              <a:rPr sz="1400" dirty="0" err="1">
                 <a:latin typeface="Source Sans Pro Semibold"/>
                 <a:ea typeface="Source Sans Pro Semibold"/>
                 <a:cs typeface="Source Sans Pro Semibold"/>
@@ -18034,7 +19640,7 @@
               </a:rPr>
               <a:t>dense_rank</a:t>
             </a:r>
-            <a:endParaRPr sz="1400">
+            <a:endParaRPr sz="1400" dirty="0">
               <a:latin typeface="Source Sans Pro"/>
               <a:ea typeface="Source Sans Pro"/>
               <a:cs typeface="Source Sans Pro"/>
@@ -18052,7 +19658,7 @@
               <a:defRPr sz="1800"/>
             </a:pPr>
             <a:r>
-              <a:rPr sz="1400">
+              <a:rPr sz="1400" dirty="0">
                 <a:latin typeface="Source Sans Pro Light"/>
                 <a:ea typeface="Source Sans Pro Light"/>
                 <a:cs typeface="Source Sans Pro Light"/>
@@ -18072,7 +19678,7 @@
               <a:defRPr sz="1800"/>
             </a:pPr>
             <a:r>
-              <a:rPr sz="1400">
+              <a:rPr sz="1400" dirty="0" err="1">
                 <a:solidFill>
                   <a:srgbClr val="F39019"/>
                 </a:solidFill>
@@ -18081,10 +19687,22 @@
                 <a:cs typeface="Source Sans Pro"/>
                 <a:sym typeface="Source Sans Pro"/>
               </a:rPr>
-              <a:t>dplyr::</a:t>
-            </a:r>
-            <a:r>
-              <a:rPr sz="1400">
+              <a:t>dplyr</a:t>
+            </a:r>
+            <a:r>
+              <a:rPr sz="1400" dirty="0">
+                <a:solidFill>
+                  <a:srgbClr val="F39019"/>
+                </a:solidFill>
+                <a:latin typeface="Source Sans Pro"/>
+                <a:ea typeface="Source Sans Pro"/>
+                <a:cs typeface="Source Sans Pro"/>
+                <a:sym typeface="Source Sans Pro"/>
+              </a:rPr>
+              <a:t>::</a:t>
+            </a:r>
+            <a:r>
+              <a:rPr sz="1400" dirty="0" err="1">
                 <a:latin typeface="Source Sans Pro Semibold"/>
                 <a:ea typeface="Source Sans Pro Semibold"/>
                 <a:cs typeface="Source Sans Pro Semibold"/>
@@ -18092,7 +19710,7 @@
               </a:rPr>
               <a:t>min_rank</a:t>
             </a:r>
-            <a:endParaRPr sz="1400">
+            <a:endParaRPr sz="1400" dirty="0">
               <a:latin typeface="Source Sans Pro"/>
               <a:ea typeface="Source Sans Pro"/>
               <a:cs typeface="Source Sans Pro"/>
@@ -18110,7 +19728,7 @@
               <a:defRPr sz="1800"/>
             </a:pPr>
             <a:r>
-              <a:rPr sz="1400">
+              <a:rPr sz="1400" dirty="0">
                 <a:latin typeface="Source Sans Pro Light"/>
                 <a:ea typeface="Source Sans Pro Light"/>
                 <a:cs typeface="Source Sans Pro Light"/>
@@ -18130,7 +19748,7 @@
               <a:defRPr sz="1800"/>
             </a:pPr>
             <a:r>
-              <a:rPr sz="1400">
+              <a:rPr sz="1400" dirty="0" err="1">
                 <a:solidFill>
                   <a:srgbClr val="F39019"/>
                 </a:solidFill>
@@ -18139,10 +19757,22 @@
                 <a:cs typeface="Source Sans Pro"/>
                 <a:sym typeface="Source Sans Pro"/>
               </a:rPr>
-              <a:t>dplyr::</a:t>
-            </a:r>
-            <a:r>
-              <a:rPr sz="1400">
+              <a:t>dplyr</a:t>
+            </a:r>
+            <a:r>
+              <a:rPr sz="1400" dirty="0">
+                <a:solidFill>
+                  <a:srgbClr val="F39019"/>
+                </a:solidFill>
+                <a:latin typeface="Source Sans Pro"/>
+                <a:ea typeface="Source Sans Pro"/>
+                <a:cs typeface="Source Sans Pro"/>
+                <a:sym typeface="Source Sans Pro"/>
+              </a:rPr>
+              <a:t>::</a:t>
+            </a:r>
+            <a:r>
+              <a:rPr sz="1400" dirty="0" err="1">
                 <a:latin typeface="Source Sans Pro Semibold"/>
                 <a:ea typeface="Source Sans Pro Semibold"/>
                 <a:cs typeface="Source Sans Pro Semibold"/>
@@ -18150,7 +19780,7 @@
               </a:rPr>
               <a:t>percent_rank</a:t>
             </a:r>
-            <a:endParaRPr sz="1400">
+            <a:endParaRPr sz="1400" dirty="0">
               <a:latin typeface="Source Sans Pro"/>
               <a:ea typeface="Source Sans Pro"/>
               <a:cs typeface="Source Sans Pro"/>
@@ -18168,7 +19798,7 @@
               <a:defRPr sz="1800"/>
             </a:pPr>
             <a:r>
-              <a:rPr sz="1400">
+              <a:rPr sz="1400" dirty="0">
                 <a:latin typeface="Source Sans Pro Light"/>
                 <a:ea typeface="Source Sans Pro Light"/>
                 <a:cs typeface="Source Sans Pro Light"/>
@@ -18188,7 +19818,7 @@
               <a:defRPr sz="1800"/>
             </a:pPr>
             <a:r>
-              <a:rPr sz="1400">
+              <a:rPr sz="1400" dirty="0" err="1">
                 <a:solidFill>
                   <a:srgbClr val="F39019"/>
                 </a:solidFill>
@@ -18197,10 +19827,22 @@
                 <a:cs typeface="Source Sans Pro"/>
                 <a:sym typeface="Source Sans Pro"/>
               </a:rPr>
-              <a:t>dplyr::</a:t>
-            </a:r>
-            <a:r>
-              <a:rPr sz="1400">
+              <a:t>dplyr</a:t>
+            </a:r>
+            <a:r>
+              <a:rPr sz="1400" dirty="0">
+                <a:solidFill>
+                  <a:srgbClr val="F39019"/>
+                </a:solidFill>
+                <a:latin typeface="Source Sans Pro"/>
+                <a:ea typeface="Source Sans Pro"/>
+                <a:cs typeface="Source Sans Pro"/>
+                <a:sym typeface="Source Sans Pro"/>
+              </a:rPr>
+              <a:t>::</a:t>
+            </a:r>
+            <a:r>
+              <a:rPr sz="1400" dirty="0" err="1">
                 <a:latin typeface="Source Sans Pro Semibold"/>
                 <a:ea typeface="Source Sans Pro Semibold"/>
                 <a:cs typeface="Source Sans Pro Semibold"/>
@@ -18208,7 +19850,7 @@
               </a:rPr>
               <a:t>row_number</a:t>
             </a:r>
-            <a:endParaRPr sz="1400">
+            <a:endParaRPr sz="1400" dirty="0">
               <a:latin typeface="Source Sans Pro"/>
               <a:ea typeface="Source Sans Pro"/>
               <a:cs typeface="Source Sans Pro"/>
@@ -18226,7 +19868,7 @@
               <a:defRPr sz="1800"/>
             </a:pPr>
             <a:r>
-              <a:rPr sz="1400">
+              <a:rPr sz="1400" dirty="0">
                 <a:latin typeface="Source Sans Pro Light"/>
                 <a:ea typeface="Source Sans Pro Light"/>
                 <a:cs typeface="Source Sans Pro Light"/>
@@ -18246,7 +19888,7 @@
               <a:defRPr sz="1800"/>
             </a:pPr>
             <a:r>
-              <a:rPr sz="1400">
+              <a:rPr sz="1400" dirty="0" err="1">
                 <a:solidFill>
                   <a:srgbClr val="D77A00"/>
                 </a:solidFill>
@@ -18258,7 +19900,7 @@
               <a:t>dplyr</a:t>
             </a:r>
             <a:r>
-              <a:rPr sz="1400">
+              <a:rPr sz="1400" dirty="0">
                 <a:solidFill>
                   <a:srgbClr val="F39019"/>
                 </a:solidFill>
@@ -18270,7 +19912,7 @@
               <a:t>::</a:t>
             </a:r>
             <a:r>
-              <a:rPr sz="1400">
+              <a:rPr sz="1400" dirty="0" err="1">
                 <a:latin typeface="Source Sans Pro Semibold"/>
                 <a:ea typeface="Source Sans Pro Semibold"/>
                 <a:cs typeface="Source Sans Pro Semibold"/>
@@ -18278,7 +19920,7 @@
               </a:rPr>
               <a:t>ntile</a:t>
             </a:r>
-            <a:endParaRPr sz="1400">
+            <a:endParaRPr sz="1400" dirty="0">
               <a:latin typeface="Source Sans Pro"/>
               <a:ea typeface="Source Sans Pro"/>
               <a:cs typeface="Source Sans Pro"/>
@@ -18296,7 +19938,7 @@
               <a:defRPr sz="1800"/>
             </a:pPr>
             <a:r>
-              <a:rPr sz="1400">
+              <a:rPr sz="1400" dirty="0">
                 <a:latin typeface="Source Sans Pro Light"/>
                 <a:ea typeface="Source Sans Pro Light"/>
                 <a:cs typeface="Source Sans Pro Light"/>
@@ -18316,7 +19958,7 @@
               <a:defRPr sz="1800"/>
             </a:pPr>
             <a:r>
-              <a:rPr sz="1400">
+              <a:rPr sz="1400" dirty="0" err="1">
                 <a:solidFill>
                   <a:srgbClr val="F39019"/>
                 </a:solidFill>
@@ -18325,10 +19967,22 @@
                 <a:cs typeface="Source Sans Pro"/>
                 <a:sym typeface="Source Sans Pro"/>
               </a:rPr>
-              <a:t>dplyr::</a:t>
-            </a:r>
-            <a:r>
-              <a:rPr sz="1400">
+              <a:t>dplyr</a:t>
+            </a:r>
+            <a:r>
+              <a:rPr sz="1400" dirty="0">
+                <a:solidFill>
+                  <a:srgbClr val="F39019"/>
+                </a:solidFill>
+                <a:latin typeface="Source Sans Pro"/>
+                <a:ea typeface="Source Sans Pro"/>
+                <a:cs typeface="Source Sans Pro"/>
+                <a:sym typeface="Source Sans Pro"/>
+              </a:rPr>
+              <a:t>::</a:t>
+            </a:r>
+            <a:r>
+              <a:rPr sz="1400" dirty="0">
                 <a:latin typeface="Source Sans Pro Semibold"/>
                 <a:ea typeface="Source Sans Pro Semibold"/>
                 <a:cs typeface="Source Sans Pro Semibold"/>
@@ -18336,7 +19990,7 @@
               </a:rPr>
               <a:t>between</a:t>
             </a:r>
-            <a:endParaRPr sz="1400">
+            <a:endParaRPr sz="1400" dirty="0">
               <a:latin typeface="Source Sans Pro"/>
               <a:ea typeface="Source Sans Pro"/>
               <a:cs typeface="Source Sans Pro"/>
@@ -18354,7 +20008,7 @@
               <a:defRPr sz="1800"/>
             </a:pPr>
             <a:r>
-              <a:rPr sz="1400">
+              <a:rPr sz="1400" dirty="0">
                 <a:latin typeface="Source Sans Pro Light"/>
                 <a:ea typeface="Source Sans Pro Light"/>
                 <a:cs typeface="Source Sans Pro Light"/>
@@ -18374,7 +20028,7 @@
               <a:defRPr sz="1800"/>
             </a:pPr>
             <a:r>
-              <a:rPr sz="1400">
+              <a:rPr sz="1400" dirty="0" err="1">
                 <a:solidFill>
                   <a:srgbClr val="F39019"/>
                 </a:solidFill>
@@ -18383,10 +20037,22 @@
                 <a:cs typeface="Source Sans Pro"/>
                 <a:sym typeface="Source Sans Pro"/>
               </a:rPr>
-              <a:t>dplyr::</a:t>
-            </a:r>
-            <a:r>
-              <a:rPr sz="1400">
+              <a:t>dplyr</a:t>
+            </a:r>
+            <a:r>
+              <a:rPr sz="1400" dirty="0">
+                <a:solidFill>
+                  <a:srgbClr val="F39019"/>
+                </a:solidFill>
+                <a:latin typeface="Source Sans Pro"/>
+                <a:ea typeface="Source Sans Pro"/>
+                <a:cs typeface="Source Sans Pro"/>
+                <a:sym typeface="Source Sans Pro"/>
+              </a:rPr>
+              <a:t>::</a:t>
+            </a:r>
+            <a:r>
+              <a:rPr sz="1400" dirty="0" err="1">
                 <a:latin typeface="Source Sans Pro Semibold"/>
                 <a:ea typeface="Source Sans Pro Semibold"/>
                 <a:cs typeface="Source Sans Pro Semibold"/>
@@ -18394,7 +20060,7 @@
               </a:rPr>
               <a:t>cume_dist</a:t>
             </a:r>
-            <a:endParaRPr sz="1400">
+            <a:endParaRPr sz="1400" dirty="0">
               <a:latin typeface="Source Sans Pro"/>
               <a:ea typeface="Source Sans Pro"/>
               <a:cs typeface="Source Sans Pro"/>
@@ -18412,7 +20078,7 @@
               <a:defRPr sz="1800"/>
             </a:pPr>
             <a:r>
-              <a:rPr sz="1400">
+              <a:rPr sz="1400" dirty="0">
                 <a:latin typeface="Source Sans Pro Light"/>
                 <a:ea typeface="Source Sans Pro Light"/>
                 <a:cs typeface="Source Sans Pro Light"/>
@@ -18442,7 +20108,7 @@
           </a:ln>
           <a:extLst>
             <a:ext uri="{C572A759-6A51-4108-AA02-DFA0A04FC94B}">
-              <ma14:wrappingTextBoxFlag xmlns:ma14="http://schemas.microsoft.com/office/mac/drawingml/2011/main" xmlns="" val="1"/>
+              <ma14:wrappingTextBoxFlag xmlns="" xmlns:ma14="http://schemas.microsoft.com/office/mac/drawingml/2011/main" val="1"/>
             </a:ext>
           </a:extLst>
         </p:spPr>
@@ -18507,7 +20173,7 @@
           </a:ln>
           <a:extLst>
             <a:ext uri="{C572A759-6A51-4108-AA02-DFA0A04FC94B}">
-              <ma14:wrappingTextBoxFlag xmlns:ma14="http://schemas.microsoft.com/office/mac/drawingml/2011/main" xmlns="" val="1"/>
+              <ma14:wrappingTextBoxFlag xmlns="" xmlns:ma14="http://schemas.microsoft.com/office/mac/drawingml/2011/main" val="1"/>
             </a:ext>
           </a:extLst>
         </p:spPr>
@@ -18708,7 +20374,7 @@
           </a:ln>
           <a:extLst>
             <a:ext uri="{C572A759-6A51-4108-AA02-DFA0A04FC94B}">
-              <ma14:wrappingTextBoxFlag xmlns:ma14="http://schemas.microsoft.com/office/mac/drawingml/2011/main" xmlns="" val="1"/>
+              <ma14:wrappingTextBoxFlag xmlns="" xmlns:ma14="http://schemas.microsoft.com/office/mac/drawingml/2011/main" val="1"/>
             </a:ext>
           </a:extLst>
         </p:spPr>
@@ -18843,7 +20509,7 @@
           </a:ln>
           <a:extLst>
             <a:ext uri="{C572A759-6A51-4108-AA02-DFA0A04FC94B}">
-              <ma14:wrappingTextBoxFlag xmlns:ma14="http://schemas.microsoft.com/office/mac/drawingml/2011/main" xmlns="" val="1"/>
+              <ma14:wrappingTextBoxFlag xmlns="" xmlns:ma14="http://schemas.microsoft.com/office/mac/drawingml/2011/main" val="1"/>
             </a:ext>
           </a:extLst>
         </p:spPr>
@@ -18989,7 +20655,7 @@
           </a:ln>
           <a:extLst>
             <a:ext uri="{C572A759-6A51-4108-AA02-DFA0A04FC94B}">
-              <ma14:wrappingTextBoxFlag xmlns:ma14="http://schemas.microsoft.com/office/mac/drawingml/2011/main" xmlns="" val="1"/>
+              <ma14:wrappingTextBoxFlag xmlns="" xmlns:ma14="http://schemas.microsoft.com/office/mac/drawingml/2011/main" val="1"/>
             </a:ext>
           </a:extLst>
         </p:spPr>
@@ -19055,7 +20721,7 @@
           </a:ln>
           <a:extLst>
             <a:ext uri="{C572A759-6A51-4108-AA02-DFA0A04FC94B}">
-              <ma14:wrappingTextBoxFlag xmlns:ma14="http://schemas.microsoft.com/office/mac/drawingml/2011/main" xmlns="" val="1"/>
+              <ma14:wrappingTextBoxFlag xmlns="" xmlns:ma14="http://schemas.microsoft.com/office/mac/drawingml/2011/main" val="1"/>
             </a:ext>
           </a:extLst>
         </p:spPr>
@@ -19203,7 +20869,7 @@
           </a:ln>
           <a:extLst>
             <a:ext uri="{C572A759-6A51-4108-AA02-DFA0A04FC94B}">
-              <ma14:wrappingTextBoxFlag xmlns:ma14="http://schemas.microsoft.com/office/mac/drawingml/2011/main" xmlns="" val="1"/>
+              <ma14:wrappingTextBoxFlag xmlns="" xmlns:ma14="http://schemas.microsoft.com/office/mac/drawingml/2011/main" val="1"/>
             </a:ext>
           </a:extLst>
         </p:spPr>
@@ -19346,7 +21012,7 @@
           </a:ln>
           <a:extLst>
             <a:ext uri="{C572A759-6A51-4108-AA02-DFA0A04FC94B}">
-              <ma14:wrappingTextBoxFlag xmlns:ma14="http://schemas.microsoft.com/office/mac/drawingml/2011/main" xmlns="" val="1"/>
+              <ma14:wrappingTextBoxFlag xmlns="" xmlns:ma14="http://schemas.microsoft.com/office/mac/drawingml/2011/main" val="1"/>
             </a:ext>
           </a:extLst>
         </p:spPr>
@@ -19426,7 +21092,7 @@
           </a:ln>
           <a:extLst>
             <a:ext uri="{C572A759-6A51-4108-AA02-DFA0A04FC94B}">
-              <ma14:wrappingTextBoxFlag xmlns:ma14="http://schemas.microsoft.com/office/mac/drawingml/2011/main" xmlns="" val="1"/>
+              <ma14:wrappingTextBoxFlag xmlns="" xmlns:ma14="http://schemas.microsoft.com/office/mac/drawingml/2011/main" val="1"/>
             </a:ext>
           </a:extLst>
         </p:spPr>
@@ -19514,7 +21180,7 @@
           </a:ln>
           <a:extLst>
             <a:ext uri="{C572A759-6A51-4108-AA02-DFA0A04FC94B}">
-              <ma14:wrappingTextBoxFlag xmlns:ma14="http://schemas.microsoft.com/office/mac/drawingml/2011/main" xmlns="" val="1"/>
+              <ma14:wrappingTextBoxFlag xmlns="" xmlns:ma14="http://schemas.microsoft.com/office/mac/drawingml/2011/main" val="1"/>
             </a:ext>
           </a:extLst>
         </p:spPr>
@@ -19625,7 +21291,7 @@
           </a:ln>
           <a:extLst>
             <a:ext uri="{C572A759-6A51-4108-AA02-DFA0A04FC94B}">
-              <ma14:wrappingTextBoxFlag xmlns:ma14="http://schemas.microsoft.com/office/mac/drawingml/2011/main" xmlns="" val="1"/>
+              <ma14:wrappingTextBoxFlag xmlns="" xmlns:ma14="http://schemas.microsoft.com/office/mac/drawingml/2011/main" val="1"/>
             </a:ext>
           </a:extLst>
         </p:spPr>
@@ -19675,7 +21341,7 @@
           </a:ln>
           <a:extLst>
             <a:ext uri="{C572A759-6A51-4108-AA02-DFA0A04FC94B}">
-              <ma14:wrappingTextBoxFlag xmlns:ma14="http://schemas.microsoft.com/office/mac/drawingml/2011/main" xmlns="" val="1"/>
+              <ma14:wrappingTextBoxFlag xmlns="" xmlns:ma14="http://schemas.microsoft.com/office/mac/drawingml/2011/main" val="1"/>
             </a:ext>
           </a:extLst>
         </p:spPr>
@@ -19725,7 +21391,7 @@
           </a:ln>
           <a:extLst>
             <a:ext uri="{C572A759-6A51-4108-AA02-DFA0A04FC94B}">
-              <ma14:wrappingTextBoxFlag xmlns:ma14="http://schemas.microsoft.com/office/mac/drawingml/2011/main" xmlns="" val="1"/>
+              <ma14:wrappingTextBoxFlag xmlns="" xmlns:ma14="http://schemas.microsoft.com/office/mac/drawingml/2011/main" val="1"/>
             </a:ext>
           </a:extLst>
         </p:spPr>
@@ -19775,7 +21441,7 @@
           </a:ln>
           <a:extLst>
             <a:ext uri="{C572A759-6A51-4108-AA02-DFA0A04FC94B}">
-              <ma14:wrappingTextBoxFlag xmlns:ma14="http://schemas.microsoft.com/office/mac/drawingml/2011/main" xmlns="" val="1"/>
+              <ma14:wrappingTextBoxFlag xmlns="" xmlns:ma14="http://schemas.microsoft.com/office/mac/drawingml/2011/main" val="1"/>
             </a:ext>
           </a:extLst>
         </p:spPr>
@@ -19820,7 +21486,7 @@
           </a:ln>
           <a:extLst>
             <a:ext uri="{C572A759-6A51-4108-AA02-DFA0A04FC94B}">
-              <ma14:wrappingTextBoxFlag xmlns:ma14="http://schemas.microsoft.com/office/mac/drawingml/2011/main" xmlns="" val="1"/>
+              <ma14:wrappingTextBoxFlag xmlns="" xmlns:ma14="http://schemas.microsoft.com/office/mac/drawingml/2011/main" val="1"/>
             </a:ext>
           </a:extLst>
         </p:spPr>
@@ -20849,7 +22515,7 @@
             <a:effectLst/>
             <a:extLst>
               <a:ext uri="{C572A759-6A51-4108-AA02-DFA0A04FC94B}">
-                <ma14:wrappingTextBoxFlag xmlns:ma14="http://schemas.microsoft.com/office/mac/drawingml/2011/main" xmlns="" val="1"/>
+                <ma14:wrappingTextBoxFlag xmlns="" xmlns:ma14="http://schemas.microsoft.com/office/mac/drawingml/2011/main" val="1"/>
               </a:ext>
             </a:extLst>
           </p:spPr>
@@ -20926,7 +22592,7 @@
           </a:ln>
           <a:extLst>
             <a:ext uri="{C572A759-6A51-4108-AA02-DFA0A04FC94B}">
-              <ma14:wrappingTextBoxFlag xmlns:ma14="http://schemas.microsoft.com/office/mac/drawingml/2011/main" xmlns="" val="1"/>
+              <ma14:wrappingTextBoxFlag xmlns="" xmlns:ma14="http://schemas.microsoft.com/office/mac/drawingml/2011/main" val="1"/>
             </a:ext>
           </a:extLst>
         </p:spPr>
@@ -21014,7 +22680,7 @@
           </a:ln>
           <a:extLst>
             <a:ext uri="{C572A759-6A51-4108-AA02-DFA0A04FC94B}">
-              <ma14:wrappingTextBoxFlag xmlns:ma14="http://schemas.microsoft.com/office/mac/drawingml/2011/main" xmlns="" val="1"/>
+              <ma14:wrappingTextBoxFlag xmlns="" xmlns:ma14="http://schemas.microsoft.com/office/mac/drawingml/2011/main" val="1"/>
             </a:ext>
           </a:extLst>
         </p:spPr>
@@ -23611,7 +25277,7 @@
           </a:ln>
           <a:extLst>
             <a:ext uri="{C572A759-6A51-4108-AA02-DFA0A04FC94B}">
-              <ma14:wrappingTextBoxFlag xmlns:ma14="http://schemas.microsoft.com/office/mac/drawingml/2011/main" xmlns="" val="1"/>
+              <ma14:wrappingTextBoxFlag xmlns="" xmlns:ma14="http://schemas.microsoft.com/office/mac/drawingml/2011/main" val="1"/>
             </a:ext>
           </a:extLst>
         </p:spPr>
@@ -23765,7 +25431,7 @@
           </a:ln>
           <a:extLst>
             <a:ext uri="{C572A759-6A51-4108-AA02-DFA0A04FC94B}">
-              <ma14:wrappingTextBoxFlag xmlns:ma14="http://schemas.microsoft.com/office/mac/drawingml/2011/main" xmlns="" val="1"/>
+              <ma14:wrappingTextBoxFlag xmlns="" xmlns:ma14="http://schemas.microsoft.com/office/mac/drawingml/2011/main" val="1"/>
             </a:ext>
           </a:extLst>
         </p:spPr>
@@ -23860,7 +25526,7 @@
           </a:ln>
           <a:extLst>
             <a:ext uri="{C572A759-6A51-4108-AA02-DFA0A04FC94B}">
-              <ma14:wrappingTextBoxFlag xmlns:ma14="http://schemas.microsoft.com/office/mac/drawingml/2011/main" xmlns="" val="1"/>
+              <ma14:wrappingTextBoxFlag xmlns="" xmlns:ma14="http://schemas.microsoft.com/office/mac/drawingml/2011/main" val="1"/>
             </a:ext>
           </a:extLst>
         </p:spPr>
@@ -23967,7 +25633,7 @@
           </a:ln>
           <a:extLst>
             <a:ext uri="{C572A759-6A51-4108-AA02-DFA0A04FC94B}">
-              <ma14:wrappingTextBoxFlag xmlns:ma14="http://schemas.microsoft.com/office/mac/drawingml/2011/main" xmlns="" val="1"/>
+              <ma14:wrappingTextBoxFlag xmlns="" xmlns:ma14="http://schemas.microsoft.com/office/mac/drawingml/2011/main" val="1"/>
             </a:ext>
           </a:extLst>
         </p:spPr>
@@ -24038,7 +25704,7 @@
           </a:ln>
           <a:extLst>
             <a:ext uri="{C572A759-6A51-4108-AA02-DFA0A04FC94B}">
-              <ma14:wrappingTextBoxFlag xmlns:ma14="http://schemas.microsoft.com/office/mac/drawingml/2011/main" xmlns="" val="1"/>
+              <ma14:wrappingTextBoxFlag xmlns="" xmlns:ma14="http://schemas.microsoft.com/office/mac/drawingml/2011/main" val="1"/>
             </a:ext>
           </a:extLst>
         </p:spPr>
@@ -24100,7 +25766,7 @@
           </a:ln>
           <a:extLst>
             <a:ext uri="{C572A759-6A51-4108-AA02-DFA0A04FC94B}">
-              <ma14:wrappingTextBoxFlag xmlns:ma14="http://schemas.microsoft.com/office/mac/drawingml/2011/main" xmlns="" val="1"/>
+              <ma14:wrappingTextBoxFlag xmlns="" xmlns:ma14="http://schemas.microsoft.com/office/mac/drawingml/2011/main" val="1"/>
             </a:ext>
           </a:extLst>
         </p:spPr>
@@ -24228,7 +25894,7 @@
           </a:ln>
           <a:extLst>
             <a:ext uri="{C572A759-6A51-4108-AA02-DFA0A04FC94B}">
-              <ma14:wrappingTextBoxFlag xmlns:ma14="http://schemas.microsoft.com/office/mac/drawingml/2011/main" xmlns="" val="1"/>
+              <ma14:wrappingTextBoxFlag xmlns="" xmlns:ma14="http://schemas.microsoft.com/office/mac/drawingml/2011/main" val="1"/>
             </a:ext>
           </a:extLst>
         </p:spPr>
@@ -24320,7 +25986,7 @@
           </a:ln>
           <a:extLst>
             <a:ext uri="{C572A759-6A51-4108-AA02-DFA0A04FC94B}">
-              <ma14:wrappingTextBoxFlag xmlns:ma14="http://schemas.microsoft.com/office/mac/drawingml/2011/main" xmlns="" val="1"/>
+              <ma14:wrappingTextBoxFlag xmlns="" xmlns:ma14="http://schemas.microsoft.com/office/mac/drawingml/2011/main" val="1"/>
             </a:ext>
           </a:extLst>
         </p:spPr>
@@ -24414,7 +26080,7 @@
           </a:ln>
           <a:extLst>
             <a:ext uri="{C572A759-6A51-4108-AA02-DFA0A04FC94B}">
-              <ma14:wrappingTextBoxFlag xmlns:ma14="http://schemas.microsoft.com/office/mac/drawingml/2011/main" xmlns="" val="1"/>
+              <ma14:wrappingTextBoxFlag xmlns="" xmlns:ma14="http://schemas.microsoft.com/office/mac/drawingml/2011/main" val="1"/>
             </a:ext>
           </a:extLst>
         </p:spPr>
@@ -24464,7 +26130,7 @@
           </a:ln>
           <a:extLst>
             <a:ext uri="{C572A759-6A51-4108-AA02-DFA0A04FC94B}">
-              <ma14:wrappingTextBoxFlag xmlns:ma14="http://schemas.microsoft.com/office/mac/drawingml/2011/main" xmlns="" val="1"/>
+              <ma14:wrappingTextBoxFlag xmlns="" xmlns:ma14="http://schemas.microsoft.com/office/mac/drawingml/2011/main" val="1"/>
             </a:ext>
           </a:extLst>
         </p:spPr>
@@ -24514,7 +26180,7 @@
           </a:ln>
           <a:extLst>
             <a:ext uri="{C572A759-6A51-4108-AA02-DFA0A04FC94B}">
-              <ma14:wrappingTextBoxFlag xmlns:ma14="http://schemas.microsoft.com/office/mac/drawingml/2011/main" xmlns="" val="1"/>
+              <ma14:wrappingTextBoxFlag xmlns="" xmlns:ma14="http://schemas.microsoft.com/office/mac/drawingml/2011/main" val="1"/>
             </a:ext>
           </a:extLst>
         </p:spPr>
@@ -24559,7 +26225,7 @@
           </a:ln>
           <a:extLst>
             <a:ext uri="{C572A759-6A51-4108-AA02-DFA0A04FC94B}">
-              <ma14:wrappingTextBoxFlag xmlns:ma14="http://schemas.microsoft.com/office/mac/drawingml/2011/main" xmlns="" val="1"/>
+              <ma14:wrappingTextBoxFlag xmlns="" xmlns:ma14="http://schemas.microsoft.com/office/mac/drawingml/2011/main" val="1"/>
             </a:ext>
           </a:extLst>
         </p:spPr>
@@ -24618,7 +26284,7 @@
           </a:ln>
           <a:extLst>
             <a:ext uri="{C572A759-6A51-4108-AA02-DFA0A04FC94B}">
-              <ma14:wrappingTextBoxFlag xmlns:ma14="http://schemas.microsoft.com/office/mac/drawingml/2011/main" xmlns="" val="1"/>
+              <ma14:wrappingTextBoxFlag xmlns="" xmlns:ma14="http://schemas.microsoft.com/office/mac/drawingml/2011/main" val="1"/>
             </a:ext>
           </a:extLst>
         </p:spPr>
@@ -24677,7 +26343,7 @@
           </a:ln>
           <a:extLst>
             <a:ext uri="{C572A759-6A51-4108-AA02-DFA0A04FC94B}">
-              <ma14:wrappingTextBoxFlag xmlns:ma14="http://schemas.microsoft.com/office/mac/drawingml/2011/main" xmlns="" val="1"/>
+              <ma14:wrappingTextBoxFlag xmlns="" xmlns:ma14="http://schemas.microsoft.com/office/mac/drawingml/2011/main" val="1"/>
             </a:ext>
           </a:extLst>
         </p:spPr>
@@ -24858,7 +26524,7 @@
           </a:ln>
           <a:extLst>
             <a:ext uri="{C572A759-6A51-4108-AA02-DFA0A04FC94B}">
-              <ma14:wrappingTextBoxFlag xmlns:ma14="http://schemas.microsoft.com/office/mac/drawingml/2011/main" xmlns="" val="1"/>
+              <ma14:wrappingTextBoxFlag xmlns="" xmlns:ma14="http://schemas.microsoft.com/office/mac/drawingml/2011/main" val="1"/>
             </a:ext>
           </a:extLst>
         </p:spPr>
@@ -24929,7 +26595,7 @@
           </a:ln>
           <a:extLst>
             <a:ext uri="{C572A759-6A51-4108-AA02-DFA0A04FC94B}">
-              <ma14:wrappingTextBoxFlag xmlns:ma14="http://schemas.microsoft.com/office/mac/drawingml/2011/main" xmlns="" val="1"/>
+              <ma14:wrappingTextBoxFlag xmlns="" xmlns:ma14="http://schemas.microsoft.com/office/mac/drawingml/2011/main" val="1"/>
             </a:ext>
           </a:extLst>
         </p:spPr>
@@ -24988,7 +26654,7 @@
           </a:ln>
           <a:extLst>
             <a:ext uri="{C572A759-6A51-4108-AA02-DFA0A04FC94B}">
-              <ma14:wrappingTextBoxFlag xmlns:ma14="http://schemas.microsoft.com/office/mac/drawingml/2011/main" xmlns="" val="1"/>
+              <ma14:wrappingTextBoxFlag xmlns="" xmlns:ma14="http://schemas.microsoft.com/office/mac/drawingml/2011/main" val="1"/>
             </a:ext>
           </a:extLst>
         </p:spPr>
@@ -25047,7 +26713,7 @@
           </a:ln>
           <a:extLst>
             <a:ext uri="{C572A759-6A51-4108-AA02-DFA0A04FC94B}">
-              <ma14:wrappingTextBoxFlag xmlns:ma14="http://schemas.microsoft.com/office/mac/drawingml/2011/main" xmlns="" val="1"/>
+              <ma14:wrappingTextBoxFlag xmlns="" xmlns:ma14="http://schemas.microsoft.com/office/mac/drawingml/2011/main" val="1"/>
             </a:ext>
           </a:extLst>
         </p:spPr>
@@ -25106,7 +26772,7 @@
           </a:ln>
           <a:extLst>
             <a:ext uri="{C572A759-6A51-4108-AA02-DFA0A04FC94B}">
-              <ma14:wrappingTextBoxFlag xmlns:ma14="http://schemas.microsoft.com/office/mac/drawingml/2011/main" xmlns="" val="1"/>
+              <ma14:wrappingTextBoxFlag xmlns="" xmlns:ma14="http://schemas.microsoft.com/office/mac/drawingml/2011/main" val="1"/>
             </a:ext>
           </a:extLst>
         </p:spPr>
@@ -25165,7 +26831,7 @@
           </a:ln>
           <a:extLst>
             <a:ext uri="{C572A759-6A51-4108-AA02-DFA0A04FC94B}">
-              <ma14:wrappingTextBoxFlag xmlns:ma14="http://schemas.microsoft.com/office/mac/drawingml/2011/main" xmlns="" val="1"/>
+              <ma14:wrappingTextBoxFlag xmlns="" xmlns:ma14="http://schemas.microsoft.com/office/mac/drawingml/2011/main" val="1"/>
             </a:ext>
           </a:extLst>
         </p:spPr>
@@ -25224,7 +26890,7 @@
           </a:ln>
           <a:extLst>
             <a:ext uri="{C572A759-6A51-4108-AA02-DFA0A04FC94B}">
-              <ma14:wrappingTextBoxFlag xmlns:ma14="http://schemas.microsoft.com/office/mac/drawingml/2011/main" xmlns="" val="1"/>
+              <ma14:wrappingTextBoxFlag xmlns="" xmlns:ma14="http://schemas.microsoft.com/office/mac/drawingml/2011/main" val="1"/>
             </a:ext>
           </a:extLst>
         </p:spPr>
@@ -25283,7 +26949,7 @@
           </a:ln>
           <a:extLst>
             <a:ext uri="{C572A759-6A51-4108-AA02-DFA0A04FC94B}">
-              <ma14:wrappingTextBoxFlag xmlns:ma14="http://schemas.microsoft.com/office/mac/drawingml/2011/main" xmlns="" val="1"/>
+              <ma14:wrappingTextBoxFlag xmlns="" xmlns:ma14="http://schemas.microsoft.com/office/mac/drawingml/2011/main" val="1"/>
             </a:ext>
           </a:extLst>
         </p:spPr>
@@ -25342,7 +27008,7 @@
           </a:ln>
           <a:extLst>
             <a:ext uri="{C572A759-6A51-4108-AA02-DFA0A04FC94B}">
-              <ma14:wrappingTextBoxFlag xmlns:ma14="http://schemas.microsoft.com/office/mac/drawingml/2011/main" xmlns="" val="1"/>
+              <ma14:wrappingTextBoxFlag xmlns="" xmlns:ma14="http://schemas.microsoft.com/office/mac/drawingml/2011/main" val="1"/>
             </a:ext>
           </a:extLst>
         </p:spPr>
@@ -32165,7 +33831,7 @@
           </a:ln>
           <a:extLst>
             <a:ext uri="{C572A759-6A51-4108-AA02-DFA0A04FC94B}">
-              <ma14:wrappingTextBoxFlag xmlns:ma14="http://schemas.microsoft.com/office/mac/drawingml/2011/main" xmlns="" val="1"/>
+              <ma14:wrappingTextBoxFlag xmlns="" xmlns:ma14="http://schemas.microsoft.com/office/mac/drawingml/2011/main" val="1"/>
             </a:ext>
           </a:extLst>
         </p:spPr>
@@ -32224,7 +33890,7 @@
           </a:ln>
           <a:extLst>
             <a:ext uri="{C572A759-6A51-4108-AA02-DFA0A04FC94B}">
-              <ma14:wrappingTextBoxFlag xmlns:ma14="http://schemas.microsoft.com/office/mac/drawingml/2011/main" xmlns="" val="1"/>
+              <ma14:wrappingTextBoxFlag xmlns="" xmlns:ma14="http://schemas.microsoft.com/office/mac/drawingml/2011/main" val="1"/>
             </a:ext>
           </a:extLst>
         </p:spPr>
@@ -32376,7 +34042,7 @@
           </a:ln>
           <a:extLst>
             <a:ext uri="{C572A759-6A51-4108-AA02-DFA0A04FC94B}">
-              <ma14:wrappingTextBoxFlag xmlns:ma14="http://schemas.microsoft.com/office/mac/drawingml/2011/main" xmlns="" val="1"/>
+              <ma14:wrappingTextBoxFlag xmlns="" xmlns:ma14="http://schemas.microsoft.com/office/mac/drawingml/2011/main" val="1"/>
             </a:ext>
           </a:extLst>
         </p:spPr>
@@ -32559,7 +34225,7 @@
           </a:ln>
           <a:extLst>
             <a:ext uri="{C572A759-6A51-4108-AA02-DFA0A04FC94B}">
-              <ma14:wrappingTextBoxFlag xmlns:ma14="http://schemas.microsoft.com/office/mac/drawingml/2011/main" xmlns="" val="1"/>
+              <ma14:wrappingTextBoxFlag xmlns="" xmlns:ma14="http://schemas.microsoft.com/office/mac/drawingml/2011/main" val="1"/>
             </a:ext>
           </a:extLst>
         </p:spPr>
@@ -32694,7 +34360,7 @@
           </a:ln>
           <a:extLst>
             <a:ext uri="{C572A759-6A51-4108-AA02-DFA0A04FC94B}">
-              <ma14:wrappingTextBoxFlag xmlns:ma14="http://schemas.microsoft.com/office/mac/drawingml/2011/main" xmlns="" val="1"/>
+              <ma14:wrappingTextBoxFlag xmlns="" xmlns:ma14="http://schemas.microsoft.com/office/mac/drawingml/2011/main" val="1"/>
             </a:ext>
           </a:extLst>
         </p:spPr>
@@ -32837,7 +34503,7 @@
           </a:ln>
           <a:extLst>
             <a:ext uri="{C572A759-6A51-4108-AA02-DFA0A04FC94B}">
-              <ma14:wrappingTextBoxFlag xmlns:ma14="http://schemas.microsoft.com/office/mac/drawingml/2011/main" xmlns="" val="1"/>
+              <ma14:wrappingTextBoxFlag xmlns="" xmlns:ma14="http://schemas.microsoft.com/office/mac/drawingml/2011/main" val="1"/>
             </a:ext>
           </a:extLst>
         </p:spPr>
@@ -32903,7 +34569,7 @@
           </a:ln>
           <a:extLst>
             <a:ext uri="{C572A759-6A51-4108-AA02-DFA0A04FC94B}">
-              <ma14:wrappingTextBoxFlag xmlns:ma14="http://schemas.microsoft.com/office/mac/drawingml/2011/main" xmlns="" val="1"/>
+              <ma14:wrappingTextBoxFlag xmlns="" xmlns:ma14="http://schemas.microsoft.com/office/mac/drawingml/2011/main" val="1"/>
             </a:ext>
           </a:extLst>
         </p:spPr>
@@ -32974,7 +34640,7 @@
           </a:ln>
           <a:extLst>
             <a:ext uri="{C572A759-6A51-4108-AA02-DFA0A04FC94B}">
-              <ma14:wrappingTextBoxFlag xmlns:ma14="http://schemas.microsoft.com/office/mac/drawingml/2011/main" xmlns="" val="1"/>
+              <ma14:wrappingTextBoxFlag xmlns="" xmlns:ma14="http://schemas.microsoft.com/office/mac/drawingml/2011/main" val="1"/>
             </a:ext>
           </a:extLst>
         </p:spPr>
@@ -33313,7 +34979,7 @@
           </a:ln>
           <a:extLst>
             <a:ext uri="{C572A759-6A51-4108-AA02-DFA0A04FC94B}">
-              <ma14:wrappingTextBoxFlag xmlns:ma14="http://schemas.microsoft.com/office/mac/drawingml/2011/main" xmlns="" val="1"/>
+              <ma14:wrappingTextBoxFlag xmlns="" xmlns:ma14="http://schemas.microsoft.com/office/mac/drawingml/2011/main" val="1"/>
             </a:ext>
           </a:extLst>
         </p:spPr>
@@ -33394,7 +35060,7 @@
           </a:ln>
           <a:extLst>
             <a:ext uri="{C572A759-6A51-4108-AA02-DFA0A04FC94B}">
-              <ma14:wrappingTextBoxFlag xmlns:ma14="http://schemas.microsoft.com/office/mac/drawingml/2011/main" xmlns="" val="1"/>
+              <ma14:wrappingTextBoxFlag xmlns="" xmlns:ma14="http://schemas.microsoft.com/office/mac/drawingml/2011/main" val="1"/>
             </a:ext>
           </a:extLst>
         </p:spPr>
@@ -33456,7 +35122,7 @@
           </a:ln>
           <a:extLst>
             <a:ext uri="{C572A759-6A51-4108-AA02-DFA0A04FC94B}">
-              <ma14:wrappingTextBoxFlag xmlns:ma14="http://schemas.microsoft.com/office/mac/drawingml/2011/main" xmlns="" val="1"/>
+              <ma14:wrappingTextBoxFlag xmlns="" xmlns:ma14="http://schemas.microsoft.com/office/mac/drawingml/2011/main" val="1"/>
             </a:ext>
           </a:extLst>
         </p:spPr>
@@ -33515,7 +35181,7 @@
           </a:ln>
           <a:extLst>
             <a:ext uri="{C572A759-6A51-4108-AA02-DFA0A04FC94B}">
-              <ma14:wrappingTextBoxFlag xmlns:ma14="http://schemas.microsoft.com/office/mac/drawingml/2011/main" xmlns="" val="1"/>
+              <ma14:wrappingTextBoxFlag xmlns="" xmlns:ma14="http://schemas.microsoft.com/office/mac/drawingml/2011/main" val="1"/>
             </a:ext>
           </a:extLst>
         </p:spPr>
@@ -33574,7 +35240,7 @@
           </a:ln>
           <a:extLst>
             <a:ext uri="{C572A759-6A51-4108-AA02-DFA0A04FC94B}">
-              <ma14:wrappingTextBoxFlag xmlns:ma14="http://schemas.microsoft.com/office/mac/drawingml/2011/main" xmlns="" val="1"/>
+              <ma14:wrappingTextBoxFlag xmlns="" xmlns:ma14="http://schemas.microsoft.com/office/mac/drawingml/2011/main" val="1"/>
             </a:ext>
           </a:extLst>
         </p:spPr>
@@ -33633,7 +35299,7 @@
           </a:ln>
           <a:extLst>
             <a:ext uri="{C572A759-6A51-4108-AA02-DFA0A04FC94B}">
-              <ma14:wrappingTextBoxFlag xmlns:ma14="http://schemas.microsoft.com/office/mac/drawingml/2011/main" xmlns="" val="1"/>
+              <ma14:wrappingTextBoxFlag xmlns="" xmlns:ma14="http://schemas.microsoft.com/office/mac/drawingml/2011/main" val="1"/>
             </a:ext>
           </a:extLst>
         </p:spPr>

--- a/Cheatsheet/MLExpResso-cheatsheet.pptx
+++ b/Cheatsheet/MLExpResso-cheatsheet.pptx
@@ -5,11 +5,12 @@
     <p:sldMasterId id="2147483648" r:id="rId1"/>
   </p:sldMasterIdLst>
   <p:notesMasterIdLst>
-    <p:notesMasterId r:id="rId4"/>
+    <p:notesMasterId r:id="rId5"/>
   </p:notesMasterIdLst>
   <p:sldIdLst>
     <p:sldId id="258" r:id="rId2"/>
-    <p:sldId id="261" r:id="rId3"/>
+    <p:sldId id="262" r:id="rId3"/>
+    <p:sldId id="261" r:id="rId4"/>
   </p:sldIdLst>
   <p:sldSz cx="13970000" cy="10795000"/>
   <p:notesSz cx="6858000" cy="9144000"/>
@@ -352,6 +353,72 @@
 </file>
 
 <file path=ppt/notesSlides/notesSlide2.xml><?xml version="1.0" encoding="utf-8"?>
+<p:notes xmlns:a="http://schemas.openxmlformats.org/drawingml/2006/main" xmlns:r="http://schemas.openxmlformats.org/officeDocument/2006/relationships" xmlns:p="http://schemas.openxmlformats.org/presentationml/2006/main">
+  <p:cSld>
+    <p:spTree>
+      <p:nvGrpSpPr>
+        <p:cNvPr id="1" name=""/>
+        <p:cNvGrpSpPr/>
+        <p:nvPr/>
+      </p:nvGrpSpPr>
+      <p:grpSpPr>
+        <a:xfrm>
+          <a:off x="0" y="0"/>
+          <a:ext cx="0" cy="0"/>
+          <a:chOff x="0" y="0"/>
+          <a:chExt cx="0" cy="0"/>
+        </a:xfrm>
+      </p:grpSpPr>
+      <p:sp>
+        <p:nvSpPr>
+          <p:cNvPr id="2" name="Symbol zastępczy obrazu slajdu 1"/>
+          <p:cNvSpPr>
+            <a:spLocks noGrp="1" noRot="1" noChangeAspect="1"/>
+          </p:cNvSpPr>
+          <p:nvPr>
+            <p:ph type="sldImg"/>
+          </p:nvPr>
+        </p:nvSpPr>
+        <p:spPr>
+          <a:xfrm>
+            <a:off x="1209675" y="685800"/>
+            <a:ext cx="4438650" cy="3429000"/>
+          </a:xfrm>
+        </p:spPr>
+      </p:sp>
+      <p:sp>
+        <p:nvSpPr>
+          <p:cNvPr id="3" name="Symbol zastępczy notatek 2"/>
+          <p:cNvSpPr>
+            <a:spLocks noGrp="1"/>
+          </p:cNvSpPr>
+          <p:nvPr>
+            <p:ph type="body" idx="1"/>
+          </p:nvPr>
+        </p:nvSpPr>
+        <p:spPr/>
+        <p:txBody>
+          <a:bodyPr/>
+          <a:lstStyle/>
+          <a:p>
+            <a:endParaRPr lang="pl-PL" dirty="0"/>
+          </a:p>
+        </p:txBody>
+      </p:sp>
+    </p:spTree>
+    <p:extLst>
+      <p:ext uri="{BB962C8B-B14F-4D97-AF65-F5344CB8AC3E}">
+        <p14:creationId xmlns:p14="http://schemas.microsoft.com/office/powerpoint/2010/main" val="3763702174"/>
+      </p:ext>
+    </p:extLst>
+  </p:cSld>
+  <p:clrMapOvr>
+    <a:masterClrMapping/>
+  </p:clrMapOvr>
+</p:notes>
+</file>
+
+<file path=ppt/notesSlides/notesSlide3.xml><?xml version="1.0" encoding="utf-8"?>
 <p:notes xmlns:a="http://schemas.openxmlformats.org/drawingml/2006/main" xmlns:r="http://schemas.openxmlformats.org/officeDocument/2006/relationships" xmlns:p="http://schemas.openxmlformats.org/presentationml/2006/main">
   <p:cSld>
     <p:spTree>
@@ -2820,13 +2887,7 @@
                         <a:rPr lang="pl-PL" sz="1000" dirty="0" smtClean="0">
                           <a:sym typeface="Source Sans Pro"/>
                         </a:rPr>
-                        <a:t> </a:t>
-                      </a:r>
-                      <a:r>
-                        <a:rPr lang="pl-PL" sz="1000" dirty="0" smtClean="0">
-                          <a:sym typeface="Source Sans Pro"/>
-                        </a:rPr>
-                        <a:t>t-</a:t>
+                        <a:t> t-</a:t>
                       </a:r>
                       <a:r>
                         <a:rPr lang="pl-PL" sz="1000" dirty="0" err="1" smtClean="0">
@@ -3636,16 +3697,7 @@
                 <a:cs typeface="Menlo"/>
                 <a:sym typeface="Menlo"/>
               </a:rPr>
-              <a:t> </a:t>
-            </a:r>
-            <a:r>
-              <a:rPr lang="pl-PL" sz="1200" dirty="0" smtClean="0">
-                <a:latin typeface="Menlo"/>
-                <a:ea typeface="Menlo"/>
-                <a:cs typeface="Menlo"/>
-                <a:sym typeface="Menlo"/>
-              </a:rPr>
-              <a:t>&lt;- </a:t>
+              <a:t> &lt;- </a:t>
             </a:r>
             <a:r>
               <a:rPr lang="pl-PL" sz="1200" dirty="0">
@@ -3698,16 +3750,7 @@
                 <a:cs typeface="Menlo"/>
                 <a:sym typeface="Menlo"/>
               </a:rPr>
-              <a:t> </a:t>
-            </a:r>
-            <a:r>
-              <a:rPr lang="pl-PL" sz="1200" dirty="0" smtClean="0">
-                <a:latin typeface="Menlo"/>
-                <a:ea typeface="Menlo"/>
-                <a:cs typeface="Menlo"/>
-                <a:sym typeface="Menlo"/>
-              </a:rPr>
-              <a:t>&lt;- </a:t>
+              <a:t> &lt;- </a:t>
             </a:r>
             <a:r>
               <a:rPr lang="pl-PL" sz="1200" dirty="0" err="1" smtClean="0">
@@ -4357,16 +4400,7 @@
                 <a:cs typeface="Menlo"/>
                 <a:sym typeface="Menlo"/>
               </a:rPr>
-              <a:t> met </a:t>
-            </a:r>
-            <a:r>
-              <a:rPr lang="pl-PL" sz="1200" dirty="0" smtClean="0">
-                <a:latin typeface="Menlo"/>
-                <a:ea typeface="Menlo"/>
-                <a:cs typeface="Menlo"/>
-                <a:sym typeface="Menlo"/>
-              </a:rPr>
-              <a:t>&lt;- </a:t>
+              <a:t> met &lt;- </a:t>
             </a:r>
             <a:r>
               <a:rPr lang="pl-PL" sz="1200" dirty="0" err="1" smtClean="0">
@@ -4402,23 +4436,8 @@
                 <a:cs typeface="Menlo"/>
                 <a:sym typeface="Menlo"/>
               </a:rPr>
-              <a:t>]</a:t>
-            </a:r>
-            <a:r>
-              <a:rPr lang="pl-PL" sz="1200" dirty="0" smtClean="0">
-                <a:latin typeface="Menlo"/>
-                <a:ea typeface="Menlo"/>
-                <a:cs typeface="Menlo"/>
-                <a:sym typeface="Menlo"/>
-              </a:rPr>
-              <a:t>)</a:t>
-            </a:r>
-            <a:endParaRPr lang="pl-PL" sz="1200" dirty="0" smtClean="0">
-              <a:latin typeface="Menlo"/>
-              <a:ea typeface="Menlo"/>
-              <a:cs typeface="Menlo"/>
-              <a:sym typeface="Menlo"/>
-            </a:endParaRPr>
+              <a:t>])</a:t>
+            </a:r>
           </a:p>
           <a:p>
             <a:pPr lvl="0" algn="l">
@@ -4452,25 +4471,7 @@
                 <a:cs typeface="Menlo"/>
                 <a:sym typeface="Menlo"/>
               </a:rPr>
-              <a:t> </a:t>
-            </a:r>
-            <a:r>
-              <a:rPr lang="pl-PL" sz="1200" dirty="0" smtClean="0">
-                <a:latin typeface="Menlo"/>
-                <a:ea typeface="Menlo"/>
-                <a:cs typeface="Menlo"/>
-                <a:sym typeface="Menlo"/>
-              </a:rPr>
-              <a:t>&lt;- </a:t>
-            </a:r>
-            <a:r>
-              <a:rPr lang="pl-PL" sz="1200" dirty="0" smtClean="0">
-                <a:latin typeface="Menlo"/>
-                <a:ea typeface="Menlo"/>
-                <a:cs typeface="Menlo"/>
-                <a:sym typeface="Menlo"/>
-              </a:rPr>
-              <a:t>BRCA_methylation_chr17</a:t>
+              <a:t> &lt;- BRCA_methylation_chr17</a:t>
             </a:r>
             <a:r>
               <a:rPr lang="pl-PL" sz="1200" dirty="0">
@@ -4523,16 +4524,7 @@
                 <a:cs typeface="Menlo"/>
                 <a:sym typeface="Menlo"/>
               </a:rPr>
-              <a:t> </a:t>
-            </a:r>
-            <a:r>
-              <a:rPr lang="pl-PL" sz="1200" dirty="0" smtClean="0">
-                <a:latin typeface="Menlo"/>
-                <a:ea typeface="Menlo"/>
-                <a:cs typeface="Menlo"/>
-                <a:sym typeface="Menlo"/>
-              </a:rPr>
-              <a:t>&lt;- </a:t>
+              <a:t> &lt;- </a:t>
             </a:r>
             <a:r>
               <a:rPr lang="pl-PL" sz="1200" dirty="0" err="1" smtClean="0">
@@ -4713,12 +4705,6 @@
               </a:rPr>
               <a:t>'</a:t>
             </a:r>
-            <a:endParaRPr lang="pl-PL" sz="1200" dirty="0">
-              <a:latin typeface="Menlo"/>
-              <a:ea typeface="Menlo"/>
-              <a:cs typeface="Menlo"/>
-              <a:sym typeface="Menlo"/>
-            </a:endParaRPr>
           </a:p>
         </p:txBody>
       </p:sp>
@@ -6588,6 +6574,4374 @@
       </p:grpSpPr>
       <p:sp>
         <p:nvSpPr>
+          <p:cNvPr id="61" name="Shape 32"/>
+          <p:cNvSpPr/>
+          <p:nvPr/>
+        </p:nvSpPr>
+        <p:spPr>
+          <a:xfrm>
+            <a:off x="3495525" y="5151394"/>
+            <a:ext cx="10321652" cy="5189516"/>
+          </a:xfrm>
+          <a:prstGeom prst="roundRect">
+            <a:avLst>
+              <a:gd name="adj" fmla="val 1316"/>
+            </a:avLst>
+          </a:prstGeom>
+          <a:solidFill>
+            <a:schemeClr val="bg1">
+              <a:alpha val="20000"/>
+            </a:schemeClr>
+          </a:solidFill>
+          <a:ln w="12700">
+            <a:solidFill>
+              <a:srgbClr val="A6AAA9"/>
+            </a:solidFill>
+            <a:miter lim="400000"/>
+          </a:ln>
+        </p:spPr>
+        <p:txBody>
+          <a:bodyPr lIns="0" tIns="0" rIns="0" bIns="0" anchor="ctr"/>
+          <a:lstStyle/>
+          <a:p>
+            <a:pPr lvl="0" algn="l">
+              <a:defRPr sz="1000">
+                <a:latin typeface="Menlo"/>
+                <a:ea typeface="Menlo"/>
+                <a:cs typeface="Menlo"/>
+                <a:sym typeface="Menlo"/>
+              </a:defRPr>
+            </a:pPr>
+            <a:endParaRPr>
+              <a:solidFill>
+                <a:schemeClr val="bg1"/>
+              </a:solidFill>
+            </a:endParaRPr>
+          </a:p>
+        </p:txBody>
+      </p:sp>
+      <p:sp>
+        <p:nvSpPr>
+          <p:cNvPr id="301" name="Shape 32"/>
+          <p:cNvSpPr/>
+          <p:nvPr/>
+        </p:nvSpPr>
+        <p:spPr>
+          <a:xfrm>
+            <a:off x="169251" y="1566817"/>
+            <a:ext cx="3270300" cy="8797109"/>
+          </a:xfrm>
+          <a:prstGeom prst="roundRect">
+            <a:avLst>
+              <a:gd name="adj" fmla="val 1316"/>
+            </a:avLst>
+          </a:prstGeom>
+          <a:solidFill>
+            <a:srgbClr val="4A3C89">
+              <a:alpha val="20000"/>
+            </a:srgbClr>
+          </a:solidFill>
+          <a:ln w="12700">
+            <a:miter lim="400000"/>
+          </a:ln>
+        </p:spPr>
+        <p:txBody>
+          <a:bodyPr lIns="0" tIns="0" rIns="0" bIns="0" anchor="ctr"/>
+          <a:lstStyle/>
+          <a:p>
+            <a:pPr lvl="0" algn="l">
+              <a:defRPr sz="1000">
+                <a:latin typeface="Menlo"/>
+                <a:ea typeface="Menlo"/>
+                <a:cs typeface="Menlo"/>
+                <a:sym typeface="Menlo"/>
+              </a:defRPr>
+            </a:pPr>
+            <a:endParaRPr/>
+          </a:p>
+        </p:txBody>
+      </p:sp>
+      <p:sp>
+        <p:nvSpPr>
+          <p:cNvPr id="32" name="Shape 32"/>
+          <p:cNvSpPr/>
+          <p:nvPr/>
+        </p:nvSpPr>
+        <p:spPr>
+          <a:xfrm>
+            <a:off x="3521872" y="375664"/>
+            <a:ext cx="10268957" cy="4456138"/>
+          </a:xfrm>
+          <a:prstGeom prst="roundRect">
+            <a:avLst>
+              <a:gd name="adj" fmla="val 1316"/>
+            </a:avLst>
+          </a:prstGeom>
+          <a:solidFill>
+            <a:schemeClr val="bg1">
+              <a:alpha val="20000"/>
+            </a:schemeClr>
+          </a:solidFill>
+          <a:ln w="12700">
+            <a:solidFill>
+              <a:srgbClr val="A6AAA9"/>
+            </a:solidFill>
+            <a:miter lim="400000"/>
+          </a:ln>
+        </p:spPr>
+        <p:txBody>
+          <a:bodyPr lIns="0" tIns="0" rIns="0" bIns="0" anchor="ctr"/>
+          <a:lstStyle/>
+          <a:p>
+            <a:pPr lvl="0" algn="l">
+              <a:defRPr sz="1000">
+                <a:latin typeface="Menlo"/>
+                <a:ea typeface="Menlo"/>
+                <a:cs typeface="Menlo"/>
+                <a:sym typeface="Menlo"/>
+              </a:defRPr>
+            </a:pPr>
+            <a:endParaRPr>
+              <a:solidFill>
+                <a:schemeClr val="bg1"/>
+              </a:solidFill>
+            </a:endParaRPr>
+          </a:p>
+        </p:txBody>
+      </p:sp>
+      <p:sp>
+        <p:nvSpPr>
+          <p:cNvPr id="37" name="Shape 37"/>
+          <p:cNvSpPr>
+            <a:spLocks noGrp="1"/>
+          </p:cNvSpPr>
+          <p:nvPr>
+            <p:ph type="title"/>
+          </p:nvPr>
+        </p:nvSpPr>
+        <p:spPr>
+          <a:xfrm>
+            <a:off x="-574708" y="222038"/>
+            <a:ext cx="4837700" cy="575251"/>
+          </a:xfrm>
+          <a:prstGeom prst="rect">
+            <a:avLst/>
+          </a:prstGeom>
+        </p:spPr>
+        <p:txBody>
+          <a:bodyPr>
+            <a:normAutofit fontScale="90000"/>
+          </a:bodyPr>
+          <a:lstStyle/>
+          <a:p>
+            <a:pPr lvl="0" defTabSz="280415">
+              <a:lnSpc>
+                <a:spcPct val="80000"/>
+              </a:lnSpc>
+              <a:defRPr sz="1800"/>
+            </a:pPr>
+            <a:r>
+              <a:rPr lang="pl-PL" sz="3167" b="1" dirty="0" err="1" smtClean="0">
+                <a:solidFill>
+                  <a:srgbClr val="4A3C89"/>
+                </a:solidFill>
+                <a:latin typeface="Source Sans Pro"/>
+                <a:ea typeface="Source Sans Pro"/>
+                <a:cs typeface="Source Sans Pro"/>
+                <a:sym typeface="Source Sans Pro"/>
+              </a:rPr>
+              <a:t>MLExpResso</a:t>
+            </a:r>
+            <a:r>
+              <a:rPr lang="pl-PL" sz="2304" dirty="0">
+                <a:solidFill>
+                  <a:srgbClr val="53585F"/>
+                </a:solidFill>
+                <a:latin typeface="Source Sans Pro Semibold"/>
+                <a:ea typeface="Source Sans Pro"/>
+                <a:cs typeface="Source Sans Pro"/>
+                <a:sym typeface="Source Sans Pro Semibold"/>
+              </a:rPr>
+              <a:t> </a:t>
+            </a:r>
+            <a:r>
+              <a:rPr lang="pl-PL" sz="2304" dirty="0" smtClean="0">
+                <a:solidFill>
+                  <a:srgbClr val="53585F"/>
+                </a:solidFill>
+                <a:latin typeface="Source Sans Pro Semibold"/>
+                <a:ea typeface="Source Sans Pro"/>
+                <a:cs typeface="Source Sans Pro"/>
+                <a:sym typeface="Source Sans Pro Semibold"/>
+              </a:rPr>
+              <a:t/>
+            </a:r>
+            <a:br>
+              <a:rPr lang="pl-PL" sz="2304" dirty="0" smtClean="0">
+                <a:solidFill>
+                  <a:srgbClr val="53585F"/>
+                </a:solidFill>
+                <a:latin typeface="Source Sans Pro Semibold"/>
+                <a:ea typeface="Source Sans Pro"/>
+                <a:cs typeface="Source Sans Pro"/>
+                <a:sym typeface="Source Sans Pro Semibold"/>
+              </a:rPr>
+            </a:br>
+            <a:r>
+              <a:rPr sz="1968" dirty="0" smtClean="0">
+                <a:solidFill>
+                  <a:srgbClr val="4A3C89"/>
+                </a:solidFill>
+                <a:latin typeface="Source Sans Pro Light"/>
+                <a:ea typeface="Source Sans Pro Light"/>
+                <a:cs typeface="Source Sans Pro Light"/>
+                <a:sym typeface="Source Sans Pro Light"/>
+              </a:rPr>
+              <a:t>Cheat S</a:t>
+            </a:r>
+            <a:r>
+              <a:rPr lang="pl-PL" sz="1968" dirty="0" smtClean="0">
+                <a:solidFill>
+                  <a:srgbClr val="4A3C89"/>
+                </a:solidFill>
+                <a:latin typeface="Source Sans Pro Light"/>
+                <a:ea typeface="Source Sans Pro Light"/>
+                <a:cs typeface="Source Sans Pro Light"/>
+                <a:sym typeface="Source Sans Pro Light"/>
+              </a:rPr>
+              <a:t>h</a:t>
+            </a:r>
+            <a:r>
+              <a:rPr sz="1968" dirty="0" err="1" smtClean="0">
+                <a:solidFill>
+                  <a:srgbClr val="4A3C89"/>
+                </a:solidFill>
+                <a:latin typeface="Source Sans Pro Light"/>
+                <a:ea typeface="Source Sans Pro Light"/>
+                <a:cs typeface="Source Sans Pro Light"/>
+                <a:sym typeface="Source Sans Pro Light"/>
+              </a:rPr>
+              <a:t>eet</a:t>
+            </a:r>
+            <a:r>
+              <a:rPr sz="1968" dirty="0" smtClean="0">
+                <a:solidFill>
+                  <a:srgbClr val="4A3C89"/>
+                </a:solidFill>
+                <a:latin typeface="Source Sans Pro Light"/>
+                <a:ea typeface="Source Sans Pro Light"/>
+                <a:cs typeface="Source Sans Pro Light"/>
+                <a:sym typeface="Source Sans Pro Light"/>
+              </a:rPr>
+              <a:t> </a:t>
+            </a:r>
+            <a:endParaRPr sz="1968" dirty="0">
+              <a:solidFill>
+                <a:srgbClr val="4A3C89"/>
+              </a:solidFill>
+              <a:latin typeface="Source Sans Pro Light"/>
+              <a:ea typeface="Source Sans Pro Light"/>
+              <a:cs typeface="Source Sans Pro Light"/>
+              <a:sym typeface="Source Sans Pro Light"/>
+            </a:endParaRPr>
+          </a:p>
+        </p:txBody>
+      </p:sp>
+      <p:sp>
+        <p:nvSpPr>
+          <p:cNvPr id="39" name="Shape 39"/>
+          <p:cNvSpPr/>
+          <p:nvPr/>
+        </p:nvSpPr>
+        <p:spPr>
+          <a:xfrm>
+            <a:off x="232450" y="10340910"/>
+            <a:ext cx="6261703" cy="248842"/>
+          </a:xfrm>
+          <a:prstGeom prst="rect">
+            <a:avLst/>
+          </a:prstGeom>
+          <a:ln w="12700">
+            <a:miter lim="400000"/>
+          </a:ln>
+          <a:extLst>
+            <a:ext uri="{C572A759-6A51-4108-AA02-DFA0A04FC94B}">
+              <ma14:wrappingTextBoxFlag xmlns:ma14="http://schemas.microsoft.com/office/mac/drawingml/2011/main" xmlns="" val="1"/>
+            </a:ext>
+          </a:extLst>
+        </p:spPr>
+        <p:txBody>
+          <a:bodyPr lIns="54570" tIns="54570" rIns="54570" bIns="54570" anchor="ctr">
+            <a:spAutoFit/>
+          </a:bodyPr>
+          <a:lstStyle/>
+          <a:p>
+            <a:pPr lvl="0" algn="l">
+              <a:lnSpc>
+                <a:spcPct val="90000"/>
+              </a:lnSpc>
+              <a:defRPr sz="1800"/>
+            </a:pPr>
+            <a:r>
+              <a:rPr sz="900">
+                <a:latin typeface="Source Sans Pro Light"/>
+                <a:ea typeface="Source Sans Pro Light"/>
+                <a:cs typeface="Source Sans Pro Light"/>
+                <a:sym typeface="Source Sans Pro Light"/>
+              </a:rPr>
+              <a:t>RStudio® is a trademark of RStudio, Inc.  •  </a:t>
+            </a:r>
+            <a:r>
+              <a:rPr sz="900">
+                <a:solidFill>
+                  <a:srgbClr val="0365C0"/>
+                </a:solidFill>
+                <a:latin typeface="Source Sans Pro Light"/>
+                <a:ea typeface="Source Sans Pro Light"/>
+                <a:cs typeface="Source Sans Pro Light"/>
+                <a:sym typeface="Source Sans Pro Light"/>
+                <a:hlinkClick r:id="rId3"/>
+              </a:rPr>
+              <a:t>CC BY </a:t>
+            </a:r>
+            <a:r>
+              <a:rPr sz="900">
+                <a:latin typeface="Source Sans Pro Light"/>
+                <a:ea typeface="Source Sans Pro Light"/>
+                <a:cs typeface="Source Sans Pro Light"/>
+                <a:sym typeface="Source Sans Pro Light"/>
+              </a:rPr>
+              <a:t>Your Name •  Your@email.com  •  844-448-1212 • </a:t>
+            </a:r>
+            <a:r>
+              <a:rPr sz="900" u="sng">
+                <a:latin typeface="Source Sans Pro Light"/>
+                <a:ea typeface="Source Sans Pro Light"/>
+                <a:cs typeface="Source Sans Pro Light"/>
+                <a:sym typeface="Source Sans Pro Light"/>
+                <a:hlinkClick r:id="rId4"/>
+              </a:rPr>
+              <a:t>rstudio.com</a:t>
+            </a:r>
+            <a:r>
+              <a:rPr sz="900">
+                <a:latin typeface="Source Sans Pro Light"/>
+                <a:ea typeface="Source Sans Pro Light"/>
+                <a:cs typeface="Source Sans Pro Light"/>
+                <a:sym typeface="Source Sans Pro Light"/>
+              </a:rPr>
+              <a:t> </a:t>
+            </a:r>
+          </a:p>
+        </p:txBody>
+      </p:sp>
+      <p:sp>
+        <p:nvSpPr>
+          <p:cNvPr id="40" name="Shape 40"/>
+          <p:cNvSpPr/>
+          <p:nvPr/>
+        </p:nvSpPr>
+        <p:spPr>
+          <a:xfrm>
+            <a:off x="8723072" y="10340910"/>
+            <a:ext cx="5041410" cy="248842"/>
+          </a:xfrm>
+          <a:prstGeom prst="rect">
+            <a:avLst/>
+          </a:prstGeom>
+          <a:ln w="12700">
+            <a:miter lim="400000"/>
+          </a:ln>
+          <a:extLst>
+            <a:ext uri="{C572A759-6A51-4108-AA02-DFA0A04FC94B}">
+              <ma14:wrappingTextBoxFlag xmlns:ma14="http://schemas.microsoft.com/office/mac/drawingml/2011/main" xmlns="" val="1"/>
+            </a:ext>
+          </a:extLst>
+        </p:spPr>
+        <p:txBody>
+          <a:bodyPr lIns="54570" tIns="54570" rIns="54570" bIns="54570" anchor="ctr">
+            <a:spAutoFit/>
+          </a:bodyPr>
+          <a:lstStyle/>
+          <a:p>
+            <a:pPr lvl="0" algn="r">
+              <a:lnSpc>
+                <a:spcPct val="90000"/>
+              </a:lnSpc>
+              <a:defRPr sz="1800"/>
+            </a:pPr>
+            <a:r>
+              <a:rPr sz="900">
+                <a:latin typeface="Source Sans Pro Light"/>
+                <a:ea typeface="Source Sans Pro Light"/>
+                <a:cs typeface="Source Sans Pro Light"/>
+                <a:sym typeface="Source Sans Pro Light"/>
+              </a:rPr>
+              <a:t>Learn more at </a:t>
+            </a:r>
+            <a:r>
+              <a:rPr sz="900">
+                <a:latin typeface="Source Sans Pro"/>
+                <a:ea typeface="Source Sans Pro"/>
+                <a:cs typeface="Source Sans Pro"/>
+                <a:sym typeface="Source Sans Pro"/>
+              </a:rPr>
+              <a:t>web page or vignette  </a:t>
+            </a:r>
+            <a:r>
+              <a:rPr sz="900">
+                <a:latin typeface="Source Sans Pro Light"/>
+                <a:ea typeface="Source Sans Pro Light"/>
+                <a:cs typeface="Source Sans Pro Light"/>
+                <a:sym typeface="Source Sans Pro Light"/>
+              </a:rPr>
+              <a:t>•  package  version  •  Updated: 3/15</a:t>
+            </a:r>
+          </a:p>
+        </p:txBody>
+      </p:sp>
+      <p:sp>
+        <p:nvSpPr>
+          <p:cNvPr id="44" name="Shape 44"/>
+          <p:cNvSpPr/>
+          <p:nvPr/>
+        </p:nvSpPr>
+        <p:spPr>
+          <a:xfrm>
+            <a:off x="3520822" y="189853"/>
+            <a:ext cx="10291844" cy="394101"/>
+          </a:xfrm>
+          <a:prstGeom prst="roundRect">
+            <a:avLst>
+              <a:gd name="adj" fmla="val 20098"/>
+            </a:avLst>
+          </a:prstGeom>
+          <a:solidFill>
+            <a:srgbClr val="4A3C89"/>
+          </a:solidFill>
+          <a:ln w="12700">
+            <a:miter lim="400000"/>
+          </a:ln>
+          <a:extLst>
+            <a:ext uri="{C572A759-6A51-4108-AA02-DFA0A04FC94B}">
+              <ma14:wrappingTextBoxFlag xmlns:ma14="http://schemas.microsoft.com/office/mac/drawingml/2011/main" xmlns="" val="1"/>
+            </a:ext>
+          </a:extLst>
+        </p:spPr>
+        <p:txBody>
+          <a:bodyPr lIns="0" tIns="0" rIns="0" bIns="0" anchor="ctr"/>
+          <a:lstStyle/>
+          <a:p>
+            <a:pPr lvl="1" indent="0">
+              <a:defRPr sz="1800"/>
+            </a:pPr>
+            <a:r>
+              <a:rPr lang="pl-PL" sz="2000" dirty="0" err="1" smtClean="0">
+                <a:solidFill>
+                  <a:srgbClr val="FFFFFF"/>
+                </a:solidFill>
+                <a:latin typeface="Source Sans Pro"/>
+                <a:ea typeface="Source Sans Pro Semibold"/>
+                <a:cs typeface="Source Sans Pro Semibold"/>
+                <a:sym typeface="Source Sans Pro"/>
+              </a:rPr>
+              <a:t>Expression</a:t>
+            </a:r>
+            <a:endParaRPr lang="pl-PL" sz="2000" dirty="0" smtClean="0">
+              <a:solidFill>
+                <a:srgbClr val="FFFFFF"/>
+              </a:solidFill>
+              <a:latin typeface="Source Sans Pro"/>
+              <a:ea typeface="Source Sans Pro Semibold"/>
+              <a:cs typeface="Source Sans Pro Semibold"/>
+              <a:sym typeface="Source Sans Pro"/>
+            </a:endParaRPr>
+          </a:p>
+        </p:txBody>
+      </p:sp>
+      <p:sp>
+        <p:nvSpPr>
+          <p:cNvPr id="47" name="Shape 47"/>
+          <p:cNvSpPr/>
+          <p:nvPr/>
+        </p:nvSpPr>
+        <p:spPr>
+          <a:xfrm>
+            <a:off x="247341" y="4874618"/>
+            <a:ext cx="3130181" cy="3662647"/>
+          </a:xfrm>
+          <a:prstGeom prst="roundRect">
+            <a:avLst>
+              <a:gd name="adj" fmla="val 593"/>
+            </a:avLst>
+          </a:prstGeom>
+          <a:solidFill>
+            <a:srgbClr val="FFFFFF"/>
+          </a:solidFill>
+          <a:ln w="12700">
+            <a:miter lim="400000"/>
+          </a:ln>
+        </p:spPr>
+        <p:txBody>
+          <a:bodyPr lIns="0" tIns="0" rIns="0" bIns="0" anchor="ctr"/>
+          <a:lstStyle/>
+          <a:p>
+            <a:pPr algn="l"/>
+            <a:endParaRPr sz="1000">
+              <a:latin typeface="Menlo"/>
+              <a:ea typeface="Menlo"/>
+              <a:cs typeface="Menlo"/>
+            </a:endParaRPr>
+          </a:p>
+        </p:txBody>
+      </p:sp>
+      <p:sp>
+        <p:nvSpPr>
+          <p:cNvPr id="48" name="Shape 48"/>
+          <p:cNvSpPr/>
+          <p:nvPr/>
+        </p:nvSpPr>
+        <p:spPr>
+          <a:xfrm>
+            <a:off x="219890" y="4625645"/>
+            <a:ext cx="3183875" cy="279487"/>
+          </a:xfrm>
+          <a:prstGeom prst="roundRect">
+            <a:avLst>
+              <a:gd name="adj" fmla="val 25876"/>
+            </a:avLst>
+          </a:prstGeom>
+          <a:solidFill>
+            <a:srgbClr val="4A3C89"/>
+          </a:solidFill>
+          <a:ln w="12700">
+            <a:miter lim="400000"/>
+          </a:ln>
+          <a:extLst>
+            <a:ext uri="{C572A759-6A51-4108-AA02-DFA0A04FC94B}">
+              <ma14:wrappingTextBoxFlag xmlns:ma14="http://schemas.microsoft.com/office/mac/drawingml/2011/main" xmlns="" val="1"/>
+            </a:ext>
+          </a:extLst>
+        </p:spPr>
+        <p:txBody>
+          <a:bodyPr lIns="0" tIns="0" rIns="0" bIns="0"/>
+          <a:lstStyle/>
+          <a:p>
+            <a:pPr lvl="1" indent="0">
+              <a:defRPr sz="1800"/>
+            </a:pPr>
+            <a:r>
+              <a:rPr lang="pl-PL" sz="1400" dirty="0" smtClean="0">
+                <a:solidFill>
+                  <a:srgbClr val="FFFFFF"/>
+                </a:solidFill>
+                <a:latin typeface="Source Sans Pro"/>
+                <a:ea typeface="Source Sans Pro"/>
+                <a:cs typeface="Source Sans Pro"/>
+                <a:sym typeface="Source Sans Pro"/>
+              </a:rPr>
+              <a:t>Data</a:t>
+            </a:r>
+            <a:endParaRPr sz="1400" dirty="0">
+              <a:solidFill>
+                <a:srgbClr val="FFFFFF"/>
+              </a:solidFill>
+              <a:latin typeface="Source Sans Pro"/>
+              <a:ea typeface="Source Sans Pro"/>
+              <a:cs typeface="Source Sans Pro"/>
+              <a:sym typeface="Source Sans Pro"/>
+            </a:endParaRPr>
+          </a:p>
+        </p:txBody>
+      </p:sp>
+      <p:graphicFrame>
+        <p:nvGraphicFramePr>
+          <p:cNvPr id="267" name="Table 267"/>
+          <p:cNvGraphicFramePr/>
+          <p:nvPr>
+            <p:extLst>
+              <p:ext uri="{D42A27DB-BD31-4B8C-83A1-F6EECF244321}">
+                <p14:modId xmlns:p14="http://schemas.microsoft.com/office/powerpoint/2010/main" val="439176303"/>
+              </p:ext>
+            </p:extLst>
+          </p:nvPr>
+        </p:nvGraphicFramePr>
+        <p:xfrm>
+          <a:off x="3666200" y="3364286"/>
+          <a:ext cx="2124550" cy="952500"/>
+        </p:xfrm>
+        <a:graphic>
+          <a:graphicData uri="http://schemas.openxmlformats.org/drawingml/2006/table">
+            <a:tbl>
+              <a:tblPr bandRow="1">
+                <a:tableStyleId>{4C3C2611-4C71-4FC5-86AE-919BDF0F9419}</a:tableStyleId>
+              </a:tblPr>
+              <a:tblGrid>
+                <a:gridCol w="724259"/>
+                <a:gridCol w="1400291"/>
+              </a:tblGrid>
+              <a:tr h="190500">
+                <a:tc>
+                  <a:txBody>
+                    <a:bodyPr/>
+                    <a:lstStyle/>
+                    <a:p>
+                      <a:pPr lvl="0" algn="l" defTabSz="914400"/>
+                      <a:r>
+                        <a:rPr lang="pl-PL" sz="1000" dirty="0" smtClean="0">
+                          <a:latin typeface="Source Sans Pro"/>
+                          <a:ea typeface="Source Sans Pro"/>
+                          <a:cs typeface="Source Sans Pro"/>
+                          <a:sym typeface="Source Sans Pro"/>
+                        </a:rPr>
+                        <a:t>Value</a:t>
+                      </a:r>
+                      <a:endParaRPr sz="1000" dirty="0">
+                        <a:latin typeface="Source Sans Pro"/>
+                        <a:ea typeface="Source Sans Pro"/>
+                        <a:cs typeface="Source Sans Pro"/>
+                        <a:sym typeface="Source Sans Pro"/>
+                      </a:endParaRPr>
+                    </a:p>
+                  </a:txBody>
+                  <a:tcPr marL="0" marR="0" marT="0" marB="0" horzOverflow="overflow"/>
+                </a:tc>
+                <a:tc>
+                  <a:txBody>
+                    <a:bodyPr/>
+                    <a:lstStyle/>
+                    <a:p>
+                      <a:pPr lvl="0" algn="l" defTabSz="914400"/>
+                      <a:r>
+                        <a:rPr lang="pl-PL" sz="1000" dirty="0" smtClean="0">
+                          <a:latin typeface="Source Sans Pro"/>
+                          <a:ea typeface="Source Sans Pro"/>
+                          <a:cs typeface="Source Sans Pro"/>
+                          <a:sym typeface="Source Sans Pro"/>
+                        </a:rPr>
+                        <a:t>Test</a:t>
+                      </a:r>
+                      <a:endParaRPr sz="1000" dirty="0">
+                        <a:latin typeface="Source Sans Pro"/>
+                        <a:ea typeface="Source Sans Pro"/>
+                        <a:cs typeface="Source Sans Pro"/>
+                        <a:sym typeface="Source Sans Pro"/>
+                      </a:endParaRPr>
+                    </a:p>
+                  </a:txBody>
+                  <a:tcPr marL="0" marR="0" marT="0" marB="0" horzOverflow="overflow"/>
+                </a:tc>
+              </a:tr>
+              <a:tr h="190500">
+                <a:tc>
+                  <a:txBody>
+                    <a:bodyPr/>
+                    <a:lstStyle/>
+                    <a:p>
+                      <a:pPr lvl="0" algn="l" defTabSz="914400"/>
+                      <a:r>
+                        <a:rPr lang="pl-PL" sz="1000" dirty="0" smtClean="0">
+                          <a:sym typeface="Source Sans Pro"/>
+                        </a:rPr>
+                        <a:t> '</a:t>
+                      </a:r>
+                      <a:r>
+                        <a:rPr lang="pl-PL" sz="1000" dirty="0" err="1" smtClean="0">
+                          <a:sym typeface="Source Sans Pro"/>
+                        </a:rPr>
+                        <a:t>ttest</a:t>
+                      </a:r>
+                      <a:r>
+                        <a:rPr lang="pl-PL" sz="1000" dirty="0" smtClean="0">
+                          <a:sym typeface="Source Sans Pro"/>
+                        </a:rPr>
+                        <a:t>'</a:t>
+                      </a:r>
+                      <a:endParaRPr sz="1000" dirty="0">
+                        <a:latin typeface="Source Sans Pro"/>
+                        <a:ea typeface="Source Sans Pro"/>
+                        <a:cs typeface="Source Sans Pro"/>
+                        <a:sym typeface="Source Sans Pro"/>
+                      </a:endParaRPr>
+                    </a:p>
+                  </a:txBody>
+                  <a:tcPr marL="0" marR="0" marT="0" marB="0" horzOverflow="overflow"/>
+                </a:tc>
+                <a:tc>
+                  <a:txBody>
+                    <a:bodyPr/>
+                    <a:lstStyle/>
+                    <a:p>
+                      <a:pPr lvl="0" algn="l" defTabSz="914400"/>
+                      <a:r>
+                        <a:rPr lang="pl-PL" sz="1000" dirty="0" err="1" smtClean="0">
+                          <a:sym typeface="Source Sans Pro"/>
+                        </a:rPr>
+                        <a:t>student's</a:t>
+                      </a:r>
+                      <a:r>
+                        <a:rPr lang="pl-PL" sz="1000" dirty="0" smtClean="0">
+                          <a:sym typeface="Source Sans Pro"/>
+                        </a:rPr>
+                        <a:t> t-</a:t>
+                      </a:r>
+                      <a:r>
+                        <a:rPr lang="pl-PL" sz="1000" dirty="0" err="1" smtClean="0">
+                          <a:sym typeface="Source Sans Pro"/>
+                        </a:rPr>
+                        <a:t>tets</a:t>
+                      </a:r>
+                      <a:endParaRPr sz="1000" dirty="0">
+                        <a:latin typeface="Source Sans Pro"/>
+                        <a:ea typeface="Source Sans Pro"/>
+                        <a:cs typeface="Source Sans Pro"/>
+                        <a:sym typeface="Source Sans Pro"/>
+                      </a:endParaRPr>
+                    </a:p>
+                  </a:txBody>
+                  <a:tcPr marL="0" marR="0" marT="0" marB="0" horzOverflow="overflow"/>
+                </a:tc>
+              </a:tr>
+              <a:tr h="190500">
+                <a:tc>
+                  <a:txBody>
+                    <a:bodyPr/>
+                    <a:lstStyle/>
+                    <a:p>
+                      <a:pPr lvl="0" algn="l" defTabSz="914400"/>
+                      <a:r>
+                        <a:rPr lang="pl-PL" sz="1000" dirty="0" smtClean="0">
+                          <a:sym typeface="Source Sans Pro"/>
+                        </a:rPr>
+                        <a:t> 'nbinom2'</a:t>
+                      </a:r>
+                      <a:endParaRPr sz="1000" dirty="0">
+                        <a:latin typeface="Source Sans Pro"/>
+                        <a:ea typeface="Source Sans Pro"/>
+                        <a:cs typeface="Source Sans Pro"/>
+                        <a:sym typeface="Source Sans Pro"/>
+                      </a:endParaRPr>
+                    </a:p>
+                  </a:txBody>
+                  <a:tcPr marL="0" marR="0" marT="0" marB="0" horzOverflow="overflow"/>
+                </a:tc>
+                <a:tc>
+                  <a:txBody>
+                    <a:bodyPr/>
+                    <a:lstStyle/>
+                    <a:p>
+                      <a:pPr lvl="0" algn="l" defTabSz="914400"/>
+                      <a:r>
+                        <a:rPr lang="pl-PL" sz="1000" dirty="0" err="1" smtClean="0">
+                          <a:sym typeface="Source Sans Pro"/>
+                        </a:rPr>
+                        <a:t>negative</a:t>
+                      </a:r>
+                      <a:r>
+                        <a:rPr lang="pl-PL" sz="1000" baseline="0" dirty="0" smtClean="0">
+                          <a:sym typeface="Source Sans Pro"/>
+                        </a:rPr>
+                        <a:t> </a:t>
+                      </a:r>
+                      <a:r>
+                        <a:rPr lang="pl-PL" sz="1000" baseline="0" dirty="0" err="1" smtClean="0">
+                          <a:sym typeface="Source Sans Pro"/>
+                        </a:rPr>
+                        <a:t>binomial</a:t>
+                      </a:r>
+                      <a:r>
+                        <a:rPr lang="pl-PL" sz="1000" baseline="0" dirty="0" smtClean="0">
+                          <a:sym typeface="Source Sans Pro"/>
+                        </a:rPr>
+                        <a:t> test</a:t>
+                      </a:r>
+                      <a:endParaRPr sz="1000" dirty="0">
+                        <a:latin typeface="Source Sans Pro"/>
+                        <a:ea typeface="Source Sans Pro"/>
+                        <a:cs typeface="Source Sans Pro"/>
+                        <a:sym typeface="Source Sans Pro"/>
+                      </a:endParaRPr>
+                    </a:p>
+                  </a:txBody>
+                  <a:tcPr marL="0" marR="0" marT="0" marB="0" horzOverflow="overflow"/>
+                </a:tc>
+              </a:tr>
+              <a:tr h="190500">
+                <a:tc>
+                  <a:txBody>
+                    <a:bodyPr/>
+                    <a:lstStyle/>
+                    <a:p>
+                      <a:pPr lvl="0" algn="l" defTabSz="914400"/>
+                      <a:r>
+                        <a:rPr lang="pl-PL" sz="1000" dirty="0" smtClean="0">
+                          <a:sym typeface="Source Sans Pro"/>
+                        </a:rPr>
+                        <a:t> '</a:t>
+                      </a:r>
+                      <a:r>
+                        <a:rPr lang="pl-PL" sz="1000" dirty="0" err="1" smtClean="0">
+                          <a:sym typeface="Source Sans Pro"/>
+                        </a:rPr>
+                        <a:t>lrt</a:t>
+                      </a:r>
+                      <a:r>
+                        <a:rPr lang="pl-PL" sz="1000" dirty="0" smtClean="0">
+                          <a:sym typeface="Source Sans Pro"/>
+                        </a:rPr>
+                        <a:t>'</a:t>
+                      </a:r>
+                      <a:endParaRPr sz="1000" dirty="0">
+                        <a:latin typeface="Source Sans Pro"/>
+                        <a:ea typeface="Source Sans Pro"/>
+                        <a:cs typeface="Source Sans Pro"/>
+                        <a:sym typeface="Source Sans Pro"/>
+                      </a:endParaRPr>
+                    </a:p>
+                  </a:txBody>
+                  <a:tcPr marL="0" marR="0" marT="0" marB="0" horzOverflow="overflow"/>
+                </a:tc>
+                <a:tc>
+                  <a:txBody>
+                    <a:bodyPr/>
+                    <a:lstStyle/>
+                    <a:p>
+                      <a:pPr lvl="0" algn="l" defTabSz="914400"/>
+                      <a:r>
+                        <a:rPr lang="pl-PL" sz="1000" dirty="0" err="1" smtClean="0">
+                          <a:sym typeface="Source Sans Pro"/>
+                        </a:rPr>
+                        <a:t>likelihood</a:t>
+                      </a:r>
+                      <a:r>
+                        <a:rPr lang="pl-PL" sz="1000" dirty="0" smtClean="0">
+                          <a:sym typeface="Source Sans Pro"/>
+                        </a:rPr>
+                        <a:t>-ratio test</a:t>
+                      </a:r>
+                      <a:endParaRPr sz="1000" dirty="0">
+                        <a:latin typeface="Source Sans Pro"/>
+                        <a:ea typeface="Source Sans Pro"/>
+                        <a:cs typeface="Source Sans Pro"/>
+                        <a:sym typeface="Source Sans Pro"/>
+                      </a:endParaRPr>
+                    </a:p>
+                  </a:txBody>
+                  <a:tcPr marL="0" marR="0" marT="0" marB="0" horzOverflow="overflow"/>
+                </a:tc>
+              </a:tr>
+              <a:tr h="190500">
+                <a:tc>
+                  <a:txBody>
+                    <a:bodyPr/>
+                    <a:lstStyle/>
+                    <a:p>
+                      <a:pPr lvl="0" algn="l" defTabSz="914400"/>
+                      <a:r>
+                        <a:rPr lang="pl-PL" sz="1000" dirty="0" smtClean="0">
+                          <a:sym typeface="Source Sans Pro"/>
+                        </a:rPr>
+                        <a:t> '</a:t>
+                      </a:r>
+                      <a:r>
+                        <a:rPr lang="pl-PL" sz="1000" dirty="0" err="1" smtClean="0">
+                          <a:sym typeface="Source Sans Pro"/>
+                        </a:rPr>
+                        <a:t>qlf</a:t>
+                      </a:r>
+                      <a:r>
+                        <a:rPr lang="pl-PL" sz="1000" dirty="0" smtClean="0">
+                          <a:sym typeface="Source Sans Pro"/>
+                        </a:rPr>
+                        <a:t>'</a:t>
+                      </a:r>
+                      <a:endParaRPr sz="1000" dirty="0">
+                        <a:latin typeface="Source Sans Pro"/>
+                        <a:ea typeface="Source Sans Pro"/>
+                        <a:cs typeface="Source Sans Pro"/>
+                        <a:sym typeface="Source Sans Pro"/>
+                      </a:endParaRPr>
+                    </a:p>
+                  </a:txBody>
+                  <a:tcPr marL="0" marR="0" marT="0" marB="0" horzOverflow="overflow"/>
+                </a:tc>
+                <a:tc>
+                  <a:txBody>
+                    <a:bodyPr/>
+                    <a:lstStyle/>
+                    <a:p>
+                      <a:pPr lvl="0" algn="l" defTabSz="914400"/>
+                      <a:r>
+                        <a:rPr lang="pl-PL" sz="1000" dirty="0" smtClean="0">
+                          <a:sym typeface="Source Sans Pro"/>
+                        </a:rPr>
+                        <a:t>quasi-</a:t>
+                      </a:r>
+                      <a:r>
+                        <a:rPr lang="pl-PL" sz="1000" dirty="0" err="1" smtClean="0">
+                          <a:sym typeface="Source Sans Pro"/>
+                        </a:rPr>
+                        <a:t>likelihood</a:t>
+                      </a:r>
+                      <a:r>
+                        <a:rPr lang="pl-PL" sz="1000" dirty="0" smtClean="0">
+                          <a:sym typeface="Source Sans Pro"/>
+                        </a:rPr>
+                        <a:t> F-test</a:t>
+                      </a:r>
+                      <a:endParaRPr sz="1000" dirty="0">
+                        <a:latin typeface="Source Sans Pro"/>
+                        <a:ea typeface="Source Sans Pro"/>
+                        <a:cs typeface="Source Sans Pro"/>
+                        <a:sym typeface="Source Sans Pro"/>
+                      </a:endParaRPr>
+                    </a:p>
+                  </a:txBody>
+                  <a:tcPr marL="0" marR="0" marT="0" marB="0" horzOverflow="overflow"/>
+                </a:tc>
+              </a:tr>
+            </a:tbl>
+          </a:graphicData>
+        </a:graphic>
+      </p:graphicFrame>
+      <p:pic>
+        <p:nvPicPr>
+          <p:cNvPr id="299" name="Obraz 298"/>
+          <p:cNvPicPr>
+            <a:picLocks noChangeAspect="1"/>
+          </p:cNvPicPr>
+          <p:nvPr/>
+        </p:nvPicPr>
+        <p:blipFill>
+          <a:blip r:embed="rId5" cstate="print">
+            <a:extLst>
+              <a:ext uri="{28A0092B-C50C-407E-A947-70E740481C1C}">
+                <a14:useLocalDpi xmlns:a14="http://schemas.microsoft.com/office/drawing/2010/main" val="0"/>
+              </a:ext>
+            </a:extLst>
+          </a:blip>
+          <a:stretch>
+            <a:fillRect/>
+          </a:stretch>
+        </p:blipFill>
+        <p:spPr>
+          <a:xfrm>
+            <a:off x="1178187" y="826161"/>
+            <a:ext cx="1094806" cy="649076"/>
+          </a:xfrm>
+          <a:prstGeom prst="rect">
+            <a:avLst/>
+          </a:prstGeom>
+        </p:spPr>
+      </p:pic>
+      <p:sp>
+        <p:nvSpPr>
+          <p:cNvPr id="302" name="Shape 44"/>
+          <p:cNvSpPr/>
+          <p:nvPr/>
+        </p:nvSpPr>
+        <p:spPr>
+          <a:xfrm>
+            <a:off x="172212" y="1509074"/>
+            <a:ext cx="3267340" cy="359679"/>
+          </a:xfrm>
+          <a:prstGeom prst="roundRect">
+            <a:avLst>
+              <a:gd name="adj" fmla="val 20098"/>
+            </a:avLst>
+          </a:prstGeom>
+          <a:solidFill>
+            <a:srgbClr val="4A3C89"/>
+          </a:solidFill>
+          <a:ln w="12700">
+            <a:miter lim="400000"/>
+          </a:ln>
+          <a:extLst>
+            <a:ext uri="{C572A759-6A51-4108-AA02-DFA0A04FC94B}">
+              <ma14:wrappingTextBoxFlag xmlns:ma14="http://schemas.microsoft.com/office/mac/drawingml/2011/main" xmlns="" val="1"/>
+            </a:ext>
+          </a:extLst>
+        </p:spPr>
+        <p:txBody>
+          <a:bodyPr lIns="0" tIns="0" rIns="0" bIns="0" anchor="ctr"/>
+          <a:lstStyle/>
+          <a:p>
+            <a:pPr lvl="1" indent="0">
+              <a:defRPr sz="1800"/>
+            </a:pPr>
+            <a:r>
+              <a:rPr lang="pl-PL" sz="2000" dirty="0" err="1" smtClean="0">
+                <a:solidFill>
+                  <a:srgbClr val="FFFFFF"/>
+                </a:solidFill>
+                <a:latin typeface="Source Sans Pro"/>
+                <a:ea typeface="Source Sans Pro Semibold"/>
+                <a:cs typeface="Source Sans Pro Semibold"/>
+                <a:sym typeface="Source Sans Pro"/>
+              </a:rPr>
+              <a:t>Intro</a:t>
+            </a:r>
+            <a:endParaRPr sz="1200" dirty="0">
+              <a:solidFill>
+                <a:srgbClr val="FFFFFF"/>
+              </a:solidFill>
+              <a:latin typeface="Source Sans Pro Semibold"/>
+              <a:ea typeface="Source Sans Pro Semibold"/>
+              <a:cs typeface="Source Sans Pro Semibold"/>
+              <a:sym typeface="Source Sans Pro Semibold"/>
+            </a:endParaRPr>
+          </a:p>
+        </p:txBody>
+      </p:sp>
+      <p:sp>
+        <p:nvSpPr>
+          <p:cNvPr id="23" name="Shape 294"/>
+          <p:cNvSpPr/>
+          <p:nvPr/>
+        </p:nvSpPr>
+        <p:spPr>
+          <a:xfrm>
+            <a:off x="9089912" y="842942"/>
+            <a:ext cx="4588206" cy="1551194"/>
+          </a:xfrm>
+          <a:prstGeom prst="rect">
+            <a:avLst/>
+          </a:prstGeom>
+          <a:solidFill>
+            <a:srgbClr val="FFFFFF"/>
+          </a:solidFill>
+          <a:ln w="12700">
+            <a:solidFill>
+              <a:srgbClr val="A6AAA9"/>
+            </a:solidFill>
+            <a:miter lim="400000"/>
+          </a:ln>
+          <a:extLst>
+            <a:ext uri="{C572A759-6A51-4108-AA02-DFA0A04FC94B}">
+              <ma14:wrappingTextBoxFlag xmlns:ma14="http://schemas.microsoft.com/office/mac/drawingml/2011/main" xmlns="" val="1"/>
+            </a:ext>
+          </a:extLst>
+        </p:spPr>
+        <p:txBody>
+          <a:bodyPr wrap="square" lIns="0" tIns="0" rIns="0" bIns="0" anchor="ctr">
+            <a:spAutoFit/>
+          </a:bodyPr>
+          <a:lstStyle/>
+          <a:p>
+            <a:pPr lvl="0" algn="l">
+              <a:lnSpc>
+                <a:spcPct val="120000"/>
+              </a:lnSpc>
+              <a:defRPr sz="1800"/>
+            </a:pPr>
+            <a:r>
+              <a:rPr lang="pl-PL" sz="1200" dirty="0" smtClean="0">
+                <a:latin typeface="Menlo"/>
+                <a:ea typeface="Menlo"/>
+                <a:cs typeface="Menlo"/>
+                <a:sym typeface="Menlo"/>
+              </a:rPr>
+              <a:t> </a:t>
+            </a:r>
+            <a:r>
+              <a:rPr lang="pl-PL" sz="1200" dirty="0" err="1" smtClean="0">
+                <a:latin typeface="Menlo"/>
+                <a:ea typeface="Menlo"/>
+                <a:cs typeface="Menlo"/>
+                <a:sym typeface="Menlo"/>
+              </a:rPr>
+              <a:t>library</a:t>
+            </a:r>
+            <a:r>
+              <a:rPr lang="pl-PL" sz="1200" dirty="0" smtClean="0">
+                <a:latin typeface="Menlo"/>
+                <a:ea typeface="Menlo"/>
+                <a:cs typeface="Menlo"/>
+                <a:sym typeface="Menlo"/>
+              </a:rPr>
+              <a:t>(</a:t>
+            </a:r>
+            <a:r>
+              <a:rPr lang="pl-PL" sz="1200" dirty="0" err="1" smtClean="0">
+                <a:latin typeface="Menlo"/>
+                <a:ea typeface="Menlo"/>
+                <a:cs typeface="Menlo"/>
+                <a:sym typeface="Menlo"/>
+              </a:rPr>
+              <a:t>MLExpResso</a:t>
+            </a:r>
+            <a:r>
+              <a:rPr lang="pl-PL" sz="1200" dirty="0" smtClean="0">
+                <a:latin typeface="Menlo"/>
+                <a:ea typeface="Menlo"/>
+                <a:cs typeface="Menlo"/>
+                <a:sym typeface="Menlo"/>
+              </a:rPr>
+              <a:t> </a:t>
+            </a:r>
+          </a:p>
+          <a:p>
+            <a:pPr lvl="0" algn="l">
+              <a:lnSpc>
+                <a:spcPct val="120000"/>
+              </a:lnSpc>
+              <a:defRPr sz="1800"/>
+            </a:pPr>
+            <a:r>
+              <a:rPr lang="pl-PL" sz="1200" dirty="0" smtClean="0">
+                <a:latin typeface="Menlo"/>
+                <a:ea typeface="Menlo"/>
+                <a:cs typeface="Menlo"/>
+                <a:sym typeface="Menlo"/>
+              </a:rPr>
+              <a:t> </a:t>
+            </a:r>
+            <a:r>
+              <a:rPr lang="pl-PL" sz="1200" dirty="0" err="1" smtClean="0">
+                <a:latin typeface="Menlo"/>
+                <a:ea typeface="Menlo"/>
+                <a:cs typeface="Menlo"/>
+                <a:sym typeface="Menlo"/>
+              </a:rPr>
+              <a:t>library</a:t>
+            </a:r>
+            <a:r>
+              <a:rPr lang="pl-PL" sz="1200" dirty="0" smtClean="0">
+                <a:latin typeface="Menlo"/>
+                <a:ea typeface="Menlo"/>
+                <a:cs typeface="Menlo"/>
+                <a:sym typeface="Menlo"/>
+              </a:rPr>
+              <a:t>(</a:t>
+            </a:r>
+            <a:r>
+              <a:rPr lang="pl-PL" sz="1200" dirty="0" err="1" smtClean="0">
+                <a:latin typeface="Menlo"/>
+                <a:ea typeface="Menlo"/>
+                <a:cs typeface="Menlo"/>
+                <a:sym typeface="Menlo"/>
+              </a:rPr>
+              <a:t>MLExpRessodata</a:t>
+            </a:r>
+            <a:r>
+              <a:rPr lang="pl-PL" sz="1200" dirty="0" smtClean="0">
+                <a:latin typeface="Menlo"/>
+                <a:ea typeface="Menlo"/>
+                <a:cs typeface="Menlo"/>
+                <a:sym typeface="Menlo"/>
+              </a:rPr>
+              <a:t>)</a:t>
+            </a:r>
+          </a:p>
+          <a:p>
+            <a:pPr lvl="0" algn="l">
+              <a:lnSpc>
+                <a:spcPct val="120000"/>
+              </a:lnSpc>
+              <a:defRPr sz="1800"/>
+            </a:pPr>
+            <a:r>
+              <a:rPr lang="pl-PL" sz="1200" dirty="0" smtClean="0">
+                <a:latin typeface="Menlo"/>
+                <a:ea typeface="Menlo"/>
+                <a:cs typeface="Menlo"/>
+                <a:sym typeface="Menlo"/>
+              </a:rPr>
+              <a:t> </a:t>
+            </a:r>
+            <a:r>
+              <a:rPr lang="pl-PL" sz="1200" dirty="0" err="1" smtClean="0">
+                <a:latin typeface="Menlo"/>
+                <a:ea typeface="Menlo"/>
+                <a:cs typeface="Menlo"/>
+                <a:sym typeface="Menlo"/>
+              </a:rPr>
+              <a:t>exp</a:t>
+            </a:r>
+            <a:r>
+              <a:rPr lang="pl-PL" sz="1200" dirty="0" smtClean="0">
+                <a:latin typeface="Menlo"/>
+                <a:ea typeface="Menlo"/>
+                <a:cs typeface="Menlo"/>
+                <a:sym typeface="Menlo"/>
+              </a:rPr>
+              <a:t> &lt;- BRCA_mRNAseq_chr17[ ,-1]</a:t>
+            </a:r>
+          </a:p>
+          <a:p>
+            <a:pPr lvl="0" algn="l">
+              <a:lnSpc>
+                <a:spcPct val="120000"/>
+              </a:lnSpc>
+              <a:defRPr sz="1800"/>
+            </a:pPr>
+            <a:r>
+              <a:rPr lang="pl-PL" sz="1200" dirty="0" smtClean="0">
+                <a:latin typeface="Menlo"/>
+                <a:ea typeface="Menlo"/>
+                <a:cs typeface="Menlo"/>
+                <a:sym typeface="Menlo"/>
+              </a:rPr>
+              <a:t> </a:t>
+            </a:r>
+            <a:r>
+              <a:rPr lang="pl-PL" sz="1200" dirty="0" err="1" smtClean="0">
+                <a:latin typeface="Menlo"/>
+                <a:ea typeface="Menlo"/>
+                <a:cs typeface="Menlo"/>
+                <a:sym typeface="Menlo"/>
+              </a:rPr>
+              <a:t>gr_exp</a:t>
+            </a:r>
+            <a:r>
+              <a:rPr lang="pl-PL" sz="1200" dirty="0" smtClean="0">
+                <a:latin typeface="Menlo"/>
+                <a:ea typeface="Menlo"/>
+                <a:cs typeface="Menlo"/>
+                <a:sym typeface="Menlo"/>
+              </a:rPr>
+              <a:t> &lt;- </a:t>
+            </a:r>
+            <a:r>
+              <a:rPr lang="pl-PL" sz="1200" dirty="0">
+                <a:latin typeface="Menlo"/>
+                <a:ea typeface="Menlo"/>
+                <a:cs typeface="Menlo"/>
+                <a:sym typeface="Menlo"/>
+              </a:rPr>
+              <a:t>BRCA_mRNAseq_chr17[ ,-1</a:t>
+            </a:r>
+            <a:r>
+              <a:rPr lang="pl-PL" sz="1200" dirty="0" smtClean="0">
+                <a:latin typeface="Menlo"/>
+                <a:ea typeface="Menlo"/>
+                <a:cs typeface="Menlo"/>
+                <a:sym typeface="Menlo"/>
+              </a:rPr>
+              <a:t>]</a:t>
+            </a:r>
+          </a:p>
+          <a:p>
+            <a:pPr lvl="0" algn="l">
+              <a:lnSpc>
+                <a:spcPct val="120000"/>
+              </a:lnSpc>
+              <a:defRPr sz="1800"/>
+            </a:pPr>
+            <a:r>
+              <a:rPr lang="pl-PL" sz="1200" dirty="0" smtClean="0">
+                <a:latin typeface="Menlo"/>
+                <a:ea typeface="Menlo"/>
+                <a:cs typeface="Menlo"/>
+                <a:sym typeface="Menlo"/>
+              </a:rPr>
+              <a:t> </a:t>
+            </a:r>
+            <a:r>
+              <a:rPr lang="pl-PL" sz="1200" dirty="0" err="1" smtClean="0">
+                <a:latin typeface="Menlo"/>
+                <a:ea typeface="Menlo"/>
+                <a:cs typeface="Menlo"/>
+                <a:sym typeface="Menlo"/>
+              </a:rPr>
+              <a:t>gr_exp</a:t>
+            </a:r>
+            <a:r>
+              <a:rPr lang="pl-PL" sz="1200" dirty="0" smtClean="0">
+                <a:latin typeface="Menlo"/>
+                <a:ea typeface="Menlo"/>
+                <a:cs typeface="Menlo"/>
+                <a:sym typeface="Menlo"/>
+              </a:rPr>
+              <a:t> &lt;- </a:t>
+            </a:r>
+            <a:r>
+              <a:rPr lang="pl-PL" sz="1200" dirty="0" err="1" smtClean="0">
+                <a:latin typeface="Menlo"/>
+                <a:ea typeface="Menlo"/>
+                <a:cs typeface="Menlo"/>
+                <a:sym typeface="Menlo"/>
+              </a:rPr>
+              <a:t>ifelse</a:t>
+            </a:r>
+            <a:r>
+              <a:rPr lang="pl-PL" sz="1200" dirty="0" smtClean="0">
+                <a:latin typeface="Menlo"/>
+                <a:ea typeface="Menlo"/>
+                <a:cs typeface="Menlo"/>
+                <a:sym typeface="Menlo"/>
+              </a:rPr>
+              <a:t>(</a:t>
+            </a:r>
+            <a:r>
+              <a:rPr lang="pl-PL" sz="1200" dirty="0" err="1" smtClean="0">
+                <a:latin typeface="Menlo"/>
+                <a:ea typeface="Menlo"/>
+                <a:cs typeface="Menlo"/>
+                <a:sym typeface="Menlo"/>
+              </a:rPr>
+              <a:t>group</a:t>
+            </a:r>
+            <a:r>
+              <a:rPr lang="pl-PL" sz="1200" dirty="0" smtClean="0">
+                <a:latin typeface="Menlo"/>
+                <a:ea typeface="Menlo"/>
+                <a:cs typeface="Menlo"/>
+                <a:sym typeface="Menlo"/>
+              </a:rPr>
+              <a:t>=='</a:t>
+            </a:r>
+            <a:r>
+              <a:rPr lang="pl-PL" sz="1200" dirty="0" err="1" smtClean="0">
+                <a:latin typeface="Menlo"/>
+                <a:ea typeface="Menlo"/>
+                <a:cs typeface="Menlo"/>
+                <a:sym typeface="Menlo"/>
+              </a:rPr>
+              <a:t>LumA</a:t>
+            </a:r>
+            <a:r>
+              <a:rPr lang="pl-PL" sz="1200" dirty="0">
+                <a:latin typeface="Menlo"/>
+                <a:ea typeface="Menlo"/>
+                <a:cs typeface="Menlo"/>
+                <a:sym typeface="Menlo"/>
+              </a:rPr>
+              <a:t>'</a:t>
+            </a:r>
+            <a:r>
+              <a:rPr lang="pl-PL" sz="1200" dirty="0" smtClean="0">
+                <a:latin typeface="Menlo"/>
+                <a:ea typeface="Menlo"/>
+                <a:cs typeface="Menlo"/>
+                <a:sym typeface="Menlo"/>
+              </a:rPr>
+              <a:t>, '</a:t>
+            </a:r>
+            <a:r>
+              <a:rPr lang="pl-PL" sz="1200" dirty="0" err="1" smtClean="0">
+                <a:latin typeface="Menlo"/>
+                <a:ea typeface="Menlo"/>
+                <a:cs typeface="Menlo"/>
+                <a:sym typeface="Menlo"/>
+              </a:rPr>
+              <a:t>LumA</a:t>
+            </a:r>
+            <a:r>
+              <a:rPr lang="pl-PL" sz="1200" dirty="0">
+                <a:latin typeface="Menlo"/>
+                <a:ea typeface="Menlo"/>
+                <a:cs typeface="Menlo"/>
+                <a:sym typeface="Menlo"/>
+              </a:rPr>
+              <a:t>'</a:t>
+            </a:r>
+            <a:r>
+              <a:rPr lang="pl-PL" sz="1200" dirty="0" smtClean="0">
+                <a:latin typeface="Menlo"/>
+                <a:ea typeface="Menlo"/>
+                <a:cs typeface="Menlo"/>
+                <a:sym typeface="Menlo"/>
+              </a:rPr>
+              <a:t>, '</a:t>
+            </a:r>
+            <a:r>
+              <a:rPr lang="pl-PL" sz="1200" dirty="0" err="1" smtClean="0">
+                <a:latin typeface="Menlo"/>
+                <a:ea typeface="Menlo"/>
+                <a:cs typeface="Menlo"/>
+                <a:sym typeface="Menlo"/>
+              </a:rPr>
+              <a:t>other</a:t>
+            </a:r>
+            <a:r>
+              <a:rPr lang="pl-PL" sz="1200" dirty="0" smtClean="0">
+                <a:latin typeface="Menlo"/>
+                <a:ea typeface="Menlo"/>
+                <a:cs typeface="Menlo"/>
+                <a:sym typeface="Menlo"/>
+              </a:rPr>
+              <a:t>')</a:t>
+            </a:r>
+          </a:p>
+          <a:p>
+            <a:pPr algn="l">
+              <a:lnSpc>
+                <a:spcPct val="120000"/>
+              </a:lnSpc>
+              <a:defRPr sz="1800"/>
+            </a:pPr>
+            <a:r>
+              <a:rPr lang="pl-PL" sz="1200" dirty="0" smtClean="0">
+                <a:latin typeface="Menlo"/>
+                <a:ea typeface="Menlo"/>
+                <a:cs typeface="Menlo"/>
+                <a:sym typeface="Menlo"/>
+              </a:rPr>
+              <a:t> </a:t>
+            </a:r>
+            <a:r>
+              <a:rPr lang="pl-PL" sz="1200" dirty="0" err="1" smtClean="0">
+                <a:latin typeface="Menlo"/>
+                <a:ea typeface="Menlo"/>
+                <a:cs typeface="Menlo"/>
+                <a:sym typeface="Menlo"/>
+              </a:rPr>
+              <a:t>res_exp</a:t>
+            </a:r>
+            <a:r>
+              <a:rPr lang="pl-PL" sz="1200" dirty="0" smtClean="0">
+                <a:latin typeface="Menlo"/>
+                <a:ea typeface="Menlo"/>
+                <a:cs typeface="Menlo"/>
+                <a:sym typeface="Menlo"/>
+              </a:rPr>
+              <a:t> &lt;- </a:t>
+            </a:r>
+            <a:r>
+              <a:rPr lang="pl-PL" sz="1200" dirty="0" err="1" smtClean="0">
+                <a:latin typeface="Menlo"/>
+                <a:ea typeface="Menlo"/>
+                <a:cs typeface="Menlo"/>
+                <a:sym typeface="Menlo"/>
+              </a:rPr>
+              <a:t>calculate_test</a:t>
+            </a:r>
+            <a:r>
+              <a:rPr lang="pl-PL" sz="1200" dirty="0" smtClean="0">
+                <a:latin typeface="Menlo"/>
+                <a:ea typeface="Menlo"/>
+                <a:cs typeface="Menlo"/>
+                <a:sym typeface="Menlo"/>
+              </a:rPr>
+              <a:t>(</a:t>
+            </a:r>
+            <a:r>
+              <a:rPr lang="pl-PL" sz="1200" dirty="0" err="1" smtClean="0">
+                <a:latin typeface="Menlo"/>
+                <a:ea typeface="Menlo"/>
+                <a:cs typeface="Menlo"/>
+                <a:sym typeface="Menlo"/>
+              </a:rPr>
+              <a:t>exp</a:t>
+            </a:r>
+            <a:r>
+              <a:rPr lang="pl-PL" sz="1200" dirty="0" smtClean="0">
+                <a:latin typeface="Menlo"/>
+                <a:ea typeface="Menlo"/>
+                <a:cs typeface="Menlo"/>
+                <a:sym typeface="Menlo"/>
+              </a:rPr>
+              <a:t>, </a:t>
+            </a:r>
+            <a:r>
+              <a:rPr lang="pl-PL" sz="1200" dirty="0" err="1" smtClean="0">
+                <a:latin typeface="Menlo"/>
+                <a:ea typeface="Menlo"/>
+                <a:cs typeface="Menlo"/>
+                <a:sym typeface="Menlo"/>
+              </a:rPr>
+              <a:t>gr_exp</a:t>
+            </a:r>
+            <a:r>
+              <a:rPr lang="pl-PL" sz="1200" dirty="0" smtClean="0">
+                <a:latin typeface="Menlo"/>
+                <a:ea typeface="Menlo"/>
+                <a:cs typeface="Menlo"/>
+                <a:sym typeface="Menlo"/>
+              </a:rPr>
+              <a:t>, '</a:t>
+            </a:r>
+            <a:r>
+              <a:rPr lang="pl-PL" sz="1200" dirty="0" err="1" smtClean="0">
+                <a:latin typeface="Menlo"/>
+                <a:ea typeface="Menlo"/>
+                <a:cs typeface="Menlo"/>
+                <a:sym typeface="Menlo"/>
+              </a:rPr>
+              <a:t>lrt</a:t>
+            </a:r>
+            <a:r>
+              <a:rPr lang="pl-PL" sz="1200" dirty="0" smtClean="0">
+                <a:latin typeface="Menlo"/>
+                <a:ea typeface="Menlo"/>
+                <a:cs typeface="Menlo"/>
+                <a:sym typeface="Menlo"/>
+              </a:rPr>
+              <a:t>')</a:t>
+            </a:r>
+          </a:p>
+          <a:p>
+            <a:pPr algn="l">
+              <a:lnSpc>
+                <a:spcPct val="120000"/>
+              </a:lnSpc>
+              <a:defRPr sz="1800"/>
+            </a:pPr>
+            <a:r>
+              <a:rPr lang="pl-PL" sz="1200" dirty="0">
+                <a:latin typeface="Menlo"/>
+                <a:ea typeface="Menlo"/>
+                <a:cs typeface="Menlo"/>
+                <a:sym typeface="Menlo"/>
+              </a:rPr>
+              <a:t> </a:t>
+            </a:r>
+            <a:r>
+              <a:rPr lang="pl-PL" sz="1200" dirty="0" err="1">
+                <a:latin typeface="Menlo"/>
+                <a:ea typeface="Menlo"/>
+                <a:cs typeface="Menlo"/>
+                <a:sym typeface="Menlo"/>
+              </a:rPr>
+              <a:t>plot_diff_boxplot</a:t>
+            </a:r>
+            <a:r>
+              <a:rPr lang="pl-PL" sz="1200" dirty="0">
+                <a:latin typeface="Menlo"/>
+                <a:ea typeface="Menlo"/>
+                <a:cs typeface="Menlo"/>
+                <a:sym typeface="Menlo"/>
+              </a:rPr>
+              <a:t>(</a:t>
+            </a:r>
+            <a:r>
+              <a:rPr lang="pl-PL" sz="1200" dirty="0" err="1">
+                <a:latin typeface="Menlo"/>
+                <a:ea typeface="Menlo"/>
+                <a:cs typeface="Menlo"/>
+                <a:sym typeface="Menlo"/>
+              </a:rPr>
+              <a:t>exp</a:t>
+            </a:r>
+            <a:r>
+              <a:rPr lang="pl-PL" sz="1200" dirty="0">
+                <a:latin typeface="Menlo"/>
+                <a:ea typeface="Menlo"/>
+                <a:cs typeface="Menlo"/>
+                <a:sym typeface="Menlo"/>
+              </a:rPr>
+              <a:t>, </a:t>
+            </a:r>
+            <a:r>
+              <a:rPr lang="pl-PL" sz="1200" dirty="0" err="1">
+                <a:latin typeface="Menlo"/>
+                <a:ea typeface="Menlo"/>
+                <a:cs typeface="Menlo"/>
+                <a:sym typeface="Menlo"/>
+              </a:rPr>
+              <a:t>gr_exp</a:t>
+            </a:r>
+            <a:r>
+              <a:rPr lang="pl-PL" sz="1200" dirty="0">
+                <a:latin typeface="Menlo"/>
+                <a:ea typeface="Menlo"/>
+                <a:cs typeface="Menlo"/>
+                <a:sym typeface="Menlo"/>
+              </a:rPr>
+              <a:t>, 'CACNA1G')</a:t>
+            </a:r>
+            <a:endParaRPr lang="pl-PL" sz="1200" dirty="0">
+              <a:latin typeface="Source Sans Pro"/>
+              <a:ea typeface="Source Sans Pro"/>
+              <a:cs typeface="Source Sans Pro"/>
+              <a:sym typeface="Source Sans Pro"/>
+            </a:endParaRPr>
+          </a:p>
+        </p:txBody>
+      </p:sp>
+      <p:sp>
+        <p:nvSpPr>
+          <p:cNvPr id="27" name="Shape 292"/>
+          <p:cNvSpPr/>
+          <p:nvPr/>
+        </p:nvSpPr>
+        <p:spPr>
+          <a:xfrm>
+            <a:off x="3653188" y="1472681"/>
+            <a:ext cx="6202314" cy="281682"/>
+          </a:xfrm>
+          <a:prstGeom prst="rect">
+            <a:avLst/>
+          </a:prstGeom>
+          <a:ln w="12700">
+            <a:miter lim="400000"/>
+          </a:ln>
+          <a:extLst>
+            <a:ext uri="{C572A759-6A51-4108-AA02-DFA0A04FC94B}">
+              <ma14:wrappingTextBoxFlag xmlns:ma14="http://schemas.microsoft.com/office/mac/drawingml/2011/main" xmlns="" val="1"/>
+            </a:ext>
+          </a:extLst>
+        </p:spPr>
+        <p:txBody>
+          <a:bodyPr lIns="0" tIns="0" rIns="0" bIns="0" anchor="ctr">
+            <a:normAutofit/>
+          </a:bodyPr>
+          <a:lstStyle/>
+          <a:p>
+            <a:pPr lvl="0" algn="l">
+              <a:lnSpc>
+                <a:spcPct val="90000"/>
+              </a:lnSpc>
+              <a:spcBef>
+                <a:spcPts val="300"/>
+              </a:spcBef>
+              <a:defRPr sz="1800"/>
+            </a:pPr>
+            <a:r>
+              <a:rPr lang="pl-PL" sz="1400" dirty="0" err="1" smtClean="0">
+                <a:solidFill>
+                  <a:srgbClr val="4A3C89"/>
+                </a:solidFill>
+                <a:latin typeface="Source Sans Pro"/>
+                <a:ea typeface="Source Sans Pro"/>
+                <a:cs typeface="Source Sans Pro"/>
+                <a:sym typeface="Source Sans Pro"/>
+              </a:rPr>
+              <a:t>MLExpResso</a:t>
+            </a:r>
+            <a:r>
+              <a:rPr lang="pl-PL" sz="1400" dirty="0" smtClean="0">
+                <a:solidFill>
+                  <a:srgbClr val="4A3C89"/>
+                </a:solidFill>
+                <a:latin typeface="Source Sans Pro"/>
+                <a:ea typeface="Source Sans Pro"/>
+                <a:cs typeface="Source Sans Pro"/>
+                <a:sym typeface="Source Sans Pro"/>
+              </a:rPr>
+              <a:t>::</a:t>
+            </a:r>
+            <a:r>
+              <a:rPr lang="pl-PL" sz="1400" dirty="0" err="1" smtClean="0">
+                <a:latin typeface="Menlo"/>
+                <a:ea typeface="Menlo"/>
+                <a:cs typeface="Menlo"/>
+                <a:sym typeface="Menlo"/>
+              </a:rPr>
+              <a:t>calculate_test</a:t>
+            </a:r>
+            <a:r>
+              <a:rPr lang="pl-PL" sz="1400" dirty="0" smtClean="0">
+                <a:latin typeface="Menlo"/>
+                <a:ea typeface="Menlo"/>
+                <a:cs typeface="Menlo"/>
+                <a:sym typeface="Menlo"/>
+              </a:rPr>
+              <a:t>(data, </a:t>
+            </a:r>
+            <a:r>
+              <a:rPr lang="pl-PL" sz="1400" dirty="0" err="1" smtClean="0">
+                <a:latin typeface="Menlo"/>
+                <a:ea typeface="Menlo"/>
+                <a:cs typeface="Menlo"/>
+                <a:sym typeface="Menlo"/>
+              </a:rPr>
+              <a:t>condition</a:t>
+            </a:r>
+            <a:r>
+              <a:rPr lang="pl-PL" sz="1400" dirty="0" smtClean="0">
+                <a:latin typeface="Menlo"/>
+                <a:ea typeface="Menlo"/>
+                <a:cs typeface="Menlo"/>
+                <a:sym typeface="Menlo"/>
+              </a:rPr>
+              <a:t>, test)</a:t>
+            </a:r>
+            <a:endParaRPr sz="1400" dirty="0">
+              <a:latin typeface="Source Sans Pro"/>
+              <a:ea typeface="Source Sans Pro"/>
+              <a:cs typeface="Source Sans Pro"/>
+              <a:sym typeface="Source Sans Pro"/>
+            </a:endParaRPr>
+          </a:p>
+        </p:txBody>
+      </p:sp>
+      <p:sp>
+        <p:nvSpPr>
+          <p:cNvPr id="30" name="Shape 292"/>
+          <p:cNvSpPr/>
+          <p:nvPr/>
+        </p:nvSpPr>
+        <p:spPr>
+          <a:xfrm>
+            <a:off x="9456499" y="2606311"/>
+            <a:ext cx="4290672" cy="359579"/>
+          </a:xfrm>
+          <a:prstGeom prst="rect">
+            <a:avLst/>
+          </a:prstGeom>
+          <a:ln w="12700">
+            <a:miter lim="400000"/>
+          </a:ln>
+          <a:extLst>
+            <a:ext uri="{C572A759-6A51-4108-AA02-DFA0A04FC94B}">
+              <ma14:wrappingTextBoxFlag xmlns:ma14="http://schemas.microsoft.com/office/mac/drawingml/2011/main" xmlns="" val="1"/>
+            </a:ext>
+          </a:extLst>
+        </p:spPr>
+        <p:txBody>
+          <a:bodyPr lIns="0" tIns="0" rIns="0" bIns="0" anchor="ctr">
+            <a:normAutofit/>
+          </a:bodyPr>
+          <a:lstStyle/>
+          <a:p>
+            <a:pPr lvl="0" algn="l">
+              <a:lnSpc>
+                <a:spcPct val="90000"/>
+              </a:lnSpc>
+              <a:spcBef>
+                <a:spcPts val="300"/>
+              </a:spcBef>
+              <a:defRPr sz="1800"/>
+            </a:pPr>
+            <a:r>
+              <a:rPr lang="pl-PL" sz="1400" dirty="0" err="1" smtClean="0">
+                <a:solidFill>
+                  <a:srgbClr val="4A3C89"/>
+                </a:solidFill>
+                <a:latin typeface="Source Sans Pro"/>
+                <a:ea typeface="Source Sans Pro"/>
+                <a:cs typeface="Source Sans Pro"/>
+                <a:sym typeface="Source Sans Pro"/>
+              </a:rPr>
+              <a:t>MLExpResso</a:t>
+            </a:r>
+            <a:r>
+              <a:rPr lang="pl-PL" sz="1400" dirty="0" smtClean="0">
+                <a:solidFill>
+                  <a:srgbClr val="4A3C89"/>
+                </a:solidFill>
+                <a:latin typeface="Source Sans Pro"/>
+                <a:ea typeface="Source Sans Pro"/>
+                <a:cs typeface="Source Sans Pro"/>
+                <a:sym typeface="Source Sans Pro"/>
+              </a:rPr>
+              <a:t>::</a:t>
+            </a:r>
+            <a:r>
+              <a:rPr lang="pl-PL" sz="1400" dirty="0" err="1" smtClean="0">
+                <a:latin typeface="Menlo"/>
+                <a:ea typeface="Menlo"/>
+                <a:cs typeface="Menlo"/>
+                <a:sym typeface="Menlo"/>
+              </a:rPr>
+              <a:t>plot_diff_boxplot</a:t>
+            </a:r>
+            <a:r>
+              <a:rPr lang="pl-PL" sz="1400" dirty="0" smtClean="0">
+                <a:latin typeface="Menlo"/>
+                <a:ea typeface="Menlo"/>
+                <a:cs typeface="Menlo"/>
+                <a:sym typeface="Menlo"/>
+              </a:rPr>
+              <a:t>(data, </a:t>
+            </a:r>
+            <a:r>
+              <a:rPr lang="pl-PL" sz="1400" dirty="0" err="1" smtClean="0">
+                <a:latin typeface="Menlo"/>
+                <a:ea typeface="Menlo"/>
+                <a:cs typeface="Menlo"/>
+                <a:sym typeface="Menlo"/>
+              </a:rPr>
+              <a:t>condition</a:t>
+            </a:r>
+            <a:r>
+              <a:rPr lang="pl-PL" sz="1400" dirty="0" smtClean="0">
+                <a:latin typeface="Menlo"/>
+                <a:ea typeface="Menlo"/>
+                <a:cs typeface="Menlo"/>
+                <a:sym typeface="Menlo"/>
+              </a:rPr>
+              <a:t>, </a:t>
+            </a:r>
+            <a:r>
+              <a:rPr lang="pl-PL" sz="1400" dirty="0" err="1" smtClean="0">
+                <a:latin typeface="Menlo"/>
+                <a:ea typeface="Menlo"/>
+                <a:cs typeface="Menlo"/>
+                <a:sym typeface="Menlo"/>
+              </a:rPr>
+              <a:t>gene</a:t>
+            </a:r>
+            <a:r>
+              <a:rPr lang="pl-PL" sz="1400" dirty="0" smtClean="0">
+                <a:latin typeface="Menlo"/>
+                <a:ea typeface="Menlo"/>
+                <a:cs typeface="Menlo"/>
+                <a:sym typeface="Menlo"/>
+              </a:rPr>
+              <a:t>)</a:t>
+            </a:r>
+            <a:endParaRPr sz="1400" dirty="0">
+              <a:latin typeface="Source Sans Pro"/>
+              <a:ea typeface="Source Sans Pro"/>
+              <a:cs typeface="Source Sans Pro"/>
+              <a:sym typeface="Source Sans Pro"/>
+            </a:endParaRPr>
+          </a:p>
+        </p:txBody>
+      </p:sp>
+      <p:sp>
+        <p:nvSpPr>
+          <p:cNvPr id="31" name="Shape 294"/>
+          <p:cNvSpPr/>
+          <p:nvPr/>
+        </p:nvSpPr>
+        <p:spPr>
+          <a:xfrm>
+            <a:off x="9770975" y="5567666"/>
+            <a:ext cx="3921432" cy="1551194"/>
+          </a:xfrm>
+          <a:prstGeom prst="rect">
+            <a:avLst/>
+          </a:prstGeom>
+          <a:solidFill>
+            <a:srgbClr val="FFFFFF"/>
+          </a:solidFill>
+          <a:ln w="12700">
+            <a:solidFill>
+              <a:srgbClr val="A6AAA9"/>
+            </a:solidFill>
+            <a:miter lim="400000"/>
+          </a:ln>
+          <a:extLst>
+            <a:ext uri="{C572A759-6A51-4108-AA02-DFA0A04FC94B}">
+              <ma14:wrappingTextBoxFlag xmlns:ma14="http://schemas.microsoft.com/office/mac/drawingml/2011/main" xmlns="" val="1"/>
+            </a:ext>
+          </a:extLst>
+        </p:spPr>
+        <p:txBody>
+          <a:bodyPr wrap="square" lIns="0" tIns="0" rIns="0" bIns="0" anchor="ctr">
+            <a:spAutoFit/>
+          </a:bodyPr>
+          <a:lstStyle/>
+          <a:p>
+            <a:pPr lvl="0" algn="l">
+              <a:lnSpc>
+                <a:spcPct val="120000"/>
+              </a:lnSpc>
+              <a:defRPr sz="1800"/>
+            </a:pPr>
+            <a:r>
+              <a:rPr lang="pl-PL" sz="1200" dirty="0" smtClean="0">
+                <a:latin typeface="Menlo"/>
+                <a:ea typeface="Menlo"/>
+                <a:cs typeface="Menlo"/>
+                <a:sym typeface="Menlo"/>
+              </a:rPr>
+              <a:t> </a:t>
+            </a:r>
+            <a:r>
+              <a:rPr lang="pl-PL" sz="1200" dirty="0" err="1" smtClean="0">
+                <a:latin typeface="Menlo"/>
+                <a:ea typeface="Menlo"/>
+                <a:cs typeface="Menlo"/>
+                <a:sym typeface="Menlo"/>
+              </a:rPr>
+              <a:t>library</a:t>
+            </a:r>
+            <a:r>
+              <a:rPr lang="pl-PL" sz="1200" dirty="0" smtClean="0">
+                <a:latin typeface="Menlo"/>
+                <a:ea typeface="Menlo"/>
+                <a:cs typeface="Menlo"/>
+                <a:sym typeface="Menlo"/>
+              </a:rPr>
+              <a:t>(</a:t>
+            </a:r>
+            <a:r>
+              <a:rPr lang="pl-PL" sz="1200" dirty="0" err="1" smtClean="0">
+                <a:latin typeface="Menlo"/>
+                <a:ea typeface="Menlo"/>
+                <a:cs typeface="Menlo"/>
+                <a:sym typeface="Menlo"/>
+              </a:rPr>
+              <a:t>MLExpResso</a:t>
+            </a:r>
+            <a:r>
+              <a:rPr lang="pl-PL" sz="1200" dirty="0" smtClean="0">
+                <a:latin typeface="Menlo"/>
+                <a:ea typeface="Menlo"/>
+                <a:cs typeface="Menlo"/>
+                <a:sym typeface="Menlo"/>
+              </a:rPr>
+              <a:t>)</a:t>
+            </a:r>
+          </a:p>
+          <a:p>
+            <a:pPr lvl="0" algn="l">
+              <a:lnSpc>
+                <a:spcPct val="120000"/>
+              </a:lnSpc>
+              <a:defRPr sz="1800"/>
+            </a:pPr>
+            <a:r>
+              <a:rPr lang="pl-PL" sz="1200" dirty="0" smtClean="0">
+                <a:latin typeface="Menlo"/>
+                <a:ea typeface="Menlo"/>
+                <a:cs typeface="Menlo"/>
+                <a:sym typeface="Menlo"/>
+              </a:rPr>
+              <a:t> </a:t>
+            </a:r>
+            <a:r>
+              <a:rPr lang="pl-PL" sz="1200" dirty="0" err="1" smtClean="0">
+                <a:latin typeface="Menlo"/>
+                <a:ea typeface="Menlo"/>
+                <a:cs typeface="Menlo"/>
+                <a:sym typeface="Menlo"/>
+              </a:rPr>
+              <a:t>library</a:t>
+            </a:r>
+            <a:r>
+              <a:rPr lang="pl-PL" sz="1200" dirty="0" smtClean="0">
+                <a:latin typeface="Menlo"/>
+                <a:ea typeface="Menlo"/>
+                <a:cs typeface="Menlo"/>
+                <a:sym typeface="Menlo"/>
+              </a:rPr>
+              <a:t>(</a:t>
+            </a:r>
+            <a:r>
+              <a:rPr lang="pl-PL" sz="1200" dirty="0" err="1" smtClean="0">
+                <a:latin typeface="Menlo"/>
+                <a:ea typeface="Menlo"/>
+                <a:cs typeface="Menlo"/>
+                <a:sym typeface="Menlo"/>
+              </a:rPr>
+              <a:t>MLExpRessodata</a:t>
+            </a:r>
+            <a:r>
+              <a:rPr lang="pl-PL" sz="1200" dirty="0" smtClean="0">
+                <a:latin typeface="Menlo"/>
+                <a:ea typeface="Menlo"/>
+                <a:cs typeface="Menlo"/>
+                <a:sym typeface="Menlo"/>
+              </a:rPr>
+              <a:t>)</a:t>
+            </a:r>
+          </a:p>
+          <a:p>
+            <a:pPr lvl="0" algn="l">
+              <a:lnSpc>
+                <a:spcPct val="120000"/>
+              </a:lnSpc>
+              <a:defRPr sz="1800"/>
+            </a:pPr>
+            <a:r>
+              <a:rPr lang="pl-PL" sz="1200" dirty="0" smtClean="0">
+                <a:latin typeface="Menlo"/>
+                <a:ea typeface="Menlo"/>
+                <a:cs typeface="Menlo"/>
+                <a:sym typeface="Menlo"/>
+              </a:rPr>
+              <a:t> met &lt;- </a:t>
+            </a:r>
+            <a:r>
+              <a:rPr lang="pl-PL" sz="1200" dirty="0" err="1" smtClean="0">
+                <a:latin typeface="Menlo"/>
+                <a:ea typeface="Menlo"/>
+                <a:cs typeface="Menlo"/>
+                <a:sym typeface="Menlo"/>
+              </a:rPr>
+              <a:t>aggregate_probes</a:t>
+            </a:r>
+            <a:r>
+              <a:rPr lang="pl-PL" sz="1200" dirty="0" smtClean="0">
+                <a:latin typeface="Menlo"/>
+                <a:ea typeface="Menlo"/>
+                <a:cs typeface="Menlo"/>
+                <a:sym typeface="Menlo"/>
+              </a:rPr>
+              <a:t>(</a:t>
+            </a:r>
+            <a:r>
+              <a:rPr lang="pl-PL" sz="1200" dirty="0">
+                <a:latin typeface="Menlo"/>
+                <a:ea typeface="Menlo"/>
+                <a:cs typeface="Menlo"/>
+                <a:sym typeface="Menlo"/>
+              </a:rPr>
+              <a:t>BRCA_methylation_chr17[ ,-1</a:t>
+            </a:r>
+            <a:r>
+              <a:rPr lang="pl-PL" sz="1200" dirty="0" smtClean="0">
+                <a:latin typeface="Menlo"/>
+                <a:ea typeface="Menlo"/>
+                <a:cs typeface="Menlo"/>
+                <a:sym typeface="Menlo"/>
+              </a:rPr>
+              <a:t>])</a:t>
+            </a:r>
+          </a:p>
+          <a:p>
+            <a:pPr lvl="0" algn="l">
+              <a:lnSpc>
+                <a:spcPct val="120000"/>
+              </a:lnSpc>
+              <a:defRPr sz="1800"/>
+            </a:pPr>
+            <a:r>
+              <a:rPr lang="pl-PL" sz="1200" dirty="0" smtClean="0">
+                <a:latin typeface="Menlo"/>
+                <a:ea typeface="Menlo"/>
+                <a:cs typeface="Menlo"/>
+                <a:sym typeface="Menlo"/>
+              </a:rPr>
+              <a:t> </a:t>
+            </a:r>
+            <a:r>
+              <a:rPr lang="pl-PL" sz="1200" dirty="0" err="1" smtClean="0">
+                <a:latin typeface="Menlo"/>
+                <a:ea typeface="Menlo"/>
+                <a:cs typeface="Menlo"/>
+                <a:sym typeface="Menlo"/>
+              </a:rPr>
+              <a:t>gr_met</a:t>
+            </a:r>
+            <a:r>
+              <a:rPr lang="pl-PL" sz="1200" dirty="0" smtClean="0">
+                <a:latin typeface="Menlo"/>
+                <a:ea typeface="Menlo"/>
+                <a:cs typeface="Menlo"/>
+                <a:sym typeface="Menlo"/>
+              </a:rPr>
+              <a:t> &lt;- BRCA_methylation_chr17</a:t>
+            </a:r>
+            <a:r>
+              <a:rPr lang="pl-PL" sz="1200" dirty="0">
+                <a:latin typeface="Menlo"/>
+                <a:ea typeface="Menlo"/>
+                <a:cs typeface="Menlo"/>
+                <a:sym typeface="Menlo"/>
+              </a:rPr>
+              <a:t>[ ,-1</a:t>
+            </a:r>
+            <a:r>
+              <a:rPr lang="pl-PL" sz="1200" dirty="0" smtClean="0">
+                <a:latin typeface="Menlo"/>
+                <a:ea typeface="Menlo"/>
+                <a:cs typeface="Menlo"/>
+                <a:sym typeface="Menlo"/>
+              </a:rPr>
+              <a:t>]</a:t>
+            </a:r>
+          </a:p>
+          <a:p>
+            <a:pPr lvl="0" algn="l">
+              <a:lnSpc>
+                <a:spcPct val="120000"/>
+              </a:lnSpc>
+              <a:defRPr sz="1800"/>
+            </a:pPr>
+            <a:r>
+              <a:rPr lang="pl-PL" sz="1200" dirty="0" smtClean="0">
+                <a:latin typeface="Menlo"/>
+                <a:ea typeface="Menlo"/>
+                <a:cs typeface="Menlo"/>
+                <a:sym typeface="Menlo"/>
+              </a:rPr>
+              <a:t> </a:t>
+            </a:r>
+            <a:r>
+              <a:rPr lang="pl-PL" sz="1200" dirty="0" err="1" smtClean="0">
+                <a:latin typeface="Menlo"/>
+                <a:ea typeface="Menlo"/>
+                <a:cs typeface="Menlo"/>
+                <a:sym typeface="Menlo"/>
+              </a:rPr>
+              <a:t>gr_met</a:t>
+            </a:r>
+            <a:r>
+              <a:rPr lang="pl-PL" sz="1200" dirty="0" smtClean="0">
+                <a:latin typeface="Menlo"/>
+                <a:ea typeface="Menlo"/>
+                <a:cs typeface="Menlo"/>
+                <a:sym typeface="Menlo"/>
+              </a:rPr>
+              <a:t> &lt;- </a:t>
+            </a:r>
+            <a:r>
+              <a:rPr lang="pl-PL" sz="1200" dirty="0" err="1" smtClean="0">
+                <a:latin typeface="Menlo"/>
+                <a:ea typeface="Menlo"/>
+                <a:cs typeface="Menlo"/>
+                <a:sym typeface="Menlo"/>
+              </a:rPr>
+              <a:t>ifelse</a:t>
+            </a:r>
+            <a:r>
+              <a:rPr lang="pl-PL" sz="1200" dirty="0" smtClean="0">
+                <a:latin typeface="Menlo"/>
+                <a:ea typeface="Menlo"/>
+                <a:cs typeface="Menlo"/>
+                <a:sym typeface="Menlo"/>
+              </a:rPr>
+              <a:t>(</a:t>
+            </a:r>
+            <a:r>
+              <a:rPr lang="pl-PL" sz="1200" dirty="0" err="1" smtClean="0">
+                <a:latin typeface="Menlo"/>
+                <a:ea typeface="Menlo"/>
+                <a:cs typeface="Menlo"/>
+                <a:sym typeface="Menlo"/>
+              </a:rPr>
+              <a:t>group</a:t>
+            </a:r>
+            <a:r>
+              <a:rPr lang="pl-PL" sz="1200" dirty="0" smtClean="0">
+                <a:latin typeface="Menlo"/>
+                <a:ea typeface="Menlo"/>
+                <a:cs typeface="Menlo"/>
+                <a:sym typeface="Menlo"/>
+              </a:rPr>
+              <a:t>=='</a:t>
+            </a:r>
+            <a:r>
+              <a:rPr lang="pl-PL" sz="1200" dirty="0" err="1" smtClean="0">
+                <a:latin typeface="Menlo"/>
+                <a:ea typeface="Menlo"/>
+                <a:cs typeface="Menlo"/>
+                <a:sym typeface="Menlo"/>
+              </a:rPr>
+              <a:t>LumA</a:t>
+            </a:r>
+            <a:r>
+              <a:rPr lang="pl-PL" sz="1200" dirty="0">
+                <a:latin typeface="Menlo"/>
+                <a:ea typeface="Menlo"/>
+                <a:cs typeface="Menlo"/>
+                <a:sym typeface="Menlo"/>
+              </a:rPr>
+              <a:t>'</a:t>
+            </a:r>
+            <a:r>
+              <a:rPr lang="pl-PL" sz="1200" dirty="0" smtClean="0">
+                <a:latin typeface="Menlo"/>
+                <a:ea typeface="Menlo"/>
+                <a:cs typeface="Menlo"/>
+                <a:sym typeface="Menlo"/>
+              </a:rPr>
+              <a:t>, '</a:t>
+            </a:r>
+            <a:r>
+              <a:rPr lang="pl-PL" sz="1200" dirty="0" err="1" smtClean="0">
+                <a:latin typeface="Menlo"/>
+                <a:ea typeface="Menlo"/>
+                <a:cs typeface="Menlo"/>
+                <a:sym typeface="Menlo"/>
+              </a:rPr>
+              <a:t>LumA</a:t>
+            </a:r>
+            <a:r>
+              <a:rPr lang="pl-PL" sz="1200" dirty="0">
+                <a:latin typeface="Menlo"/>
+                <a:ea typeface="Menlo"/>
+                <a:cs typeface="Menlo"/>
+                <a:sym typeface="Menlo"/>
+              </a:rPr>
+              <a:t>'</a:t>
+            </a:r>
+            <a:r>
+              <a:rPr lang="pl-PL" sz="1200" dirty="0" smtClean="0">
+                <a:latin typeface="Menlo"/>
+                <a:ea typeface="Menlo"/>
+                <a:cs typeface="Menlo"/>
+                <a:sym typeface="Menlo"/>
+              </a:rPr>
+              <a:t>, '</a:t>
+            </a:r>
+            <a:r>
+              <a:rPr lang="pl-PL" sz="1200" dirty="0" err="1" smtClean="0">
+                <a:latin typeface="Menlo"/>
+                <a:ea typeface="Menlo"/>
+                <a:cs typeface="Menlo"/>
+                <a:sym typeface="Menlo"/>
+              </a:rPr>
+              <a:t>other</a:t>
+            </a:r>
+            <a:r>
+              <a:rPr lang="pl-PL" sz="1200" dirty="0" smtClean="0">
+                <a:latin typeface="Menlo"/>
+                <a:ea typeface="Menlo"/>
+                <a:cs typeface="Menlo"/>
+                <a:sym typeface="Menlo"/>
+              </a:rPr>
+              <a:t>')</a:t>
+            </a:r>
+          </a:p>
+          <a:p>
+            <a:pPr lvl="0" algn="l">
+              <a:lnSpc>
+                <a:spcPct val="120000"/>
+              </a:lnSpc>
+              <a:defRPr sz="1800"/>
+            </a:pPr>
+            <a:r>
+              <a:rPr lang="pl-PL" sz="1200" dirty="0" smtClean="0">
+                <a:latin typeface="Menlo"/>
+                <a:ea typeface="Menlo"/>
+                <a:cs typeface="Menlo"/>
+                <a:sym typeface="Menlo"/>
+              </a:rPr>
+              <a:t> </a:t>
+            </a:r>
+            <a:r>
+              <a:rPr lang="pl-PL" sz="1200" dirty="0" err="1" smtClean="0">
+                <a:latin typeface="Menlo"/>
+                <a:ea typeface="Menlo"/>
+                <a:cs typeface="Menlo"/>
+                <a:sym typeface="Menlo"/>
+              </a:rPr>
+              <a:t>res_met</a:t>
+            </a:r>
+            <a:r>
+              <a:rPr lang="pl-PL" sz="1200" dirty="0" smtClean="0">
+                <a:latin typeface="Menlo"/>
+                <a:ea typeface="Menlo"/>
+                <a:cs typeface="Menlo"/>
+                <a:sym typeface="Menlo"/>
+              </a:rPr>
+              <a:t> &lt;- </a:t>
+            </a:r>
+            <a:r>
+              <a:rPr lang="pl-PL" sz="1200" dirty="0" err="1" smtClean="0">
+                <a:latin typeface="Menlo"/>
+                <a:ea typeface="Menlo"/>
+                <a:cs typeface="Menlo"/>
+                <a:sym typeface="Menlo"/>
+              </a:rPr>
+              <a:t>calculate_test</a:t>
+            </a:r>
+            <a:r>
+              <a:rPr lang="pl-PL" sz="1200" dirty="0" smtClean="0">
+                <a:latin typeface="Menlo"/>
+                <a:ea typeface="Menlo"/>
+                <a:cs typeface="Menlo"/>
+                <a:sym typeface="Menlo"/>
+              </a:rPr>
+              <a:t>(met</a:t>
+            </a:r>
+            <a:r>
+              <a:rPr lang="pl-PL" sz="1200" dirty="0" smtClean="0">
+                <a:latin typeface="Menlo"/>
+                <a:ea typeface="Menlo"/>
+                <a:cs typeface="Menlo"/>
+                <a:sym typeface="Menlo"/>
+              </a:rPr>
+              <a:t>, </a:t>
+            </a:r>
+            <a:r>
+              <a:rPr lang="pl-PL" sz="1200" dirty="0" err="1" smtClean="0">
+                <a:latin typeface="Menlo"/>
+                <a:ea typeface="Menlo"/>
+                <a:cs typeface="Menlo"/>
+                <a:sym typeface="Menlo"/>
+              </a:rPr>
+              <a:t>gr_met</a:t>
+            </a:r>
+            <a:r>
+              <a:rPr lang="pl-PL" sz="1200" dirty="0" smtClean="0">
+                <a:latin typeface="Menlo"/>
+                <a:ea typeface="Menlo"/>
+                <a:cs typeface="Menlo"/>
+                <a:sym typeface="Menlo"/>
+              </a:rPr>
+              <a:t>, '</a:t>
+            </a:r>
+            <a:r>
+              <a:rPr lang="pl-PL" sz="1200" dirty="0" err="1" smtClean="0">
+                <a:latin typeface="Menlo"/>
+                <a:ea typeface="Menlo"/>
+                <a:cs typeface="Menlo"/>
+                <a:sym typeface="Menlo"/>
+              </a:rPr>
+              <a:t>ttest</a:t>
+            </a:r>
+            <a:r>
+              <a:rPr lang="pl-PL" sz="1200" dirty="0" smtClean="0">
+                <a:latin typeface="Menlo"/>
+                <a:ea typeface="Menlo"/>
+                <a:cs typeface="Menlo"/>
+                <a:sym typeface="Menlo"/>
+              </a:rPr>
+              <a:t>'</a:t>
+            </a:r>
+          </a:p>
+          <a:p>
+            <a:pPr lvl="0" algn="l">
+              <a:lnSpc>
+                <a:spcPct val="120000"/>
+              </a:lnSpc>
+              <a:defRPr sz="1800"/>
+            </a:pPr>
+            <a:r>
+              <a:rPr lang="pl-PL" sz="1200" dirty="0">
+                <a:latin typeface="Menlo"/>
+                <a:ea typeface="Menlo"/>
+                <a:cs typeface="Menlo"/>
+                <a:sym typeface="Menlo"/>
+              </a:rPr>
+              <a:t> </a:t>
+            </a:r>
+            <a:r>
+              <a:rPr lang="pl-PL" sz="1200" dirty="0" err="1">
+                <a:latin typeface="Menlo"/>
+                <a:ea typeface="Menlo"/>
+                <a:cs typeface="Menlo"/>
+                <a:sym typeface="Menlo"/>
+              </a:rPr>
+              <a:t>plot_methylation_path</a:t>
+            </a:r>
+            <a:r>
+              <a:rPr lang="pl-PL" sz="1200" dirty="0">
+                <a:latin typeface="Menlo"/>
+                <a:ea typeface="Menlo"/>
+                <a:cs typeface="Menlo"/>
+                <a:sym typeface="Menlo"/>
+              </a:rPr>
+              <a:t>(met ,</a:t>
+            </a:r>
+            <a:r>
+              <a:rPr lang="pl-PL" sz="1200" dirty="0" err="1">
+                <a:latin typeface="Menlo"/>
+                <a:ea typeface="Menlo"/>
+                <a:cs typeface="Menlo"/>
+                <a:sym typeface="Menlo"/>
+              </a:rPr>
+              <a:t>gr_met</a:t>
+            </a:r>
+            <a:r>
+              <a:rPr lang="pl-PL" sz="1200" dirty="0">
+                <a:latin typeface="Menlo"/>
+                <a:ea typeface="Menlo"/>
+                <a:cs typeface="Menlo"/>
+                <a:sym typeface="Menlo"/>
+              </a:rPr>
+              <a:t>,  </a:t>
+            </a:r>
+            <a:r>
+              <a:rPr lang="pl-PL" sz="1200" dirty="0" smtClean="0">
+                <a:latin typeface="Menlo"/>
+                <a:ea typeface="Menlo"/>
+                <a:cs typeface="Menlo"/>
+                <a:sym typeface="Menlo"/>
+              </a:rPr>
+              <a:t>'CACNA1G'</a:t>
+            </a:r>
+            <a:endParaRPr lang="pl-PL" sz="1200" dirty="0">
+              <a:latin typeface="Source Sans Pro"/>
+              <a:ea typeface="Source Sans Pro"/>
+              <a:cs typeface="Source Sans Pro"/>
+              <a:sym typeface="Source Sans Pro"/>
+            </a:endParaRPr>
+          </a:p>
+        </p:txBody>
+      </p:sp>
+      <p:pic>
+        <p:nvPicPr>
+          <p:cNvPr id="6" name="Obraz 5"/>
+          <p:cNvPicPr>
+            <a:picLocks noChangeAspect="1"/>
+          </p:cNvPicPr>
+          <p:nvPr/>
+        </p:nvPicPr>
+        <p:blipFill>
+          <a:blip r:embed="rId6"/>
+          <a:stretch>
+            <a:fillRect/>
+          </a:stretch>
+        </p:blipFill>
+        <p:spPr>
+          <a:xfrm>
+            <a:off x="9237975" y="3092627"/>
+            <a:ext cx="2251595" cy="1701649"/>
+          </a:xfrm>
+          <a:prstGeom prst="rect">
+            <a:avLst/>
+          </a:prstGeom>
+        </p:spPr>
+      </p:pic>
+      <p:sp>
+        <p:nvSpPr>
+          <p:cNvPr id="35" name="Shape 292"/>
+          <p:cNvSpPr/>
+          <p:nvPr/>
+        </p:nvSpPr>
+        <p:spPr>
+          <a:xfrm>
+            <a:off x="3656325" y="5349017"/>
+            <a:ext cx="6202314" cy="254009"/>
+          </a:xfrm>
+          <a:prstGeom prst="rect">
+            <a:avLst/>
+          </a:prstGeom>
+          <a:ln w="12700">
+            <a:miter lim="400000"/>
+          </a:ln>
+          <a:extLst>
+            <a:ext uri="{C572A759-6A51-4108-AA02-DFA0A04FC94B}">
+              <ma14:wrappingTextBoxFlag xmlns:ma14="http://schemas.microsoft.com/office/mac/drawingml/2011/main" xmlns="" val="1"/>
+            </a:ext>
+          </a:extLst>
+        </p:spPr>
+        <p:txBody>
+          <a:bodyPr lIns="0" tIns="0" rIns="0" bIns="0" anchor="ctr">
+            <a:normAutofit/>
+          </a:bodyPr>
+          <a:lstStyle/>
+          <a:p>
+            <a:pPr lvl="0" algn="l">
+              <a:lnSpc>
+                <a:spcPct val="90000"/>
+              </a:lnSpc>
+              <a:spcBef>
+                <a:spcPts val="300"/>
+              </a:spcBef>
+              <a:defRPr sz="1800"/>
+            </a:pPr>
+            <a:r>
+              <a:rPr lang="pl-PL" sz="1400" dirty="0" err="1" smtClean="0">
+                <a:solidFill>
+                  <a:srgbClr val="4A3C89"/>
+                </a:solidFill>
+                <a:latin typeface="Source Sans Pro"/>
+                <a:ea typeface="Source Sans Pro"/>
+                <a:cs typeface="Source Sans Pro"/>
+                <a:sym typeface="Source Sans Pro"/>
+              </a:rPr>
+              <a:t>MLExpResso</a:t>
+            </a:r>
+            <a:r>
+              <a:rPr lang="pl-PL" sz="1400" dirty="0" smtClean="0">
+                <a:solidFill>
+                  <a:srgbClr val="4A3C89"/>
+                </a:solidFill>
+                <a:latin typeface="Source Sans Pro"/>
+                <a:ea typeface="Source Sans Pro"/>
+                <a:cs typeface="Source Sans Pro"/>
+                <a:sym typeface="Source Sans Pro"/>
+              </a:rPr>
+              <a:t>::</a:t>
+            </a:r>
+            <a:r>
+              <a:rPr lang="pl-PL" sz="1400" dirty="0" err="1" smtClean="0">
+                <a:latin typeface="Menlo"/>
+                <a:ea typeface="Menlo"/>
+                <a:cs typeface="Menlo"/>
+                <a:sym typeface="Menlo"/>
+              </a:rPr>
+              <a:t>calculate_test</a:t>
+            </a:r>
+            <a:r>
+              <a:rPr lang="pl-PL" sz="1400" dirty="0" smtClean="0">
+                <a:latin typeface="Menlo"/>
+                <a:ea typeface="Menlo"/>
+                <a:cs typeface="Menlo"/>
+                <a:sym typeface="Menlo"/>
+              </a:rPr>
+              <a:t>(data, </a:t>
+            </a:r>
+            <a:r>
+              <a:rPr lang="pl-PL" sz="1400" dirty="0" err="1" smtClean="0">
+                <a:latin typeface="Menlo"/>
+                <a:ea typeface="Menlo"/>
+                <a:cs typeface="Menlo"/>
+                <a:sym typeface="Menlo"/>
+              </a:rPr>
+              <a:t>condition</a:t>
+            </a:r>
+            <a:r>
+              <a:rPr lang="pl-PL" sz="1400" dirty="0" smtClean="0">
+                <a:latin typeface="Menlo"/>
+                <a:ea typeface="Menlo"/>
+                <a:cs typeface="Menlo"/>
+                <a:sym typeface="Menlo"/>
+              </a:rPr>
+              <a:t>, test)</a:t>
+            </a:r>
+            <a:endParaRPr sz="1400" dirty="0">
+              <a:latin typeface="Source Sans Pro"/>
+              <a:ea typeface="Source Sans Pro"/>
+              <a:cs typeface="Source Sans Pro"/>
+              <a:sym typeface="Source Sans Pro"/>
+            </a:endParaRPr>
+          </a:p>
+        </p:txBody>
+      </p:sp>
+      <p:graphicFrame>
+        <p:nvGraphicFramePr>
+          <p:cNvPr id="36" name="Table 267"/>
+          <p:cNvGraphicFramePr/>
+          <p:nvPr>
+            <p:extLst>
+              <p:ext uri="{D42A27DB-BD31-4B8C-83A1-F6EECF244321}">
+                <p14:modId xmlns:p14="http://schemas.microsoft.com/office/powerpoint/2010/main" val="142689993"/>
+              </p:ext>
+            </p:extLst>
+          </p:nvPr>
+        </p:nvGraphicFramePr>
+        <p:xfrm>
+          <a:off x="10619741" y="7953671"/>
+          <a:ext cx="2277811" cy="571500"/>
+        </p:xfrm>
+        <a:graphic>
+          <a:graphicData uri="http://schemas.openxmlformats.org/drawingml/2006/table">
+            <a:tbl>
+              <a:tblPr bandRow="1">
+                <a:tableStyleId>{4C3C2611-4C71-4FC5-86AE-919BDF0F9419}</a:tableStyleId>
+              </a:tblPr>
+              <a:tblGrid>
+                <a:gridCol w="1047415"/>
+                <a:gridCol w="1230396"/>
+              </a:tblGrid>
+              <a:tr h="190500">
+                <a:tc>
+                  <a:txBody>
+                    <a:bodyPr/>
+                    <a:lstStyle/>
+                    <a:p>
+                      <a:pPr lvl="0" algn="l" defTabSz="914400"/>
+                      <a:r>
+                        <a:rPr lang="pl-PL" sz="1000" dirty="0" smtClean="0">
+                          <a:latin typeface="Source Sans Pro"/>
+                          <a:ea typeface="Source Sans Pro"/>
+                          <a:cs typeface="Source Sans Pro"/>
+                          <a:sym typeface="Source Sans Pro"/>
+                        </a:rPr>
+                        <a:t>Value</a:t>
+                      </a:r>
+                      <a:endParaRPr sz="1000" dirty="0">
+                        <a:latin typeface="Source Sans Pro"/>
+                        <a:ea typeface="Source Sans Pro"/>
+                        <a:cs typeface="Source Sans Pro"/>
+                        <a:sym typeface="Source Sans Pro"/>
+                      </a:endParaRPr>
+                    </a:p>
+                  </a:txBody>
+                  <a:tcPr marL="0" marR="0" marT="0" marB="0" horzOverflow="overflow"/>
+                </a:tc>
+                <a:tc>
+                  <a:txBody>
+                    <a:bodyPr/>
+                    <a:lstStyle/>
+                    <a:p>
+                      <a:pPr lvl="0" algn="l" defTabSz="914400"/>
+                      <a:r>
+                        <a:rPr lang="pl-PL" sz="1000" dirty="0" smtClean="0">
+                          <a:latin typeface="Source Sans Pro"/>
+                          <a:ea typeface="Source Sans Pro"/>
+                          <a:cs typeface="Source Sans Pro"/>
+                          <a:sym typeface="Source Sans Pro"/>
+                        </a:rPr>
+                        <a:t>Test</a:t>
+                      </a:r>
+                      <a:endParaRPr sz="1000" dirty="0">
+                        <a:latin typeface="Source Sans Pro"/>
+                        <a:ea typeface="Source Sans Pro"/>
+                        <a:cs typeface="Source Sans Pro"/>
+                        <a:sym typeface="Source Sans Pro"/>
+                      </a:endParaRPr>
+                    </a:p>
+                  </a:txBody>
+                  <a:tcPr marL="0" marR="0" marT="0" marB="0" horzOverflow="overflow"/>
+                </a:tc>
+              </a:tr>
+              <a:tr h="190500">
+                <a:tc>
+                  <a:txBody>
+                    <a:bodyPr/>
+                    <a:lstStyle/>
+                    <a:p>
+                      <a:pPr lvl="0" algn="l" defTabSz="914400"/>
+                      <a:r>
+                        <a:rPr lang="pl-PL" sz="1000" dirty="0" smtClean="0">
+                          <a:sym typeface="Source Sans Pro"/>
+                        </a:rPr>
+                        <a:t> '</a:t>
+                      </a:r>
+                      <a:r>
+                        <a:rPr lang="pl-PL" sz="1000" dirty="0" err="1" smtClean="0">
+                          <a:sym typeface="Source Sans Pro"/>
+                        </a:rPr>
+                        <a:t>ttest</a:t>
+                      </a:r>
+                      <a:r>
+                        <a:rPr lang="pl-PL" sz="1000" dirty="0" smtClean="0">
+                          <a:sym typeface="Source Sans Pro"/>
+                        </a:rPr>
+                        <a:t>'</a:t>
+                      </a:r>
+                      <a:endParaRPr sz="1000" dirty="0">
+                        <a:latin typeface="Source Sans Pro"/>
+                        <a:ea typeface="Source Sans Pro"/>
+                        <a:cs typeface="Source Sans Pro"/>
+                        <a:sym typeface="Source Sans Pro"/>
+                      </a:endParaRPr>
+                    </a:p>
+                  </a:txBody>
+                  <a:tcPr marL="0" marR="0" marT="0" marB="0" horzOverflow="overflow"/>
+                </a:tc>
+                <a:tc>
+                  <a:txBody>
+                    <a:bodyPr/>
+                    <a:lstStyle/>
+                    <a:p>
+                      <a:pPr lvl="0" algn="l" defTabSz="914400"/>
+                      <a:r>
+                        <a:rPr lang="pl-PL" sz="1000" dirty="0" err="1" smtClean="0">
+                          <a:sym typeface="Source Sans Pro"/>
+                        </a:rPr>
+                        <a:t>student's</a:t>
+                      </a:r>
+                      <a:r>
+                        <a:rPr lang="pl-PL" sz="1000" dirty="0" smtClean="0">
+                          <a:sym typeface="Source Sans Pro"/>
+                        </a:rPr>
+                        <a:t> t-test</a:t>
+                      </a:r>
+                      <a:endParaRPr sz="1000" dirty="0">
+                        <a:latin typeface="Source Sans Pro"/>
+                        <a:ea typeface="Source Sans Pro"/>
+                        <a:cs typeface="Source Sans Pro"/>
+                        <a:sym typeface="Source Sans Pro"/>
+                      </a:endParaRPr>
+                    </a:p>
+                  </a:txBody>
+                  <a:tcPr marL="0" marR="0" marT="0" marB="0" horzOverflow="overflow"/>
+                </a:tc>
+              </a:tr>
+              <a:tr h="190500">
+                <a:tc>
+                  <a:txBody>
+                    <a:bodyPr/>
+                    <a:lstStyle/>
+                    <a:p>
+                      <a:pPr lvl="0" algn="l" defTabSz="914400"/>
+                      <a:r>
+                        <a:rPr lang="pl-PL" sz="1000" dirty="0" smtClean="0">
+                          <a:sym typeface="Source Sans Pro"/>
+                        </a:rPr>
+                        <a:t> '</a:t>
+                      </a:r>
+                      <a:r>
+                        <a:rPr lang="pl-PL" sz="1000" dirty="0" err="1" smtClean="0">
+                          <a:sym typeface="Source Sans Pro"/>
+                        </a:rPr>
+                        <a:t>methyanalysis</a:t>
+                      </a:r>
+                      <a:r>
+                        <a:rPr lang="pl-PL" sz="1000" dirty="0" smtClean="0">
+                          <a:sym typeface="Source Sans Pro"/>
+                        </a:rPr>
+                        <a:t>'</a:t>
+                      </a:r>
+                      <a:endParaRPr sz="1000" dirty="0">
+                        <a:latin typeface="Source Sans Pro"/>
+                        <a:ea typeface="Source Sans Pro"/>
+                        <a:cs typeface="Source Sans Pro"/>
+                        <a:sym typeface="Source Sans Pro"/>
+                      </a:endParaRPr>
+                    </a:p>
+                  </a:txBody>
+                  <a:tcPr marL="0" marR="0" marT="0" marB="0" horzOverflow="overflow"/>
+                </a:tc>
+                <a:tc>
+                  <a:txBody>
+                    <a:bodyPr/>
+                    <a:lstStyle/>
+                    <a:p>
+                      <a:pPr lvl="0" algn="l" defTabSz="914400"/>
+                      <a:r>
+                        <a:rPr lang="pl-PL" sz="1000" dirty="0" smtClean="0">
+                          <a:sym typeface="Source Sans Pro"/>
+                        </a:rPr>
+                        <a:t>quasi-</a:t>
+                      </a:r>
+                      <a:r>
+                        <a:rPr lang="pl-PL" sz="1000" dirty="0" err="1" smtClean="0">
+                          <a:sym typeface="Source Sans Pro"/>
+                        </a:rPr>
+                        <a:t>likelihood</a:t>
+                      </a:r>
+                      <a:r>
+                        <a:rPr lang="pl-PL" sz="1000" dirty="0" smtClean="0">
+                          <a:sym typeface="Source Sans Pro"/>
+                        </a:rPr>
+                        <a:t> F-test</a:t>
+                      </a:r>
+                      <a:endParaRPr sz="1000" dirty="0">
+                        <a:latin typeface="Source Sans Pro"/>
+                        <a:ea typeface="Source Sans Pro"/>
+                        <a:cs typeface="Source Sans Pro"/>
+                        <a:sym typeface="Source Sans Pro"/>
+                      </a:endParaRPr>
+                    </a:p>
+                  </a:txBody>
+                  <a:tcPr marL="0" marR="0" marT="0" marB="0" horzOverflow="overflow"/>
+                </a:tc>
+              </a:tr>
+            </a:tbl>
+          </a:graphicData>
+        </a:graphic>
+      </p:graphicFrame>
+      <p:sp>
+        <p:nvSpPr>
+          <p:cNvPr id="33" name="Shape 38"/>
+          <p:cNvSpPr/>
+          <p:nvPr/>
+        </p:nvSpPr>
+        <p:spPr>
+          <a:xfrm>
+            <a:off x="9102690" y="637870"/>
+            <a:ext cx="4589716" cy="251060"/>
+          </a:xfrm>
+          <a:prstGeom prst="roundRect">
+            <a:avLst>
+              <a:gd name="adj" fmla="val 20098"/>
+            </a:avLst>
+          </a:prstGeom>
+          <a:solidFill>
+            <a:srgbClr val="4A3C89"/>
+          </a:solidFill>
+          <a:ln w="12700">
+            <a:miter lim="400000"/>
+          </a:ln>
+          <a:extLst>
+            <a:ext uri="{C572A759-6A51-4108-AA02-DFA0A04FC94B}">
+              <ma14:wrappingTextBoxFlag xmlns:ma14="http://schemas.microsoft.com/office/mac/drawingml/2011/main" xmlns="" val="1"/>
+            </a:ext>
+          </a:extLst>
+        </p:spPr>
+        <p:txBody>
+          <a:bodyPr lIns="0" tIns="0" rIns="0" bIns="0" anchor="ctr"/>
+          <a:lstStyle/>
+          <a:p>
+            <a:pPr lvl="1" indent="0">
+              <a:defRPr sz="1800"/>
+            </a:pPr>
+            <a:r>
+              <a:rPr lang="pl-PL" sz="1400" dirty="0" err="1" smtClean="0">
+                <a:solidFill>
+                  <a:srgbClr val="FFFFFF"/>
+                </a:solidFill>
+                <a:latin typeface="Source Sans Pro"/>
+                <a:ea typeface="Source Sans Pro"/>
+                <a:cs typeface="Source Sans Pro"/>
+                <a:sym typeface="Source Sans Pro"/>
+              </a:rPr>
+              <a:t>Example</a:t>
+            </a:r>
+            <a:endParaRPr sz="1400" dirty="0">
+              <a:solidFill>
+                <a:srgbClr val="FFFFFF"/>
+              </a:solidFill>
+              <a:latin typeface="Source Sans Pro"/>
+              <a:ea typeface="Source Sans Pro"/>
+              <a:cs typeface="Source Sans Pro"/>
+              <a:sym typeface="Source Sans Pro"/>
+            </a:endParaRPr>
+          </a:p>
+        </p:txBody>
+      </p:sp>
+      <p:sp>
+        <p:nvSpPr>
+          <p:cNvPr id="41" name="Shape 38"/>
+          <p:cNvSpPr/>
+          <p:nvPr/>
+        </p:nvSpPr>
+        <p:spPr>
+          <a:xfrm>
+            <a:off x="9784456" y="5398707"/>
+            <a:ext cx="3907950" cy="168959"/>
+          </a:xfrm>
+          <a:prstGeom prst="roundRect">
+            <a:avLst>
+              <a:gd name="adj" fmla="val 20098"/>
+            </a:avLst>
+          </a:prstGeom>
+          <a:solidFill>
+            <a:srgbClr val="4A3C89"/>
+          </a:solidFill>
+          <a:ln w="12700">
+            <a:miter lim="400000"/>
+          </a:ln>
+          <a:extLst>
+            <a:ext uri="{C572A759-6A51-4108-AA02-DFA0A04FC94B}">
+              <ma14:wrappingTextBoxFlag xmlns:ma14="http://schemas.microsoft.com/office/mac/drawingml/2011/main" xmlns="" val="1"/>
+            </a:ext>
+          </a:extLst>
+        </p:spPr>
+        <p:txBody>
+          <a:bodyPr lIns="0" tIns="0" rIns="0" bIns="0" anchor="ctr"/>
+          <a:lstStyle/>
+          <a:p>
+            <a:pPr lvl="1" indent="0">
+              <a:defRPr sz="1800"/>
+            </a:pPr>
+            <a:r>
+              <a:rPr lang="pl-PL" sz="1400" dirty="0" err="1" smtClean="0">
+                <a:solidFill>
+                  <a:srgbClr val="FFFFFF"/>
+                </a:solidFill>
+                <a:latin typeface="Source Sans Pro"/>
+                <a:ea typeface="Source Sans Pro"/>
+                <a:cs typeface="Source Sans Pro"/>
+                <a:sym typeface="Source Sans Pro"/>
+              </a:rPr>
+              <a:t>Example</a:t>
+            </a:r>
+            <a:endParaRPr sz="1400" dirty="0">
+              <a:solidFill>
+                <a:srgbClr val="FFFFFF"/>
+              </a:solidFill>
+              <a:latin typeface="Source Sans Pro"/>
+              <a:ea typeface="Source Sans Pro"/>
+              <a:cs typeface="Source Sans Pro"/>
+              <a:sym typeface="Source Sans Pro"/>
+            </a:endParaRPr>
+          </a:p>
+        </p:txBody>
+      </p:sp>
+      <p:sp>
+        <p:nvSpPr>
+          <p:cNvPr id="42" name="Shape 292"/>
+          <p:cNvSpPr/>
+          <p:nvPr/>
+        </p:nvSpPr>
+        <p:spPr>
+          <a:xfrm>
+            <a:off x="324391" y="8654668"/>
+            <a:ext cx="2960019" cy="227723"/>
+          </a:xfrm>
+          <a:prstGeom prst="rect">
+            <a:avLst/>
+          </a:prstGeom>
+          <a:ln w="12700">
+            <a:miter lim="400000"/>
+          </a:ln>
+          <a:extLst>
+            <a:ext uri="{C572A759-6A51-4108-AA02-DFA0A04FC94B}">
+              <ma14:wrappingTextBoxFlag xmlns:ma14="http://schemas.microsoft.com/office/mac/drawingml/2011/main" xmlns="" val="1"/>
+            </a:ext>
+          </a:extLst>
+        </p:spPr>
+        <p:txBody>
+          <a:bodyPr lIns="0" tIns="0" rIns="0" bIns="0" anchor="ctr">
+            <a:normAutofit fontScale="92500"/>
+          </a:bodyPr>
+          <a:lstStyle/>
+          <a:p>
+            <a:pPr lvl="0" algn="l">
+              <a:lnSpc>
+                <a:spcPct val="90000"/>
+              </a:lnSpc>
+              <a:spcBef>
+                <a:spcPts val="300"/>
+              </a:spcBef>
+              <a:defRPr sz="1800"/>
+            </a:pPr>
+            <a:r>
+              <a:rPr lang="pl-PL" sz="1400" dirty="0" err="1" smtClean="0">
+                <a:solidFill>
+                  <a:srgbClr val="4A3C89"/>
+                </a:solidFill>
+                <a:latin typeface="Source Sans Pro"/>
+                <a:ea typeface="Source Sans Pro"/>
+                <a:cs typeface="Source Sans Pro"/>
+                <a:sym typeface="Source Sans Pro"/>
+              </a:rPr>
+              <a:t>MLExpResso</a:t>
+            </a:r>
+            <a:r>
+              <a:rPr lang="pl-PL" sz="1400" dirty="0" smtClean="0">
+                <a:solidFill>
+                  <a:srgbClr val="4A3C89"/>
+                </a:solidFill>
+                <a:latin typeface="Source Sans Pro"/>
+                <a:ea typeface="Source Sans Pro"/>
+                <a:cs typeface="Source Sans Pro"/>
+                <a:sym typeface="Source Sans Pro"/>
+              </a:rPr>
+              <a:t>::</a:t>
+            </a:r>
+            <a:r>
+              <a:rPr lang="pl-PL" sz="1400" dirty="0" err="1" smtClean="0">
+                <a:latin typeface="Menlo"/>
+                <a:ea typeface="Menlo"/>
+                <a:cs typeface="Menlo"/>
+                <a:sym typeface="Menlo"/>
+              </a:rPr>
+              <a:t>aggregate_probes</a:t>
+            </a:r>
+            <a:r>
+              <a:rPr lang="pl-PL" sz="1400" dirty="0" smtClean="0">
+                <a:latin typeface="Menlo"/>
+                <a:ea typeface="Menlo"/>
+                <a:cs typeface="Menlo"/>
+                <a:sym typeface="Menlo"/>
+              </a:rPr>
+              <a:t>(data)</a:t>
+            </a:r>
+            <a:endParaRPr sz="1400" dirty="0">
+              <a:latin typeface="Source Sans Pro"/>
+              <a:ea typeface="Source Sans Pro"/>
+              <a:cs typeface="Source Sans Pro"/>
+              <a:sym typeface="Source Sans Pro"/>
+            </a:endParaRPr>
+          </a:p>
+        </p:txBody>
+      </p:sp>
+      <p:pic>
+        <p:nvPicPr>
+          <p:cNvPr id="2" name="Obraz 1"/>
+          <p:cNvPicPr>
+            <a:picLocks noChangeAspect="1"/>
+          </p:cNvPicPr>
+          <p:nvPr/>
+        </p:nvPicPr>
+        <p:blipFill>
+          <a:blip r:embed="rId7"/>
+          <a:stretch>
+            <a:fillRect/>
+          </a:stretch>
+        </p:blipFill>
+        <p:spPr>
+          <a:xfrm>
+            <a:off x="3653188" y="7527583"/>
+            <a:ext cx="5525623" cy="2665514"/>
+          </a:xfrm>
+          <a:prstGeom prst="rect">
+            <a:avLst/>
+          </a:prstGeom>
+        </p:spPr>
+      </p:pic>
+      <p:sp>
+        <p:nvSpPr>
+          <p:cNvPr id="43" name="Shape 292"/>
+          <p:cNvSpPr/>
+          <p:nvPr/>
+        </p:nvSpPr>
+        <p:spPr>
+          <a:xfrm>
+            <a:off x="3653189" y="7187246"/>
+            <a:ext cx="5003161" cy="305486"/>
+          </a:xfrm>
+          <a:prstGeom prst="rect">
+            <a:avLst/>
+          </a:prstGeom>
+          <a:ln w="12700">
+            <a:miter lim="400000"/>
+          </a:ln>
+          <a:extLst>
+            <a:ext uri="{C572A759-6A51-4108-AA02-DFA0A04FC94B}">
+              <ma14:wrappingTextBoxFlag xmlns:ma14="http://schemas.microsoft.com/office/mac/drawingml/2011/main" xmlns="" val="1"/>
+            </a:ext>
+          </a:extLst>
+        </p:spPr>
+        <p:txBody>
+          <a:bodyPr lIns="0" tIns="0" rIns="0" bIns="0" anchor="ctr">
+            <a:normAutofit/>
+          </a:bodyPr>
+          <a:lstStyle/>
+          <a:p>
+            <a:pPr lvl="0" algn="l">
+              <a:lnSpc>
+                <a:spcPct val="90000"/>
+              </a:lnSpc>
+              <a:spcBef>
+                <a:spcPts val="300"/>
+              </a:spcBef>
+              <a:defRPr sz="1800"/>
+            </a:pPr>
+            <a:r>
+              <a:rPr lang="pl-PL" sz="1400" dirty="0" err="1" smtClean="0">
+                <a:solidFill>
+                  <a:srgbClr val="4A3C89"/>
+                </a:solidFill>
+                <a:latin typeface="Source Sans Pro"/>
+                <a:ea typeface="Source Sans Pro"/>
+                <a:cs typeface="Source Sans Pro"/>
+                <a:sym typeface="Source Sans Pro"/>
+              </a:rPr>
+              <a:t>MLExpResso</a:t>
+            </a:r>
+            <a:r>
+              <a:rPr lang="pl-PL" sz="1400" dirty="0" smtClean="0">
+                <a:solidFill>
+                  <a:srgbClr val="4A3C89"/>
+                </a:solidFill>
+                <a:latin typeface="Source Sans Pro"/>
+                <a:ea typeface="Source Sans Pro"/>
+                <a:cs typeface="Source Sans Pro"/>
+                <a:sym typeface="Source Sans Pro"/>
+              </a:rPr>
+              <a:t>::</a:t>
+            </a:r>
+            <a:r>
+              <a:rPr lang="pl-PL" sz="1400" dirty="0" err="1" smtClean="0">
+                <a:latin typeface="Menlo"/>
+                <a:ea typeface="Menlo"/>
+                <a:cs typeface="Menlo"/>
+                <a:sym typeface="Menlo"/>
+              </a:rPr>
+              <a:t>plot_methylation_path</a:t>
+            </a:r>
+            <a:r>
+              <a:rPr lang="pl-PL" sz="1400" dirty="0" smtClean="0">
+                <a:latin typeface="Menlo"/>
+                <a:ea typeface="Menlo"/>
+                <a:cs typeface="Menlo"/>
+                <a:sym typeface="Menlo"/>
+              </a:rPr>
+              <a:t>(data, </a:t>
+            </a:r>
+            <a:r>
+              <a:rPr lang="pl-PL" sz="1400" dirty="0" err="1" smtClean="0">
+                <a:latin typeface="Menlo"/>
+                <a:ea typeface="Menlo"/>
+                <a:cs typeface="Menlo"/>
+                <a:sym typeface="Menlo"/>
+              </a:rPr>
+              <a:t>condition</a:t>
+            </a:r>
+            <a:r>
+              <a:rPr lang="pl-PL" sz="1400" dirty="0" smtClean="0">
+                <a:latin typeface="Menlo"/>
+                <a:ea typeface="Menlo"/>
+                <a:cs typeface="Menlo"/>
+                <a:sym typeface="Menlo"/>
+              </a:rPr>
+              <a:t>, </a:t>
+            </a:r>
+            <a:r>
+              <a:rPr lang="pl-PL" sz="1400" dirty="0" err="1" smtClean="0">
+                <a:latin typeface="Menlo"/>
+                <a:ea typeface="Menlo"/>
+                <a:cs typeface="Menlo"/>
+                <a:sym typeface="Menlo"/>
+              </a:rPr>
+              <a:t>gene</a:t>
+            </a:r>
+            <a:r>
+              <a:rPr lang="pl-PL" sz="1400" dirty="0" smtClean="0">
+                <a:latin typeface="Menlo"/>
+                <a:ea typeface="Menlo"/>
+                <a:cs typeface="Menlo"/>
+                <a:sym typeface="Menlo"/>
+              </a:rPr>
+              <a:t>)</a:t>
+            </a:r>
+            <a:endParaRPr sz="1400" dirty="0">
+              <a:latin typeface="Source Sans Pro"/>
+              <a:ea typeface="Source Sans Pro"/>
+              <a:cs typeface="Source Sans Pro"/>
+              <a:sym typeface="Source Sans Pro"/>
+            </a:endParaRPr>
+          </a:p>
+        </p:txBody>
+      </p:sp>
+      <p:sp>
+        <p:nvSpPr>
+          <p:cNvPr id="49" name="Shape 123"/>
+          <p:cNvSpPr/>
+          <p:nvPr/>
+        </p:nvSpPr>
+        <p:spPr>
+          <a:xfrm>
+            <a:off x="265361" y="4912999"/>
+            <a:ext cx="3097270" cy="3588081"/>
+          </a:xfrm>
+          <a:prstGeom prst="rect">
+            <a:avLst/>
+          </a:prstGeom>
+          <a:ln w="12700">
+            <a:miter lim="400000"/>
+          </a:ln>
+          <a:extLst>
+            <a:ext uri="{C572A759-6A51-4108-AA02-DFA0A04FC94B}">
+              <ma14:wrappingTextBoxFlag xmlns:ma14="http://schemas.microsoft.com/office/mac/drawingml/2011/main" xmlns="" val="1"/>
+            </a:ext>
+          </a:extLst>
+        </p:spPr>
+        <p:txBody>
+          <a:bodyPr wrap="square" lIns="54570" tIns="54570" rIns="54570" bIns="54570" anchor="ctr">
+            <a:spAutoFit/>
+          </a:bodyPr>
+          <a:lstStyle/>
+          <a:p>
+            <a:pPr lvl="0" algn="l">
+              <a:lnSpc>
+                <a:spcPct val="90000"/>
+              </a:lnSpc>
+              <a:spcBef>
+                <a:spcPts val="300"/>
+              </a:spcBef>
+              <a:buClr>
+                <a:srgbClr val="F39019"/>
+              </a:buClr>
+              <a:defRPr sz="1800"/>
+            </a:pPr>
+            <a:r>
+              <a:rPr lang="pl-PL" sz="1200" dirty="0" smtClean="0">
+                <a:latin typeface="Source Sans Pro Light"/>
+                <a:ea typeface="Source Sans Pro Light"/>
+                <a:cs typeface="Source Sans Pro Light"/>
+                <a:sym typeface="Source Sans Pro Light"/>
+              </a:rPr>
+              <a:t>Data </a:t>
+            </a:r>
+            <a:r>
+              <a:rPr lang="pl-PL" sz="1200" dirty="0" err="1" smtClean="0">
+                <a:latin typeface="Source Sans Pro Light"/>
+                <a:ea typeface="Source Sans Pro Light"/>
+                <a:cs typeface="Source Sans Pro Light"/>
+                <a:sym typeface="Source Sans Pro Light"/>
+              </a:rPr>
+              <a:t>sets</a:t>
+            </a:r>
+            <a:r>
+              <a:rPr lang="pl-PL" sz="1200" dirty="0" smtClean="0">
+                <a:latin typeface="Source Sans Pro Light"/>
+                <a:ea typeface="Source Sans Pro Light"/>
+                <a:cs typeface="Source Sans Pro Light"/>
+                <a:sym typeface="Source Sans Pro Light"/>
+              </a:rPr>
+              <a:t> for </a:t>
+            </a:r>
+            <a:r>
+              <a:rPr lang="pl-PL" sz="1200" dirty="0" err="1" smtClean="0">
+                <a:latin typeface="Source Sans Pro Light"/>
+                <a:ea typeface="Source Sans Pro Light"/>
+                <a:cs typeface="Source Sans Pro Light"/>
+                <a:sym typeface="Source Sans Pro Light"/>
+              </a:rPr>
+              <a:t>testing</a:t>
+            </a:r>
+            <a:r>
+              <a:rPr lang="pl-PL" sz="1200" dirty="0" smtClean="0">
+                <a:latin typeface="Source Sans Pro Light"/>
+                <a:ea typeface="Source Sans Pro Light"/>
+                <a:cs typeface="Source Sans Pro Light"/>
+                <a:sym typeface="Source Sans Pro Light"/>
+              </a:rPr>
+              <a:t> </a:t>
+            </a:r>
+            <a:r>
+              <a:rPr lang="pl-PL" sz="1200" dirty="0" err="1" smtClean="0">
+                <a:latin typeface="Source Sans Pro Light"/>
+                <a:ea typeface="Source Sans Pro Light"/>
+                <a:cs typeface="Source Sans Pro Light"/>
+                <a:sym typeface="Source Sans Pro Light"/>
+              </a:rPr>
+              <a:t>expression</a:t>
+            </a:r>
+            <a:r>
+              <a:rPr lang="pl-PL" sz="1200" dirty="0" smtClean="0">
+                <a:latin typeface="Source Sans Pro Light"/>
+                <a:ea typeface="Source Sans Pro Light"/>
+                <a:cs typeface="Source Sans Pro Light"/>
+                <a:sym typeface="Source Sans Pro Light"/>
+              </a:rPr>
+              <a:t> </a:t>
+            </a:r>
+            <a:r>
+              <a:rPr lang="pl-PL" sz="1200" dirty="0" err="1" smtClean="0">
+                <a:latin typeface="Source Sans Pro Light"/>
+                <a:ea typeface="Source Sans Pro Light"/>
+                <a:cs typeface="Source Sans Pro Light"/>
+                <a:sym typeface="Source Sans Pro Light"/>
+              </a:rPr>
+              <a:t>differences</a:t>
+            </a:r>
+            <a:r>
+              <a:rPr lang="pl-PL" sz="1200" dirty="0" smtClean="0">
+                <a:latin typeface="Source Sans Pro Light"/>
+                <a:ea typeface="Source Sans Pro Light"/>
+                <a:cs typeface="Source Sans Pro Light"/>
+                <a:sym typeface="Source Sans Pro Light"/>
+              </a:rPr>
+              <a:t> </a:t>
+            </a:r>
+            <a:r>
+              <a:rPr lang="pl-PL" sz="1200" dirty="0" err="1" smtClean="0">
+                <a:latin typeface="Source Sans Pro Light"/>
+                <a:ea typeface="Source Sans Pro Light"/>
+                <a:cs typeface="Source Sans Pro Light"/>
+                <a:sym typeface="Source Sans Pro Light"/>
+              </a:rPr>
+              <a:t>must</a:t>
+            </a:r>
+            <a:r>
+              <a:rPr lang="pl-PL" sz="1200" dirty="0" smtClean="0">
+                <a:latin typeface="Source Sans Pro Light"/>
+                <a:ea typeface="Source Sans Pro Light"/>
+                <a:cs typeface="Source Sans Pro Light"/>
+                <a:sym typeface="Source Sans Pro Light"/>
+              </a:rPr>
+              <a:t> </a:t>
+            </a:r>
+            <a:r>
+              <a:rPr lang="pl-PL" sz="1200" dirty="0" err="1" smtClean="0">
+                <a:latin typeface="Source Sans Pro Light"/>
+                <a:ea typeface="Source Sans Pro Light"/>
+                <a:cs typeface="Source Sans Pro Light"/>
+                <a:sym typeface="Source Sans Pro Light"/>
+              </a:rPr>
+              <a:t>contain</a:t>
+            </a:r>
+            <a:r>
+              <a:rPr lang="pl-PL" sz="1200" dirty="0" smtClean="0">
+                <a:latin typeface="Source Sans Pro Light"/>
+                <a:ea typeface="Source Sans Pro Light"/>
+                <a:cs typeface="Source Sans Pro Light"/>
+                <a:sym typeface="Source Sans Pro Light"/>
+              </a:rPr>
+              <a:t> per </a:t>
+            </a:r>
+            <a:r>
+              <a:rPr lang="pl-PL" sz="1200" dirty="0" err="1" smtClean="0">
+                <a:latin typeface="Source Sans Pro Light"/>
+                <a:ea typeface="Source Sans Pro Light"/>
+                <a:cs typeface="Source Sans Pro Light"/>
+                <a:sym typeface="Source Sans Pro Light"/>
+              </a:rPr>
+              <a:t>gene</a:t>
+            </a:r>
+            <a:r>
+              <a:rPr lang="pl-PL" sz="1200" dirty="0" smtClean="0">
+                <a:latin typeface="Source Sans Pro Light"/>
+                <a:ea typeface="Source Sans Pro Light"/>
+                <a:cs typeface="Source Sans Pro Light"/>
+                <a:sym typeface="Source Sans Pro Light"/>
+              </a:rPr>
+              <a:t> </a:t>
+            </a:r>
+            <a:r>
+              <a:rPr lang="pl-PL" sz="1200" dirty="0" err="1" smtClean="0">
+                <a:latin typeface="Source Sans Pro Light"/>
+                <a:ea typeface="Source Sans Pro Light"/>
+                <a:cs typeface="Source Sans Pro Light"/>
+                <a:sym typeface="Source Sans Pro Light"/>
+              </a:rPr>
+              <a:t>read</a:t>
+            </a:r>
+            <a:r>
+              <a:rPr lang="pl-PL" sz="1200" dirty="0" smtClean="0">
+                <a:latin typeface="Source Sans Pro Light"/>
+                <a:ea typeface="Source Sans Pro Light"/>
+                <a:cs typeface="Source Sans Pro Light"/>
+                <a:sym typeface="Source Sans Pro Light"/>
+              </a:rPr>
+              <a:t> </a:t>
+            </a:r>
+            <a:r>
+              <a:rPr lang="pl-PL" sz="1200" dirty="0" err="1" smtClean="0">
+                <a:latin typeface="Source Sans Pro Light"/>
+                <a:ea typeface="Source Sans Pro Light"/>
+                <a:cs typeface="Source Sans Pro Light"/>
+                <a:sym typeface="Source Sans Pro Light"/>
+              </a:rPr>
+              <a:t>counts</a:t>
+            </a:r>
+            <a:r>
+              <a:rPr lang="pl-PL" sz="1200" dirty="0" smtClean="0">
+                <a:latin typeface="Source Sans Pro Light"/>
+                <a:ea typeface="Source Sans Pro Light"/>
+                <a:cs typeface="Source Sans Pro Light"/>
+                <a:sym typeface="Source Sans Pro Light"/>
+              </a:rPr>
+              <a:t>. C</a:t>
+            </a:r>
+            <a:r>
+              <a:rPr lang="en-US" sz="1200" dirty="0" err="1" smtClean="0">
+                <a:latin typeface="Source Sans Pro Light"/>
+                <a:ea typeface="Source Sans Pro Light"/>
+                <a:cs typeface="Source Sans Pro Light"/>
+                <a:sym typeface="Source Sans Pro Light"/>
+              </a:rPr>
+              <a:t>olumns</a:t>
+            </a:r>
+            <a:r>
+              <a:rPr lang="pl-PL" sz="1200" dirty="0" smtClean="0">
+                <a:latin typeface="Source Sans Pro Light"/>
+                <a:ea typeface="Source Sans Pro Light"/>
+                <a:cs typeface="Source Sans Pro Light"/>
+                <a:sym typeface="Source Sans Pro Light"/>
+              </a:rPr>
+              <a:t> </a:t>
+            </a:r>
+            <a:r>
+              <a:rPr lang="pl-PL" sz="1200" dirty="0" err="1" smtClean="0">
+                <a:latin typeface="Source Sans Pro Light"/>
+                <a:ea typeface="Source Sans Pro Light"/>
+                <a:cs typeface="Source Sans Pro Light"/>
+                <a:sym typeface="Source Sans Pro Light"/>
+              </a:rPr>
+              <a:t>should</a:t>
+            </a:r>
+            <a:r>
+              <a:rPr lang="en-US" sz="1200" dirty="0" smtClean="0">
+                <a:latin typeface="Source Sans Pro Light"/>
+                <a:ea typeface="Source Sans Pro Light"/>
+                <a:cs typeface="Source Sans Pro Light"/>
+                <a:sym typeface="Source Sans Pro Light"/>
+              </a:rPr>
+              <a:t> correspond to genes, rows to</a:t>
+            </a:r>
+            <a:r>
+              <a:rPr lang="pl-PL" sz="1200" dirty="0" smtClean="0">
+                <a:latin typeface="Source Sans Pro Light"/>
+                <a:ea typeface="Source Sans Pro Light"/>
+                <a:cs typeface="Source Sans Pro Light"/>
+                <a:sym typeface="Source Sans Pro Light"/>
+              </a:rPr>
+              <a:t> </a:t>
+            </a:r>
+            <a:r>
+              <a:rPr lang="en-US" sz="1200" dirty="0" smtClean="0">
+                <a:latin typeface="Source Sans Pro Light"/>
+                <a:ea typeface="Source Sans Pro Light"/>
+                <a:cs typeface="Source Sans Pro Light"/>
+                <a:sym typeface="Source Sans Pro Light"/>
+              </a:rPr>
+              <a:t>samples</a:t>
+            </a:r>
+            <a:r>
+              <a:rPr lang="pl-PL" sz="1200" dirty="0" smtClean="0">
+                <a:latin typeface="Source Sans Pro Light"/>
+                <a:ea typeface="Source Sans Pro Light"/>
+                <a:cs typeface="Source Sans Pro Light"/>
+                <a:sym typeface="Source Sans Pro Light"/>
+              </a:rPr>
+              <a:t>.</a:t>
+            </a:r>
+            <a:br>
+              <a:rPr lang="pl-PL" sz="1200" dirty="0" smtClean="0">
+                <a:latin typeface="Source Sans Pro Light"/>
+                <a:ea typeface="Source Sans Pro Light"/>
+                <a:cs typeface="Source Sans Pro Light"/>
+                <a:sym typeface="Source Sans Pro Light"/>
+              </a:rPr>
+            </a:br>
+            <a:r>
+              <a:rPr lang="pl-PL" sz="1200" dirty="0" smtClean="0">
+                <a:latin typeface="Source Sans Pro Light"/>
+                <a:ea typeface="Source Sans Pro Light"/>
+                <a:cs typeface="Source Sans Pro Light"/>
+                <a:sym typeface="Source Sans Pro Light"/>
+              </a:rPr>
+              <a:t/>
+            </a:r>
+            <a:br>
+              <a:rPr lang="pl-PL" sz="1200" dirty="0" smtClean="0">
+                <a:latin typeface="Source Sans Pro Light"/>
+                <a:ea typeface="Source Sans Pro Light"/>
+                <a:cs typeface="Source Sans Pro Light"/>
+                <a:sym typeface="Source Sans Pro Light"/>
+              </a:rPr>
+            </a:br>
+            <a:r>
+              <a:rPr lang="en-US" sz="1200" dirty="0" smtClean="0">
+                <a:latin typeface="Source Sans Pro Light"/>
+                <a:ea typeface="Source Sans Pro Light"/>
+                <a:cs typeface="Source Sans Pro Light"/>
+                <a:sym typeface="Source Sans Pro Light"/>
+              </a:rPr>
+              <a:t>As input</a:t>
+            </a:r>
+            <a:r>
+              <a:rPr lang="pl-PL" sz="1200" dirty="0" smtClean="0">
+                <a:latin typeface="Source Sans Pro Light"/>
+                <a:ea typeface="Source Sans Pro Light"/>
+                <a:cs typeface="Source Sans Pro Light"/>
+                <a:sym typeface="Source Sans Pro Light"/>
+              </a:rPr>
+              <a:t> for </a:t>
+            </a:r>
+            <a:r>
+              <a:rPr lang="pl-PL" sz="1200" dirty="0" err="1" smtClean="0">
+                <a:latin typeface="Source Sans Pro Light"/>
+                <a:ea typeface="Source Sans Pro Light"/>
+                <a:cs typeface="Source Sans Pro Light"/>
+                <a:sym typeface="Source Sans Pro Light"/>
+              </a:rPr>
+              <a:t>tests</a:t>
+            </a:r>
+            <a:r>
+              <a:rPr lang="pl-PL" sz="1200" dirty="0" smtClean="0">
+                <a:latin typeface="Source Sans Pro Light"/>
+                <a:ea typeface="Source Sans Pro Light"/>
+                <a:cs typeface="Source Sans Pro Light"/>
+                <a:sym typeface="Source Sans Pro Light"/>
+              </a:rPr>
+              <a:t> </a:t>
+            </a:r>
+            <a:r>
+              <a:rPr lang="pl-PL" sz="1200" dirty="0" err="1" smtClean="0">
+                <a:latin typeface="Source Sans Pro Light"/>
+                <a:ea typeface="Source Sans Pro Light"/>
+                <a:cs typeface="Source Sans Pro Light"/>
+                <a:sym typeface="Source Sans Pro Light"/>
+              </a:rPr>
+              <a:t>correspond</a:t>
+            </a:r>
+            <a:r>
+              <a:rPr lang="pl-PL" sz="1200" dirty="0" smtClean="0">
+                <a:latin typeface="Source Sans Pro Light"/>
+                <a:ea typeface="Source Sans Pro Light"/>
+                <a:cs typeface="Source Sans Pro Light"/>
+                <a:sym typeface="Source Sans Pro Light"/>
+              </a:rPr>
+              <a:t> to </a:t>
+            </a:r>
+            <a:r>
+              <a:rPr lang="pl-PL" sz="1200" dirty="0" err="1" smtClean="0">
+                <a:latin typeface="Source Sans Pro Light"/>
+                <a:ea typeface="Source Sans Pro Light"/>
+                <a:cs typeface="Source Sans Pro Light"/>
+                <a:sym typeface="Source Sans Pro Light"/>
+              </a:rPr>
+              <a:t>expression</a:t>
+            </a:r>
+            <a:r>
+              <a:rPr lang="en-US" sz="1200" dirty="0" smtClean="0">
+                <a:latin typeface="Source Sans Pro Light"/>
+                <a:ea typeface="Source Sans Pro Light"/>
+                <a:cs typeface="Source Sans Pro Light"/>
+                <a:sym typeface="Source Sans Pro Light"/>
+              </a:rPr>
+              <a:t>, the </a:t>
+            </a:r>
+            <a:r>
+              <a:rPr lang="pl-PL" sz="1200" dirty="0" err="1" smtClean="0">
+                <a:latin typeface="Source Sans Pro Light"/>
+                <a:ea typeface="Source Sans Pro Light"/>
+                <a:cs typeface="Source Sans Pro Light"/>
+                <a:sym typeface="Source Sans Pro Light"/>
+              </a:rPr>
+              <a:t>caluclate_test</a:t>
+            </a:r>
+            <a:r>
+              <a:rPr lang="pl-PL" sz="1200" dirty="0" smtClean="0">
+                <a:latin typeface="Source Sans Pro Light"/>
+                <a:ea typeface="Source Sans Pro Light"/>
+                <a:cs typeface="Source Sans Pro Light"/>
+                <a:sym typeface="Source Sans Pro Light"/>
+              </a:rPr>
+              <a:t> </a:t>
+            </a:r>
+            <a:r>
+              <a:rPr lang="pl-PL" sz="1200" dirty="0" err="1" smtClean="0">
+                <a:latin typeface="Source Sans Pro Light"/>
+                <a:ea typeface="Source Sans Pro Light"/>
+                <a:cs typeface="Source Sans Pro Light"/>
+                <a:sym typeface="Source Sans Pro Light"/>
+              </a:rPr>
+              <a:t>function</a:t>
+            </a:r>
+            <a:r>
+              <a:rPr lang="en-US" sz="1200" dirty="0" smtClean="0">
+                <a:latin typeface="Source Sans Pro Light"/>
+                <a:ea typeface="Source Sans Pro Light"/>
+                <a:cs typeface="Source Sans Pro Light"/>
+                <a:sym typeface="Source Sans Pro Light"/>
+              </a:rPr>
+              <a:t> expects count data in the form of a matrix of integer values. The value in the </a:t>
+            </a:r>
+            <a:r>
+              <a:rPr lang="en-US" sz="1200" dirty="0" err="1" smtClean="0">
+                <a:latin typeface="Source Sans Pro Light"/>
+                <a:ea typeface="Source Sans Pro Light"/>
+                <a:cs typeface="Source Sans Pro Light"/>
+                <a:sym typeface="Source Sans Pro Light"/>
+              </a:rPr>
+              <a:t>i-th</a:t>
+            </a:r>
+            <a:r>
+              <a:rPr lang="en-US" sz="1200" dirty="0" smtClean="0">
+                <a:latin typeface="Source Sans Pro Light"/>
+                <a:ea typeface="Source Sans Pro Light"/>
+                <a:cs typeface="Source Sans Pro Light"/>
+                <a:sym typeface="Source Sans Pro Light"/>
+              </a:rPr>
+              <a:t> row and the j-</a:t>
+            </a:r>
+            <a:r>
+              <a:rPr lang="en-US" sz="1200" dirty="0" err="1" smtClean="0">
+                <a:latin typeface="Source Sans Pro Light"/>
+                <a:ea typeface="Source Sans Pro Light"/>
+                <a:cs typeface="Source Sans Pro Light"/>
+                <a:sym typeface="Source Sans Pro Light"/>
+              </a:rPr>
+              <a:t>th</a:t>
+            </a:r>
+            <a:r>
+              <a:rPr lang="en-US" sz="1200" dirty="0" smtClean="0">
+                <a:latin typeface="Source Sans Pro Light"/>
+                <a:ea typeface="Source Sans Pro Light"/>
+                <a:cs typeface="Source Sans Pro Light"/>
+                <a:sym typeface="Source Sans Pro Light"/>
+              </a:rPr>
+              <a:t> column tells how many reads can be assigned to gene </a:t>
+            </a:r>
+            <a:r>
+              <a:rPr lang="pl-PL" sz="1200" dirty="0" smtClean="0">
+                <a:latin typeface="Source Sans Pro Light"/>
+                <a:ea typeface="Source Sans Pro Light"/>
+                <a:cs typeface="Source Sans Pro Light"/>
+                <a:sym typeface="Source Sans Pro Light"/>
+              </a:rPr>
+              <a:t>j</a:t>
+            </a:r>
+            <a:r>
+              <a:rPr lang="en-US" sz="1200" dirty="0" smtClean="0">
+                <a:latin typeface="Source Sans Pro Light"/>
+                <a:ea typeface="Source Sans Pro Light"/>
+                <a:cs typeface="Source Sans Pro Light"/>
+                <a:sym typeface="Source Sans Pro Light"/>
+              </a:rPr>
+              <a:t> in sample </a:t>
+            </a:r>
+            <a:r>
+              <a:rPr lang="pl-PL" sz="1200" dirty="0" smtClean="0">
+                <a:latin typeface="Source Sans Pro Light"/>
+                <a:ea typeface="Source Sans Pro Light"/>
+                <a:cs typeface="Source Sans Pro Light"/>
+                <a:sym typeface="Source Sans Pro Light"/>
+              </a:rPr>
+              <a:t>i</a:t>
+            </a:r>
+            <a:r>
+              <a:rPr lang="en-US" sz="1200" dirty="0" smtClean="0">
+                <a:latin typeface="Source Sans Pro Light"/>
+                <a:ea typeface="Source Sans Pro Light"/>
+                <a:cs typeface="Source Sans Pro Light"/>
+                <a:sym typeface="Source Sans Pro Light"/>
+              </a:rPr>
+              <a:t>.</a:t>
+            </a:r>
+            <a:endParaRPr lang="pl-PL" sz="1200" dirty="0" smtClean="0">
+              <a:latin typeface="Source Sans Pro Light"/>
+              <a:ea typeface="Source Sans Pro Light"/>
+              <a:cs typeface="Source Sans Pro Light"/>
+              <a:sym typeface="Source Sans Pro Light"/>
+            </a:endParaRPr>
+          </a:p>
+          <a:p>
+            <a:pPr algn="l">
+              <a:lnSpc>
+                <a:spcPct val="90000"/>
+              </a:lnSpc>
+              <a:spcBef>
+                <a:spcPts val="300"/>
+              </a:spcBef>
+              <a:buClr>
+                <a:srgbClr val="F39019"/>
+              </a:buClr>
+              <a:defRPr sz="1800"/>
+            </a:pPr>
+            <a:r>
+              <a:rPr lang="en-US" sz="1200" dirty="0">
+                <a:latin typeface="Source Sans Pro Light"/>
+                <a:ea typeface="Source Sans Pro Light"/>
+                <a:cs typeface="Source Sans Pro Light"/>
+                <a:sym typeface="Source Sans Pro Light"/>
+              </a:rPr>
+              <a:t>Note that for some tests the values in the matrix should be un-normalized counts. so transformed or normalized values such as counts scaled by library size should not be used as input. More </a:t>
+            </a:r>
+            <a:r>
+              <a:rPr lang="en-US" sz="1200" dirty="0" err="1">
+                <a:latin typeface="Source Sans Pro Light"/>
+                <a:ea typeface="Source Sans Pro Light"/>
+                <a:cs typeface="Source Sans Pro Light"/>
+                <a:sym typeface="Source Sans Pro Light"/>
+              </a:rPr>
+              <a:t>idetails</a:t>
+            </a:r>
+            <a:r>
+              <a:rPr lang="en-US" sz="1200" dirty="0">
+                <a:latin typeface="Source Sans Pro Light"/>
+                <a:ea typeface="Source Sans Pro Light"/>
+                <a:cs typeface="Source Sans Pro Light"/>
+                <a:sym typeface="Source Sans Pro Light"/>
+              </a:rPr>
+              <a:t> is in the documentation of </a:t>
+            </a:r>
+            <a:r>
+              <a:rPr lang="en-US" sz="1200" dirty="0" err="1">
+                <a:latin typeface="Source Sans Pro Light"/>
+                <a:ea typeface="Source Sans Pro Light"/>
+                <a:cs typeface="Source Sans Pro Light"/>
+                <a:sym typeface="Source Sans Pro Light"/>
+              </a:rPr>
+              <a:t>calculate_test</a:t>
+            </a:r>
+            <a:r>
+              <a:rPr lang="en-US" sz="1200" dirty="0">
+                <a:latin typeface="Source Sans Pro Light"/>
+                <a:ea typeface="Source Sans Pro Light"/>
+                <a:cs typeface="Source Sans Pro Light"/>
+                <a:sym typeface="Source Sans Pro Light"/>
+              </a:rPr>
+              <a:t> function</a:t>
+            </a:r>
+            <a:r>
+              <a:rPr lang="en-US" sz="1200" dirty="0" smtClean="0">
+                <a:latin typeface="Source Sans Pro Light"/>
+                <a:ea typeface="Source Sans Pro Light"/>
+                <a:cs typeface="Source Sans Pro Light"/>
+                <a:sym typeface="Source Sans Pro Light"/>
+              </a:rPr>
+              <a:t>.</a:t>
+            </a:r>
+            <a:endParaRPr lang="pl-PL" sz="1200" dirty="0" smtClean="0">
+              <a:latin typeface="Source Sans Pro Light"/>
+              <a:ea typeface="Source Sans Pro Light"/>
+              <a:cs typeface="Source Sans Pro Light"/>
+              <a:sym typeface="Source Sans Pro Light"/>
+            </a:endParaRPr>
+          </a:p>
+          <a:p>
+            <a:pPr algn="l">
+              <a:lnSpc>
+                <a:spcPct val="90000"/>
+              </a:lnSpc>
+              <a:spcBef>
+                <a:spcPts val="300"/>
+              </a:spcBef>
+              <a:buClr>
+                <a:srgbClr val="F39019"/>
+              </a:buClr>
+              <a:defRPr sz="1800"/>
+            </a:pPr>
+            <a:endParaRPr lang="pl-PL" sz="1200" dirty="0">
+              <a:latin typeface="Source Sans Pro Light"/>
+              <a:ea typeface="Source Sans Pro Light"/>
+              <a:cs typeface="Source Sans Pro Light"/>
+              <a:sym typeface="Source Sans Pro Light"/>
+            </a:endParaRPr>
+          </a:p>
+          <a:p>
+            <a:pPr algn="l">
+              <a:lnSpc>
+                <a:spcPct val="90000"/>
+              </a:lnSpc>
+              <a:spcBef>
+                <a:spcPts val="300"/>
+              </a:spcBef>
+              <a:buClr>
+                <a:srgbClr val="F39019"/>
+              </a:buClr>
+              <a:defRPr sz="1800"/>
+            </a:pPr>
+            <a:r>
+              <a:rPr lang="pl-PL" sz="1200" dirty="0" err="1" smtClean="0">
+                <a:latin typeface="Source Sans Pro Light"/>
+                <a:ea typeface="Source Sans Pro Light"/>
+                <a:cs typeface="Source Sans Pro Light"/>
+                <a:sym typeface="Source Sans Pro Light"/>
+              </a:rPr>
+              <a:t>Methylation</a:t>
+            </a:r>
+            <a:r>
+              <a:rPr lang="pl-PL" sz="1200" dirty="0" smtClean="0">
+                <a:latin typeface="Source Sans Pro Light"/>
+                <a:ea typeface="Source Sans Pro Light"/>
+                <a:cs typeface="Source Sans Pro Light"/>
+                <a:sym typeface="Source Sans Pro Light"/>
+              </a:rPr>
+              <a:t> …</a:t>
+            </a:r>
+            <a:endParaRPr lang="en-US" sz="1200" dirty="0">
+              <a:latin typeface="Source Sans Pro Light"/>
+              <a:ea typeface="Source Sans Pro Light"/>
+              <a:cs typeface="Source Sans Pro Light"/>
+              <a:sym typeface="Source Sans Pro Light"/>
+            </a:endParaRPr>
+          </a:p>
+          <a:p>
+            <a:pPr lvl="0" algn="just">
+              <a:lnSpc>
+                <a:spcPct val="90000"/>
+              </a:lnSpc>
+              <a:spcBef>
+                <a:spcPts val="300"/>
+              </a:spcBef>
+              <a:buClr>
+                <a:srgbClr val="F39019"/>
+              </a:buClr>
+              <a:defRPr sz="1800"/>
+            </a:pPr>
+            <a:endParaRPr lang="en-US" sz="1200" dirty="0" smtClean="0">
+              <a:latin typeface="Source Sans Pro Light"/>
+              <a:ea typeface="Source Sans Pro Light"/>
+              <a:cs typeface="Source Sans Pro Light"/>
+              <a:sym typeface="Source Sans Pro Light"/>
+            </a:endParaRPr>
+          </a:p>
+        </p:txBody>
+      </p:sp>
+      <p:sp>
+        <p:nvSpPr>
+          <p:cNvPr id="55" name="Shape 292"/>
+          <p:cNvSpPr/>
+          <p:nvPr/>
+        </p:nvSpPr>
+        <p:spPr>
+          <a:xfrm>
+            <a:off x="232450" y="1902590"/>
+            <a:ext cx="3130181" cy="342175"/>
+          </a:xfrm>
+          <a:prstGeom prst="rect">
+            <a:avLst/>
+          </a:prstGeom>
+          <a:ln w="12700">
+            <a:miter lim="400000"/>
+          </a:ln>
+          <a:extLst>
+            <a:ext uri="{C572A759-6A51-4108-AA02-DFA0A04FC94B}">
+              <ma14:wrappingTextBoxFlag xmlns:ma14="http://schemas.microsoft.com/office/mac/drawingml/2011/main" xmlns="" val="1"/>
+            </a:ext>
+          </a:extLst>
+        </p:spPr>
+        <p:txBody>
+          <a:bodyPr lIns="0" tIns="0" rIns="0" bIns="0" anchor="ctr">
+            <a:normAutofit/>
+          </a:bodyPr>
+          <a:lstStyle/>
+          <a:p>
+            <a:pPr algn="l">
+              <a:lnSpc>
+                <a:spcPct val="90000"/>
+              </a:lnSpc>
+              <a:spcBef>
+                <a:spcPts val="300"/>
+              </a:spcBef>
+              <a:defRPr sz="1800"/>
+            </a:pPr>
+            <a:r>
+              <a:rPr lang="pl-PL" sz="1400" dirty="0" smtClean="0">
+                <a:latin typeface="Source Sans Pro Light"/>
+                <a:ea typeface="Source Sans Pro"/>
+                <a:cs typeface="Source Sans Pro"/>
+                <a:sym typeface="Source Sans Pro Light"/>
+              </a:rPr>
+              <a:t>The </a:t>
+            </a:r>
+            <a:r>
+              <a:rPr lang="pl-PL" sz="1400" dirty="0" err="1" smtClean="0">
+                <a:latin typeface="Source Sans Pro Light"/>
+                <a:ea typeface="Source Sans Pro"/>
+                <a:cs typeface="Source Sans Pro"/>
+                <a:sym typeface="Source Sans Pro Light"/>
+              </a:rPr>
+              <a:t>aim</a:t>
+            </a:r>
+            <a:r>
+              <a:rPr lang="pl-PL" sz="1400" dirty="0" smtClean="0">
+                <a:latin typeface="Source Sans Pro Light"/>
+                <a:ea typeface="Source Sans Pro"/>
+                <a:cs typeface="Source Sans Pro"/>
+                <a:sym typeface="Source Sans Pro Light"/>
+              </a:rPr>
+              <a:t> of </a:t>
+            </a:r>
+            <a:r>
+              <a:rPr lang="pl-PL" sz="1400" dirty="0" err="1" smtClean="0">
+                <a:latin typeface="Source Sans Pro Light"/>
+                <a:ea typeface="Source Sans Pro"/>
+                <a:cs typeface="Source Sans Pro"/>
+                <a:sym typeface="Source Sans Pro Light"/>
+              </a:rPr>
+              <a:t>MLExpResso</a:t>
+            </a:r>
+            <a:r>
+              <a:rPr lang="pl-PL" sz="1400" dirty="0" smtClean="0">
+                <a:latin typeface="Source Sans Pro Light"/>
+                <a:ea typeface="Source Sans Pro"/>
+                <a:cs typeface="Source Sans Pro"/>
+                <a:sym typeface="Source Sans Pro Light"/>
+              </a:rPr>
+              <a:t> </a:t>
+            </a:r>
+            <a:r>
+              <a:rPr lang="pl-PL" sz="1400" dirty="0" err="1" smtClean="0">
+                <a:latin typeface="Source Sans Pro Light"/>
+                <a:ea typeface="Source Sans Pro"/>
+                <a:cs typeface="Source Sans Pro"/>
+                <a:sym typeface="Source Sans Pro Light"/>
+              </a:rPr>
+              <a:t>is</a:t>
+            </a:r>
+            <a:r>
+              <a:rPr lang="pl-PL" sz="1400" dirty="0" smtClean="0">
+                <a:latin typeface="Source Sans Pro Light"/>
+                <a:ea typeface="Source Sans Pro"/>
+                <a:cs typeface="Source Sans Pro"/>
+                <a:sym typeface="Source Sans Pro Light"/>
+              </a:rPr>
+              <a:t> to …</a:t>
+            </a:r>
+            <a:endParaRPr sz="1400" dirty="0">
+              <a:latin typeface="Source Sans Pro"/>
+              <a:ea typeface="Source Sans Pro"/>
+              <a:cs typeface="Source Sans Pro"/>
+              <a:sym typeface="Source Sans Pro"/>
+            </a:endParaRPr>
+          </a:p>
+        </p:txBody>
+      </p:sp>
+      <p:sp>
+        <p:nvSpPr>
+          <p:cNvPr id="60" name="Shape 44"/>
+          <p:cNvSpPr/>
+          <p:nvPr/>
+        </p:nvSpPr>
+        <p:spPr>
+          <a:xfrm>
+            <a:off x="3506533" y="4881353"/>
+            <a:ext cx="10324931" cy="381337"/>
+          </a:xfrm>
+          <a:prstGeom prst="roundRect">
+            <a:avLst>
+              <a:gd name="adj" fmla="val 20098"/>
+            </a:avLst>
+          </a:prstGeom>
+          <a:solidFill>
+            <a:srgbClr val="4A3C89"/>
+          </a:solidFill>
+          <a:ln w="12700">
+            <a:miter lim="400000"/>
+          </a:ln>
+          <a:extLst>
+            <a:ext uri="{C572A759-6A51-4108-AA02-DFA0A04FC94B}">
+              <ma14:wrappingTextBoxFlag xmlns:ma14="http://schemas.microsoft.com/office/mac/drawingml/2011/main" xmlns="" val="1"/>
+            </a:ext>
+          </a:extLst>
+        </p:spPr>
+        <p:txBody>
+          <a:bodyPr lIns="0" tIns="0" rIns="0" bIns="0" anchor="ctr"/>
+          <a:lstStyle/>
+          <a:p>
+            <a:pPr lvl="1" indent="0">
+              <a:defRPr sz="1800"/>
+            </a:pPr>
+            <a:r>
+              <a:rPr lang="pl-PL" sz="2000" dirty="0" err="1" smtClean="0">
+                <a:solidFill>
+                  <a:srgbClr val="FFFFFF"/>
+                </a:solidFill>
+                <a:latin typeface="Source Sans Pro"/>
+                <a:ea typeface="Source Sans Pro Semibold"/>
+                <a:cs typeface="Source Sans Pro Semibold"/>
+                <a:sym typeface="Source Sans Pro"/>
+              </a:rPr>
+              <a:t>Methylation</a:t>
+            </a:r>
+            <a:endParaRPr lang="pl-PL" sz="2000" dirty="0" smtClean="0">
+              <a:solidFill>
+                <a:srgbClr val="FFFFFF"/>
+              </a:solidFill>
+              <a:latin typeface="Source Sans Pro"/>
+              <a:ea typeface="Source Sans Pro Semibold"/>
+              <a:cs typeface="Source Sans Pro Semibold"/>
+              <a:sym typeface="Source Sans Pro"/>
+            </a:endParaRPr>
+          </a:p>
+        </p:txBody>
+      </p:sp>
+      <p:pic>
+        <p:nvPicPr>
+          <p:cNvPr id="4" name="Obraz 3"/>
+          <p:cNvPicPr>
+            <a:picLocks noChangeAspect="1"/>
+          </p:cNvPicPr>
+          <p:nvPr/>
+        </p:nvPicPr>
+        <p:blipFill>
+          <a:blip r:embed="rId8"/>
+          <a:stretch>
+            <a:fillRect/>
+          </a:stretch>
+        </p:blipFill>
+        <p:spPr>
+          <a:xfrm>
+            <a:off x="3653188" y="1908997"/>
+            <a:ext cx="4914900" cy="1343025"/>
+          </a:xfrm>
+          <a:prstGeom prst="rect">
+            <a:avLst/>
+          </a:prstGeom>
+        </p:spPr>
+      </p:pic>
+      <p:pic>
+        <p:nvPicPr>
+          <p:cNvPr id="5" name="Obraz 4"/>
+          <p:cNvPicPr>
+            <a:picLocks noChangeAspect="1"/>
+          </p:cNvPicPr>
+          <p:nvPr/>
+        </p:nvPicPr>
+        <p:blipFill>
+          <a:blip r:embed="rId9"/>
+          <a:stretch>
+            <a:fillRect/>
+          </a:stretch>
+        </p:blipFill>
+        <p:spPr>
+          <a:xfrm>
+            <a:off x="3656325" y="5689353"/>
+            <a:ext cx="5581650" cy="1343025"/>
+          </a:xfrm>
+          <a:prstGeom prst="rect">
+            <a:avLst/>
+          </a:prstGeom>
+        </p:spPr>
+      </p:pic>
+      <p:cxnSp>
+        <p:nvCxnSpPr>
+          <p:cNvPr id="8" name="Łącznik prosty ze strzałką 7"/>
+          <p:cNvCxnSpPr/>
+          <p:nvPr/>
+        </p:nvCxnSpPr>
+        <p:spPr>
+          <a:xfrm flipH="1" flipV="1">
+            <a:off x="8586014" y="1967520"/>
+            <a:ext cx="482061" cy="122025"/>
+          </a:xfrm>
+          <a:prstGeom prst="straightConnector1">
+            <a:avLst/>
+          </a:prstGeom>
+          <a:noFill/>
+          <a:ln w="25400" cap="flat">
+            <a:solidFill>
+              <a:srgbClr val="4A3C89"/>
+            </a:solidFill>
+            <a:prstDash val="solid"/>
+            <a:miter lim="400000"/>
+            <a:tailEnd type="triangle"/>
+          </a:ln>
+          <a:effectLst/>
+        </p:spPr>
+        <p:style>
+          <a:lnRef idx="0">
+            <a:scrgbClr r="0" g="0" b="0"/>
+          </a:lnRef>
+          <a:fillRef idx="0">
+            <a:scrgbClr r="0" g="0" b="0"/>
+          </a:fillRef>
+          <a:effectRef idx="0">
+            <a:scrgbClr r="0" g="0" b="0"/>
+          </a:effectRef>
+          <a:fontRef idx="none"/>
+        </p:style>
+      </p:cxnSp>
+      <p:cxnSp>
+        <p:nvCxnSpPr>
+          <p:cNvPr id="62" name="Łącznik prosty ze strzałką 61"/>
+          <p:cNvCxnSpPr/>
+          <p:nvPr/>
+        </p:nvCxnSpPr>
+        <p:spPr>
+          <a:xfrm>
+            <a:off x="9178811" y="2414469"/>
+            <a:ext cx="219965" cy="600972"/>
+          </a:xfrm>
+          <a:prstGeom prst="straightConnector1">
+            <a:avLst/>
+          </a:prstGeom>
+          <a:noFill/>
+          <a:ln w="25400" cap="flat">
+            <a:solidFill>
+              <a:srgbClr val="4A3C89"/>
+            </a:solidFill>
+            <a:prstDash val="solid"/>
+            <a:miter lim="400000"/>
+            <a:tailEnd type="triangle"/>
+          </a:ln>
+          <a:effectLst/>
+        </p:spPr>
+        <p:style>
+          <a:lnRef idx="0">
+            <a:scrgbClr r="0" g="0" b="0"/>
+          </a:lnRef>
+          <a:fillRef idx="0">
+            <a:scrgbClr r="0" g="0" b="0"/>
+          </a:fillRef>
+          <a:effectRef idx="0">
+            <a:scrgbClr r="0" g="0" b="0"/>
+          </a:effectRef>
+          <a:fontRef idx="none"/>
+        </p:style>
+      </p:cxnSp>
+      <p:cxnSp>
+        <p:nvCxnSpPr>
+          <p:cNvPr id="66" name="Łącznik prosty ze strzałką 65"/>
+          <p:cNvCxnSpPr/>
+          <p:nvPr/>
+        </p:nvCxnSpPr>
+        <p:spPr>
+          <a:xfrm flipH="1" flipV="1">
+            <a:off x="9398776" y="6465481"/>
+            <a:ext cx="385680" cy="325107"/>
+          </a:xfrm>
+          <a:prstGeom prst="straightConnector1">
+            <a:avLst/>
+          </a:prstGeom>
+          <a:noFill/>
+          <a:ln w="25400" cap="flat">
+            <a:solidFill>
+              <a:srgbClr val="4A3C89"/>
+            </a:solidFill>
+            <a:prstDash val="solid"/>
+            <a:miter lim="400000"/>
+            <a:tailEnd type="triangle"/>
+          </a:ln>
+          <a:effectLst/>
+        </p:spPr>
+        <p:style>
+          <a:lnRef idx="0">
+            <a:scrgbClr r="0" g="0" b="0"/>
+          </a:lnRef>
+          <a:fillRef idx="0">
+            <a:scrgbClr r="0" g="0" b="0"/>
+          </a:fillRef>
+          <a:effectRef idx="0">
+            <a:scrgbClr r="0" g="0" b="0"/>
+          </a:effectRef>
+          <a:fontRef idx="none"/>
+        </p:style>
+      </p:cxnSp>
+      <p:cxnSp>
+        <p:nvCxnSpPr>
+          <p:cNvPr id="67" name="Łącznik prosty ze strzałką 66"/>
+          <p:cNvCxnSpPr/>
+          <p:nvPr/>
+        </p:nvCxnSpPr>
+        <p:spPr>
+          <a:xfrm flipH="1">
+            <a:off x="9104199" y="6992299"/>
+            <a:ext cx="666896" cy="660744"/>
+          </a:xfrm>
+          <a:prstGeom prst="straightConnector1">
+            <a:avLst/>
+          </a:prstGeom>
+          <a:noFill/>
+          <a:ln w="25400" cap="flat">
+            <a:solidFill>
+              <a:srgbClr val="4A3C89"/>
+            </a:solidFill>
+            <a:prstDash val="solid"/>
+            <a:miter lim="400000"/>
+            <a:tailEnd type="triangle"/>
+          </a:ln>
+          <a:effectLst/>
+        </p:spPr>
+        <p:style>
+          <a:lnRef idx="0">
+            <a:scrgbClr r="0" g="0" b="0"/>
+          </a:lnRef>
+          <a:fillRef idx="0">
+            <a:scrgbClr r="0" g="0" b="0"/>
+          </a:fillRef>
+          <a:effectRef idx="0">
+            <a:scrgbClr r="0" g="0" b="0"/>
+          </a:effectRef>
+          <a:fontRef idx="none"/>
+        </p:style>
+      </p:cxnSp>
+      <p:sp>
+        <p:nvSpPr>
+          <p:cNvPr id="45" name="Shape 123"/>
+          <p:cNvSpPr/>
+          <p:nvPr/>
+        </p:nvSpPr>
+        <p:spPr>
+          <a:xfrm>
+            <a:off x="3629454" y="846455"/>
+            <a:ext cx="3097270" cy="481077"/>
+          </a:xfrm>
+          <a:prstGeom prst="rect">
+            <a:avLst/>
+          </a:prstGeom>
+          <a:ln w="12700">
+            <a:miter lim="400000"/>
+          </a:ln>
+          <a:extLst>
+            <a:ext uri="{C572A759-6A51-4108-AA02-DFA0A04FC94B}">
+              <ma14:wrappingTextBoxFlag xmlns:ma14="http://schemas.microsoft.com/office/mac/drawingml/2011/main" xmlns="" val="1"/>
+            </a:ext>
+          </a:extLst>
+        </p:spPr>
+        <p:txBody>
+          <a:bodyPr wrap="square" lIns="54570" tIns="54570" rIns="54570" bIns="54570" anchor="ctr">
+            <a:spAutoFit/>
+          </a:bodyPr>
+          <a:lstStyle/>
+          <a:p>
+            <a:pPr lvl="0" algn="l">
+              <a:lnSpc>
+                <a:spcPct val="90000"/>
+              </a:lnSpc>
+              <a:spcBef>
+                <a:spcPts val="300"/>
+              </a:spcBef>
+              <a:buClr>
+                <a:srgbClr val="F39019"/>
+              </a:buClr>
+              <a:defRPr sz="1800"/>
+            </a:pPr>
+            <a:r>
+              <a:rPr lang="pl-PL" sz="1200" dirty="0" smtClean="0">
+                <a:latin typeface="Source Sans Pro Light"/>
+                <a:ea typeface="Source Sans Pro Light"/>
+                <a:cs typeface="Source Sans Pro Light"/>
+                <a:sym typeface="Source Sans Pro Light"/>
+              </a:rPr>
+              <a:t>The </a:t>
+            </a:r>
+            <a:r>
+              <a:rPr lang="pl-PL" sz="1200" b="1" dirty="0" err="1" smtClean="0">
+                <a:latin typeface="Source Sans Pro Light"/>
+                <a:ea typeface="Source Sans Pro Light"/>
+                <a:cs typeface="Source Sans Pro Light"/>
+                <a:sym typeface="Source Sans Pro Light"/>
+              </a:rPr>
+              <a:t>calculate_test</a:t>
+            </a:r>
+            <a:r>
+              <a:rPr lang="pl-PL" sz="1200" b="1" dirty="0" smtClean="0">
+                <a:latin typeface="Source Sans Pro Light"/>
+                <a:ea typeface="Source Sans Pro Light"/>
+                <a:cs typeface="Source Sans Pro Light"/>
+                <a:sym typeface="Source Sans Pro Light"/>
+              </a:rPr>
+              <a:t>() </a:t>
+            </a:r>
+            <a:r>
+              <a:rPr lang="pl-PL" sz="1200" dirty="0" err="1" smtClean="0">
+                <a:latin typeface="Source Sans Pro Light"/>
+                <a:ea typeface="Source Sans Pro Light"/>
+                <a:cs typeface="Source Sans Pro Light"/>
+                <a:sym typeface="Source Sans Pro Light"/>
+              </a:rPr>
+              <a:t>function</a:t>
+            </a:r>
+            <a:r>
+              <a:rPr lang="pl-PL" sz="1200" dirty="0" smtClean="0">
+                <a:latin typeface="Source Sans Pro Light"/>
+                <a:ea typeface="Source Sans Pro Light"/>
+                <a:cs typeface="Source Sans Pro Light"/>
+                <a:sym typeface="Source Sans Pro Light"/>
+              </a:rPr>
+              <a:t> </a:t>
+            </a:r>
+            <a:r>
+              <a:rPr lang="pl-PL" sz="1200" dirty="0" err="1" smtClean="0">
+                <a:latin typeface="Source Sans Pro Light"/>
+                <a:ea typeface="Source Sans Pro Light"/>
+                <a:cs typeface="Source Sans Pro Light"/>
+                <a:sym typeface="Source Sans Pro Light"/>
+              </a:rPr>
+              <a:t>calculates</a:t>
+            </a:r>
+            <a:r>
+              <a:rPr lang="pl-PL" sz="1200" dirty="0" smtClean="0">
+                <a:latin typeface="Source Sans Pro Light"/>
+                <a:ea typeface="Source Sans Pro Light"/>
+                <a:cs typeface="Source Sans Pro Light"/>
+                <a:sym typeface="Source Sans Pro Light"/>
+              </a:rPr>
+              <a:t>…</a:t>
+            </a:r>
+            <a:endParaRPr lang="en-US" sz="1200" dirty="0">
+              <a:latin typeface="Source Sans Pro Light"/>
+              <a:ea typeface="Source Sans Pro Light"/>
+              <a:cs typeface="Source Sans Pro Light"/>
+              <a:sym typeface="Source Sans Pro Light"/>
+            </a:endParaRPr>
+          </a:p>
+          <a:p>
+            <a:pPr lvl="0" algn="just">
+              <a:lnSpc>
+                <a:spcPct val="90000"/>
+              </a:lnSpc>
+              <a:spcBef>
+                <a:spcPts val="300"/>
+              </a:spcBef>
+              <a:buClr>
+                <a:srgbClr val="F39019"/>
+              </a:buClr>
+              <a:defRPr sz="1800"/>
+            </a:pPr>
+            <a:endParaRPr lang="en-US" sz="1200" dirty="0" smtClean="0">
+              <a:latin typeface="Source Sans Pro Light"/>
+              <a:ea typeface="Source Sans Pro Light"/>
+              <a:cs typeface="Source Sans Pro Light"/>
+              <a:sym typeface="Source Sans Pro Light"/>
+            </a:endParaRPr>
+          </a:p>
+        </p:txBody>
+      </p:sp>
+      <p:sp>
+        <p:nvSpPr>
+          <p:cNvPr id="46" name="Shape 32"/>
+          <p:cNvSpPr/>
+          <p:nvPr/>
+        </p:nvSpPr>
+        <p:spPr>
+          <a:xfrm>
+            <a:off x="3629454" y="701260"/>
+            <a:ext cx="4938633" cy="558264"/>
+          </a:xfrm>
+          <a:prstGeom prst="roundRect">
+            <a:avLst>
+              <a:gd name="adj" fmla="val 1316"/>
+            </a:avLst>
+          </a:prstGeom>
+          <a:solidFill>
+            <a:srgbClr val="4A3C89">
+              <a:alpha val="20000"/>
+            </a:srgbClr>
+          </a:solidFill>
+          <a:ln w="12700">
+            <a:miter lim="400000"/>
+          </a:ln>
+        </p:spPr>
+        <p:txBody>
+          <a:bodyPr lIns="0" tIns="0" rIns="0" bIns="0" anchor="ctr"/>
+          <a:lstStyle/>
+          <a:p>
+            <a:pPr lvl="0" algn="l">
+              <a:defRPr sz="1000">
+                <a:latin typeface="Menlo"/>
+                <a:ea typeface="Menlo"/>
+                <a:cs typeface="Menlo"/>
+                <a:sym typeface="Menlo"/>
+              </a:defRPr>
+            </a:pPr>
+            <a:endParaRPr/>
+          </a:p>
+        </p:txBody>
+      </p:sp>
+      <p:sp>
+        <p:nvSpPr>
+          <p:cNvPr id="50" name="Shape 44"/>
+          <p:cNvSpPr/>
+          <p:nvPr/>
+        </p:nvSpPr>
+        <p:spPr>
+          <a:xfrm>
+            <a:off x="3632415" y="643516"/>
+            <a:ext cx="4934163" cy="215145"/>
+          </a:xfrm>
+          <a:prstGeom prst="roundRect">
+            <a:avLst>
+              <a:gd name="adj" fmla="val 20098"/>
+            </a:avLst>
+          </a:prstGeom>
+          <a:solidFill>
+            <a:srgbClr val="4A3C89"/>
+          </a:solidFill>
+          <a:ln w="12700">
+            <a:miter lim="400000"/>
+          </a:ln>
+          <a:extLst>
+            <a:ext uri="{C572A759-6A51-4108-AA02-DFA0A04FC94B}">
+              <ma14:wrappingTextBoxFlag xmlns:ma14="http://schemas.microsoft.com/office/mac/drawingml/2011/main" xmlns="" val="1"/>
+            </a:ext>
+          </a:extLst>
+        </p:spPr>
+        <p:txBody>
+          <a:bodyPr lIns="0" tIns="0" rIns="0" bIns="0" anchor="ctr"/>
+          <a:lstStyle/>
+          <a:p>
+            <a:pPr lvl="1" indent="0">
+              <a:defRPr sz="1800"/>
+            </a:pPr>
+            <a:r>
+              <a:rPr lang="pl-PL" sz="1400" dirty="0" err="1" smtClean="0">
+                <a:solidFill>
+                  <a:srgbClr val="FFFFFF"/>
+                </a:solidFill>
+                <a:latin typeface="Source Sans Pro"/>
+                <a:ea typeface="Source Sans Pro Semibold"/>
+                <a:cs typeface="Source Sans Pro Semibold"/>
+                <a:sym typeface="Source Sans Pro"/>
+              </a:rPr>
+              <a:t>Blah</a:t>
+            </a:r>
+            <a:r>
+              <a:rPr lang="pl-PL" sz="1400" dirty="0" smtClean="0">
+                <a:solidFill>
+                  <a:srgbClr val="FFFFFF"/>
+                </a:solidFill>
+                <a:latin typeface="Source Sans Pro"/>
+                <a:ea typeface="Source Sans Pro Semibold"/>
+                <a:cs typeface="Source Sans Pro Semibold"/>
+                <a:sym typeface="Source Sans Pro"/>
+              </a:rPr>
+              <a:t> </a:t>
+            </a:r>
+            <a:r>
+              <a:rPr lang="pl-PL" sz="1400" dirty="0" err="1" smtClean="0">
+                <a:solidFill>
+                  <a:srgbClr val="FFFFFF"/>
+                </a:solidFill>
+                <a:latin typeface="Source Sans Pro"/>
+                <a:ea typeface="Source Sans Pro Semibold"/>
+                <a:cs typeface="Source Sans Pro Semibold"/>
+                <a:sym typeface="Source Sans Pro"/>
+              </a:rPr>
+              <a:t>blah</a:t>
+            </a:r>
+            <a:endParaRPr sz="1200" dirty="0">
+              <a:solidFill>
+                <a:srgbClr val="FFFFFF"/>
+              </a:solidFill>
+              <a:latin typeface="Source Sans Pro Semibold"/>
+              <a:ea typeface="Source Sans Pro Semibold"/>
+              <a:cs typeface="Source Sans Pro Semibold"/>
+              <a:sym typeface="Source Sans Pro Semibold"/>
+            </a:endParaRPr>
+          </a:p>
+        </p:txBody>
+      </p:sp>
+    </p:spTree>
+    <p:extLst>
+      <p:ext uri="{BB962C8B-B14F-4D97-AF65-F5344CB8AC3E}">
+        <p14:creationId xmlns:p14="http://schemas.microsoft.com/office/powerpoint/2010/main" val="2111219635"/>
+      </p:ext>
+    </p:extLst>
+  </p:cSld>
+  <p:clrMapOvr>
+    <a:masterClrMapping/>
+  </p:clrMapOvr>
+  <p:transition spd="med"/>
+</p:sld>
+</file>
+
+<file path=ppt/slides/slide3.xml><?xml version="1.0" encoding="utf-8"?>
+<p:sld xmlns:a="http://schemas.openxmlformats.org/drawingml/2006/main" xmlns:r="http://schemas.openxmlformats.org/officeDocument/2006/relationships" xmlns:p="http://schemas.openxmlformats.org/presentationml/2006/main">
+  <p:cSld>
+    <p:spTree>
+      <p:nvGrpSpPr>
+        <p:cNvPr id="1" name=""/>
+        <p:cNvGrpSpPr/>
+        <p:nvPr/>
+      </p:nvGrpSpPr>
+      <p:grpSpPr>
+        <a:xfrm>
+          <a:off x="0" y="0"/>
+          <a:ext cx="0" cy="0"/>
+          <a:chOff x="0" y="0"/>
+          <a:chExt cx="0" cy="0"/>
+        </a:xfrm>
+      </p:grpSpPr>
+      <p:sp>
+        <p:nvSpPr>
           <p:cNvPr id="32" name="Shape 32"/>
           <p:cNvSpPr/>
           <p:nvPr/>
@@ -6883,7 +11237,7 @@
         </p:nvSpPr>
         <p:spPr>
           <a:xfrm>
-            <a:off x="387518" y="726416"/>
+            <a:off x="387518" y="757426"/>
             <a:ext cx="13183410" cy="4645684"/>
           </a:xfrm>
           <a:prstGeom prst="roundRect">
@@ -7117,8 +11471,8 @@
         </p:blipFill>
         <p:spPr>
           <a:xfrm>
-            <a:off x="3363301" y="2084157"/>
-            <a:ext cx="7588948" cy="2859112"/>
+            <a:off x="2152123" y="1778344"/>
+            <a:ext cx="9177865" cy="3457732"/>
           </a:xfrm>
           <a:prstGeom prst="rect">
             <a:avLst/>
@@ -7141,8 +11495,8 @@
         </p:blipFill>
         <p:spPr>
           <a:xfrm>
-            <a:off x="3553880" y="7400709"/>
-            <a:ext cx="7642225" cy="2345480"/>
+            <a:off x="1615719" y="7034025"/>
+            <a:ext cx="10466211" cy="3212191"/>
           </a:xfrm>
           <a:prstGeom prst="rect">
             <a:avLst/>
@@ -7157,7 +11511,7 @@
         </p:nvSpPr>
         <p:spPr>
           <a:xfrm>
-            <a:off x="491722" y="992831"/>
+            <a:off x="544150" y="992830"/>
             <a:ext cx="7337828" cy="313958"/>
           </a:xfrm>
           <a:prstGeom prst="rect">
@@ -7372,7 +11726,7 @@
         </p:nvSpPr>
         <p:spPr>
           <a:xfrm>
-            <a:off x="786997" y="6050910"/>
+            <a:off x="544150" y="5940102"/>
             <a:ext cx="7337828" cy="313958"/>
           </a:xfrm>
           <a:prstGeom prst="rect">
@@ -7535,6 +11889,458 @@
               <a:t>)</a:t>
             </a:r>
             <a:endParaRPr sz="1400" dirty="0">
+              <a:latin typeface="Source Sans Pro"/>
+              <a:ea typeface="Source Sans Pro"/>
+              <a:cs typeface="Source Sans Pro"/>
+              <a:sym typeface="Source Sans Pro"/>
+            </a:endParaRPr>
+          </a:p>
+        </p:txBody>
+      </p:sp>
+      <p:sp>
+        <p:nvSpPr>
+          <p:cNvPr id="16" name="Shape 294"/>
+          <p:cNvSpPr/>
+          <p:nvPr/>
+        </p:nvSpPr>
+        <p:spPr>
+          <a:xfrm>
+            <a:off x="544150" y="1592416"/>
+            <a:ext cx="5525384" cy="221599"/>
+          </a:xfrm>
+          <a:prstGeom prst="rect">
+            <a:avLst/>
+          </a:prstGeom>
+          <a:solidFill>
+            <a:srgbClr val="FFFFFF"/>
+          </a:solidFill>
+          <a:ln w="12700">
+            <a:solidFill>
+              <a:srgbClr val="A6AAA9"/>
+            </a:solidFill>
+            <a:miter lim="400000"/>
+          </a:ln>
+          <a:extLst>
+            <a:ext uri="{C572A759-6A51-4108-AA02-DFA0A04FC94B}">
+              <ma14:wrappingTextBoxFlag xmlns:ma14="http://schemas.microsoft.com/office/mac/drawingml/2011/main" xmlns="" val="1"/>
+            </a:ext>
+          </a:extLst>
+        </p:spPr>
+        <p:txBody>
+          <a:bodyPr wrap="square" lIns="0" tIns="0" rIns="0" bIns="0" anchor="ctr">
+            <a:spAutoFit/>
+          </a:bodyPr>
+          <a:lstStyle/>
+          <a:p>
+            <a:pPr lvl="0" algn="l">
+              <a:lnSpc>
+                <a:spcPct val="120000"/>
+              </a:lnSpc>
+              <a:defRPr sz="1800"/>
+            </a:pPr>
+            <a:r>
+              <a:rPr lang="pl-PL" sz="1200" dirty="0" err="1">
+                <a:latin typeface="Menlo"/>
+                <a:ea typeface="Menlo"/>
+                <a:cs typeface="Menlo"/>
+                <a:sym typeface="Menlo"/>
+              </a:rPr>
+              <a:t>p</a:t>
+            </a:r>
+            <a:r>
+              <a:rPr lang="pl-PL" sz="1200" dirty="0" err="1" smtClean="0">
+                <a:latin typeface="Menlo"/>
+                <a:ea typeface="Menlo"/>
+                <a:cs typeface="Menlo"/>
+                <a:sym typeface="Menlo"/>
+              </a:rPr>
+              <a:t>lot_volcanoes</a:t>
+            </a:r>
+            <a:r>
+              <a:rPr lang="pl-PL" sz="1200" dirty="0" smtClean="0">
+                <a:latin typeface="Menlo"/>
+                <a:ea typeface="Menlo"/>
+                <a:cs typeface="Menlo"/>
+                <a:sym typeface="Menlo"/>
+              </a:rPr>
+              <a:t>(met, </a:t>
+            </a:r>
+            <a:r>
+              <a:rPr lang="pl-PL" sz="1200" dirty="0" err="1" smtClean="0">
+                <a:latin typeface="Menlo"/>
+                <a:ea typeface="Menlo"/>
+                <a:cs typeface="Menlo"/>
+                <a:sym typeface="Menlo"/>
+              </a:rPr>
+              <a:t>exp</a:t>
+            </a:r>
+            <a:r>
+              <a:rPr lang="pl-PL" sz="1200" dirty="0" smtClean="0">
+                <a:latin typeface="Menlo"/>
+                <a:ea typeface="Menlo"/>
+                <a:cs typeface="Menlo"/>
+                <a:sym typeface="Menlo"/>
+              </a:rPr>
+              <a:t>, </a:t>
+            </a:r>
+            <a:r>
+              <a:rPr lang="pl-PL" sz="1200" dirty="0" err="1" smtClean="0">
+                <a:latin typeface="Menlo"/>
+                <a:ea typeface="Menlo"/>
+                <a:cs typeface="Menlo"/>
+                <a:sym typeface="Menlo"/>
+              </a:rPr>
+              <a:t>gr_met</a:t>
+            </a:r>
+            <a:r>
+              <a:rPr lang="pl-PL" sz="1200" dirty="0" smtClean="0">
+                <a:latin typeface="Menlo"/>
+                <a:ea typeface="Menlo"/>
+                <a:cs typeface="Menlo"/>
+                <a:sym typeface="Menlo"/>
+              </a:rPr>
+              <a:t>, </a:t>
+            </a:r>
+            <a:r>
+              <a:rPr lang="pl-PL" sz="1200" dirty="0" err="1" smtClean="0">
+                <a:latin typeface="Menlo"/>
+                <a:ea typeface="Menlo"/>
+                <a:cs typeface="Menlo"/>
+                <a:sym typeface="Menlo"/>
+              </a:rPr>
+              <a:t>gr_exp</a:t>
+            </a:r>
+            <a:r>
+              <a:rPr lang="pl-PL" sz="1200" dirty="0" smtClean="0">
+                <a:latin typeface="Menlo"/>
+                <a:ea typeface="Menlo"/>
+                <a:cs typeface="Menlo"/>
+                <a:sym typeface="Menlo"/>
+              </a:rPr>
+              <a:t>, 'CACNA1G', </a:t>
+            </a:r>
+            <a:r>
+              <a:rPr lang="pl-PL" sz="1200" dirty="0" err="1" smtClean="0">
+                <a:latin typeface="Menlo"/>
+                <a:ea typeface="Menlo"/>
+                <a:cs typeface="Menlo"/>
+                <a:sym typeface="Menlo"/>
+              </a:rPr>
+              <a:t>res_met</a:t>
+            </a:r>
+            <a:r>
+              <a:rPr lang="pl-PL" sz="1200" dirty="0" smtClean="0">
+                <a:latin typeface="Menlo"/>
+                <a:ea typeface="Menlo"/>
+                <a:cs typeface="Menlo"/>
+                <a:sym typeface="Menlo"/>
+              </a:rPr>
+              <a:t>, </a:t>
+            </a:r>
+            <a:r>
+              <a:rPr lang="pl-PL" sz="1200" dirty="0" err="1" smtClean="0">
+                <a:latin typeface="Menlo"/>
+                <a:ea typeface="Menlo"/>
+                <a:cs typeface="Menlo"/>
+                <a:sym typeface="Menlo"/>
+              </a:rPr>
+              <a:t>res_exp</a:t>
+            </a:r>
+            <a:r>
+              <a:rPr lang="pl-PL" sz="1200" dirty="0" smtClean="0">
+                <a:latin typeface="Menlo"/>
+                <a:ea typeface="Menlo"/>
+                <a:cs typeface="Menlo"/>
+                <a:sym typeface="Menlo"/>
+              </a:rPr>
+              <a:t>)</a:t>
+            </a:r>
+            <a:endParaRPr lang="pl-PL" sz="1200" dirty="0">
+              <a:latin typeface="Source Sans Pro"/>
+              <a:ea typeface="Source Sans Pro"/>
+              <a:cs typeface="Source Sans Pro"/>
+              <a:sym typeface="Source Sans Pro"/>
+            </a:endParaRPr>
+          </a:p>
+        </p:txBody>
+      </p:sp>
+      <p:sp>
+        <p:nvSpPr>
+          <p:cNvPr id="17" name="Shape 38"/>
+          <p:cNvSpPr/>
+          <p:nvPr/>
+        </p:nvSpPr>
+        <p:spPr>
+          <a:xfrm>
+            <a:off x="544150" y="1448927"/>
+            <a:ext cx="5525384" cy="143489"/>
+          </a:xfrm>
+          <a:prstGeom prst="roundRect">
+            <a:avLst>
+              <a:gd name="adj" fmla="val 20098"/>
+            </a:avLst>
+          </a:prstGeom>
+          <a:solidFill>
+            <a:srgbClr val="4A3C89"/>
+          </a:solidFill>
+          <a:ln w="12700">
+            <a:miter lim="400000"/>
+          </a:ln>
+          <a:extLst>
+            <a:ext uri="{C572A759-6A51-4108-AA02-DFA0A04FC94B}">
+              <ma14:wrappingTextBoxFlag xmlns:ma14="http://schemas.microsoft.com/office/mac/drawingml/2011/main" xmlns="" val="1"/>
+            </a:ext>
+          </a:extLst>
+        </p:spPr>
+        <p:txBody>
+          <a:bodyPr lIns="0" tIns="0" rIns="0" bIns="0" anchor="ctr"/>
+          <a:lstStyle/>
+          <a:p>
+            <a:pPr lvl="1" indent="0">
+              <a:defRPr sz="1800"/>
+            </a:pPr>
+            <a:r>
+              <a:rPr lang="pl-PL" sz="1400" dirty="0" err="1" smtClean="0">
+                <a:solidFill>
+                  <a:srgbClr val="FFFFFF"/>
+                </a:solidFill>
+                <a:latin typeface="Source Sans Pro"/>
+                <a:ea typeface="Source Sans Pro"/>
+                <a:cs typeface="Source Sans Pro"/>
+                <a:sym typeface="Source Sans Pro"/>
+              </a:rPr>
+              <a:t>Example</a:t>
+            </a:r>
+            <a:endParaRPr sz="1400" dirty="0">
+              <a:solidFill>
+                <a:srgbClr val="FFFFFF"/>
+              </a:solidFill>
+              <a:latin typeface="Source Sans Pro"/>
+              <a:ea typeface="Source Sans Pro"/>
+              <a:cs typeface="Source Sans Pro"/>
+              <a:sym typeface="Source Sans Pro"/>
+            </a:endParaRPr>
+          </a:p>
+        </p:txBody>
+      </p:sp>
+      <p:sp>
+        <p:nvSpPr>
+          <p:cNvPr id="18" name="Shape 294"/>
+          <p:cNvSpPr/>
+          <p:nvPr/>
+        </p:nvSpPr>
+        <p:spPr>
+          <a:xfrm>
+            <a:off x="544150" y="6633880"/>
+            <a:ext cx="5525384" cy="221599"/>
+          </a:xfrm>
+          <a:prstGeom prst="rect">
+            <a:avLst/>
+          </a:prstGeom>
+          <a:solidFill>
+            <a:srgbClr val="FFFFFF"/>
+          </a:solidFill>
+          <a:ln w="12700">
+            <a:solidFill>
+              <a:srgbClr val="A6AAA9"/>
+            </a:solidFill>
+            <a:miter lim="400000"/>
+          </a:ln>
+          <a:extLst>
+            <a:ext uri="{C572A759-6A51-4108-AA02-DFA0A04FC94B}">
+              <ma14:wrappingTextBoxFlag xmlns:ma14="http://schemas.microsoft.com/office/mac/drawingml/2011/main" xmlns="" val="1"/>
+            </a:ext>
+          </a:extLst>
+        </p:spPr>
+        <p:txBody>
+          <a:bodyPr wrap="square" lIns="0" tIns="0" rIns="0" bIns="0" anchor="ctr">
+            <a:spAutoFit/>
+          </a:bodyPr>
+          <a:lstStyle/>
+          <a:p>
+            <a:pPr lvl="0" algn="l">
+              <a:lnSpc>
+                <a:spcPct val="120000"/>
+              </a:lnSpc>
+              <a:defRPr sz="1800"/>
+            </a:pPr>
+            <a:r>
+              <a:rPr lang="pl-PL" sz="1200" dirty="0" err="1">
+                <a:latin typeface="Menlo"/>
+                <a:ea typeface="Menlo"/>
+                <a:cs typeface="Menlo"/>
+                <a:sym typeface="Menlo"/>
+              </a:rPr>
+              <a:t>p</a:t>
+            </a:r>
+            <a:r>
+              <a:rPr lang="pl-PL" sz="1200" dirty="0" err="1" smtClean="0">
+                <a:latin typeface="Menlo"/>
+                <a:ea typeface="Menlo"/>
+                <a:cs typeface="Menlo"/>
+                <a:sym typeface="Menlo"/>
+              </a:rPr>
+              <a:t>lot_volcanoes</a:t>
+            </a:r>
+            <a:r>
+              <a:rPr lang="pl-PL" sz="1200" dirty="0" smtClean="0">
+                <a:latin typeface="Menlo"/>
+                <a:ea typeface="Menlo"/>
+                <a:cs typeface="Menlo"/>
+                <a:sym typeface="Menlo"/>
+              </a:rPr>
+              <a:t>(met, </a:t>
+            </a:r>
+            <a:r>
+              <a:rPr lang="pl-PL" sz="1200" dirty="0" err="1" smtClean="0">
+                <a:latin typeface="Menlo"/>
+                <a:ea typeface="Menlo"/>
+                <a:cs typeface="Menlo"/>
+                <a:sym typeface="Menlo"/>
+              </a:rPr>
+              <a:t>exp</a:t>
+            </a:r>
+            <a:r>
+              <a:rPr lang="pl-PL" sz="1200" dirty="0" smtClean="0">
+                <a:latin typeface="Menlo"/>
+                <a:ea typeface="Menlo"/>
+                <a:cs typeface="Menlo"/>
+                <a:sym typeface="Menlo"/>
+              </a:rPr>
+              <a:t>, </a:t>
+            </a:r>
+            <a:r>
+              <a:rPr lang="pl-PL" sz="1200" dirty="0" err="1" smtClean="0">
+                <a:latin typeface="Menlo"/>
+                <a:ea typeface="Menlo"/>
+                <a:cs typeface="Menlo"/>
+                <a:sym typeface="Menlo"/>
+              </a:rPr>
+              <a:t>gr_met</a:t>
+            </a:r>
+            <a:r>
+              <a:rPr lang="pl-PL" sz="1200" dirty="0" smtClean="0">
+                <a:latin typeface="Menlo"/>
+                <a:ea typeface="Menlo"/>
+                <a:cs typeface="Menlo"/>
+                <a:sym typeface="Menlo"/>
+              </a:rPr>
+              <a:t>, </a:t>
+            </a:r>
+            <a:r>
+              <a:rPr lang="pl-PL" sz="1200" dirty="0" err="1" smtClean="0">
+                <a:latin typeface="Menlo"/>
+                <a:ea typeface="Menlo"/>
+                <a:cs typeface="Menlo"/>
+                <a:sym typeface="Menlo"/>
+              </a:rPr>
+              <a:t>gr_exp</a:t>
+            </a:r>
+            <a:r>
+              <a:rPr lang="pl-PL" sz="1200" dirty="0" smtClean="0">
+                <a:latin typeface="Menlo"/>
+                <a:ea typeface="Menlo"/>
+                <a:cs typeface="Menlo"/>
+                <a:sym typeface="Menlo"/>
+              </a:rPr>
+              <a:t>, 'CACNA1G', </a:t>
+            </a:r>
+            <a:r>
+              <a:rPr lang="pl-PL" sz="1200" dirty="0" err="1" smtClean="0">
+                <a:latin typeface="Menlo"/>
+                <a:ea typeface="Menlo"/>
+                <a:cs typeface="Menlo"/>
+                <a:sym typeface="Menlo"/>
+              </a:rPr>
+              <a:t>res_met</a:t>
+            </a:r>
+            <a:r>
+              <a:rPr lang="pl-PL" sz="1200" dirty="0" smtClean="0">
+                <a:latin typeface="Menlo"/>
+                <a:ea typeface="Menlo"/>
+                <a:cs typeface="Menlo"/>
+                <a:sym typeface="Menlo"/>
+              </a:rPr>
+              <a:t>, </a:t>
+            </a:r>
+            <a:r>
+              <a:rPr lang="pl-PL" sz="1200" dirty="0" err="1" smtClean="0">
+                <a:latin typeface="Menlo"/>
+                <a:ea typeface="Menlo"/>
+                <a:cs typeface="Menlo"/>
+                <a:sym typeface="Menlo"/>
+              </a:rPr>
+              <a:t>res_exp</a:t>
+            </a:r>
+            <a:r>
+              <a:rPr lang="pl-PL" sz="1200" dirty="0" smtClean="0">
+                <a:latin typeface="Menlo"/>
+                <a:ea typeface="Menlo"/>
+                <a:cs typeface="Menlo"/>
+                <a:sym typeface="Menlo"/>
+              </a:rPr>
+              <a:t>)</a:t>
+            </a:r>
+            <a:endParaRPr lang="pl-PL" sz="1200" dirty="0">
+              <a:latin typeface="Source Sans Pro"/>
+              <a:ea typeface="Source Sans Pro"/>
+              <a:cs typeface="Source Sans Pro"/>
+              <a:sym typeface="Source Sans Pro"/>
+            </a:endParaRPr>
+          </a:p>
+        </p:txBody>
+      </p:sp>
+      <p:sp>
+        <p:nvSpPr>
+          <p:cNvPr id="19" name="Shape 38"/>
+          <p:cNvSpPr/>
+          <p:nvPr/>
+        </p:nvSpPr>
+        <p:spPr>
+          <a:xfrm>
+            <a:off x="544150" y="6455334"/>
+            <a:ext cx="5525384" cy="179929"/>
+          </a:xfrm>
+          <a:prstGeom prst="roundRect">
+            <a:avLst>
+              <a:gd name="adj" fmla="val 20098"/>
+            </a:avLst>
+          </a:prstGeom>
+          <a:solidFill>
+            <a:srgbClr val="4A3C89"/>
+          </a:solidFill>
+          <a:ln w="12700">
+            <a:miter lim="400000"/>
+          </a:ln>
+          <a:extLst>
+            <a:ext uri="{C572A759-6A51-4108-AA02-DFA0A04FC94B}">
+              <ma14:wrappingTextBoxFlag xmlns:ma14="http://schemas.microsoft.com/office/mac/drawingml/2011/main" xmlns="" val="1"/>
+            </a:ext>
+          </a:extLst>
+        </p:spPr>
+        <p:txBody>
+          <a:bodyPr lIns="0" tIns="0" rIns="0" bIns="0" anchor="ctr"/>
+          <a:lstStyle/>
+          <a:p>
+            <a:pPr lvl="1" indent="0">
+              <a:defRPr sz="1800"/>
+            </a:pPr>
+            <a:r>
+              <a:rPr lang="pl-PL" sz="1400" dirty="0" err="1" smtClean="0">
+                <a:solidFill>
+                  <a:srgbClr val="FFFFFF"/>
+                </a:solidFill>
+                <a:latin typeface="Source Sans Pro"/>
+                <a:ea typeface="Source Sans Pro"/>
+                <a:cs typeface="Source Sans Pro"/>
+                <a:sym typeface="Source Sans Pro"/>
+              </a:rPr>
+              <a:t>Example</a:t>
+            </a:r>
+            <a:endParaRPr sz="1400" dirty="0">
+              <a:solidFill>
+                <a:srgbClr val="FFFFFF"/>
+              </a:solidFill>
               <a:latin typeface="Source Sans Pro"/>
               <a:ea typeface="Source Sans Pro"/>
               <a:cs typeface="Source Sans Pro"/>

--- a/Cheatsheet/MLExpResso-cheatsheet.pptx
+++ b/Cheatsheet/MLExpResso-cheatsheet.pptx
@@ -1564,7 +1564,7 @@
           </a:ln>
           <a:extLst>
             <a:ext uri="{C572A759-6A51-4108-AA02-DFA0A04FC94B}">
-              <ma14:wrappingTextBoxFlag xmlns="" xmlns:ma14="http://schemas.microsoft.com/office/mac/drawingml/2011/main" val="1"/>
+              <ma14:wrappingTextBoxFlag xmlns:ma14="http://schemas.microsoft.com/office/mac/drawingml/2011/main" xmlns="" val="1"/>
             </a:ext>
           </a:extLst>
         </p:spPr>
@@ -1607,7 +1607,7 @@
           </a:ln>
           <a:extLst>
             <a:ext uri="{C572A759-6A51-4108-AA02-DFA0A04FC94B}">
-              <ma14:wrappingTextBoxFlag xmlns="" xmlns:ma14="http://schemas.microsoft.com/office/mac/drawingml/2011/main" val="1"/>
+              <ma14:wrappingTextBoxFlag xmlns:ma14="http://schemas.microsoft.com/office/mac/drawingml/2011/main" xmlns="" val="1"/>
             </a:ext>
           </a:extLst>
         </p:spPr>
@@ -2154,7 +2154,7 @@
           </a:ln>
           <a:extLst>
             <a:ext uri="{C572A759-6A51-4108-AA02-DFA0A04FC94B}">
-              <ma14:wrappingTextBoxFlag xmlns:ma14="http://schemas.microsoft.com/office/mac/drawingml/2011/main" xmlns="" val="1"/>
+              <ma14:wrappingTextBoxFlag xmlns="" xmlns:ma14="http://schemas.microsoft.com/office/mac/drawingml/2011/main" val="1"/>
             </a:ext>
           </a:extLst>
         </p:spPr>
@@ -2435,7 +2435,7 @@
           </a:ln>
           <a:extLst>
             <a:ext uri="{C572A759-6A51-4108-AA02-DFA0A04FC94B}">
-              <ma14:wrappingTextBoxFlag xmlns:ma14="http://schemas.microsoft.com/office/mac/drawingml/2011/main" xmlns="" val="1"/>
+              <ma14:wrappingTextBoxFlag xmlns="" xmlns:ma14="http://schemas.microsoft.com/office/mac/drawingml/2011/main" val="1"/>
             </a:ext>
           </a:extLst>
         </p:spPr>
@@ -2577,7 +2577,7 @@
           </a:ln>
           <a:extLst>
             <a:ext uri="{C572A759-6A51-4108-AA02-DFA0A04FC94B}">
-              <ma14:wrappingTextBoxFlag xmlns:ma14="http://schemas.microsoft.com/office/mac/drawingml/2011/main" xmlns="" val="1"/>
+              <ma14:wrappingTextBoxFlag xmlns="" xmlns:ma14="http://schemas.microsoft.com/office/mac/drawingml/2011/main" val="1"/>
             </a:ext>
           </a:extLst>
         </p:spPr>
@@ -2647,7 +2647,7 @@
           </a:ln>
           <a:extLst>
             <a:ext uri="{C572A759-6A51-4108-AA02-DFA0A04FC94B}">
-              <ma14:wrappingTextBoxFlag xmlns:ma14="http://schemas.microsoft.com/office/mac/drawingml/2011/main" xmlns="" val="1"/>
+              <ma14:wrappingTextBoxFlag xmlns="" xmlns:ma14="http://schemas.microsoft.com/office/mac/drawingml/2011/main" val="1"/>
             </a:ext>
           </a:extLst>
         </p:spPr>
@@ -2706,7 +2706,7 @@
           </a:ln>
           <a:extLst>
             <a:ext uri="{C572A759-6A51-4108-AA02-DFA0A04FC94B}">
-              <ma14:wrappingTextBoxFlag xmlns:ma14="http://schemas.microsoft.com/office/mac/drawingml/2011/main" xmlns="" val="1"/>
+              <ma14:wrappingTextBoxFlag xmlns="" xmlns:ma14="http://schemas.microsoft.com/office/mac/drawingml/2011/main" val="1"/>
             </a:ext>
           </a:extLst>
         </p:spPr>
@@ -2795,7 +2795,7 @@
           </a:ln>
           <a:extLst>
             <a:ext uri="{C572A759-6A51-4108-AA02-DFA0A04FC94B}">
-              <ma14:wrappingTextBoxFlag xmlns:ma14="http://schemas.microsoft.com/office/mac/drawingml/2011/main" xmlns="" val="1"/>
+              <ma14:wrappingTextBoxFlag xmlns="" xmlns:ma14="http://schemas.microsoft.com/office/mac/drawingml/2011/main" val="1"/>
             </a:ext>
           </a:extLst>
         </p:spPr>
@@ -2855,7 +2855,7 @@
           </a:ln>
           <a:extLst>
             <a:ext uri="{C572A759-6A51-4108-AA02-DFA0A04FC94B}">
-              <ma14:wrappingTextBoxFlag xmlns:ma14="http://schemas.microsoft.com/office/mac/drawingml/2011/main" xmlns="" val="1"/>
+              <ma14:wrappingTextBoxFlag xmlns="" xmlns:ma14="http://schemas.microsoft.com/office/mac/drawingml/2011/main" val="1"/>
             </a:ext>
           </a:extLst>
         </p:spPr>
@@ -2872,13 +2872,22 @@
               <a:defRPr sz="1800"/>
             </a:pPr>
             <a:r>
+              <a:rPr lang="pl-PL" sz="1200" dirty="0" err="1" smtClean="0">
+                <a:latin typeface="Menlo"/>
+                <a:ea typeface="Menlo"/>
+                <a:cs typeface="Menlo"/>
+                <a:sym typeface="Menlo"/>
+              </a:rPr>
+              <a:t>library</a:t>
+            </a:r>
+            <a:r>
               <a:rPr lang="pl-PL" sz="1200" dirty="0" smtClean="0">
                 <a:latin typeface="Menlo"/>
                 <a:ea typeface="Menlo"/>
                 <a:cs typeface="Menlo"/>
                 <a:sym typeface="Menlo"/>
               </a:rPr>
-              <a:t> </a:t>
+              <a:t>(</a:t>
             </a:r>
             <a:r>
               <a:rPr lang="pl-PL" sz="1200" dirty="0" err="1" smtClean="0">
@@ -2887,34 +2896,16 @@
                 <a:cs typeface="Menlo"/>
                 <a:sym typeface="Menlo"/>
               </a:rPr>
-              <a:t>library</a:t>
-            </a:r>
-            <a:r>
-              <a:rPr lang="pl-PL" sz="1200" dirty="0" smtClean="0">
-                <a:latin typeface="Menlo"/>
-                <a:ea typeface="Menlo"/>
-                <a:cs typeface="Menlo"/>
-                <a:sym typeface="Menlo"/>
-              </a:rPr>
-              <a:t>(</a:t>
-            </a:r>
-            <a:r>
-              <a:rPr lang="pl-PL" sz="1200" dirty="0" err="1" smtClean="0">
-                <a:latin typeface="Menlo"/>
-                <a:ea typeface="Menlo"/>
-                <a:cs typeface="Menlo"/>
-                <a:sym typeface="Menlo"/>
-              </a:rPr>
               <a:t>MLExpResso</a:t>
             </a:r>
             <a:r>
-              <a:rPr lang="pl-PL" sz="1200" dirty="0" smtClean="0">
-                <a:latin typeface="Menlo"/>
-                <a:ea typeface="Menlo"/>
-                <a:cs typeface="Menlo"/>
-                <a:sym typeface="Menlo"/>
-              </a:rPr>
-              <a:t> </a:t>
+              <a:rPr lang="pl-PL" sz="1200" dirty="0">
+                <a:latin typeface="Menlo"/>
+                <a:ea typeface="Menlo"/>
+                <a:cs typeface="Menlo"/>
+                <a:sym typeface="Menlo"/>
+              </a:rPr>
+              <a:t>)</a:t>
             </a:r>
           </a:p>
           <a:p>
@@ -2925,16 +2916,7 @@
               <a:defRPr sz="1800"/>
             </a:pPr>
             <a:r>
-              <a:rPr lang="pl-PL" sz="1200" dirty="0" smtClean="0">
-                <a:latin typeface="Menlo"/>
-                <a:ea typeface="Menlo"/>
-                <a:cs typeface="Menlo"/>
-                <a:sym typeface="Menlo"/>
-              </a:rPr>
-              <a:t> </a:t>
-            </a:r>
-            <a:r>
-              <a:rPr lang="pl-PL" sz="1200" dirty="0" err="1" smtClean="0">
+              <a:rPr lang="pl-PL" sz="1200" dirty="0" err="1">
                 <a:latin typeface="Menlo"/>
                 <a:ea typeface="Menlo"/>
                 <a:cs typeface="Menlo"/>
@@ -2943,7 +2925,7 @@
               <a:t>library</a:t>
             </a:r>
             <a:r>
-              <a:rPr lang="pl-PL" sz="1200" dirty="0" smtClean="0">
+              <a:rPr lang="pl-PL" sz="1200" dirty="0">
                 <a:latin typeface="Menlo"/>
                 <a:ea typeface="Menlo"/>
                 <a:cs typeface="Menlo"/>
@@ -2952,7 +2934,7 @@
               <a:t>(</a:t>
             </a:r>
             <a:r>
-              <a:rPr lang="pl-PL" sz="1200" dirty="0" err="1" smtClean="0">
+              <a:rPr lang="pl-PL" sz="1200" dirty="0" err="1">
                 <a:latin typeface="Menlo"/>
                 <a:ea typeface="Menlo"/>
                 <a:cs typeface="Menlo"/>
@@ -2961,7 +2943,7 @@
               <a:t>MLExpRessodata</a:t>
             </a:r>
             <a:r>
-              <a:rPr lang="pl-PL" sz="1200" dirty="0" smtClean="0">
+              <a:rPr lang="pl-PL" sz="1200" dirty="0">
                 <a:latin typeface="Menlo"/>
                 <a:ea typeface="Menlo"/>
                 <a:cs typeface="Menlo"/>
@@ -2978,16 +2960,7 @@
               <a:defRPr sz="1800"/>
             </a:pPr>
             <a:r>
-              <a:rPr lang="pl-PL" sz="1200" dirty="0" smtClean="0">
-                <a:latin typeface="Menlo"/>
-                <a:ea typeface="Menlo"/>
-                <a:cs typeface="Menlo"/>
-                <a:sym typeface="Menlo"/>
-              </a:rPr>
-              <a:t> </a:t>
-            </a:r>
-            <a:r>
-              <a:rPr lang="pl-PL" sz="1200" dirty="0" err="1" smtClean="0">
+              <a:rPr lang="pl-PL" sz="1200" dirty="0" err="1">
                 <a:latin typeface="Menlo"/>
                 <a:ea typeface="Menlo"/>
                 <a:cs typeface="Menlo"/>
@@ -2996,7 +2969,7 @@
               <a:t>exp</a:t>
             </a:r>
             <a:r>
-              <a:rPr lang="pl-PL" sz="1200" dirty="0" smtClean="0">
+              <a:rPr lang="pl-PL" sz="1200" dirty="0">
                 <a:latin typeface="Menlo"/>
                 <a:ea typeface="Menlo"/>
                 <a:cs typeface="Menlo"/>
@@ -3013,16 +2986,7 @@
               <a:defRPr sz="1800"/>
             </a:pPr>
             <a:r>
-              <a:rPr lang="pl-PL" sz="1200" dirty="0" smtClean="0">
-                <a:latin typeface="Menlo"/>
-                <a:ea typeface="Menlo"/>
-                <a:cs typeface="Menlo"/>
-                <a:sym typeface="Menlo"/>
-              </a:rPr>
-              <a:t> </a:t>
-            </a:r>
-            <a:r>
-              <a:rPr lang="pl-PL" sz="1200" dirty="0" err="1" smtClean="0">
+              <a:rPr lang="pl-PL" sz="1200" dirty="0" err="1">
                 <a:latin typeface="Menlo"/>
                 <a:ea typeface="Menlo"/>
                 <a:cs typeface="Menlo"/>
@@ -3031,31 +2995,13 @@
               <a:t>gr_exp</a:t>
             </a:r>
             <a:r>
-              <a:rPr lang="pl-PL" sz="1200" dirty="0" smtClean="0">
-                <a:latin typeface="Menlo"/>
-                <a:ea typeface="Menlo"/>
-                <a:cs typeface="Menlo"/>
-                <a:sym typeface="Menlo"/>
-              </a:rPr>
-              <a:t> &lt;- </a:t>
-            </a:r>
-            <a:r>
               <a:rPr lang="pl-PL" sz="1200" dirty="0">
                 <a:latin typeface="Menlo"/>
                 <a:ea typeface="Menlo"/>
                 <a:cs typeface="Menlo"/>
                 <a:sym typeface="Menlo"/>
               </a:rPr>
-              <a:t>BRCA_mRNAseq_chr17[ ,-1</a:t>
-            </a:r>
-            <a:r>
-              <a:rPr lang="pl-PL" sz="1200" dirty="0" smtClean="0">
-                <a:latin typeface="Menlo"/>
-                <a:ea typeface="Menlo"/>
-                <a:cs typeface="Menlo"/>
-                <a:sym typeface="Menlo"/>
-              </a:rPr>
-              <a:t>]</a:t>
+              <a:t> &lt;- BRCA_mRNAseq_chr17[ ,1]</a:t>
             </a:r>
           </a:p>
           <a:p>
@@ -3066,16 +3012,7 @@
               <a:defRPr sz="1800"/>
             </a:pPr>
             <a:r>
-              <a:rPr lang="pl-PL" sz="1200" dirty="0" smtClean="0">
-                <a:latin typeface="Menlo"/>
-                <a:ea typeface="Menlo"/>
-                <a:cs typeface="Menlo"/>
-                <a:sym typeface="Menlo"/>
-              </a:rPr>
-              <a:t> </a:t>
-            </a:r>
-            <a:r>
-              <a:rPr lang="pl-PL" sz="1200" dirty="0" err="1" smtClean="0">
+              <a:rPr lang="pl-PL" sz="1200" dirty="0" err="1">
                 <a:latin typeface="Menlo"/>
                 <a:ea typeface="Menlo"/>
                 <a:cs typeface="Menlo"/>
@@ -3084,7 +3021,7 @@
               <a:t>gr_exp</a:t>
             </a:r>
             <a:r>
-              <a:rPr lang="pl-PL" sz="1200" dirty="0" smtClean="0">
+              <a:rPr lang="pl-PL" sz="1200" dirty="0">
                 <a:latin typeface="Menlo"/>
                 <a:ea typeface="Menlo"/>
                 <a:cs typeface="Menlo"/>
@@ -3093,7 +3030,7 @@
               <a:t> &lt;- </a:t>
             </a:r>
             <a:r>
-              <a:rPr lang="pl-PL" sz="1200" dirty="0" err="1" smtClean="0">
+              <a:rPr lang="pl-PL" sz="1200" dirty="0" err="1">
                 <a:latin typeface="Menlo"/>
                 <a:ea typeface="Menlo"/>
                 <a:cs typeface="Menlo"/>
@@ -3102,7 +3039,7 @@
               <a:t>ifelse</a:t>
             </a:r>
             <a:r>
-              <a:rPr lang="pl-PL" sz="1200" dirty="0" smtClean="0">
+              <a:rPr lang="pl-PL" sz="1200" dirty="0">
                 <a:latin typeface="Menlo"/>
                 <a:ea typeface="Menlo"/>
                 <a:cs typeface="Menlo"/>
@@ -3111,16 +3048,16 @@
               <a:t>(</a:t>
             </a:r>
             <a:r>
-              <a:rPr lang="pl-PL" sz="1200" dirty="0" err="1" smtClean="0">
-                <a:latin typeface="Menlo"/>
-                <a:ea typeface="Menlo"/>
-                <a:cs typeface="Menlo"/>
-                <a:sym typeface="Menlo"/>
-              </a:rPr>
-              <a:t>group</a:t>
-            </a:r>
-            <a:r>
-              <a:rPr lang="pl-PL" sz="1200" dirty="0" smtClean="0">
+              <a:rPr lang="pl-PL" sz="1200" dirty="0" err="1">
+                <a:latin typeface="Menlo"/>
+                <a:ea typeface="Menlo"/>
+                <a:cs typeface="Menlo"/>
+                <a:sym typeface="Menlo"/>
+              </a:rPr>
+              <a:t>gr_exp</a:t>
+            </a:r>
+            <a:r>
+              <a:rPr lang="pl-PL" sz="1200" dirty="0">
                 <a:latin typeface="Menlo"/>
                 <a:ea typeface="Menlo"/>
                 <a:cs typeface="Menlo"/>
@@ -3129,7 +3066,7 @@
               <a:t>=='</a:t>
             </a:r>
             <a:r>
-              <a:rPr lang="pl-PL" sz="1200" dirty="0" err="1" smtClean="0">
+              <a:rPr lang="pl-PL" sz="1200" dirty="0" err="1">
                 <a:latin typeface="Menlo"/>
                 <a:ea typeface="Menlo"/>
                 <a:cs typeface="Menlo"/>
@@ -3144,19 +3081,10 @@
                 <a:cs typeface="Menlo"/>
                 <a:sym typeface="Menlo"/>
               </a:rPr>
-              <a:t>'</a:t>
-            </a:r>
-            <a:r>
-              <a:rPr lang="pl-PL" sz="1200" dirty="0" smtClean="0">
-                <a:latin typeface="Menlo"/>
-                <a:ea typeface="Menlo"/>
-                <a:cs typeface="Menlo"/>
-                <a:sym typeface="Menlo"/>
-              </a:rPr>
-              <a:t>, '</a:t>
-            </a:r>
-            <a:r>
-              <a:rPr lang="pl-PL" sz="1200" dirty="0" err="1" smtClean="0">
+              <a:t>', '</a:t>
+            </a:r>
+            <a:r>
+              <a:rPr lang="pl-PL" sz="1200" dirty="0" err="1">
                 <a:latin typeface="Menlo"/>
                 <a:ea typeface="Menlo"/>
                 <a:cs typeface="Menlo"/>
@@ -3171,19 +3099,10 @@
                 <a:cs typeface="Menlo"/>
                 <a:sym typeface="Menlo"/>
               </a:rPr>
-              <a:t>'</a:t>
-            </a:r>
-            <a:r>
-              <a:rPr lang="pl-PL" sz="1200" dirty="0" smtClean="0">
-                <a:latin typeface="Menlo"/>
-                <a:ea typeface="Menlo"/>
-                <a:cs typeface="Menlo"/>
-                <a:sym typeface="Menlo"/>
-              </a:rPr>
-              <a:t>, '</a:t>
-            </a:r>
-            <a:r>
-              <a:rPr lang="pl-PL" sz="1200" dirty="0" err="1" smtClean="0">
+              <a:t>', '</a:t>
+            </a:r>
+            <a:r>
+              <a:rPr lang="pl-PL" sz="1200" dirty="0" err="1">
                 <a:latin typeface="Menlo"/>
                 <a:ea typeface="Menlo"/>
                 <a:cs typeface="Menlo"/>
@@ -3192,7 +3111,7 @@
               <a:t>other</a:t>
             </a:r>
             <a:r>
-              <a:rPr lang="pl-PL" sz="1200" dirty="0" smtClean="0">
+              <a:rPr lang="pl-PL" sz="1200" dirty="0">
                 <a:latin typeface="Menlo"/>
                 <a:ea typeface="Menlo"/>
                 <a:cs typeface="Menlo"/>
@@ -3202,23 +3121,14 @@
             </a:r>
           </a:p>
           <a:p>
-            <a:pPr algn="l">
+            <a:pPr lvl="0" algn="l">
               <a:lnSpc>
                 <a:spcPct val="120000"/>
               </a:lnSpc>
               <a:defRPr sz="1800"/>
             </a:pPr>
             <a:r>
-              <a:rPr lang="pl-PL" sz="1200" dirty="0" smtClean="0">
-                <a:latin typeface="Menlo"/>
-                <a:ea typeface="Menlo"/>
-                <a:cs typeface="Menlo"/>
-                <a:sym typeface="Menlo"/>
-              </a:rPr>
-              <a:t> </a:t>
-            </a:r>
-            <a:r>
-              <a:rPr lang="pl-PL" sz="1200" dirty="0" err="1" smtClean="0">
+              <a:rPr lang="pl-PL" sz="1200" dirty="0" err="1">
                 <a:latin typeface="Menlo"/>
                 <a:ea typeface="Menlo"/>
                 <a:cs typeface="Menlo"/>
@@ -3227,7 +3137,7 @@
               <a:t>res_exp</a:t>
             </a:r>
             <a:r>
-              <a:rPr lang="pl-PL" sz="1200" dirty="0" smtClean="0">
+              <a:rPr lang="pl-PL" sz="1200" dirty="0">
                 <a:latin typeface="Menlo"/>
                 <a:ea typeface="Menlo"/>
                 <a:cs typeface="Menlo"/>
@@ -3236,7 +3146,7 @@
               <a:t> &lt;- </a:t>
             </a:r>
             <a:r>
-              <a:rPr lang="pl-PL" sz="1200" dirty="0" err="1" smtClean="0">
+              <a:rPr lang="pl-PL" sz="1200" dirty="0" err="1">
                 <a:latin typeface="Menlo"/>
                 <a:ea typeface="Menlo"/>
                 <a:cs typeface="Menlo"/>
@@ -3245,7 +3155,7 @@
               <a:t>calculate_test</a:t>
             </a:r>
             <a:r>
-              <a:rPr lang="pl-PL" sz="1200" dirty="0" smtClean="0">
+              <a:rPr lang="pl-PL" sz="1200" dirty="0">
                 <a:latin typeface="Menlo"/>
                 <a:ea typeface="Menlo"/>
                 <a:cs typeface="Menlo"/>
@@ -3254,7 +3164,7 @@
               <a:t>(</a:t>
             </a:r>
             <a:r>
-              <a:rPr lang="pl-PL" sz="1200" dirty="0" err="1" smtClean="0">
+              <a:rPr lang="pl-PL" sz="1200" dirty="0" err="1">
                 <a:latin typeface="Menlo"/>
                 <a:ea typeface="Menlo"/>
                 <a:cs typeface="Menlo"/>
@@ -3263,7 +3173,7 @@
               <a:t>exp</a:t>
             </a:r>
             <a:r>
-              <a:rPr lang="pl-PL" sz="1200" dirty="0" smtClean="0">
+              <a:rPr lang="pl-PL" sz="1200" dirty="0">
                 <a:latin typeface="Menlo"/>
                 <a:ea typeface="Menlo"/>
                 <a:cs typeface="Menlo"/>
@@ -3272,7 +3182,7 @@
               <a:t>, </a:t>
             </a:r>
             <a:r>
-              <a:rPr lang="pl-PL" sz="1200" dirty="0" err="1" smtClean="0">
+              <a:rPr lang="pl-PL" sz="1200" dirty="0" err="1">
                 <a:latin typeface="Menlo"/>
                 <a:ea typeface="Menlo"/>
                 <a:cs typeface="Menlo"/>
@@ -3281,7 +3191,7 @@
               <a:t>gr_exp</a:t>
             </a:r>
             <a:r>
-              <a:rPr lang="pl-PL" sz="1200" dirty="0" smtClean="0">
+              <a:rPr lang="pl-PL" sz="1200" dirty="0">
                 <a:latin typeface="Menlo"/>
                 <a:ea typeface="Menlo"/>
                 <a:cs typeface="Menlo"/>
@@ -3290,7 +3200,7 @@
               <a:t>, '</a:t>
             </a:r>
             <a:r>
-              <a:rPr lang="pl-PL" sz="1200" dirty="0" err="1" smtClean="0">
+              <a:rPr lang="pl-PL" sz="1200" dirty="0" err="1">
                 <a:latin typeface="Menlo"/>
                 <a:ea typeface="Menlo"/>
                 <a:cs typeface="Menlo"/>
@@ -3299,7 +3209,7 @@
               <a:t>lrt</a:t>
             </a:r>
             <a:r>
-              <a:rPr lang="pl-PL" sz="1200" dirty="0" smtClean="0">
+              <a:rPr lang="pl-PL" sz="1200" dirty="0">
                 <a:latin typeface="Menlo"/>
                 <a:ea typeface="Menlo"/>
                 <a:cs typeface="Menlo"/>
@@ -3335,7 +3245,7 @@
           </a:ln>
           <a:extLst>
             <a:ext uri="{C572A759-6A51-4108-AA02-DFA0A04FC94B}">
-              <ma14:wrappingTextBoxFlag xmlns:ma14="http://schemas.microsoft.com/office/mac/drawingml/2011/main" xmlns="" val="1"/>
+              <ma14:wrappingTextBoxFlag xmlns="" xmlns:ma14="http://schemas.microsoft.com/office/mac/drawingml/2011/main" val="1"/>
             </a:ext>
           </a:extLst>
         </p:spPr>
@@ -3442,7 +3352,7 @@
           </a:ln>
           <a:extLst>
             <a:ext uri="{C572A759-6A51-4108-AA02-DFA0A04FC94B}">
-              <ma14:wrappingTextBoxFlag xmlns:ma14="http://schemas.microsoft.com/office/mac/drawingml/2011/main" xmlns="" val="1"/>
+              <ma14:wrappingTextBoxFlag xmlns="" xmlns:ma14="http://schemas.microsoft.com/office/mac/drawingml/2011/main" val="1"/>
             </a:ext>
           </a:extLst>
         </p:spPr>
@@ -3556,8 +3466,8 @@
         </p:nvSpPr>
         <p:spPr>
           <a:xfrm>
-            <a:off x="3554426" y="7355552"/>
-            <a:ext cx="4860000" cy="1296000"/>
+            <a:off x="3554426" y="7338755"/>
+            <a:ext cx="4860000" cy="1329595"/>
           </a:xfrm>
           <a:prstGeom prst="rect">
             <a:avLst/>
@@ -3573,7 +3483,7 @@
           </a:ln>
           <a:extLst>
             <a:ext uri="{C572A759-6A51-4108-AA02-DFA0A04FC94B}">
-              <ma14:wrappingTextBoxFlag xmlns:ma14="http://schemas.microsoft.com/office/mac/drawingml/2011/main" xmlns="" val="1"/>
+              <ma14:wrappingTextBoxFlag xmlns="" xmlns:ma14="http://schemas.microsoft.com/office/mac/drawingml/2011/main" val="1"/>
             </a:ext>
           </a:extLst>
         </p:spPr>
@@ -3590,13 +3500,22 @@
               <a:defRPr sz="1800"/>
             </a:pPr>
             <a:r>
+              <a:rPr lang="pl-PL" sz="1200" dirty="0" err="1" smtClean="0">
+                <a:latin typeface="Menlo"/>
+                <a:ea typeface="Menlo"/>
+                <a:cs typeface="Menlo"/>
+                <a:sym typeface="Menlo"/>
+              </a:rPr>
+              <a:t>library</a:t>
+            </a:r>
+            <a:r>
               <a:rPr lang="pl-PL" sz="1200" dirty="0" smtClean="0">
                 <a:latin typeface="Menlo"/>
                 <a:ea typeface="Menlo"/>
                 <a:cs typeface="Menlo"/>
                 <a:sym typeface="Menlo"/>
               </a:rPr>
-              <a:t> </a:t>
+              <a:t>(</a:t>
             </a:r>
             <a:r>
               <a:rPr lang="pl-PL" sz="1200" dirty="0" err="1" smtClean="0">
@@ -3605,28 +3524,10 @@
                 <a:cs typeface="Menlo"/>
                 <a:sym typeface="Menlo"/>
               </a:rPr>
-              <a:t>library</a:t>
-            </a:r>
-            <a:r>
-              <a:rPr lang="pl-PL" sz="1200" dirty="0" smtClean="0">
-                <a:latin typeface="Menlo"/>
-                <a:ea typeface="Menlo"/>
-                <a:cs typeface="Menlo"/>
-                <a:sym typeface="Menlo"/>
-              </a:rPr>
-              <a:t>(</a:t>
-            </a:r>
-            <a:r>
-              <a:rPr lang="pl-PL" sz="1200" dirty="0" err="1" smtClean="0">
-                <a:latin typeface="Menlo"/>
-                <a:ea typeface="Menlo"/>
-                <a:cs typeface="Menlo"/>
-                <a:sym typeface="Menlo"/>
-              </a:rPr>
               <a:t>MLExpResso</a:t>
             </a:r>
             <a:r>
-              <a:rPr lang="pl-PL" sz="1200" dirty="0" smtClean="0">
+              <a:rPr lang="pl-PL" sz="1200" dirty="0">
                 <a:latin typeface="Menlo"/>
                 <a:ea typeface="Menlo"/>
                 <a:cs typeface="Menlo"/>
@@ -3643,16 +3544,7 @@
               <a:defRPr sz="1800"/>
             </a:pPr>
             <a:r>
-              <a:rPr lang="pl-PL" sz="1200" dirty="0" smtClean="0">
-                <a:latin typeface="Menlo"/>
-                <a:ea typeface="Menlo"/>
-                <a:cs typeface="Menlo"/>
-                <a:sym typeface="Menlo"/>
-              </a:rPr>
-              <a:t> </a:t>
-            </a:r>
-            <a:r>
-              <a:rPr lang="pl-PL" sz="1200" dirty="0" err="1" smtClean="0">
+              <a:rPr lang="pl-PL" sz="1200" dirty="0" err="1">
                 <a:latin typeface="Menlo"/>
                 <a:ea typeface="Menlo"/>
                 <a:cs typeface="Menlo"/>
@@ -3661,7 +3553,7 @@
               <a:t>library</a:t>
             </a:r>
             <a:r>
-              <a:rPr lang="pl-PL" sz="1200" dirty="0" smtClean="0">
+              <a:rPr lang="pl-PL" sz="1200" dirty="0">
                 <a:latin typeface="Menlo"/>
                 <a:ea typeface="Menlo"/>
                 <a:cs typeface="Menlo"/>
@@ -3670,7 +3562,7 @@
               <a:t>(</a:t>
             </a:r>
             <a:r>
-              <a:rPr lang="pl-PL" sz="1200" dirty="0" err="1" smtClean="0">
+              <a:rPr lang="pl-PL" sz="1200" dirty="0" err="1">
                 <a:latin typeface="Menlo"/>
                 <a:ea typeface="Menlo"/>
                 <a:cs typeface="Menlo"/>
@@ -3679,7 +3571,7 @@
               <a:t>MLExpRessodata</a:t>
             </a:r>
             <a:r>
-              <a:rPr lang="pl-PL" sz="1200" dirty="0" smtClean="0">
+              <a:rPr lang="pl-PL" sz="1200" dirty="0">
                 <a:latin typeface="Menlo"/>
                 <a:ea typeface="Menlo"/>
                 <a:cs typeface="Menlo"/>
@@ -3696,16 +3588,16 @@
               <a:defRPr sz="1800"/>
             </a:pPr>
             <a:r>
-              <a:rPr lang="pl-PL" sz="1200" dirty="0" smtClean="0">
-                <a:latin typeface="Menlo"/>
-                <a:ea typeface="Menlo"/>
-                <a:cs typeface="Menlo"/>
-                <a:sym typeface="Menlo"/>
-              </a:rPr>
-              <a:t> met &lt;- </a:t>
-            </a:r>
-            <a:r>
-              <a:rPr lang="pl-PL" sz="1200" dirty="0" err="1" smtClean="0">
+              <a:rPr lang="pl-PL" sz="1200" dirty="0">
+                <a:latin typeface="Menlo"/>
+                <a:ea typeface="Menlo"/>
+                <a:cs typeface="Menlo"/>
+                <a:sym typeface="Menlo"/>
+              </a:rPr>
+              <a:t>met &lt;- </a:t>
+            </a:r>
+            <a:r>
+              <a:rPr lang="pl-PL" sz="1200" dirty="0" err="1">
                 <a:latin typeface="Menlo"/>
                 <a:ea typeface="Menlo"/>
                 <a:cs typeface="Menlo"/>
@@ -3714,31 +3606,13 @@
               <a:t>aggregate_probes</a:t>
             </a:r>
             <a:r>
-              <a:rPr lang="pl-PL" sz="1200" dirty="0" smtClean="0">
-                <a:latin typeface="Menlo"/>
-                <a:ea typeface="Menlo"/>
-                <a:cs typeface="Menlo"/>
-                <a:sym typeface="Menlo"/>
-              </a:rPr>
-              <a:t>(</a:t>
-            </a:r>
-            <a:r>
               <a:rPr lang="pl-PL" sz="1200" dirty="0">
                 <a:latin typeface="Menlo"/>
                 <a:ea typeface="Menlo"/>
                 <a:cs typeface="Menlo"/>
                 <a:sym typeface="Menlo"/>
               </a:rPr>
-              <a:t>BRCA_methylation_chr17[ ,-1</a:t>
-            </a:r>
-            <a:r>
-              <a:rPr lang="pl-PL" sz="1200" dirty="0" smtClean="0">
-                <a:latin typeface="Menlo"/>
-                <a:ea typeface="Menlo"/>
-                <a:cs typeface="Menlo"/>
-                <a:sym typeface="Menlo"/>
-              </a:rPr>
-              <a:t>])</a:t>
+              <a:t>(BRCA_methylation_chr17)</a:t>
             </a:r>
           </a:p>
           <a:p>
@@ -3749,16 +3623,7 @@
               <a:defRPr sz="1800"/>
             </a:pPr>
             <a:r>
-              <a:rPr lang="pl-PL" sz="1200" dirty="0" smtClean="0">
-                <a:latin typeface="Menlo"/>
-                <a:ea typeface="Menlo"/>
-                <a:cs typeface="Menlo"/>
-                <a:sym typeface="Menlo"/>
-              </a:rPr>
-              <a:t> </a:t>
-            </a:r>
-            <a:r>
-              <a:rPr lang="pl-PL" sz="1200" dirty="0" err="1" smtClean="0">
+              <a:rPr lang="pl-PL" sz="1200" dirty="0" err="1">
                 <a:latin typeface="Menlo"/>
                 <a:ea typeface="Menlo"/>
                 <a:cs typeface="Menlo"/>
@@ -3767,31 +3632,13 @@
               <a:t>gr_met</a:t>
             </a:r>
             <a:r>
-              <a:rPr lang="pl-PL" sz="1200" dirty="0" smtClean="0">
-                <a:latin typeface="Menlo"/>
-                <a:ea typeface="Menlo"/>
-                <a:cs typeface="Menlo"/>
-                <a:sym typeface="Menlo"/>
-              </a:rPr>
-              <a:t> &lt;- BRCA_methylation_chr17</a:t>
-            </a:r>
-            <a:r>
               <a:rPr lang="pl-PL" sz="1200" dirty="0">
                 <a:latin typeface="Menlo"/>
                 <a:ea typeface="Menlo"/>
                 <a:cs typeface="Menlo"/>
                 <a:sym typeface="Menlo"/>
               </a:rPr>
-              <a:t>[ ,-1</a:t>
-            </a:r>
-            <a:r>
-              <a:rPr lang="pl-PL" sz="1200" dirty="0" smtClean="0">
-                <a:latin typeface="Menlo"/>
-                <a:ea typeface="Menlo"/>
-                <a:cs typeface="Menlo"/>
-                <a:sym typeface="Menlo"/>
-              </a:rPr>
-              <a:t>]</a:t>
+              <a:t> &lt;- BRCA_methylation_chr17[ ,1]</a:t>
             </a:r>
           </a:p>
           <a:p>
@@ -3802,16 +3649,7 @@
               <a:defRPr sz="1800"/>
             </a:pPr>
             <a:r>
-              <a:rPr lang="pl-PL" sz="1200" dirty="0" smtClean="0">
-                <a:latin typeface="Menlo"/>
-                <a:ea typeface="Menlo"/>
-                <a:cs typeface="Menlo"/>
-                <a:sym typeface="Menlo"/>
-              </a:rPr>
-              <a:t> </a:t>
-            </a:r>
-            <a:r>
-              <a:rPr lang="pl-PL" sz="1200" dirty="0" err="1" smtClean="0">
+              <a:rPr lang="pl-PL" sz="1200" dirty="0" err="1">
                 <a:latin typeface="Menlo"/>
                 <a:ea typeface="Menlo"/>
                 <a:cs typeface="Menlo"/>
@@ -3820,7 +3658,7 @@
               <a:t>gr_met</a:t>
             </a:r>
             <a:r>
-              <a:rPr lang="pl-PL" sz="1200" dirty="0" smtClean="0">
+              <a:rPr lang="pl-PL" sz="1200" dirty="0">
                 <a:latin typeface="Menlo"/>
                 <a:ea typeface="Menlo"/>
                 <a:cs typeface="Menlo"/>
@@ -3829,7 +3667,7 @@
               <a:t> &lt;- </a:t>
             </a:r>
             <a:r>
-              <a:rPr lang="pl-PL" sz="1200" dirty="0" err="1" smtClean="0">
+              <a:rPr lang="pl-PL" sz="1200" dirty="0" err="1">
                 <a:latin typeface="Menlo"/>
                 <a:ea typeface="Menlo"/>
                 <a:cs typeface="Menlo"/>
@@ -3838,7 +3676,7 @@
               <a:t>ifelse</a:t>
             </a:r>
             <a:r>
-              <a:rPr lang="pl-PL" sz="1200" dirty="0" smtClean="0">
+              <a:rPr lang="pl-PL" sz="1200" dirty="0">
                 <a:latin typeface="Menlo"/>
                 <a:ea typeface="Menlo"/>
                 <a:cs typeface="Menlo"/>
@@ -3847,16 +3685,16 @@
               <a:t>(</a:t>
             </a:r>
             <a:r>
-              <a:rPr lang="pl-PL" sz="1200" dirty="0" err="1" smtClean="0">
-                <a:latin typeface="Menlo"/>
-                <a:ea typeface="Menlo"/>
-                <a:cs typeface="Menlo"/>
-                <a:sym typeface="Menlo"/>
-              </a:rPr>
-              <a:t>group</a:t>
-            </a:r>
-            <a:r>
-              <a:rPr lang="pl-PL" sz="1200" dirty="0" smtClean="0">
+              <a:rPr lang="pl-PL" sz="1200" dirty="0" err="1">
+                <a:latin typeface="Menlo"/>
+                <a:ea typeface="Menlo"/>
+                <a:cs typeface="Menlo"/>
+                <a:sym typeface="Menlo"/>
+              </a:rPr>
+              <a:t>gr_met</a:t>
+            </a:r>
+            <a:r>
+              <a:rPr lang="pl-PL" sz="1200" dirty="0">
                 <a:latin typeface="Menlo"/>
                 <a:ea typeface="Menlo"/>
                 <a:cs typeface="Menlo"/>
@@ -3865,7 +3703,7 @@
               <a:t>=='</a:t>
             </a:r>
             <a:r>
-              <a:rPr lang="pl-PL" sz="1200" dirty="0" err="1" smtClean="0">
+              <a:rPr lang="pl-PL" sz="1200" dirty="0" err="1">
                 <a:latin typeface="Menlo"/>
                 <a:ea typeface="Menlo"/>
                 <a:cs typeface="Menlo"/>
@@ -3880,19 +3718,10 @@
                 <a:cs typeface="Menlo"/>
                 <a:sym typeface="Menlo"/>
               </a:rPr>
-              <a:t>'</a:t>
-            </a:r>
-            <a:r>
-              <a:rPr lang="pl-PL" sz="1200" dirty="0" smtClean="0">
-                <a:latin typeface="Menlo"/>
-                <a:ea typeface="Menlo"/>
-                <a:cs typeface="Menlo"/>
-                <a:sym typeface="Menlo"/>
-              </a:rPr>
-              <a:t>, '</a:t>
-            </a:r>
-            <a:r>
-              <a:rPr lang="pl-PL" sz="1200" dirty="0" err="1" smtClean="0">
+              <a:t>', '</a:t>
+            </a:r>
+            <a:r>
+              <a:rPr lang="pl-PL" sz="1200" dirty="0" err="1">
                 <a:latin typeface="Menlo"/>
                 <a:ea typeface="Menlo"/>
                 <a:cs typeface="Menlo"/>
@@ -3907,19 +3736,10 @@
                 <a:cs typeface="Menlo"/>
                 <a:sym typeface="Menlo"/>
               </a:rPr>
-              <a:t>'</a:t>
-            </a:r>
-            <a:r>
-              <a:rPr lang="pl-PL" sz="1200" dirty="0" smtClean="0">
-                <a:latin typeface="Menlo"/>
-                <a:ea typeface="Menlo"/>
-                <a:cs typeface="Menlo"/>
-                <a:sym typeface="Menlo"/>
-              </a:rPr>
-              <a:t>, '</a:t>
-            </a:r>
-            <a:r>
-              <a:rPr lang="pl-PL" sz="1200" dirty="0" err="1" smtClean="0">
+              <a:t>', '</a:t>
+            </a:r>
+            <a:r>
+              <a:rPr lang="pl-PL" sz="1200" dirty="0" err="1">
                 <a:latin typeface="Menlo"/>
                 <a:ea typeface="Menlo"/>
                 <a:cs typeface="Menlo"/>
@@ -3928,7 +3748,7 @@
               <a:t>other</a:t>
             </a:r>
             <a:r>
-              <a:rPr lang="pl-PL" sz="1200" dirty="0" smtClean="0">
+              <a:rPr lang="pl-PL" sz="1200" dirty="0">
                 <a:latin typeface="Menlo"/>
                 <a:ea typeface="Menlo"/>
                 <a:cs typeface="Menlo"/>
@@ -3945,16 +3765,7 @@
               <a:defRPr sz="1800"/>
             </a:pPr>
             <a:r>
-              <a:rPr lang="pl-PL" sz="1200" dirty="0" smtClean="0">
-                <a:latin typeface="Menlo"/>
-                <a:ea typeface="Menlo"/>
-                <a:cs typeface="Menlo"/>
-                <a:sym typeface="Menlo"/>
-              </a:rPr>
-              <a:t> </a:t>
-            </a:r>
-            <a:r>
-              <a:rPr lang="pl-PL" sz="1200" dirty="0" err="1" smtClean="0">
+              <a:rPr lang="pl-PL" sz="1200" dirty="0" err="1">
                 <a:latin typeface="Menlo"/>
                 <a:ea typeface="Menlo"/>
                 <a:cs typeface="Menlo"/>
@@ -3963,7 +3774,7 @@
               <a:t>res_met</a:t>
             </a:r>
             <a:r>
-              <a:rPr lang="pl-PL" sz="1200" dirty="0" smtClean="0">
+              <a:rPr lang="pl-PL" sz="1200" dirty="0">
                 <a:latin typeface="Menlo"/>
                 <a:ea typeface="Menlo"/>
                 <a:cs typeface="Menlo"/>
@@ -3972,7 +3783,7 @@
               <a:t> &lt;- </a:t>
             </a:r>
             <a:r>
-              <a:rPr lang="pl-PL" sz="1200" dirty="0" err="1" smtClean="0">
+              <a:rPr lang="pl-PL" sz="1200" dirty="0" err="1">
                 <a:latin typeface="Menlo"/>
                 <a:ea typeface="Menlo"/>
                 <a:cs typeface="Menlo"/>
@@ -3981,7 +3792,7 @@
               <a:t>calculate_test</a:t>
             </a:r>
             <a:r>
-              <a:rPr lang="pl-PL" sz="1200" dirty="0" smtClean="0">
+              <a:rPr lang="pl-PL" sz="1200" dirty="0">
                 <a:latin typeface="Menlo"/>
                 <a:ea typeface="Menlo"/>
                 <a:cs typeface="Menlo"/>
@@ -3990,7 +3801,7 @@
               <a:t>(met, </a:t>
             </a:r>
             <a:r>
-              <a:rPr lang="pl-PL" sz="1200" dirty="0" err="1" smtClean="0">
+              <a:rPr lang="pl-PL" sz="1200" dirty="0" err="1">
                 <a:latin typeface="Menlo"/>
                 <a:ea typeface="Menlo"/>
                 <a:cs typeface="Menlo"/>
@@ -3999,7 +3810,7 @@
               <a:t>gr_met</a:t>
             </a:r>
             <a:r>
-              <a:rPr lang="pl-PL" sz="1200" dirty="0" smtClean="0">
+              <a:rPr lang="pl-PL" sz="1200" dirty="0">
                 <a:latin typeface="Menlo"/>
                 <a:ea typeface="Menlo"/>
                 <a:cs typeface="Menlo"/>
@@ -4008,7 +3819,7 @@
               <a:t>, '</a:t>
             </a:r>
             <a:r>
-              <a:rPr lang="pl-PL" sz="1200" dirty="0" err="1" smtClean="0">
+              <a:rPr lang="pl-PL" sz="1200" dirty="0" err="1">
                 <a:latin typeface="Menlo"/>
                 <a:ea typeface="Menlo"/>
                 <a:cs typeface="Menlo"/>
@@ -4017,13 +3828,13 @@
               <a:t>ttest</a:t>
             </a:r>
             <a:r>
-              <a:rPr lang="pl-PL" sz="1200" dirty="0" smtClean="0">
-                <a:latin typeface="Menlo"/>
-                <a:ea typeface="Menlo"/>
-                <a:cs typeface="Menlo"/>
-                <a:sym typeface="Menlo"/>
-              </a:rPr>
-              <a:t>'</a:t>
+              <a:rPr lang="pl-PL" sz="1200" dirty="0">
+                <a:latin typeface="Menlo"/>
+                <a:ea typeface="Menlo"/>
+                <a:cs typeface="Menlo"/>
+                <a:sym typeface="Menlo"/>
+              </a:rPr>
+              <a:t>')</a:t>
             </a:r>
             <a:endParaRPr lang="pl-PL" sz="1200" dirty="0" smtClean="0">
               <a:latin typeface="Menlo"/>
@@ -4077,7 +3888,7 @@
           </a:ln>
           <a:extLst>
             <a:ext uri="{C572A759-6A51-4108-AA02-DFA0A04FC94B}">
-              <ma14:wrappingTextBoxFlag xmlns:ma14="http://schemas.microsoft.com/office/mac/drawingml/2011/main" xmlns="" val="1"/>
+              <ma14:wrappingTextBoxFlag xmlns="" xmlns:ma14="http://schemas.microsoft.com/office/mac/drawingml/2011/main" val="1"/>
             </a:ext>
           </a:extLst>
         </p:spPr>
@@ -4405,7 +4216,7 @@
           </a:ln>
           <a:extLst>
             <a:ext uri="{C572A759-6A51-4108-AA02-DFA0A04FC94B}">
-              <ma14:wrappingTextBoxFlag xmlns:ma14="http://schemas.microsoft.com/office/mac/drawingml/2011/main" xmlns="" val="1"/>
+              <ma14:wrappingTextBoxFlag xmlns="" xmlns:ma14="http://schemas.microsoft.com/office/mac/drawingml/2011/main" val="1"/>
             </a:ext>
           </a:extLst>
         </p:spPr>
@@ -4464,7 +4275,7 @@
           </a:ln>
           <a:extLst>
             <a:ext uri="{C572A759-6A51-4108-AA02-DFA0A04FC94B}">
-              <ma14:wrappingTextBoxFlag xmlns:ma14="http://schemas.microsoft.com/office/mac/drawingml/2011/main" xmlns="" val="1"/>
+              <ma14:wrappingTextBoxFlag xmlns="" xmlns:ma14="http://schemas.microsoft.com/office/mac/drawingml/2011/main" val="1"/>
             </a:ext>
           </a:extLst>
         </p:spPr>
@@ -4542,7 +4353,7 @@
           </a:ln>
           <a:extLst>
             <a:ext uri="{C572A759-6A51-4108-AA02-DFA0A04FC94B}">
-              <ma14:wrappingTextBoxFlag xmlns:ma14="http://schemas.microsoft.com/office/mac/drawingml/2011/main" xmlns="" val="1"/>
+              <ma14:wrappingTextBoxFlag xmlns="" xmlns:ma14="http://schemas.microsoft.com/office/mac/drawingml/2011/main" val="1"/>
             </a:ext>
           </a:extLst>
         </p:spPr>
@@ -4667,7 +4478,7 @@
           </a:ln>
           <a:extLst>
             <a:ext uri="{C572A759-6A51-4108-AA02-DFA0A04FC94B}">
-              <ma14:wrappingTextBoxFlag xmlns:ma14="http://schemas.microsoft.com/office/mac/drawingml/2011/main" xmlns="" val="1"/>
+              <ma14:wrappingTextBoxFlag xmlns="" xmlns:ma14="http://schemas.microsoft.com/office/mac/drawingml/2011/main" val="1"/>
             </a:ext>
           </a:extLst>
         </p:spPr>
@@ -4851,7 +4662,7 @@
           </a:ln>
           <a:extLst>
             <a:ext uri="{C572A759-6A51-4108-AA02-DFA0A04FC94B}">
-              <ma14:wrappingTextBoxFlag xmlns:ma14="http://schemas.microsoft.com/office/mac/drawingml/2011/main" xmlns="" val="1"/>
+              <ma14:wrappingTextBoxFlag xmlns="" xmlns:ma14="http://schemas.microsoft.com/office/mac/drawingml/2011/main" val="1"/>
             </a:ext>
           </a:extLst>
         </p:spPr>
@@ -5297,7 +5108,7 @@
           </a:ln>
           <a:extLst>
             <a:ext uri="{C572A759-6A51-4108-AA02-DFA0A04FC94B}">
-              <ma14:wrappingTextBoxFlag xmlns:ma14="http://schemas.microsoft.com/office/mac/drawingml/2011/main" xmlns="" val="1"/>
+              <ma14:wrappingTextBoxFlag xmlns="" xmlns:ma14="http://schemas.microsoft.com/office/mac/drawingml/2011/main" val="1"/>
             </a:ext>
           </a:extLst>
         </p:spPr>
@@ -5399,7 +5210,7 @@
           </a:ln>
           <a:extLst>
             <a:ext uri="{C572A759-6A51-4108-AA02-DFA0A04FC94B}">
-              <ma14:wrappingTextBoxFlag xmlns:ma14="http://schemas.microsoft.com/office/mac/drawingml/2011/main" xmlns="" val="1"/>
+              <ma14:wrappingTextBoxFlag xmlns="" xmlns:ma14="http://schemas.microsoft.com/office/mac/drawingml/2011/main" val="1"/>
             </a:ext>
           </a:extLst>
         </p:spPr>
@@ -5513,7 +5324,7 @@
           </a:ln>
           <a:extLst>
             <a:ext uri="{C572A759-6A51-4108-AA02-DFA0A04FC94B}">
-              <ma14:wrappingTextBoxFlag xmlns:ma14="http://schemas.microsoft.com/office/mac/drawingml/2011/main" xmlns="" val="1"/>
+              <ma14:wrappingTextBoxFlag xmlns="" xmlns:ma14="http://schemas.microsoft.com/office/mac/drawingml/2011/main" val="1"/>
             </a:ext>
           </a:extLst>
         </p:spPr>
@@ -5567,7 +5378,7 @@
           </a:ln>
           <a:extLst>
             <a:ext uri="{C572A759-6A51-4108-AA02-DFA0A04FC94B}">
-              <ma14:wrappingTextBoxFlag xmlns:ma14="http://schemas.microsoft.com/office/mac/drawingml/2011/main" xmlns="" val="1"/>
+              <ma14:wrappingTextBoxFlag xmlns="" xmlns:ma14="http://schemas.microsoft.com/office/mac/drawingml/2011/main" val="1"/>
             </a:ext>
           </a:extLst>
         </p:spPr>
@@ -5724,12 +5535,6 @@
               </a:rPr>
               <a:t>. </a:t>
             </a:r>
-            <a:endParaRPr lang="en-US" sz="1200" dirty="0">
-              <a:latin typeface="Source Sans Pro Light"/>
-              <a:ea typeface="Source Sans Pro Light"/>
-              <a:cs typeface="Source Sans Pro Light"/>
-              <a:sym typeface="Source Sans Pro Light"/>
-            </a:endParaRPr>
           </a:p>
         </p:txBody>
       </p:sp>
@@ -5758,7 +5563,7 @@
           </a:ln>
           <a:extLst>
             <a:ext uri="{C572A759-6A51-4108-AA02-DFA0A04FC94B}">
-              <ma14:wrappingTextBoxFlag xmlns:ma14="http://schemas.microsoft.com/office/mac/drawingml/2011/main" xmlns="" val="1"/>
+              <ma14:wrappingTextBoxFlag xmlns="" xmlns:ma14="http://schemas.microsoft.com/office/mac/drawingml/2011/main" val="1"/>
             </a:ext>
           </a:extLst>
         </p:spPr>
@@ -5875,7 +5680,7 @@
           </a:ln>
           <a:extLst>
             <a:ext uri="{C572A759-6A51-4108-AA02-DFA0A04FC94B}">
-              <ma14:wrappingTextBoxFlag xmlns:ma14="http://schemas.microsoft.com/office/mac/drawingml/2011/main" xmlns="" val="1"/>
+              <ma14:wrappingTextBoxFlag xmlns="" xmlns:ma14="http://schemas.microsoft.com/office/mac/drawingml/2011/main" val="1"/>
             </a:ext>
           </a:extLst>
         </p:spPr>
@@ -5929,7 +5734,7 @@
           </a:ln>
           <a:extLst>
             <a:ext uri="{C572A759-6A51-4108-AA02-DFA0A04FC94B}">
-              <ma14:wrappingTextBoxFlag xmlns:ma14="http://schemas.microsoft.com/office/mac/drawingml/2011/main" xmlns="" val="1"/>
+              <ma14:wrappingTextBoxFlag xmlns="" xmlns:ma14="http://schemas.microsoft.com/office/mac/drawingml/2011/main" val="1"/>
             </a:ext>
           </a:extLst>
         </p:spPr>
@@ -5973,7 +5778,51 @@
             </a:r>
             <a:r>
               <a:rPr lang="en-US" sz="1200" dirty="0"/>
-              <a:t> data frame column with division in groups.</a:t>
+              <a:t> data frame column with division </a:t>
+            </a:r>
+            <a:r>
+              <a:rPr lang="en-US" sz="1200" dirty="0" smtClean="0"/>
+              <a:t>in</a:t>
+            </a:r>
+            <a:r>
+              <a:rPr lang="pl-PL" sz="1200" dirty="0" smtClean="0"/>
+              <a:t> </a:t>
+            </a:r>
+            <a:r>
+              <a:rPr lang="en-US" sz="1200" dirty="0" smtClean="0"/>
+              <a:t>groups</a:t>
+            </a:r>
+            <a:r>
+              <a:rPr lang="pl-PL" sz="1200" dirty="0" smtClean="0"/>
+              <a:t> (</a:t>
+            </a:r>
+            <a:r>
+              <a:rPr lang="pl-PL" sz="1200" dirty="0" err="1" smtClean="0"/>
+              <a:t>two</a:t>
+            </a:r>
+            <a:r>
+              <a:rPr lang="pl-PL" sz="1200" dirty="0" smtClean="0"/>
+              <a:t> </a:t>
+            </a:r>
+            <a:r>
+              <a:rPr lang="pl-PL" sz="1200" dirty="0" err="1" smtClean="0"/>
+              <a:t>or</a:t>
+            </a:r>
+            <a:r>
+              <a:rPr lang="pl-PL" sz="1200" dirty="0" smtClean="0"/>
+              <a:t> </a:t>
+            </a:r>
+            <a:r>
+              <a:rPr lang="pl-PL" sz="1200" dirty="0" err="1" smtClean="0"/>
+              <a:t>more</a:t>
+            </a:r>
+            <a:r>
+              <a:rPr lang="pl-PL" sz="1200" dirty="0" smtClean="0"/>
+              <a:t>)</a:t>
+            </a:r>
+            <a:r>
+              <a:rPr lang="en-US" sz="1200" dirty="0" smtClean="0"/>
+              <a:t>.</a:t>
             </a:r>
             <a:endParaRPr lang="en-US" sz="1200" dirty="0" smtClean="0">
               <a:latin typeface="Source Sans Pro Light"/>
@@ -6353,7 +6202,7 @@
           </a:ln>
           <a:extLst>
             <a:ext uri="{C572A759-6A51-4108-AA02-DFA0A04FC94B}">
-              <ma14:wrappingTextBoxFlag xmlns:ma14="http://schemas.microsoft.com/office/mac/drawingml/2011/main" xmlns="" val="1"/>
+              <ma14:wrappingTextBoxFlag xmlns="" xmlns:ma14="http://schemas.microsoft.com/office/mac/drawingml/2011/main" val="1"/>
             </a:ext>
           </a:extLst>
         </p:spPr>
@@ -6392,12 +6241,20 @@
               <a:t>() </a:t>
             </a:r>
             <a:r>
-              <a:rPr lang="en-US" sz="1200" dirty="0" err="1"/>
+              <a:rPr lang="en-US" sz="1200" dirty="0" err="1" smtClean="0"/>
               <a:t>visualise</a:t>
             </a:r>
             <a:r>
+              <a:rPr lang="pl-PL" sz="1200" dirty="0" smtClean="0"/>
+              <a:t>s</a:t>
+            </a:r>
+            <a:r>
+              <a:rPr lang="en-US" sz="1200" dirty="0" smtClean="0"/>
+              <a:t> </a:t>
+            </a:r>
+            <a:r>
               <a:rPr lang="en-US" sz="1200" dirty="0"/>
-              <a:t> a chosen gene with marked </a:t>
+              <a:t>a chosen gene with marked </a:t>
             </a:r>
             <a:r>
               <a:rPr lang="en-US" sz="1200" dirty="0" err="1"/>
@@ -6451,7 +6308,7 @@
           </a:ln>
           <a:extLst>
             <a:ext uri="{C572A759-6A51-4108-AA02-DFA0A04FC94B}">
-              <ma14:wrappingTextBoxFlag xmlns:ma14="http://schemas.microsoft.com/office/mac/drawingml/2011/main" xmlns="" val="1"/>
+              <ma14:wrappingTextBoxFlag xmlns="" xmlns:ma14="http://schemas.microsoft.com/office/mac/drawingml/2011/main" val="1"/>
             </a:ext>
           </a:extLst>
         </p:spPr>
@@ -6529,8 +6386,8 @@
         </p:nvSpPr>
         <p:spPr>
           <a:xfrm>
-            <a:off x="8719330" y="7181491"/>
-            <a:ext cx="4824000" cy="422873"/>
+            <a:off x="8719330" y="7181492"/>
+            <a:ext cx="4950000" cy="422873"/>
           </a:xfrm>
           <a:prstGeom prst="rect">
             <a:avLst/>
@@ -6546,7 +6403,7 @@
           </a:ln>
           <a:extLst>
             <a:ext uri="{C572A759-6A51-4108-AA02-DFA0A04FC94B}">
-              <ma14:wrappingTextBoxFlag xmlns:ma14="http://schemas.microsoft.com/office/mac/drawingml/2011/main" xmlns="" val="1"/>
+              <ma14:wrappingTextBoxFlag xmlns="" xmlns:ma14="http://schemas.microsoft.com/office/mac/drawingml/2011/main" val="1"/>
             </a:ext>
           </a:extLst>
         </p:spPr>
@@ -6592,7 +6449,7 @@
                 <a:cs typeface="Menlo"/>
                 <a:sym typeface="Menlo"/>
               </a:rPr>
-              <a:t>(met </a:t>
+              <a:t>(BRCA_methylation_chr17 </a:t>
             </a:r>
             <a:r>
               <a:rPr lang="pl-PL" sz="1200" dirty="0">
@@ -6619,7 +6476,7 @@
                 <a:cs typeface="Menlo"/>
                 <a:sym typeface="Menlo"/>
               </a:rPr>
-              <a:t>,  </a:t>
+              <a:t>,  'CACNA1G</a:t>
             </a:r>
             <a:r>
               <a:rPr lang="pl-PL" sz="1200" dirty="0" smtClean="0">
@@ -6628,7 +6485,7 @@
                 <a:cs typeface="Menlo"/>
                 <a:sym typeface="Menlo"/>
               </a:rPr>
-              <a:t>'CACNA1G'</a:t>
+              <a:t>')</a:t>
             </a:r>
             <a:endParaRPr lang="pl-PL" sz="1200" dirty="0">
               <a:latin typeface="Source Sans Pro"/>
@@ -6648,7 +6505,7 @@
         <p:spPr>
           <a:xfrm>
             <a:off x="8705042" y="7126971"/>
-            <a:ext cx="4872177" cy="260777"/>
+            <a:ext cx="5003161" cy="221947"/>
           </a:xfrm>
           <a:prstGeom prst="roundRect">
             <a:avLst>
@@ -6663,7 +6520,7 @@
           </a:ln>
           <a:extLst>
             <a:ext uri="{C572A759-6A51-4108-AA02-DFA0A04FC94B}">
-              <ma14:wrappingTextBoxFlag xmlns:ma14="http://schemas.microsoft.com/office/mac/drawingml/2011/main" xmlns="" val="1"/>
+              <ma14:wrappingTextBoxFlag xmlns="" xmlns:ma14="http://schemas.microsoft.com/office/mac/drawingml/2011/main" val="1"/>
             </a:ext>
           </a:extLst>
         </p:spPr>
@@ -6717,7 +6574,7 @@
           </a:ln>
           <a:extLst>
             <a:ext uri="{C572A759-6A51-4108-AA02-DFA0A04FC94B}">
-              <ma14:wrappingTextBoxFlag xmlns:ma14="http://schemas.microsoft.com/office/mac/drawingml/2011/main" xmlns="" val="1"/>
+              <ma14:wrappingTextBoxFlag xmlns="" xmlns:ma14="http://schemas.microsoft.com/office/mac/drawingml/2011/main" val="1"/>
             </a:ext>
           </a:extLst>
         </p:spPr>
@@ -6899,7 +6756,7 @@
           </a:ln>
           <a:extLst>
             <a:ext uri="{C572A759-6A51-4108-AA02-DFA0A04FC94B}">
-              <ma14:wrappingTextBoxFlag xmlns:ma14="http://schemas.microsoft.com/office/mac/drawingml/2011/main" xmlns="" val="1"/>
+              <ma14:wrappingTextBoxFlag xmlns="" xmlns:ma14="http://schemas.microsoft.com/office/mac/drawingml/2011/main" val="1"/>
             </a:ext>
           </a:extLst>
         </p:spPr>
@@ -6987,7 +6844,7 @@
           </a:ln>
           <a:extLst>
             <a:ext uri="{C572A759-6A51-4108-AA02-DFA0A04FC94B}">
-              <ma14:wrappingTextBoxFlag xmlns:ma14="http://schemas.microsoft.com/office/mac/drawingml/2011/main" xmlns="" val="1"/>
+              <ma14:wrappingTextBoxFlag xmlns="" xmlns:ma14="http://schemas.microsoft.com/office/mac/drawingml/2011/main" val="1"/>
             </a:ext>
           </a:extLst>
         </p:spPr>
@@ -7057,7 +6914,7 @@
           </a:ln>
           <a:extLst>
             <a:ext uri="{C572A759-6A51-4108-AA02-DFA0A04FC94B}">
-              <ma14:wrappingTextBoxFlag xmlns:ma14="http://schemas.microsoft.com/office/mac/drawingml/2011/main" xmlns="" val="1"/>
+              <ma14:wrappingTextBoxFlag xmlns="" xmlns:ma14="http://schemas.microsoft.com/office/mac/drawingml/2011/main" val="1"/>
             </a:ext>
           </a:extLst>
         </p:spPr>
@@ -7155,7 +7012,7 @@
           </a:ln>
           <a:extLst>
             <a:ext uri="{C572A759-6A51-4108-AA02-DFA0A04FC94B}">
-              <ma14:wrappingTextBoxFlag xmlns:ma14="http://schemas.microsoft.com/office/mac/drawingml/2011/main" xmlns="" val="1"/>
+              <ma14:wrappingTextBoxFlag xmlns="" xmlns:ma14="http://schemas.microsoft.com/office/mac/drawingml/2011/main" val="1"/>
             </a:ext>
           </a:extLst>
         </p:spPr>
@@ -7265,7 +7122,7 @@
           </a:ln>
           <a:extLst>
             <a:ext uri="{C572A759-6A51-4108-AA02-DFA0A04FC94B}">
-              <ma14:wrappingTextBoxFlag xmlns:ma14="http://schemas.microsoft.com/office/mac/drawingml/2011/main" xmlns="" val="1"/>
+              <ma14:wrappingTextBoxFlag xmlns="" xmlns:ma14="http://schemas.microsoft.com/office/mac/drawingml/2011/main" val="1"/>
             </a:ext>
           </a:extLst>
         </p:spPr>
@@ -7385,7 +7242,7 @@
           </a:ln>
           <a:extLst>
             <a:ext uri="{C572A759-6A51-4108-AA02-DFA0A04FC94B}">
-              <ma14:wrappingTextBoxFlag xmlns:ma14="http://schemas.microsoft.com/office/mac/drawingml/2011/main" xmlns="" val="1"/>
+              <ma14:wrappingTextBoxFlag xmlns="" xmlns:ma14="http://schemas.microsoft.com/office/mac/drawingml/2011/main" val="1"/>
             </a:ext>
           </a:extLst>
         </p:spPr>
@@ -7600,7 +7457,7 @@
           </a:ln>
           <a:extLst>
             <a:ext uri="{C572A759-6A51-4108-AA02-DFA0A04FC94B}">
-              <ma14:wrappingTextBoxFlag xmlns:ma14="http://schemas.microsoft.com/office/mac/drawingml/2011/main" xmlns="" val="1"/>
+              <ma14:wrappingTextBoxFlag xmlns="" xmlns:ma14="http://schemas.microsoft.com/office/mac/drawingml/2011/main" val="1"/>
             </a:ext>
           </a:extLst>
         </p:spPr>
@@ -7785,7 +7642,7 @@
           </a:ln>
           <a:extLst>
             <a:ext uri="{C572A759-6A51-4108-AA02-DFA0A04FC94B}">
-              <ma14:wrappingTextBoxFlag xmlns:ma14="http://schemas.microsoft.com/office/mac/drawingml/2011/main" xmlns="" val="1"/>
+              <ma14:wrappingTextBoxFlag xmlns="" xmlns:ma14="http://schemas.microsoft.com/office/mac/drawingml/2011/main" val="1"/>
             </a:ext>
           </a:extLst>
         </p:spPr>
@@ -7951,7 +7808,7 @@
           </a:ln>
           <a:extLst>
             <a:ext uri="{C572A759-6A51-4108-AA02-DFA0A04FC94B}">
-              <ma14:wrappingTextBoxFlag xmlns:ma14="http://schemas.microsoft.com/office/mac/drawingml/2011/main" xmlns="" val="1"/>
+              <ma14:wrappingTextBoxFlag xmlns="" xmlns:ma14="http://schemas.microsoft.com/office/mac/drawingml/2011/main" val="1"/>
             </a:ext>
           </a:extLst>
         </p:spPr>
@@ -8011,7 +7868,7 @@
           </a:ln>
           <a:extLst>
             <a:ext uri="{C572A759-6A51-4108-AA02-DFA0A04FC94B}">
-              <ma14:wrappingTextBoxFlag xmlns:ma14="http://schemas.microsoft.com/office/mac/drawingml/2011/main" xmlns="" val="1"/>
+              <ma14:wrappingTextBoxFlag xmlns="" xmlns:ma14="http://schemas.microsoft.com/office/mac/drawingml/2011/main" val="1"/>
             </a:ext>
           </a:extLst>
         </p:spPr>
@@ -8177,7 +8034,7 @@
           </a:ln>
           <a:extLst>
             <a:ext uri="{C572A759-6A51-4108-AA02-DFA0A04FC94B}">
-              <ma14:wrappingTextBoxFlag xmlns:ma14="http://schemas.microsoft.com/office/mac/drawingml/2011/main" xmlns="" val="1"/>
+              <ma14:wrappingTextBoxFlag xmlns="" xmlns:ma14="http://schemas.microsoft.com/office/mac/drawingml/2011/main" val="1"/>
             </a:ext>
           </a:extLst>
         </p:spPr>
@@ -8231,7 +8088,7 @@
           </a:ln>
           <a:extLst>
             <a:ext uri="{C572A759-6A51-4108-AA02-DFA0A04FC94B}">
-              <ma14:wrappingTextBoxFlag xmlns:ma14="http://schemas.microsoft.com/office/mac/drawingml/2011/main" xmlns="" val="1"/>
+              <ma14:wrappingTextBoxFlag xmlns="" xmlns:ma14="http://schemas.microsoft.com/office/mac/drawingml/2011/main" val="1"/>
             </a:ext>
           </a:extLst>
         </p:spPr>
@@ -8323,7 +8180,7 @@
           </a:ln>
           <a:extLst>
             <a:ext uri="{C572A759-6A51-4108-AA02-DFA0A04FC94B}">
-              <ma14:wrappingTextBoxFlag xmlns:ma14="http://schemas.microsoft.com/office/mac/drawingml/2011/main" xmlns="" val="1"/>
+              <ma14:wrappingTextBoxFlag xmlns="" xmlns:ma14="http://schemas.microsoft.com/office/mac/drawingml/2011/main" val="1"/>
             </a:ext>
           </a:extLst>
         </p:spPr>

--- a/Cheatsheet/MLExpResso-cheatsheet.pptx
+++ b/Cheatsheet/MLExpResso-cheatsheet.pptx
@@ -1564,7 +1564,7 @@
           </a:ln>
           <a:extLst>
             <a:ext uri="{C572A759-6A51-4108-AA02-DFA0A04FC94B}">
-              <ma14:wrappingTextBoxFlag xmlns:ma14="http://schemas.microsoft.com/office/mac/drawingml/2011/main" xmlns="" val="1"/>
+              <ma14:wrappingTextBoxFlag xmlns="" xmlns:ma14="http://schemas.microsoft.com/office/mac/drawingml/2011/main" val="1"/>
             </a:ext>
           </a:extLst>
         </p:spPr>
@@ -1607,7 +1607,7 @@
           </a:ln>
           <a:extLst>
             <a:ext uri="{C572A759-6A51-4108-AA02-DFA0A04FC94B}">
-              <ma14:wrappingTextBoxFlag xmlns:ma14="http://schemas.microsoft.com/office/mac/drawingml/2011/main" xmlns="" val="1"/>
+              <ma14:wrappingTextBoxFlag xmlns="" xmlns:ma14="http://schemas.microsoft.com/office/mac/drawingml/2011/main" val="1"/>
             </a:ext>
           </a:extLst>
         </p:spPr>
@@ -2154,7 +2154,7 @@
           </a:ln>
           <a:extLst>
             <a:ext uri="{C572A759-6A51-4108-AA02-DFA0A04FC94B}">
-              <ma14:wrappingTextBoxFlag xmlns="" xmlns:ma14="http://schemas.microsoft.com/office/mac/drawingml/2011/main" val="1"/>
+              <ma14:wrappingTextBoxFlag xmlns:ma14="http://schemas.microsoft.com/office/mac/drawingml/2011/main" xmlns="" val="1"/>
             </a:ext>
           </a:extLst>
         </p:spPr>
@@ -2435,7 +2435,7 @@
           </a:ln>
           <a:extLst>
             <a:ext uri="{C572A759-6A51-4108-AA02-DFA0A04FC94B}">
-              <ma14:wrappingTextBoxFlag xmlns="" xmlns:ma14="http://schemas.microsoft.com/office/mac/drawingml/2011/main" val="1"/>
+              <ma14:wrappingTextBoxFlag xmlns:ma14="http://schemas.microsoft.com/office/mac/drawingml/2011/main" xmlns="" val="1"/>
             </a:ext>
           </a:extLst>
         </p:spPr>
@@ -2577,7 +2577,7 @@
           </a:ln>
           <a:extLst>
             <a:ext uri="{C572A759-6A51-4108-AA02-DFA0A04FC94B}">
-              <ma14:wrappingTextBoxFlag xmlns="" xmlns:ma14="http://schemas.microsoft.com/office/mac/drawingml/2011/main" val="1"/>
+              <ma14:wrappingTextBoxFlag xmlns:ma14="http://schemas.microsoft.com/office/mac/drawingml/2011/main" xmlns="" val="1"/>
             </a:ext>
           </a:extLst>
         </p:spPr>
@@ -2647,7 +2647,7 @@
           </a:ln>
           <a:extLst>
             <a:ext uri="{C572A759-6A51-4108-AA02-DFA0A04FC94B}">
-              <ma14:wrappingTextBoxFlag xmlns="" xmlns:ma14="http://schemas.microsoft.com/office/mac/drawingml/2011/main" val="1"/>
+              <ma14:wrappingTextBoxFlag xmlns:ma14="http://schemas.microsoft.com/office/mac/drawingml/2011/main" xmlns="" val="1"/>
             </a:ext>
           </a:extLst>
         </p:spPr>
@@ -2706,7 +2706,7 @@
           </a:ln>
           <a:extLst>
             <a:ext uri="{C572A759-6A51-4108-AA02-DFA0A04FC94B}">
-              <ma14:wrappingTextBoxFlag xmlns="" xmlns:ma14="http://schemas.microsoft.com/office/mac/drawingml/2011/main" val="1"/>
+              <ma14:wrappingTextBoxFlag xmlns:ma14="http://schemas.microsoft.com/office/mac/drawingml/2011/main" xmlns="" val="1"/>
             </a:ext>
           </a:extLst>
         </p:spPr>
@@ -2795,7 +2795,7 @@
           </a:ln>
           <a:extLst>
             <a:ext uri="{C572A759-6A51-4108-AA02-DFA0A04FC94B}">
-              <ma14:wrappingTextBoxFlag xmlns="" xmlns:ma14="http://schemas.microsoft.com/office/mac/drawingml/2011/main" val="1"/>
+              <ma14:wrappingTextBoxFlag xmlns:ma14="http://schemas.microsoft.com/office/mac/drawingml/2011/main" xmlns="" val="1"/>
             </a:ext>
           </a:extLst>
         </p:spPr>
@@ -2855,7 +2855,7 @@
           </a:ln>
           <a:extLst>
             <a:ext uri="{C572A759-6A51-4108-AA02-DFA0A04FC94B}">
-              <ma14:wrappingTextBoxFlag xmlns="" xmlns:ma14="http://schemas.microsoft.com/office/mac/drawingml/2011/main" val="1"/>
+              <ma14:wrappingTextBoxFlag xmlns:ma14="http://schemas.microsoft.com/office/mac/drawingml/2011/main" xmlns="" val="1"/>
             </a:ext>
           </a:extLst>
         </p:spPr>
@@ -3245,7 +3245,7 @@
           </a:ln>
           <a:extLst>
             <a:ext uri="{C572A759-6A51-4108-AA02-DFA0A04FC94B}">
-              <ma14:wrappingTextBoxFlag xmlns="" xmlns:ma14="http://schemas.microsoft.com/office/mac/drawingml/2011/main" val="1"/>
+              <ma14:wrappingTextBoxFlag xmlns:ma14="http://schemas.microsoft.com/office/mac/drawingml/2011/main" xmlns="" val="1"/>
             </a:ext>
           </a:extLst>
         </p:spPr>
@@ -3352,7 +3352,7 @@
           </a:ln>
           <a:extLst>
             <a:ext uri="{C572A759-6A51-4108-AA02-DFA0A04FC94B}">
-              <ma14:wrappingTextBoxFlag xmlns="" xmlns:ma14="http://schemas.microsoft.com/office/mac/drawingml/2011/main" val="1"/>
+              <ma14:wrappingTextBoxFlag xmlns:ma14="http://schemas.microsoft.com/office/mac/drawingml/2011/main" xmlns="" val="1"/>
             </a:ext>
           </a:extLst>
         </p:spPr>
@@ -3483,7 +3483,7 @@
           </a:ln>
           <a:extLst>
             <a:ext uri="{C572A759-6A51-4108-AA02-DFA0A04FC94B}">
-              <ma14:wrappingTextBoxFlag xmlns="" xmlns:ma14="http://schemas.microsoft.com/office/mac/drawingml/2011/main" val="1"/>
+              <ma14:wrappingTextBoxFlag xmlns:ma14="http://schemas.microsoft.com/office/mac/drawingml/2011/main" xmlns="" val="1"/>
             </a:ext>
           </a:extLst>
         </p:spPr>
@@ -3888,7 +3888,7 @@
           </a:ln>
           <a:extLst>
             <a:ext uri="{C572A759-6A51-4108-AA02-DFA0A04FC94B}">
-              <ma14:wrappingTextBoxFlag xmlns="" xmlns:ma14="http://schemas.microsoft.com/office/mac/drawingml/2011/main" val="1"/>
+              <ma14:wrappingTextBoxFlag xmlns:ma14="http://schemas.microsoft.com/office/mac/drawingml/2011/main" xmlns="" val="1"/>
             </a:ext>
           </a:extLst>
         </p:spPr>
@@ -4216,7 +4216,7 @@
           </a:ln>
           <a:extLst>
             <a:ext uri="{C572A759-6A51-4108-AA02-DFA0A04FC94B}">
-              <ma14:wrappingTextBoxFlag xmlns="" xmlns:ma14="http://schemas.microsoft.com/office/mac/drawingml/2011/main" val="1"/>
+              <ma14:wrappingTextBoxFlag xmlns:ma14="http://schemas.microsoft.com/office/mac/drawingml/2011/main" xmlns="" val="1"/>
             </a:ext>
           </a:extLst>
         </p:spPr>
@@ -4275,7 +4275,7 @@
           </a:ln>
           <a:extLst>
             <a:ext uri="{C572A759-6A51-4108-AA02-DFA0A04FC94B}">
-              <ma14:wrappingTextBoxFlag xmlns="" xmlns:ma14="http://schemas.microsoft.com/office/mac/drawingml/2011/main" val="1"/>
+              <ma14:wrappingTextBoxFlag xmlns:ma14="http://schemas.microsoft.com/office/mac/drawingml/2011/main" xmlns="" val="1"/>
             </a:ext>
           </a:extLst>
         </p:spPr>
@@ -4353,7 +4353,7 @@
           </a:ln>
           <a:extLst>
             <a:ext uri="{C572A759-6A51-4108-AA02-DFA0A04FC94B}">
-              <ma14:wrappingTextBoxFlag xmlns="" xmlns:ma14="http://schemas.microsoft.com/office/mac/drawingml/2011/main" val="1"/>
+              <ma14:wrappingTextBoxFlag xmlns:ma14="http://schemas.microsoft.com/office/mac/drawingml/2011/main" xmlns="" val="1"/>
             </a:ext>
           </a:extLst>
         </p:spPr>
@@ -4478,7 +4478,7 @@
           </a:ln>
           <a:extLst>
             <a:ext uri="{C572A759-6A51-4108-AA02-DFA0A04FC94B}">
-              <ma14:wrappingTextBoxFlag xmlns="" xmlns:ma14="http://schemas.microsoft.com/office/mac/drawingml/2011/main" val="1"/>
+              <ma14:wrappingTextBoxFlag xmlns:ma14="http://schemas.microsoft.com/office/mac/drawingml/2011/main" xmlns="" val="1"/>
             </a:ext>
           </a:extLst>
         </p:spPr>
@@ -4501,13 +4501,40 @@
               <a:defRPr sz="1800"/>
             </a:pPr>
             <a:r>
+              <a:rPr lang="en-US" sz="1200" dirty="0" smtClean="0">
+                <a:latin typeface="Source Sans Pro Light"/>
+                <a:ea typeface="Source Sans Pro Light"/>
+                <a:cs typeface="Source Sans Pro Light"/>
+                <a:sym typeface="Source Sans Pro Light"/>
+              </a:rPr>
+              <a:t>Data</a:t>
+            </a:r>
+            <a:r>
+              <a:rPr lang="pl-PL" sz="1200" dirty="0" smtClean="0">
+                <a:latin typeface="Source Sans Pro Light"/>
+                <a:ea typeface="Source Sans Pro Light"/>
+                <a:cs typeface="Source Sans Pro Light"/>
+                <a:sym typeface="Source Sans Pro Light"/>
+              </a:rPr>
+              <a:t> </a:t>
+            </a:r>
+            <a:r>
+              <a:rPr lang="en-US" sz="1200" dirty="0" smtClean="0">
+                <a:latin typeface="Source Sans Pro Light"/>
+                <a:ea typeface="Source Sans Pro Light"/>
+                <a:cs typeface="Source Sans Pro Light"/>
+                <a:sym typeface="Source Sans Pro Light"/>
+              </a:rPr>
+              <a:t>sets </a:t>
+            </a:r>
+            <a:r>
               <a:rPr lang="en-US" sz="1200" dirty="0">
                 <a:latin typeface="Source Sans Pro Light"/>
                 <a:ea typeface="Source Sans Pro Light"/>
                 <a:cs typeface="Source Sans Pro Light"/>
                 <a:sym typeface="Source Sans Pro Light"/>
               </a:rPr>
-              <a:t>Datasets for testing expression differences must contain per gene read counts. Columns should correspond to genes, rows to samples. As input for tests corresponds to expression, the </a:t>
+              <a:t>for testing expression differences must contain per gene read counts. Columns should correspond to genes, rows to samples. As input for tests corresponds to expression, the </a:t>
             </a:r>
             <a:r>
               <a:rPr lang="en-US" sz="1200" b="1" dirty="0" err="1" smtClean="0">
@@ -4662,7 +4689,7 @@
           </a:ln>
           <a:extLst>
             <a:ext uri="{C572A759-6A51-4108-AA02-DFA0A04FC94B}">
-              <ma14:wrappingTextBoxFlag xmlns="" xmlns:ma14="http://schemas.microsoft.com/office/mac/drawingml/2011/main" val="1"/>
+              <ma14:wrappingTextBoxFlag xmlns:ma14="http://schemas.microsoft.com/office/mac/drawingml/2011/main" xmlns="" val="1"/>
             </a:ext>
           </a:extLst>
         </p:spPr>
@@ -5108,7 +5135,7 @@
           </a:ln>
           <a:extLst>
             <a:ext uri="{C572A759-6A51-4108-AA02-DFA0A04FC94B}">
-              <ma14:wrappingTextBoxFlag xmlns="" xmlns:ma14="http://schemas.microsoft.com/office/mac/drawingml/2011/main" val="1"/>
+              <ma14:wrappingTextBoxFlag xmlns:ma14="http://schemas.microsoft.com/office/mac/drawingml/2011/main" xmlns="" val="1"/>
             </a:ext>
           </a:extLst>
         </p:spPr>
@@ -5210,7 +5237,7 @@
           </a:ln>
           <a:extLst>
             <a:ext uri="{C572A759-6A51-4108-AA02-DFA0A04FC94B}">
-              <ma14:wrappingTextBoxFlag xmlns="" xmlns:ma14="http://schemas.microsoft.com/office/mac/drawingml/2011/main" val="1"/>
+              <ma14:wrappingTextBoxFlag xmlns:ma14="http://schemas.microsoft.com/office/mac/drawingml/2011/main" xmlns="" val="1"/>
             </a:ext>
           </a:extLst>
         </p:spPr>
@@ -5324,7 +5351,7 @@
           </a:ln>
           <a:extLst>
             <a:ext uri="{C572A759-6A51-4108-AA02-DFA0A04FC94B}">
-              <ma14:wrappingTextBoxFlag xmlns="" xmlns:ma14="http://schemas.microsoft.com/office/mac/drawingml/2011/main" val="1"/>
+              <ma14:wrappingTextBoxFlag xmlns:ma14="http://schemas.microsoft.com/office/mac/drawingml/2011/main" xmlns="" val="1"/>
             </a:ext>
           </a:extLst>
         </p:spPr>
@@ -5378,7 +5405,7 @@
           </a:ln>
           <a:extLst>
             <a:ext uri="{C572A759-6A51-4108-AA02-DFA0A04FC94B}">
-              <ma14:wrappingTextBoxFlag xmlns="" xmlns:ma14="http://schemas.microsoft.com/office/mac/drawingml/2011/main" val="1"/>
+              <ma14:wrappingTextBoxFlag xmlns:ma14="http://schemas.microsoft.com/office/mac/drawingml/2011/main" xmlns="" val="1"/>
             </a:ext>
           </a:extLst>
         </p:spPr>
@@ -5401,13 +5428,40 @@
               <a:defRPr sz="1800"/>
             </a:pPr>
             <a:r>
+              <a:rPr lang="en-US" sz="1200" dirty="0" smtClean="0">
+                <a:latin typeface="Source Sans Pro Light"/>
+                <a:ea typeface="Source Sans Pro Light"/>
+                <a:cs typeface="Source Sans Pro Light"/>
+                <a:sym typeface="Source Sans Pro Light"/>
+              </a:rPr>
+              <a:t>Data</a:t>
+            </a:r>
+            <a:r>
+              <a:rPr lang="pl-PL" sz="1200" smtClean="0">
+                <a:latin typeface="Source Sans Pro Light"/>
+                <a:ea typeface="Source Sans Pro Light"/>
+                <a:cs typeface="Source Sans Pro Light"/>
+                <a:sym typeface="Source Sans Pro Light"/>
+              </a:rPr>
+              <a:t> </a:t>
+            </a:r>
+            <a:r>
+              <a:rPr lang="en-US" sz="1200" smtClean="0">
+                <a:latin typeface="Source Sans Pro Light"/>
+                <a:ea typeface="Source Sans Pro Light"/>
+                <a:cs typeface="Source Sans Pro Light"/>
+                <a:sym typeface="Source Sans Pro Light"/>
+              </a:rPr>
+              <a:t>sets </a:t>
+            </a:r>
+            <a:r>
               <a:rPr lang="en-US" sz="1200" dirty="0">
                 <a:latin typeface="Source Sans Pro Light"/>
                 <a:ea typeface="Source Sans Pro Light"/>
                 <a:cs typeface="Source Sans Pro Light"/>
                 <a:sym typeface="Source Sans Pro Light"/>
               </a:rPr>
-              <a:t>Datasets for testing methylation differences must contain a percentage of methylation for each </a:t>
+              <a:t>for testing methylation differences must contain a percentage of methylation for each </a:t>
             </a:r>
             <a:r>
               <a:rPr lang="en-US" sz="1200" dirty="0" err="1">
@@ -5563,7 +5617,7 @@
           </a:ln>
           <a:extLst>
             <a:ext uri="{C572A759-6A51-4108-AA02-DFA0A04FC94B}">
-              <ma14:wrappingTextBoxFlag xmlns="" xmlns:ma14="http://schemas.microsoft.com/office/mac/drawingml/2011/main" val="1"/>
+              <ma14:wrappingTextBoxFlag xmlns:ma14="http://schemas.microsoft.com/office/mac/drawingml/2011/main" xmlns="" val="1"/>
             </a:ext>
           </a:extLst>
         </p:spPr>
@@ -5680,7 +5734,7 @@
           </a:ln>
           <a:extLst>
             <a:ext uri="{C572A759-6A51-4108-AA02-DFA0A04FC94B}">
-              <ma14:wrappingTextBoxFlag xmlns="" xmlns:ma14="http://schemas.microsoft.com/office/mac/drawingml/2011/main" val="1"/>
+              <ma14:wrappingTextBoxFlag xmlns:ma14="http://schemas.microsoft.com/office/mac/drawingml/2011/main" xmlns="" val="1"/>
             </a:ext>
           </a:extLst>
         </p:spPr>
@@ -5734,7 +5788,7 @@
           </a:ln>
           <a:extLst>
             <a:ext uri="{C572A759-6A51-4108-AA02-DFA0A04FC94B}">
-              <ma14:wrappingTextBoxFlag xmlns="" xmlns:ma14="http://schemas.microsoft.com/office/mac/drawingml/2011/main" val="1"/>
+              <ma14:wrappingTextBoxFlag xmlns:ma14="http://schemas.microsoft.com/office/mac/drawingml/2011/main" xmlns="" val="1"/>
             </a:ext>
           </a:extLst>
         </p:spPr>
@@ -6202,7 +6256,7 @@
           </a:ln>
           <a:extLst>
             <a:ext uri="{C572A759-6A51-4108-AA02-DFA0A04FC94B}">
-              <ma14:wrappingTextBoxFlag xmlns="" xmlns:ma14="http://schemas.microsoft.com/office/mac/drawingml/2011/main" val="1"/>
+              <ma14:wrappingTextBoxFlag xmlns:ma14="http://schemas.microsoft.com/office/mac/drawingml/2011/main" xmlns="" val="1"/>
             </a:ext>
           </a:extLst>
         </p:spPr>
@@ -6308,7 +6362,7 @@
           </a:ln>
           <a:extLst>
             <a:ext uri="{C572A759-6A51-4108-AA02-DFA0A04FC94B}">
-              <ma14:wrappingTextBoxFlag xmlns="" xmlns:ma14="http://schemas.microsoft.com/office/mac/drawingml/2011/main" val="1"/>
+              <ma14:wrappingTextBoxFlag xmlns:ma14="http://schemas.microsoft.com/office/mac/drawingml/2011/main" xmlns="" val="1"/>
             </a:ext>
           </a:extLst>
         </p:spPr>
@@ -6403,7 +6457,7 @@
           </a:ln>
           <a:extLst>
             <a:ext uri="{C572A759-6A51-4108-AA02-DFA0A04FC94B}">
-              <ma14:wrappingTextBoxFlag xmlns="" xmlns:ma14="http://schemas.microsoft.com/office/mac/drawingml/2011/main" val="1"/>
+              <ma14:wrappingTextBoxFlag xmlns:ma14="http://schemas.microsoft.com/office/mac/drawingml/2011/main" xmlns="" val="1"/>
             </a:ext>
           </a:extLst>
         </p:spPr>
@@ -6520,7 +6574,7 @@
           </a:ln>
           <a:extLst>
             <a:ext uri="{C572A759-6A51-4108-AA02-DFA0A04FC94B}">
-              <ma14:wrappingTextBoxFlag xmlns="" xmlns:ma14="http://schemas.microsoft.com/office/mac/drawingml/2011/main" val="1"/>
+              <ma14:wrappingTextBoxFlag xmlns:ma14="http://schemas.microsoft.com/office/mac/drawingml/2011/main" xmlns="" val="1"/>
             </a:ext>
           </a:extLst>
         </p:spPr>
@@ -6574,7 +6628,7 @@
           </a:ln>
           <a:extLst>
             <a:ext uri="{C572A759-6A51-4108-AA02-DFA0A04FC94B}">
-              <ma14:wrappingTextBoxFlag xmlns="" xmlns:ma14="http://schemas.microsoft.com/office/mac/drawingml/2011/main" val="1"/>
+              <ma14:wrappingTextBoxFlag xmlns:ma14="http://schemas.microsoft.com/office/mac/drawingml/2011/main" xmlns="" val="1"/>
             </a:ext>
           </a:extLst>
         </p:spPr>
@@ -6756,7 +6810,7 @@
           </a:ln>
           <a:extLst>
             <a:ext uri="{C572A759-6A51-4108-AA02-DFA0A04FC94B}">
-              <ma14:wrappingTextBoxFlag xmlns="" xmlns:ma14="http://schemas.microsoft.com/office/mac/drawingml/2011/main" val="1"/>
+              <ma14:wrappingTextBoxFlag xmlns:ma14="http://schemas.microsoft.com/office/mac/drawingml/2011/main" xmlns="" val="1"/>
             </a:ext>
           </a:extLst>
         </p:spPr>
@@ -6844,7 +6898,7 @@
           </a:ln>
           <a:extLst>
             <a:ext uri="{C572A759-6A51-4108-AA02-DFA0A04FC94B}">
-              <ma14:wrappingTextBoxFlag xmlns="" xmlns:ma14="http://schemas.microsoft.com/office/mac/drawingml/2011/main" val="1"/>
+              <ma14:wrappingTextBoxFlag xmlns:ma14="http://schemas.microsoft.com/office/mac/drawingml/2011/main" xmlns="" val="1"/>
             </a:ext>
           </a:extLst>
         </p:spPr>
@@ -6914,7 +6968,7 @@
           </a:ln>
           <a:extLst>
             <a:ext uri="{C572A759-6A51-4108-AA02-DFA0A04FC94B}">
-              <ma14:wrappingTextBoxFlag xmlns="" xmlns:ma14="http://schemas.microsoft.com/office/mac/drawingml/2011/main" val="1"/>
+              <ma14:wrappingTextBoxFlag xmlns:ma14="http://schemas.microsoft.com/office/mac/drawingml/2011/main" xmlns="" val="1"/>
             </a:ext>
           </a:extLst>
         </p:spPr>
@@ -7012,7 +7066,7 @@
           </a:ln>
           <a:extLst>
             <a:ext uri="{C572A759-6A51-4108-AA02-DFA0A04FC94B}">
-              <ma14:wrappingTextBoxFlag xmlns="" xmlns:ma14="http://schemas.microsoft.com/office/mac/drawingml/2011/main" val="1"/>
+              <ma14:wrappingTextBoxFlag xmlns:ma14="http://schemas.microsoft.com/office/mac/drawingml/2011/main" xmlns="" val="1"/>
             </a:ext>
           </a:extLst>
         </p:spPr>
@@ -7122,7 +7176,7 @@
           </a:ln>
           <a:extLst>
             <a:ext uri="{C572A759-6A51-4108-AA02-DFA0A04FC94B}">
-              <ma14:wrappingTextBoxFlag xmlns="" xmlns:ma14="http://schemas.microsoft.com/office/mac/drawingml/2011/main" val="1"/>
+              <ma14:wrappingTextBoxFlag xmlns:ma14="http://schemas.microsoft.com/office/mac/drawingml/2011/main" xmlns="" val="1"/>
             </a:ext>
           </a:extLst>
         </p:spPr>
@@ -7242,7 +7296,7 @@
           </a:ln>
           <a:extLst>
             <a:ext uri="{C572A759-6A51-4108-AA02-DFA0A04FC94B}">
-              <ma14:wrappingTextBoxFlag xmlns="" xmlns:ma14="http://schemas.microsoft.com/office/mac/drawingml/2011/main" val="1"/>
+              <ma14:wrappingTextBoxFlag xmlns:ma14="http://schemas.microsoft.com/office/mac/drawingml/2011/main" xmlns="" val="1"/>
             </a:ext>
           </a:extLst>
         </p:spPr>
@@ -7457,7 +7511,7 @@
           </a:ln>
           <a:extLst>
             <a:ext uri="{C572A759-6A51-4108-AA02-DFA0A04FC94B}">
-              <ma14:wrappingTextBoxFlag xmlns="" xmlns:ma14="http://schemas.microsoft.com/office/mac/drawingml/2011/main" val="1"/>
+              <ma14:wrappingTextBoxFlag xmlns:ma14="http://schemas.microsoft.com/office/mac/drawingml/2011/main" xmlns="" val="1"/>
             </a:ext>
           </a:extLst>
         </p:spPr>
@@ -7642,7 +7696,7 @@
           </a:ln>
           <a:extLst>
             <a:ext uri="{C572A759-6A51-4108-AA02-DFA0A04FC94B}">
-              <ma14:wrappingTextBoxFlag xmlns="" xmlns:ma14="http://schemas.microsoft.com/office/mac/drawingml/2011/main" val="1"/>
+              <ma14:wrappingTextBoxFlag xmlns:ma14="http://schemas.microsoft.com/office/mac/drawingml/2011/main" xmlns="" val="1"/>
             </a:ext>
           </a:extLst>
         </p:spPr>
@@ -7808,7 +7862,7 @@
           </a:ln>
           <a:extLst>
             <a:ext uri="{C572A759-6A51-4108-AA02-DFA0A04FC94B}">
-              <ma14:wrappingTextBoxFlag xmlns="" xmlns:ma14="http://schemas.microsoft.com/office/mac/drawingml/2011/main" val="1"/>
+              <ma14:wrappingTextBoxFlag xmlns:ma14="http://schemas.microsoft.com/office/mac/drawingml/2011/main" xmlns="" val="1"/>
             </a:ext>
           </a:extLst>
         </p:spPr>
@@ -7868,7 +7922,7 @@
           </a:ln>
           <a:extLst>
             <a:ext uri="{C572A759-6A51-4108-AA02-DFA0A04FC94B}">
-              <ma14:wrappingTextBoxFlag xmlns="" xmlns:ma14="http://schemas.microsoft.com/office/mac/drawingml/2011/main" val="1"/>
+              <ma14:wrappingTextBoxFlag xmlns:ma14="http://schemas.microsoft.com/office/mac/drawingml/2011/main" xmlns="" val="1"/>
             </a:ext>
           </a:extLst>
         </p:spPr>
@@ -8034,7 +8088,7 @@
           </a:ln>
           <a:extLst>
             <a:ext uri="{C572A759-6A51-4108-AA02-DFA0A04FC94B}">
-              <ma14:wrappingTextBoxFlag xmlns="" xmlns:ma14="http://schemas.microsoft.com/office/mac/drawingml/2011/main" val="1"/>
+              <ma14:wrappingTextBoxFlag xmlns:ma14="http://schemas.microsoft.com/office/mac/drawingml/2011/main" xmlns="" val="1"/>
             </a:ext>
           </a:extLst>
         </p:spPr>
@@ -8088,7 +8142,7 @@
           </a:ln>
           <a:extLst>
             <a:ext uri="{C572A759-6A51-4108-AA02-DFA0A04FC94B}">
-              <ma14:wrappingTextBoxFlag xmlns="" xmlns:ma14="http://schemas.microsoft.com/office/mac/drawingml/2011/main" val="1"/>
+              <ma14:wrappingTextBoxFlag xmlns:ma14="http://schemas.microsoft.com/office/mac/drawingml/2011/main" xmlns="" val="1"/>
             </a:ext>
           </a:extLst>
         </p:spPr>
@@ -8180,7 +8234,7 @@
           </a:ln>
           <a:extLst>
             <a:ext uri="{C572A759-6A51-4108-AA02-DFA0A04FC94B}">
-              <ma14:wrappingTextBoxFlag xmlns="" xmlns:ma14="http://schemas.microsoft.com/office/mac/drawingml/2011/main" val="1"/>
+              <ma14:wrappingTextBoxFlag xmlns:ma14="http://schemas.microsoft.com/office/mac/drawingml/2011/main" xmlns="" val="1"/>
             </a:ext>
           </a:extLst>
         </p:spPr>
